--- a/sitemap_v1.0.pptx
+++ b/sitemap_v1.0.pptx
@@ -7,7 +7,8 @@
   <p:sldIdLst>
     <p:sldId id="256" r:id="rId2"/>
     <p:sldId id="257" r:id="rId3"/>
-    <p:sldId id="258" r:id="rId4"/>
+    <p:sldId id="260" r:id="rId4"/>
+    <p:sldId id="258" r:id="rId5"/>
   </p:sldIdLst>
   <p:sldSz cx="12192000" cy="6858000"/>
   <p:notesSz cx="6858000" cy="9144000"/>
@@ -1608,6 +1609,753 @@
 </dgm:colorsDef>
 </file>
 
+<file path=ppt/diagrams/colors3.xml><?xml version="1.0" encoding="utf-8"?>
+<dgm:colorsDef xmlns:dgm="http://schemas.openxmlformats.org/drawingml/2006/diagram" xmlns:a="http://schemas.openxmlformats.org/drawingml/2006/main" uniqueId="urn:microsoft.com/office/officeart/2005/8/colors/accent1_2">
+  <dgm:title val=""/>
+  <dgm:desc val=""/>
+  <dgm:catLst>
+    <dgm:cat type="accent1" pri="11200"/>
+  </dgm:catLst>
+  <dgm:styleLbl name="node0">
+    <dgm:fillClrLst meth="repeat">
+      <a:schemeClr val="accent1"/>
+    </dgm:fillClrLst>
+    <dgm:linClrLst meth="repeat">
+      <a:schemeClr val="lt1"/>
+    </dgm:linClrLst>
+    <dgm:effectClrLst/>
+    <dgm:txLinClrLst/>
+    <dgm:txFillClrLst/>
+    <dgm:txEffectClrLst/>
+  </dgm:styleLbl>
+  <dgm:styleLbl name="alignNode1">
+    <dgm:fillClrLst meth="repeat">
+      <a:schemeClr val="accent1"/>
+    </dgm:fillClrLst>
+    <dgm:linClrLst meth="repeat">
+      <a:schemeClr val="accent1"/>
+    </dgm:linClrLst>
+    <dgm:effectClrLst/>
+    <dgm:txLinClrLst/>
+    <dgm:txFillClrLst/>
+    <dgm:txEffectClrLst/>
+  </dgm:styleLbl>
+  <dgm:styleLbl name="node1">
+    <dgm:fillClrLst meth="repeat">
+      <a:schemeClr val="accent1"/>
+    </dgm:fillClrLst>
+    <dgm:linClrLst meth="repeat">
+      <a:schemeClr val="lt1"/>
+    </dgm:linClrLst>
+    <dgm:effectClrLst/>
+    <dgm:txLinClrLst/>
+    <dgm:txFillClrLst/>
+    <dgm:txEffectClrLst/>
+  </dgm:styleLbl>
+  <dgm:styleLbl name="lnNode1">
+    <dgm:fillClrLst meth="repeat">
+      <a:schemeClr val="accent1"/>
+    </dgm:fillClrLst>
+    <dgm:linClrLst meth="repeat">
+      <a:schemeClr val="lt1"/>
+    </dgm:linClrLst>
+    <dgm:effectClrLst/>
+    <dgm:txLinClrLst/>
+    <dgm:txFillClrLst/>
+    <dgm:txEffectClrLst/>
+  </dgm:styleLbl>
+  <dgm:styleLbl name="vennNode1">
+    <dgm:fillClrLst meth="repeat">
+      <a:schemeClr val="accent1">
+        <a:alpha val="50000"/>
+      </a:schemeClr>
+    </dgm:fillClrLst>
+    <dgm:linClrLst meth="repeat">
+      <a:schemeClr val="lt1"/>
+    </dgm:linClrLst>
+    <dgm:effectClrLst/>
+    <dgm:txLinClrLst/>
+    <dgm:txFillClrLst/>
+    <dgm:txEffectClrLst/>
+  </dgm:styleLbl>
+  <dgm:styleLbl name="node2">
+    <dgm:fillClrLst meth="repeat">
+      <a:schemeClr val="accent1"/>
+    </dgm:fillClrLst>
+    <dgm:linClrLst meth="repeat">
+      <a:schemeClr val="lt1"/>
+    </dgm:linClrLst>
+    <dgm:effectClrLst/>
+    <dgm:txLinClrLst/>
+    <dgm:txFillClrLst/>
+    <dgm:txEffectClrLst/>
+  </dgm:styleLbl>
+  <dgm:styleLbl name="node3">
+    <dgm:fillClrLst meth="repeat">
+      <a:schemeClr val="accent1"/>
+    </dgm:fillClrLst>
+    <dgm:linClrLst meth="repeat">
+      <a:schemeClr val="lt1"/>
+    </dgm:linClrLst>
+    <dgm:effectClrLst/>
+    <dgm:txLinClrLst/>
+    <dgm:txFillClrLst/>
+    <dgm:txEffectClrLst/>
+  </dgm:styleLbl>
+  <dgm:styleLbl name="node4">
+    <dgm:fillClrLst meth="repeat">
+      <a:schemeClr val="accent1"/>
+    </dgm:fillClrLst>
+    <dgm:linClrLst meth="repeat">
+      <a:schemeClr val="lt1"/>
+    </dgm:linClrLst>
+    <dgm:effectClrLst/>
+    <dgm:txLinClrLst/>
+    <dgm:txFillClrLst/>
+    <dgm:txEffectClrLst/>
+  </dgm:styleLbl>
+  <dgm:styleLbl name="fgImgPlace1">
+    <dgm:fillClrLst meth="repeat">
+      <a:schemeClr val="accent1">
+        <a:tint val="50000"/>
+      </a:schemeClr>
+    </dgm:fillClrLst>
+    <dgm:linClrLst meth="repeat">
+      <a:schemeClr val="lt1"/>
+    </dgm:linClrLst>
+    <dgm:effectClrLst/>
+    <dgm:txLinClrLst/>
+    <dgm:txFillClrLst meth="repeat">
+      <a:schemeClr val="lt1"/>
+    </dgm:txFillClrLst>
+    <dgm:txEffectClrLst/>
+  </dgm:styleLbl>
+  <dgm:styleLbl name="alignImgPlace1">
+    <dgm:fillClrLst meth="repeat">
+      <a:schemeClr val="accent1">
+        <a:tint val="50000"/>
+      </a:schemeClr>
+    </dgm:fillClrLst>
+    <dgm:linClrLst meth="repeat">
+      <a:schemeClr val="lt1"/>
+    </dgm:linClrLst>
+    <dgm:effectClrLst/>
+    <dgm:txLinClrLst/>
+    <dgm:txFillClrLst meth="repeat">
+      <a:schemeClr val="lt1"/>
+    </dgm:txFillClrLst>
+    <dgm:txEffectClrLst/>
+  </dgm:styleLbl>
+  <dgm:styleLbl name="bgImgPlace1">
+    <dgm:fillClrLst meth="repeat">
+      <a:schemeClr val="accent1">
+        <a:tint val="50000"/>
+      </a:schemeClr>
+    </dgm:fillClrLst>
+    <dgm:linClrLst meth="repeat">
+      <a:schemeClr val="lt1"/>
+    </dgm:linClrLst>
+    <dgm:effectClrLst/>
+    <dgm:txLinClrLst/>
+    <dgm:txFillClrLst meth="repeat">
+      <a:schemeClr val="lt1"/>
+    </dgm:txFillClrLst>
+    <dgm:txEffectClrLst/>
+  </dgm:styleLbl>
+  <dgm:styleLbl name="sibTrans2D1">
+    <dgm:fillClrLst meth="repeat">
+      <a:schemeClr val="accent1">
+        <a:tint val="60000"/>
+      </a:schemeClr>
+    </dgm:fillClrLst>
+    <dgm:linClrLst meth="repeat">
+      <a:schemeClr val="accent1">
+        <a:tint val="60000"/>
+      </a:schemeClr>
+    </dgm:linClrLst>
+    <dgm:effectClrLst/>
+    <dgm:txLinClrLst/>
+    <dgm:txFillClrLst/>
+    <dgm:txEffectClrLst/>
+  </dgm:styleLbl>
+  <dgm:styleLbl name="fgSibTrans2D1">
+    <dgm:fillClrLst meth="repeat">
+      <a:schemeClr val="accent1">
+        <a:tint val="60000"/>
+      </a:schemeClr>
+    </dgm:fillClrLst>
+    <dgm:linClrLst meth="repeat">
+      <a:schemeClr val="accent1">
+        <a:tint val="60000"/>
+      </a:schemeClr>
+    </dgm:linClrLst>
+    <dgm:effectClrLst/>
+    <dgm:txLinClrLst/>
+    <dgm:txFillClrLst/>
+    <dgm:txEffectClrLst/>
+  </dgm:styleLbl>
+  <dgm:styleLbl name="bgSibTrans2D1">
+    <dgm:fillClrLst meth="repeat">
+      <a:schemeClr val="accent1">
+        <a:tint val="60000"/>
+      </a:schemeClr>
+    </dgm:fillClrLst>
+    <dgm:linClrLst meth="repeat">
+      <a:schemeClr val="accent1">
+        <a:tint val="60000"/>
+      </a:schemeClr>
+    </dgm:linClrLst>
+    <dgm:effectClrLst/>
+    <dgm:txLinClrLst/>
+    <dgm:txFillClrLst/>
+    <dgm:txEffectClrLst/>
+  </dgm:styleLbl>
+  <dgm:styleLbl name="sibTrans1D1">
+    <dgm:fillClrLst meth="repeat">
+      <a:schemeClr val="accent1"/>
+    </dgm:fillClrLst>
+    <dgm:linClrLst meth="repeat">
+      <a:schemeClr val="accent1"/>
+    </dgm:linClrLst>
+    <dgm:effectClrLst/>
+    <dgm:txLinClrLst/>
+    <dgm:txFillClrLst meth="repeat">
+      <a:schemeClr val="tx1"/>
+    </dgm:txFillClrLst>
+    <dgm:txEffectClrLst/>
+  </dgm:styleLbl>
+  <dgm:styleLbl name="callout">
+    <dgm:fillClrLst meth="repeat">
+      <a:schemeClr val="accent1"/>
+    </dgm:fillClrLst>
+    <dgm:linClrLst meth="repeat">
+      <a:schemeClr val="accent1">
+        <a:tint val="50000"/>
+      </a:schemeClr>
+    </dgm:linClrLst>
+    <dgm:effectClrLst/>
+    <dgm:txLinClrLst/>
+    <dgm:txFillClrLst meth="repeat">
+      <a:schemeClr val="tx1"/>
+    </dgm:txFillClrLst>
+    <dgm:txEffectClrLst/>
+  </dgm:styleLbl>
+  <dgm:styleLbl name="asst0">
+    <dgm:fillClrLst meth="repeat">
+      <a:schemeClr val="accent1"/>
+    </dgm:fillClrLst>
+    <dgm:linClrLst meth="repeat">
+      <a:schemeClr val="lt1"/>
+    </dgm:linClrLst>
+    <dgm:effectClrLst/>
+    <dgm:txLinClrLst/>
+    <dgm:txFillClrLst/>
+    <dgm:txEffectClrLst/>
+  </dgm:styleLbl>
+  <dgm:styleLbl name="asst1">
+    <dgm:fillClrLst meth="repeat">
+      <a:schemeClr val="accent1"/>
+    </dgm:fillClrLst>
+    <dgm:linClrLst meth="repeat">
+      <a:schemeClr val="lt1"/>
+    </dgm:linClrLst>
+    <dgm:effectClrLst/>
+    <dgm:txLinClrLst/>
+    <dgm:txFillClrLst/>
+    <dgm:txEffectClrLst/>
+  </dgm:styleLbl>
+  <dgm:styleLbl name="asst2">
+    <dgm:fillClrLst meth="repeat">
+      <a:schemeClr val="accent1"/>
+    </dgm:fillClrLst>
+    <dgm:linClrLst meth="repeat">
+      <a:schemeClr val="lt1"/>
+    </dgm:linClrLst>
+    <dgm:effectClrLst/>
+    <dgm:txLinClrLst/>
+    <dgm:txFillClrLst/>
+    <dgm:txEffectClrLst/>
+  </dgm:styleLbl>
+  <dgm:styleLbl name="asst3">
+    <dgm:fillClrLst meth="repeat">
+      <a:schemeClr val="accent1"/>
+    </dgm:fillClrLst>
+    <dgm:linClrLst meth="repeat">
+      <a:schemeClr val="lt1"/>
+    </dgm:linClrLst>
+    <dgm:effectClrLst/>
+    <dgm:txLinClrLst/>
+    <dgm:txFillClrLst/>
+    <dgm:txEffectClrLst/>
+  </dgm:styleLbl>
+  <dgm:styleLbl name="asst4">
+    <dgm:fillClrLst meth="repeat">
+      <a:schemeClr val="accent1"/>
+    </dgm:fillClrLst>
+    <dgm:linClrLst meth="repeat">
+      <a:schemeClr val="lt1"/>
+    </dgm:linClrLst>
+    <dgm:effectClrLst/>
+    <dgm:txLinClrLst/>
+    <dgm:txFillClrLst/>
+    <dgm:txEffectClrLst/>
+  </dgm:styleLbl>
+  <dgm:styleLbl name="parChTrans2D1">
+    <dgm:fillClrLst meth="repeat">
+      <a:schemeClr val="accent1">
+        <a:tint val="60000"/>
+      </a:schemeClr>
+    </dgm:fillClrLst>
+    <dgm:linClrLst meth="repeat">
+      <a:schemeClr val="accent1">
+        <a:tint val="60000"/>
+      </a:schemeClr>
+    </dgm:linClrLst>
+    <dgm:effectClrLst/>
+    <dgm:txLinClrLst/>
+    <dgm:txFillClrLst meth="repeat">
+      <a:schemeClr val="lt1"/>
+    </dgm:txFillClrLst>
+    <dgm:txEffectClrLst/>
+  </dgm:styleLbl>
+  <dgm:styleLbl name="parChTrans2D2">
+    <dgm:fillClrLst meth="repeat">
+      <a:schemeClr val="accent1"/>
+    </dgm:fillClrLst>
+    <dgm:linClrLst meth="repeat">
+      <a:schemeClr val="accent1"/>
+    </dgm:linClrLst>
+    <dgm:effectClrLst/>
+    <dgm:txLinClrLst/>
+    <dgm:txFillClrLst meth="repeat">
+      <a:schemeClr val="lt1"/>
+    </dgm:txFillClrLst>
+    <dgm:txEffectClrLst/>
+  </dgm:styleLbl>
+  <dgm:styleLbl name="parChTrans2D3">
+    <dgm:fillClrLst meth="repeat">
+      <a:schemeClr val="accent1"/>
+    </dgm:fillClrLst>
+    <dgm:linClrLst meth="repeat">
+      <a:schemeClr val="accent1"/>
+    </dgm:linClrLst>
+    <dgm:effectClrLst/>
+    <dgm:txLinClrLst/>
+    <dgm:txFillClrLst meth="repeat">
+      <a:schemeClr val="lt1"/>
+    </dgm:txFillClrLst>
+    <dgm:txEffectClrLst/>
+  </dgm:styleLbl>
+  <dgm:styleLbl name="parChTrans2D4">
+    <dgm:fillClrLst meth="repeat">
+      <a:schemeClr val="accent1"/>
+    </dgm:fillClrLst>
+    <dgm:linClrLst meth="repeat">
+      <a:schemeClr val="accent1"/>
+    </dgm:linClrLst>
+    <dgm:effectClrLst/>
+    <dgm:txLinClrLst/>
+    <dgm:txFillClrLst meth="repeat">
+      <a:schemeClr val="lt1"/>
+    </dgm:txFillClrLst>
+    <dgm:txEffectClrLst/>
+  </dgm:styleLbl>
+  <dgm:styleLbl name="parChTrans1D1">
+    <dgm:fillClrLst meth="repeat">
+      <a:schemeClr val="accent1"/>
+    </dgm:fillClrLst>
+    <dgm:linClrLst meth="repeat">
+      <a:schemeClr val="accent1">
+        <a:shade val="60000"/>
+      </a:schemeClr>
+    </dgm:linClrLst>
+    <dgm:effectClrLst/>
+    <dgm:txLinClrLst/>
+    <dgm:txFillClrLst meth="repeat">
+      <a:schemeClr val="tx1"/>
+    </dgm:txFillClrLst>
+    <dgm:txEffectClrLst/>
+  </dgm:styleLbl>
+  <dgm:styleLbl name="parChTrans1D2">
+    <dgm:fillClrLst meth="repeat">
+      <a:schemeClr val="accent1"/>
+    </dgm:fillClrLst>
+    <dgm:linClrLst meth="repeat">
+      <a:schemeClr val="accent1">
+        <a:shade val="60000"/>
+      </a:schemeClr>
+    </dgm:linClrLst>
+    <dgm:effectClrLst/>
+    <dgm:txLinClrLst/>
+    <dgm:txFillClrLst meth="repeat">
+      <a:schemeClr val="tx1"/>
+    </dgm:txFillClrLst>
+    <dgm:txEffectClrLst/>
+  </dgm:styleLbl>
+  <dgm:styleLbl name="parChTrans1D3">
+    <dgm:fillClrLst meth="repeat">
+      <a:schemeClr val="accent1"/>
+    </dgm:fillClrLst>
+    <dgm:linClrLst meth="repeat">
+      <a:schemeClr val="accent1">
+        <a:shade val="80000"/>
+      </a:schemeClr>
+    </dgm:linClrLst>
+    <dgm:effectClrLst/>
+    <dgm:txLinClrLst/>
+    <dgm:txFillClrLst meth="repeat">
+      <a:schemeClr val="tx1"/>
+    </dgm:txFillClrLst>
+    <dgm:txEffectClrLst/>
+  </dgm:styleLbl>
+  <dgm:styleLbl name="parChTrans1D4">
+    <dgm:fillClrLst meth="repeat">
+      <a:schemeClr val="accent1"/>
+    </dgm:fillClrLst>
+    <dgm:linClrLst meth="repeat">
+      <a:schemeClr val="accent1">
+        <a:shade val="80000"/>
+      </a:schemeClr>
+    </dgm:linClrLst>
+    <dgm:effectClrLst/>
+    <dgm:txLinClrLst/>
+    <dgm:txFillClrLst meth="repeat">
+      <a:schemeClr val="tx1"/>
+    </dgm:txFillClrLst>
+    <dgm:txEffectClrLst/>
+  </dgm:styleLbl>
+  <dgm:styleLbl name="fgAcc1">
+    <dgm:fillClrLst meth="repeat">
+      <a:schemeClr val="lt1">
+        <a:alpha val="90000"/>
+      </a:schemeClr>
+    </dgm:fillClrLst>
+    <dgm:linClrLst meth="repeat">
+      <a:schemeClr val="accent1"/>
+    </dgm:linClrLst>
+    <dgm:effectClrLst/>
+    <dgm:txLinClrLst/>
+    <dgm:txFillClrLst meth="repeat">
+      <a:schemeClr val="dk1"/>
+    </dgm:txFillClrLst>
+    <dgm:txEffectClrLst/>
+  </dgm:styleLbl>
+  <dgm:styleLbl name="conFgAcc1">
+    <dgm:fillClrLst meth="repeat">
+      <a:schemeClr val="lt1">
+        <a:alpha val="90000"/>
+      </a:schemeClr>
+    </dgm:fillClrLst>
+    <dgm:linClrLst meth="repeat">
+      <a:schemeClr val="accent1"/>
+    </dgm:linClrLst>
+    <dgm:effectClrLst/>
+    <dgm:txLinClrLst/>
+    <dgm:txFillClrLst meth="repeat">
+      <a:schemeClr val="dk1"/>
+    </dgm:txFillClrLst>
+    <dgm:txEffectClrLst/>
+  </dgm:styleLbl>
+  <dgm:styleLbl name="alignAcc1">
+    <dgm:fillClrLst meth="repeat">
+      <a:schemeClr val="lt1">
+        <a:alpha val="90000"/>
+      </a:schemeClr>
+    </dgm:fillClrLst>
+    <dgm:linClrLst meth="repeat">
+      <a:schemeClr val="accent1"/>
+    </dgm:linClrLst>
+    <dgm:effectClrLst/>
+    <dgm:txLinClrLst/>
+    <dgm:txFillClrLst meth="repeat">
+      <a:schemeClr val="dk1"/>
+    </dgm:txFillClrLst>
+    <dgm:txEffectClrLst/>
+  </dgm:styleLbl>
+  <dgm:styleLbl name="trAlignAcc1">
+    <dgm:fillClrLst meth="repeat">
+      <a:schemeClr val="lt1">
+        <a:alpha val="40000"/>
+      </a:schemeClr>
+    </dgm:fillClrLst>
+    <dgm:linClrLst meth="repeat">
+      <a:schemeClr val="accent1"/>
+    </dgm:linClrLst>
+    <dgm:effectClrLst/>
+    <dgm:txLinClrLst/>
+    <dgm:txFillClrLst meth="repeat">
+      <a:schemeClr val="dk1"/>
+    </dgm:txFillClrLst>
+    <dgm:txEffectClrLst/>
+  </dgm:styleLbl>
+  <dgm:styleLbl name="bgAcc1">
+    <dgm:fillClrLst meth="repeat">
+      <a:schemeClr val="lt1">
+        <a:alpha val="90000"/>
+      </a:schemeClr>
+    </dgm:fillClrLst>
+    <dgm:linClrLst meth="repeat">
+      <a:schemeClr val="accent1"/>
+    </dgm:linClrLst>
+    <dgm:effectClrLst/>
+    <dgm:txLinClrLst/>
+    <dgm:txFillClrLst meth="repeat">
+      <a:schemeClr val="dk1"/>
+    </dgm:txFillClrLst>
+    <dgm:txEffectClrLst/>
+  </dgm:styleLbl>
+  <dgm:styleLbl name="solidFgAcc1">
+    <dgm:fillClrLst meth="repeat">
+      <a:schemeClr val="lt1"/>
+    </dgm:fillClrLst>
+    <dgm:linClrLst meth="repeat">
+      <a:schemeClr val="accent1"/>
+    </dgm:linClrLst>
+    <dgm:effectClrLst/>
+    <dgm:txLinClrLst/>
+    <dgm:txFillClrLst meth="repeat">
+      <a:schemeClr val="dk1"/>
+    </dgm:txFillClrLst>
+    <dgm:txEffectClrLst/>
+  </dgm:styleLbl>
+  <dgm:styleLbl name="solidAlignAcc1">
+    <dgm:fillClrLst meth="repeat">
+      <a:schemeClr val="lt1"/>
+    </dgm:fillClrLst>
+    <dgm:linClrLst meth="repeat">
+      <a:schemeClr val="accent1"/>
+    </dgm:linClrLst>
+    <dgm:effectClrLst/>
+    <dgm:txLinClrLst/>
+    <dgm:txFillClrLst meth="repeat">
+      <a:schemeClr val="dk1"/>
+    </dgm:txFillClrLst>
+    <dgm:txEffectClrLst/>
+  </dgm:styleLbl>
+  <dgm:styleLbl name="solidBgAcc1">
+    <dgm:fillClrLst meth="repeat">
+      <a:schemeClr val="lt1"/>
+    </dgm:fillClrLst>
+    <dgm:linClrLst meth="repeat">
+      <a:schemeClr val="accent1"/>
+    </dgm:linClrLst>
+    <dgm:effectClrLst/>
+    <dgm:txLinClrLst/>
+    <dgm:txFillClrLst meth="repeat">
+      <a:schemeClr val="dk1"/>
+    </dgm:txFillClrLst>
+    <dgm:txEffectClrLst/>
+  </dgm:styleLbl>
+  <dgm:styleLbl name="fgAccFollowNode1">
+    <dgm:fillClrLst meth="repeat">
+      <a:schemeClr val="accent1">
+        <a:alpha val="90000"/>
+        <a:tint val="40000"/>
+      </a:schemeClr>
+    </dgm:fillClrLst>
+    <dgm:linClrLst meth="repeat">
+      <a:schemeClr val="accent1">
+        <a:alpha val="90000"/>
+        <a:tint val="40000"/>
+      </a:schemeClr>
+    </dgm:linClrLst>
+    <dgm:effectClrLst/>
+    <dgm:txLinClrLst/>
+    <dgm:txFillClrLst meth="repeat">
+      <a:schemeClr val="dk1"/>
+    </dgm:txFillClrLst>
+    <dgm:txEffectClrLst/>
+  </dgm:styleLbl>
+  <dgm:styleLbl name="alignAccFollowNode1">
+    <dgm:fillClrLst meth="repeat">
+      <a:schemeClr val="accent1">
+        <a:alpha val="90000"/>
+        <a:tint val="40000"/>
+      </a:schemeClr>
+    </dgm:fillClrLst>
+    <dgm:linClrLst meth="repeat">
+      <a:schemeClr val="accent1">
+        <a:alpha val="90000"/>
+        <a:tint val="40000"/>
+      </a:schemeClr>
+    </dgm:linClrLst>
+    <dgm:effectClrLst/>
+    <dgm:txLinClrLst/>
+    <dgm:txFillClrLst meth="repeat">
+      <a:schemeClr val="dk1"/>
+    </dgm:txFillClrLst>
+    <dgm:txEffectClrLst/>
+  </dgm:styleLbl>
+  <dgm:styleLbl name="bgAccFollowNode1">
+    <dgm:fillClrLst meth="repeat">
+      <a:schemeClr val="accent1">
+        <a:alpha val="90000"/>
+        <a:tint val="40000"/>
+      </a:schemeClr>
+    </dgm:fillClrLst>
+    <dgm:linClrLst meth="repeat">
+      <a:schemeClr val="accent1">
+        <a:alpha val="90000"/>
+        <a:tint val="40000"/>
+      </a:schemeClr>
+    </dgm:linClrLst>
+    <dgm:effectClrLst/>
+    <dgm:txLinClrLst/>
+    <dgm:txFillClrLst meth="repeat">
+      <a:schemeClr val="dk1"/>
+    </dgm:txFillClrLst>
+    <dgm:txEffectClrLst/>
+  </dgm:styleLbl>
+  <dgm:styleLbl name="fgAcc0">
+    <dgm:fillClrLst meth="repeat">
+      <a:schemeClr val="lt1">
+        <a:alpha val="90000"/>
+      </a:schemeClr>
+    </dgm:fillClrLst>
+    <dgm:linClrLst meth="repeat">
+      <a:schemeClr val="accent1"/>
+    </dgm:linClrLst>
+    <dgm:effectClrLst/>
+    <dgm:txLinClrLst/>
+    <dgm:txFillClrLst meth="repeat">
+      <a:schemeClr val="dk1"/>
+    </dgm:txFillClrLst>
+    <dgm:txEffectClrLst/>
+  </dgm:styleLbl>
+  <dgm:styleLbl name="fgAcc2">
+    <dgm:fillClrLst meth="repeat">
+      <a:schemeClr val="lt1">
+        <a:alpha val="90000"/>
+      </a:schemeClr>
+    </dgm:fillClrLst>
+    <dgm:linClrLst meth="repeat">
+      <a:schemeClr val="accent1"/>
+    </dgm:linClrLst>
+    <dgm:effectClrLst/>
+    <dgm:txLinClrLst/>
+    <dgm:txFillClrLst meth="repeat">
+      <a:schemeClr val="dk1"/>
+    </dgm:txFillClrLst>
+    <dgm:txEffectClrLst/>
+  </dgm:styleLbl>
+  <dgm:styleLbl name="fgAcc3">
+    <dgm:fillClrLst meth="repeat">
+      <a:schemeClr val="lt1">
+        <a:alpha val="90000"/>
+      </a:schemeClr>
+    </dgm:fillClrLst>
+    <dgm:linClrLst meth="repeat">
+      <a:schemeClr val="accent1"/>
+    </dgm:linClrLst>
+    <dgm:effectClrLst/>
+    <dgm:txLinClrLst/>
+    <dgm:txFillClrLst meth="repeat">
+      <a:schemeClr val="dk1"/>
+    </dgm:txFillClrLst>
+    <dgm:txEffectClrLst/>
+  </dgm:styleLbl>
+  <dgm:styleLbl name="fgAcc4">
+    <dgm:fillClrLst meth="repeat">
+      <a:schemeClr val="lt1">
+        <a:alpha val="90000"/>
+      </a:schemeClr>
+    </dgm:fillClrLst>
+    <dgm:linClrLst meth="repeat">
+      <a:schemeClr val="accent1"/>
+    </dgm:linClrLst>
+    <dgm:effectClrLst/>
+    <dgm:txLinClrLst/>
+    <dgm:txFillClrLst meth="repeat">
+      <a:schemeClr val="dk1"/>
+    </dgm:txFillClrLst>
+    <dgm:txEffectClrLst/>
+  </dgm:styleLbl>
+  <dgm:styleLbl name="bgShp">
+    <dgm:fillClrLst meth="repeat">
+      <a:schemeClr val="accent1">
+        <a:tint val="40000"/>
+      </a:schemeClr>
+    </dgm:fillClrLst>
+    <dgm:linClrLst meth="repeat">
+      <a:schemeClr val="accent1"/>
+    </dgm:linClrLst>
+    <dgm:effectClrLst/>
+    <dgm:txLinClrLst/>
+    <dgm:txFillClrLst meth="repeat">
+      <a:schemeClr val="dk1"/>
+    </dgm:txFillClrLst>
+    <dgm:txEffectClrLst/>
+  </dgm:styleLbl>
+  <dgm:styleLbl name="dkBgShp">
+    <dgm:fillClrLst meth="repeat">
+      <a:schemeClr val="accent1">
+        <a:shade val="80000"/>
+      </a:schemeClr>
+    </dgm:fillClrLst>
+    <dgm:linClrLst meth="repeat">
+      <a:schemeClr val="accent1"/>
+    </dgm:linClrLst>
+    <dgm:effectClrLst/>
+    <dgm:txLinClrLst/>
+    <dgm:txFillClrLst meth="repeat">
+      <a:schemeClr val="lt1"/>
+    </dgm:txFillClrLst>
+    <dgm:txEffectClrLst/>
+  </dgm:styleLbl>
+  <dgm:styleLbl name="trBgShp">
+    <dgm:fillClrLst meth="repeat">
+      <a:schemeClr val="accent1">
+        <a:tint val="50000"/>
+        <a:alpha val="40000"/>
+      </a:schemeClr>
+    </dgm:fillClrLst>
+    <dgm:linClrLst meth="repeat">
+      <a:schemeClr val="accent1"/>
+    </dgm:linClrLst>
+    <dgm:effectClrLst/>
+    <dgm:txLinClrLst/>
+    <dgm:txFillClrLst meth="repeat">
+      <a:schemeClr val="lt1"/>
+    </dgm:txFillClrLst>
+    <dgm:txEffectClrLst/>
+  </dgm:styleLbl>
+  <dgm:styleLbl name="fgShp">
+    <dgm:fillClrLst meth="repeat">
+      <a:schemeClr val="accent1">
+        <a:tint val="60000"/>
+      </a:schemeClr>
+    </dgm:fillClrLst>
+    <dgm:linClrLst meth="repeat">
+      <a:schemeClr val="lt1"/>
+    </dgm:linClrLst>
+    <dgm:effectClrLst/>
+    <dgm:txLinClrLst/>
+    <dgm:txFillClrLst meth="repeat">
+      <a:schemeClr val="dk1"/>
+    </dgm:txFillClrLst>
+    <dgm:txEffectClrLst/>
+  </dgm:styleLbl>
+  <dgm:styleLbl name="revTx">
+    <dgm:fillClrLst meth="repeat">
+      <a:schemeClr val="lt1">
+        <a:alpha val="0"/>
+      </a:schemeClr>
+    </dgm:fillClrLst>
+    <dgm:linClrLst meth="repeat">
+      <a:schemeClr val="dk1">
+        <a:alpha val="0"/>
+      </a:schemeClr>
+    </dgm:linClrLst>
+    <dgm:effectClrLst/>
+    <dgm:txLinClrLst/>
+    <dgm:txFillClrLst meth="repeat">
+      <a:schemeClr val="tx1"/>
+    </dgm:txFillClrLst>
+    <dgm:txEffectClrLst/>
+  </dgm:styleLbl>
+</dgm:colorsDef>
+</file>
+
 <file path=ppt/diagrams/data1.xml><?xml version="1.0" encoding="utf-8"?>
 <dgm:dataModel xmlns:dgm="http://schemas.openxmlformats.org/drawingml/2006/diagram" xmlns:a="http://schemas.openxmlformats.org/drawingml/2006/main">
   <dgm:ptLst>
@@ -1958,10 +2706,9 @@
         <a:lstStyle/>
         <a:p>
           <a:r>
-            <a:rPr lang="en-US" b="1" dirty="0"/>
+            <a:rPr lang="en-US" b="1" dirty="0" smtClean="0"/>
             <a:t>Payment</a:t>
           </a:r>
-          <a:endParaRPr lang="en-SG" b="1" dirty="0"/>
         </a:p>
       </dgm:t>
     </dgm:pt>
@@ -2051,6 +2798,80 @@
       </dgm:t>
     </dgm:pt>
     <dgm:pt modelId="{C44A825F-C264-4532-AAFB-7D5F8BC34FEF}" type="sibTrans" cxnId="{52F08A41-4CBC-4893-A1F3-CD55A383AF96}">
+      <dgm:prSet/>
+      <dgm:spPr/>
+      <dgm:t>
+        <a:bodyPr/>
+        <a:lstStyle/>
+        <a:p>
+          <a:endParaRPr lang="en-SG"/>
+        </a:p>
+      </dgm:t>
+    </dgm:pt>
+    <dgm:pt modelId="{D3AAFF67-B031-4816-80FB-CDDE91F992FB}">
+      <dgm:prSet/>
+      <dgm:spPr/>
+      <dgm:t>
+        <a:bodyPr/>
+        <a:lstStyle/>
+        <a:p>
+          <a:r>
+            <a:rPr lang="en-SG" dirty="0" smtClean="0"/>
+            <a:t>Now showing</a:t>
+          </a:r>
+          <a:endParaRPr lang="en-SG" dirty="0"/>
+        </a:p>
+      </dgm:t>
+    </dgm:pt>
+    <dgm:pt modelId="{8640C4EC-09C0-4F73-8AB8-2CBCBACCFECE}" type="parTrans" cxnId="{45FCF63D-6C0F-43A5-B4D4-66FDFB27BF57}">
+      <dgm:prSet/>
+      <dgm:spPr/>
+      <dgm:t>
+        <a:bodyPr/>
+        <a:lstStyle/>
+        <a:p>
+          <a:endParaRPr lang="en-SG"/>
+        </a:p>
+      </dgm:t>
+    </dgm:pt>
+    <dgm:pt modelId="{7A0DE618-44B4-41C8-94A0-6A6FC2FAEBB6}" type="sibTrans" cxnId="{45FCF63D-6C0F-43A5-B4D4-66FDFB27BF57}">
+      <dgm:prSet/>
+      <dgm:spPr/>
+      <dgm:t>
+        <a:bodyPr/>
+        <a:lstStyle/>
+        <a:p>
+          <a:endParaRPr lang="en-SG"/>
+        </a:p>
+      </dgm:t>
+    </dgm:pt>
+    <dgm:pt modelId="{8C95E773-ADDB-4697-A08B-36CFB96DB4F6}">
+      <dgm:prSet/>
+      <dgm:spPr/>
+      <dgm:t>
+        <a:bodyPr/>
+        <a:lstStyle/>
+        <a:p>
+          <a:r>
+            <a:rPr lang="en-SG" dirty="0" smtClean="0"/>
+            <a:t>Coming soon</a:t>
+          </a:r>
+          <a:endParaRPr lang="en-SG" dirty="0"/>
+        </a:p>
+      </dgm:t>
+    </dgm:pt>
+    <dgm:pt modelId="{FA0CA49E-7B16-49CF-9A4D-5314676FEA96}" type="parTrans" cxnId="{D33C7E56-3206-4646-B22C-1FE9DBFE2A5B}">
+      <dgm:prSet/>
+      <dgm:spPr/>
+      <dgm:t>
+        <a:bodyPr/>
+        <a:lstStyle/>
+        <a:p>
+          <a:endParaRPr lang="en-SG"/>
+        </a:p>
+      </dgm:t>
+    </dgm:pt>
+    <dgm:pt modelId="{7188FA36-E6C2-400D-B5FE-2ABA824FDB82}" type="sibTrans" cxnId="{D33C7E56-3206-4646-B22C-1FE9DBFE2A5B}">
       <dgm:prSet/>
       <dgm:spPr/>
       <dgm:t>
@@ -2177,7 +2998,7 @@
       <dgm:spPr/>
     </dgm:pt>
     <dgm:pt modelId="{E0C32808-77DA-454E-B1A8-8717E65C5825}" type="pres">
-      <dgm:prSet presAssocID="{CEDF3C43-DE04-4804-8672-98266BBD01D3}" presName="Name37" presStyleLbl="parChTrans1D3" presStyleIdx="0" presStyleCnt="5"/>
+      <dgm:prSet presAssocID="{CEDF3C43-DE04-4804-8672-98266BBD01D3}" presName="Name37" presStyleLbl="parChTrans1D3" presStyleIdx="0" presStyleCnt="7"/>
       <dgm:spPr/>
       <dgm:t>
         <a:bodyPr/>
@@ -2200,7 +3021,7 @@
       <dgm:spPr/>
     </dgm:pt>
     <dgm:pt modelId="{7A0270A8-14A4-4A14-81F8-A4DF44BB32E6}" type="pres">
-      <dgm:prSet presAssocID="{96E49C71-D31B-4F25-9618-3DBD6B25C124}" presName="rootText" presStyleLbl="node3" presStyleIdx="0" presStyleCnt="5">
+      <dgm:prSet presAssocID="{96E49C71-D31B-4F25-9618-3DBD6B25C124}" presName="rootText" presStyleLbl="node3" presStyleIdx="0" presStyleCnt="7">
         <dgm:presLayoutVars>
           <dgm:chPref val="3"/>
         </dgm:presLayoutVars>
@@ -2215,7 +3036,7 @@
       </dgm:t>
     </dgm:pt>
     <dgm:pt modelId="{060A844D-A4CE-4507-B5CE-76713509ECF1}" type="pres">
-      <dgm:prSet presAssocID="{96E49C71-D31B-4F25-9618-3DBD6B25C124}" presName="rootConnector" presStyleLbl="node3" presStyleIdx="0" presStyleCnt="5"/>
+      <dgm:prSet presAssocID="{96E49C71-D31B-4F25-9618-3DBD6B25C124}" presName="rootConnector" presStyleLbl="node3" presStyleIdx="0" presStyleCnt="7"/>
       <dgm:spPr/>
       <dgm:t>
         <a:bodyPr/>
@@ -2234,7 +3055,7 @@
       <dgm:spPr/>
     </dgm:pt>
     <dgm:pt modelId="{68ABE54A-16B1-443B-A78C-296A00941709}" type="pres">
-      <dgm:prSet presAssocID="{291B8BD3-E4F6-4AF2-8C0B-1017FB243EE4}" presName="Name37" presStyleLbl="parChTrans1D3" presStyleIdx="1" presStyleCnt="5"/>
+      <dgm:prSet presAssocID="{291B8BD3-E4F6-4AF2-8C0B-1017FB243EE4}" presName="Name37" presStyleLbl="parChTrans1D3" presStyleIdx="1" presStyleCnt="7"/>
       <dgm:spPr/>
       <dgm:t>
         <a:bodyPr/>
@@ -2257,7 +3078,7 @@
       <dgm:spPr/>
     </dgm:pt>
     <dgm:pt modelId="{A83726C8-06FD-49AA-8216-DA0B3FB335F5}" type="pres">
-      <dgm:prSet presAssocID="{046688EC-A3D0-41A4-9487-898E356F0F2B}" presName="rootText" presStyleLbl="node3" presStyleIdx="1" presStyleCnt="5">
+      <dgm:prSet presAssocID="{046688EC-A3D0-41A4-9487-898E356F0F2B}" presName="rootText" presStyleLbl="node3" presStyleIdx="1" presStyleCnt="7">
         <dgm:presLayoutVars>
           <dgm:chPref val="3"/>
         </dgm:presLayoutVars>
@@ -2272,7 +3093,7 @@
       </dgm:t>
     </dgm:pt>
     <dgm:pt modelId="{7B4E31D4-6317-4F0B-A41C-F4B37DECB7A6}" type="pres">
-      <dgm:prSet presAssocID="{046688EC-A3D0-41A4-9487-898E356F0F2B}" presName="rootConnector" presStyleLbl="node3" presStyleIdx="1" presStyleCnt="5"/>
+      <dgm:prSet presAssocID="{046688EC-A3D0-41A4-9487-898E356F0F2B}" presName="rootConnector" presStyleLbl="node3" presStyleIdx="1" presStyleCnt="7"/>
       <dgm:spPr/>
       <dgm:t>
         <a:bodyPr/>
@@ -2291,7 +3112,7 @@
       <dgm:spPr/>
     </dgm:pt>
     <dgm:pt modelId="{B9852B8A-C120-4AF8-91B4-B7A141B0F9A8}" type="pres">
-      <dgm:prSet presAssocID="{107A0334-3FBD-4EB8-83A9-D3DE4C29B2E7}" presName="Name37" presStyleLbl="parChTrans1D3" presStyleIdx="2" presStyleCnt="5"/>
+      <dgm:prSet presAssocID="{107A0334-3FBD-4EB8-83A9-D3DE4C29B2E7}" presName="Name37" presStyleLbl="parChTrans1D3" presStyleIdx="2" presStyleCnt="7"/>
       <dgm:spPr/>
       <dgm:t>
         <a:bodyPr/>
@@ -2314,7 +3135,7 @@
       <dgm:spPr/>
     </dgm:pt>
     <dgm:pt modelId="{2CCC06DA-A2B2-4970-B265-23EC82D0D7BE}" type="pres">
-      <dgm:prSet presAssocID="{1363DEC4-95C3-49E1-A529-E2C51856F00A}" presName="rootText" presStyleLbl="node3" presStyleIdx="2" presStyleCnt="5">
+      <dgm:prSet presAssocID="{1363DEC4-95C3-49E1-A529-E2C51856F00A}" presName="rootText" presStyleLbl="node3" presStyleIdx="2" presStyleCnt="7">
         <dgm:presLayoutVars>
           <dgm:chPref val="3"/>
         </dgm:presLayoutVars>
@@ -2329,7 +3150,7 @@
       </dgm:t>
     </dgm:pt>
     <dgm:pt modelId="{C6043F57-B0EA-4694-B123-9CF23A03EB2A}" type="pres">
-      <dgm:prSet presAssocID="{1363DEC4-95C3-49E1-A529-E2C51856F00A}" presName="rootConnector" presStyleLbl="node3" presStyleIdx="2" presStyleCnt="5"/>
+      <dgm:prSet presAssocID="{1363DEC4-95C3-49E1-A529-E2C51856F00A}" presName="rootConnector" presStyleLbl="node3" presStyleIdx="2" presStyleCnt="7"/>
       <dgm:spPr/>
       <dgm:t>
         <a:bodyPr/>
@@ -2345,6 +3166,92 @@
     </dgm:pt>
     <dgm:pt modelId="{0C692B88-FFFB-4F4A-B7CB-93C3B573E162}" type="pres">
       <dgm:prSet presAssocID="{1363DEC4-95C3-49E1-A529-E2C51856F00A}" presName="hierChild5" presStyleCnt="0"/>
+      <dgm:spPr/>
+    </dgm:pt>
+    <dgm:pt modelId="{92D6A1F4-9FEB-4FEA-94B2-F8EDE48F71E7}" type="pres">
+      <dgm:prSet presAssocID="{8640C4EC-09C0-4F73-8AB8-2CBCBACCFECE}" presName="Name37" presStyleLbl="parChTrans1D3" presStyleIdx="3" presStyleCnt="7"/>
+      <dgm:spPr/>
+    </dgm:pt>
+    <dgm:pt modelId="{FCD3013C-06AE-490B-B50D-0F52D5C82171}" type="pres">
+      <dgm:prSet presAssocID="{D3AAFF67-B031-4816-80FB-CDDE91F992FB}" presName="hierRoot2" presStyleCnt="0">
+        <dgm:presLayoutVars>
+          <dgm:hierBranch val="init"/>
+        </dgm:presLayoutVars>
+      </dgm:prSet>
+      <dgm:spPr/>
+    </dgm:pt>
+    <dgm:pt modelId="{EF688740-35CF-468C-BA4B-DBF0E1C6E371}" type="pres">
+      <dgm:prSet presAssocID="{D3AAFF67-B031-4816-80FB-CDDE91F992FB}" presName="rootComposite" presStyleCnt="0"/>
+      <dgm:spPr/>
+    </dgm:pt>
+    <dgm:pt modelId="{96486A5B-6314-438D-BFCE-AD04AED1658A}" type="pres">
+      <dgm:prSet presAssocID="{D3AAFF67-B031-4816-80FB-CDDE91F992FB}" presName="rootText" presStyleLbl="node3" presStyleIdx="3" presStyleCnt="7">
+        <dgm:presLayoutVars>
+          <dgm:chPref val="3"/>
+        </dgm:presLayoutVars>
+      </dgm:prSet>
+      <dgm:spPr/>
+      <dgm:t>
+        <a:bodyPr/>
+        <a:lstStyle/>
+        <a:p>
+          <a:endParaRPr lang="en-SG"/>
+        </a:p>
+      </dgm:t>
+    </dgm:pt>
+    <dgm:pt modelId="{34800E7E-A395-4FA7-A31C-4827D321AD5B}" type="pres">
+      <dgm:prSet presAssocID="{D3AAFF67-B031-4816-80FB-CDDE91F992FB}" presName="rootConnector" presStyleLbl="node3" presStyleIdx="3" presStyleCnt="7"/>
+      <dgm:spPr/>
+    </dgm:pt>
+    <dgm:pt modelId="{58CBFBCB-EC4F-4337-9F2F-7AD8B77475E0}" type="pres">
+      <dgm:prSet presAssocID="{D3AAFF67-B031-4816-80FB-CDDE91F992FB}" presName="hierChild4" presStyleCnt="0"/>
+      <dgm:spPr/>
+    </dgm:pt>
+    <dgm:pt modelId="{24D239AD-6C1F-4F42-A656-8FB130B150E9}" type="pres">
+      <dgm:prSet presAssocID="{D3AAFF67-B031-4816-80FB-CDDE91F992FB}" presName="hierChild5" presStyleCnt="0"/>
+      <dgm:spPr/>
+    </dgm:pt>
+    <dgm:pt modelId="{8403B391-B6DD-4261-8F9D-AF8B3A699A91}" type="pres">
+      <dgm:prSet presAssocID="{FA0CA49E-7B16-49CF-9A4D-5314676FEA96}" presName="Name37" presStyleLbl="parChTrans1D3" presStyleIdx="4" presStyleCnt="7"/>
+      <dgm:spPr/>
+    </dgm:pt>
+    <dgm:pt modelId="{8525D270-0505-45F4-B393-B05EE49BD70F}" type="pres">
+      <dgm:prSet presAssocID="{8C95E773-ADDB-4697-A08B-36CFB96DB4F6}" presName="hierRoot2" presStyleCnt="0">
+        <dgm:presLayoutVars>
+          <dgm:hierBranch val="init"/>
+        </dgm:presLayoutVars>
+      </dgm:prSet>
+      <dgm:spPr/>
+    </dgm:pt>
+    <dgm:pt modelId="{CFD4B4D9-A3A1-4AC8-95A6-1617B7B04295}" type="pres">
+      <dgm:prSet presAssocID="{8C95E773-ADDB-4697-A08B-36CFB96DB4F6}" presName="rootComposite" presStyleCnt="0"/>
+      <dgm:spPr/>
+    </dgm:pt>
+    <dgm:pt modelId="{98C5423F-8024-456E-8F60-96111749CB62}" type="pres">
+      <dgm:prSet presAssocID="{8C95E773-ADDB-4697-A08B-36CFB96DB4F6}" presName="rootText" presStyleLbl="node3" presStyleIdx="4" presStyleCnt="7">
+        <dgm:presLayoutVars>
+          <dgm:chPref val="3"/>
+        </dgm:presLayoutVars>
+      </dgm:prSet>
+      <dgm:spPr/>
+      <dgm:t>
+        <a:bodyPr/>
+        <a:lstStyle/>
+        <a:p>
+          <a:endParaRPr lang="en-SG"/>
+        </a:p>
+      </dgm:t>
+    </dgm:pt>
+    <dgm:pt modelId="{A4406133-5932-4C61-8BFF-5E953008C15B}" type="pres">
+      <dgm:prSet presAssocID="{8C95E773-ADDB-4697-A08B-36CFB96DB4F6}" presName="rootConnector" presStyleLbl="node3" presStyleIdx="4" presStyleCnt="7"/>
+      <dgm:spPr/>
+    </dgm:pt>
+    <dgm:pt modelId="{475BF7F2-0120-44D8-AB15-BD842A1E6A48}" type="pres">
+      <dgm:prSet presAssocID="{8C95E773-ADDB-4697-A08B-36CFB96DB4F6}" presName="hierChild4" presStyleCnt="0"/>
+      <dgm:spPr/>
+    </dgm:pt>
+    <dgm:pt modelId="{42439FEA-D82D-4EC2-842B-DB94ED87E465}" type="pres">
+      <dgm:prSet presAssocID="{8C95E773-ADDB-4697-A08B-36CFB96DB4F6}" presName="hierChild5" presStyleCnt="0"/>
       <dgm:spPr/>
     </dgm:pt>
     <dgm:pt modelId="{B8A244B1-F658-4EEB-82AB-56D142ACE71B}" type="pres">
@@ -2405,7 +3312,7 @@
       <dgm:spPr/>
     </dgm:pt>
     <dgm:pt modelId="{BA0A7D05-0541-4BC2-9873-30F3322CC717}" type="pres">
-      <dgm:prSet presAssocID="{EA50D969-FC74-4618-ADB0-7FDE6A720B4D}" presName="Name37" presStyleLbl="parChTrans1D3" presStyleIdx="3" presStyleCnt="5"/>
+      <dgm:prSet presAssocID="{EA50D969-FC74-4618-ADB0-7FDE6A720B4D}" presName="Name37" presStyleLbl="parChTrans1D3" presStyleIdx="5" presStyleCnt="7"/>
       <dgm:spPr/>
       <dgm:t>
         <a:bodyPr/>
@@ -2428,7 +3335,7 @@
       <dgm:spPr/>
     </dgm:pt>
     <dgm:pt modelId="{6A71281E-ED24-400F-9B63-4F044276295B}" type="pres">
-      <dgm:prSet presAssocID="{5EA72678-B599-437F-842C-8664728EC093}" presName="rootText" presStyleLbl="node3" presStyleIdx="3" presStyleCnt="5">
+      <dgm:prSet presAssocID="{5EA72678-B599-437F-842C-8664728EC093}" presName="rootText" presStyleLbl="node3" presStyleIdx="5" presStyleCnt="7">
         <dgm:presLayoutVars>
           <dgm:chPref val="3"/>
         </dgm:presLayoutVars>
@@ -2443,7 +3350,7 @@
       </dgm:t>
     </dgm:pt>
     <dgm:pt modelId="{547EA92D-A7A9-48E4-89C4-2BA55222F96D}" type="pres">
-      <dgm:prSet presAssocID="{5EA72678-B599-437F-842C-8664728EC093}" presName="rootConnector" presStyleLbl="node3" presStyleIdx="3" presStyleCnt="5"/>
+      <dgm:prSet presAssocID="{5EA72678-B599-437F-842C-8664728EC093}" presName="rootConnector" presStyleLbl="node3" presStyleIdx="5" presStyleCnt="7"/>
       <dgm:spPr/>
       <dgm:t>
         <a:bodyPr/>
@@ -2576,7 +3483,7 @@
       <dgm:spPr/>
     </dgm:pt>
     <dgm:pt modelId="{E6F2C648-2078-45F9-9B43-450FA0EFF241}" type="pres">
-      <dgm:prSet presAssocID="{69AAC59F-0B31-45CE-A7BD-9002133E3EA7}" presName="Name37" presStyleLbl="parChTrans1D3" presStyleIdx="4" presStyleCnt="5"/>
+      <dgm:prSet presAssocID="{69AAC59F-0B31-45CE-A7BD-9002133E3EA7}" presName="Name37" presStyleLbl="parChTrans1D3" presStyleIdx="6" presStyleCnt="7"/>
       <dgm:spPr/>
       <dgm:t>
         <a:bodyPr/>
@@ -2599,7 +3506,7 @@
       <dgm:spPr/>
     </dgm:pt>
     <dgm:pt modelId="{C6A56CC8-0C26-4835-8C49-7D23F98AE608}" type="pres">
-      <dgm:prSet presAssocID="{88F6435B-CD99-4F93-843D-4D63F14D1E11}" presName="rootText" presStyleLbl="node3" presStyleIdx="4" presStyleCnt="5">
+      <dgm:prSet presAssocID="{88F6435B-CD99-4F93-843D-4D63F14D1E11}" presName="rootText" presStyleLbl="node3" presStyleIdx="6" presStyleCnt="7">
         <dgm:presLayoutVars>
           <dgm:chPref val="3"/>
         </dgm:presLayoutVars>
@@ -2614,7 +3521,7 @@
       </dgm:t>
     </dgm:pt>
     <dgm:pt modelId="{699F5766-432F-41A7-B5B6-E778DE351FE8}" type="pres">
-      <dgm:prSet presAssocID="{88F6435B-CD99-4F93-843D-4D63F14D1E11}" presName="rootConnector" presStyleLbl="node3" presStyleIdx="4" presStyleCnt="5"/>
+      <dgm:prSet presAssocID="{88F6435B-CD99-4F93-843D-4D63F14D1E11}" presName="rootConnector" presStyleLbl="node3" presStyleIdx="6" presStyleCnt="7"/>
       <dgm:spPr/>
       <dgm:t>
         <a:bodyPr/>
@@ -2696,6 +3603,13 @@
     <dgm:pt modelId="{0EA2C113-4833-4CA8-A329-EF04C8AF07EA}" type="pres">
       <dgm:prSet presAssocID="{CD7A3356-E66F-42A9-8C5B-990F9FD6E392}" presName="Name37" presStyleLbl="parChTrans1D2" presStyleIdx="5" presStyleCnt="6"/>
       <dgm:spPr/>
+      <dgm:t>
+        <a:bodyPr/>
+        <a:lstStyle/>
+        <a:p>
+          <a:endParaRPr lang="en-SG"/>
+        </a:p>
+      </dgm:t>
     </dgm:pt>
     <dgm:pt modelId="{D5DCC19D-7FC7-4994-8257-914FD8D965D9}" type="pres">
       <dgm:prSet presAssocID="{6844CF9C-9E25-4227-A206-529AA33D270E}" presName="hierRoot2" presStyleCnt="0">
@@ -2727,6 +3641,13 @@
     <dgm:pt modelId="{FBB049A9-29B1-4802-9EDA-79C8577C9984}" type="pres">
       <dgm:prSet presAssocID="{6844CF9C-9E25-4227-A206-529AA33D270E}" presName="rootConnector" presStyleLbl="node2" presStyleIdx="5" presStyleCnt="6"/>
       <dgm:spPr/>
+      <dgm:t>
+        <a:bodyPr/>
+        <a:lstStyle/>
+        <a:p>
+          <a:endParaRPr lang="en-SG"/>
+        </a:p>
+      </dgm:t>
     </dgm:pt>
     <dgm:pt modelId="{37F25788-F9C0-4488-B277-65B425F9CCE7}" type="pres">
       <dgm:prSet presAssocID="{6844CF9C-9E25-4227-A206-529AA33D270E}" presName="hierChild4" presStyleCnt="0"/>
@@ -2746,27 +3667,33 @@
     <dgm:cxn modelId="{B90E69D5-878F-4AF6-B4DE-9912F844429E}" type="presOf" srcId="{046688EC-A3D0-41A4-9487-898E356F0F2B}" destId="{7B4E31D4-6317-4F0B-A41C-F4B37DECB7A6}" srcOrd="1" destOrd="0" presId="urn:microsoft.com/office/officeart/2005/8/layout/orgChart1"/>
     <dgm:cxn modelId="{500D1DF4-9FA7-4042-A1F5-F38803ECCC29}" type="presOf" srcId="{1363DEC4-95C3-49E1-A529-E2C51856F00A}" destId="{2CCC06DA-A2B2-4970-B265-23EC82D0D7BE}" srcOrd="0" destOrd="0" presId="urn:microsoft.com/office/officeart/2005/8/layout/orgChart1"/>
     <dgm:cxn modelId="{0404AF07-A0DC-4A75-8732-6A6F6CA5E1F1}" type="presOf" srcId="{107A0334-3FBD-4EB8-83A9-D3DE4C29B2E7}" destId="{B9852B8A-C120-4AF8-91B4-B7A141B0F9A8}" srcOrd="0" destOrd="0" presId="urn:microsoft.com/office/officeart/2005/8/layout/orgChart1"/>
+    <dgm:cxn modelId="{A5BD766F-0A8B-4AE1-8ED6-C13DFAD76B08}" type="presOf" srcId="{D3AAFF67-B031-4816-80FB-CDDE91F992FB}" destId="{96486A5B-6314-438D-BFCE-AD04AED1658A}" srcOrd="0" destOrd="0" presId="urn:microsoft.com/office/officeart/2005/8/layout/orgChart1"/>
     <dgm:cxn modelId="{E5F4C9C2-86F4-4625-81D0-342926E2DB50}" type="presOf" srcId="{CF5596B6-28A8-48BF-B35B-F638586A578F}" destId="{D69520B3-AEDB-41E4-BBEF-879458180013}" srcOrd="0" destOrd="0" presId="urn:microsoft.com/office/officeart/2005/8/layout/orgChart1"/>
     <dgm:cxn modelId="{32998215-A334-418F-BB34-5D5374E52232}" type="presOf" srcId="{A937C21D-C265-47BF-97ED-8019B12E8CFE}" destId="{306BAEBD-84B5-432D-ADBC-5E67482DF93D}" srcOrd="0" destOrd="0" presId="urn:microsoft.com/office/officeart/2005/8/layout/orgChart1"/>
     <dgm:cxn modelId="{23B86C39-941E-43AB-9C61-D65F0365D3C8}" srcId="{83F871A1-DD72-4500-9746-50A999CC53B0}" destId="{1363DEC4-95C3-49E1-A529-E2C51856F00A}" srcOrd="2" destOrd="0" parTransId="{107A0334-3FBD-4EB8-83A9-D3DE4C29B2E7}" sibTransId="{7EB4A9A3-3F03-49B9-9F70-6D824FE4CC33}"/>
     <dgm:cxn modelId="{CC2E0ACF-3E8C-4CB7-9B92-A972E47BA017}" srcId="{CF5596B6-28A8-48BF-B35B-F638586A578F}" destId="{88F6435B-CD99-4F93-843D-4D63F14D1E11}" srcOrd="0" destOrd="0" parTransId="{69AAC59F-0B31-45CE-A7BD-9002133E3EA7}" sibTransId="{29CAA076-7430-4F5F-9862-56B31F145264}"/>
     <dgm:cxn modelId="{E268A100-E2DA-4528-9CD5-9FB13D923DA6}" srcId="{17A40DDC-B02B-4549-8A5D-CEF74DB0A16A}" destId="{5EA72678-B599-437F-842C-8664728EC093}" srcOrd="0" destOrd="0" parTransId="{EA50D969-FC74-4618-ADB0-7FDE6A720B4D}" sibTransId="{E6935BDB-2B24-415C-92D4-EEFF2360610E}"/>
+    <dgm:cxn modelId="{A3403094-62C3-44D3-8856-DFD6DC613F0C}" type="presOf" srcId="{8640C4EC-09C0-4F73-8AB8-2CBCBACCFECE}" destId="{92D6A1F4-9FEB-4FEA-94B2-F8EDE48F71E7}" srcOrd="0" destOrd="0" presId="urn:microsoft.com/office/officeart/2005/8/layout/orgChart1"/>
     <dgm:cxn modelId="{9F43EA1A-81BA-4B46-8F1A-A9138A8B0BA4}" type="presOf" srcId="{FC888789-C114-4406-B581-29C9CA39B2C3}" destId="{9F46D217-647D-4A2A-A6CA-CF62456BABDC}" srcOrd="0" destOrd="0" presId="urn:microsoft.com/office/officeart/2005/8/layout/orgChart1"/>
     <dgm:cxn modelId="{43D56085-ACB2-41C6-977D-58E84244227E}" type="presOf" srcId="{13AFBA50-27E9-4CA2-9BE5-2036748CECC4}" destId="{B3DF3E63-4B6B-4FF8-93E5-733E014025E9}" srcOrd="0" destOrd="0" presId="urn:microsoft.com/office/officeart/2005/8/layout/orgChart1"/>
+    <dgm:cxn modelId="{D33C7E56-3206-4646-B22C-1FE9DBFE2A5B}" srcId="{83F871A1-DD72-4500-9746-50A999CC53B0}" destId="{8C95E773-ADDB-4697-A08B-36CFB96DB4F6}" srcOrd="4" destOrd="0" parTransId="{FA0CA49E-7B16-49CF-9A4D-5314676FEA96}" sibTransId="{7188FA36-E6C2-400D-B5FE-2ABA824FDB82}"/>
     <dgm:cxn modelId="{52F08A41-4CBC-4893-A1F3-CD55A383AF96}" srcId="{80530DC7-8402-4724-83B5-CE2A52A1B0A7}" destId="{6844CF9C-9E25-4227-A206-529AA33D270E}" srcOrd="5" destOrd="0" parTransId="{CD7A3356-E66F-42A9-8C5B-990F9FD6E392}" sibTransId="{C44A825F-C264-4532-AAFB-7D5F8BC34FEF}"/>
     <dgm:cxn modelId="{7B598DDD-50BD-42BF-9624-4A8E88EA34C9}" srcId="{80530DC7-8402-4724-83B5-CE2A52A1B0A7}" destId="{83F871A1-DD72-4500-9746-50A999CC53B0}" srcOrd="0" destOrd="0" parTransId="{5A6089FA-A242-4A73-9FAC-8FEC7A94F029}" sibTransId="{0FCA9517-1F23-4883-A363-3FFBC29054D3}"/>
     <dgm:cxn modelId="{FDC89339-2787-4453-8D0A-324F107061E4}" type="presOf" srcId="{80530DC7-8402-4724-83B5-CE2A52A1B0A7}" destId="{4C58C524-89EA-457C-99CA-D94EAD4F4D2F}" srcOrd="1" destOrd="0" presId="urn:microsoft.com/office/officeart/2005/8/layout/orgChart1"/>
     <dgm:cxn modelId="{4361A25A-6423-41BE-A69F-160CCC93B10C}" srcId="{80530DC7-8402-4724-83B5-CE2A52A1B0A7}" destId="{17A40DDC-B02B-4549-8A5D-CEF74DB0A16A}" srcOrd="1" destOrd="0" parTransId="{13AFBA50-27E9-4CA2-9BE5-2036748CECC4}" sibTransId="{42DE379E-DDB0-40D3-A9C0-38044491BC8A}"/>
+    <dgm:cxn modelId="{355003F4-42DB-4904-8F0E-A22370856E66}" type="presOf" srcId="{FA0CA49E-7B16-49CF-9A4D-5314676FEA96}" destId="{8403B391-B6DD-4261-8F9D-AF8B3A699A91}" srcOrd="0" destOrd="0" presId="urn:microsoft.com/office/officeart/2005/8/layout/orgChart1"/>
     <dgm:cxn modelId="{E40E6618-4919-47B5-8671-58BFCEB25C95}" type="presOf" srcId="{80530DC7-8402-4724-83B5-CE2A52A1B0A7}" destId="{CFB4CCA0-455C-42B4-82AB-19CE74A884B9}" srcOrd="0" destOrd="0" presId="urn:microsoft.com/office/officeart/2005/8/layout/orgChart1"/>
     <dgm:cxn modelId="{09427EE5-610E-4261-B7A1-FABDD09A6F17}" type="presOf" srcId="{5EA72678-B599-437F-842C-8664728EC093}" destId="{6A71281E-ED24-400F-9B63-4F044276295B}" srcOrd="0" destOrd="0" presId="urn:microsoft.com/office/officeart/2005/8/layout/orgChart1"/>
     <dgm:cxn modelId="{1195AE5A-405C-4C57-A7D3-B672D864E356}" srcId="{83F871A1-DD72-4500-9746-50A999CC53B0}" destId="{046688EC-A3D0-41A4-9487-898E356F0F2B}" srcOrd="1" destOrd="0" parTransId="{291B8BD3-E4F6-4AF2-8C0B-1017FB243EE4}" sibTransId="{1C386BFB-C86C-491B-B108-EA3571F7FA84}"/>
     <dgm:cxn modelId="{58254F82-8A00-4B51-A100-971E9D8E64A2}" type="presOf" srcId="{CD7A3356-E66F-42A9-8C5B-990F9FD6E392}" destId="{0EA2C113-4833-4CA8-A329-EF04C8AF07EA}" srcOrd="0" destOrd="0" presId="urn:microsoft.com/office/officeart/2005/8/layout/orgChart1"/>
+    <dgm:cxn modelId="{C09AAE45-08CE-4D17-803C-D8C90F45336C}" type="presOf" srcId="{8C95E773-ADDB-4697-A08B-36CFB96DB4F6}" destId="{98C5423F-8024-456E-8F60-96111749CB62}" srcOrd="0" destOrd="0" presId="urn:microsoft.com/office/officeart/2005/8/layout/orgChart1"/>
     <dgm:cxn modelId="{E3355632-EF51-44CC-950A-6EA2FB7C58AF}" type="presOf" srcId="{291B8BD3-E4F6-4AF2-8C0B-1017FB243EE4}" destId="{68ABE54A-16B1-443B-A78C-296A00941709}" srcOrd="0" destOrd="0" presId="urn:microsoft.com/office/officeart/2005/8/layout/orgChart1"/>
     <dgm:cxn modelId="{DEFF1A5F-BDE2-41AE-B808-8F19193CD08F}" type="presOf" srcId="{11976668-59BC-44A7-9F00-BF41627C811C}" destId="{1202B46F-C0E3-4245-A6E7-6DFB2D220720}" srcOrd="0" destOrd="0" presId="urn:microsoft.com/office/officeart/2005/8/layout/orgChart1"/>
     <dgm:cxn modelId="{7C0A2DE9-9E4E-4B2B-B311-7553D9771C48}" type="presOf" srcId="{96E49C71-D31B-4F25-9618-3DBD6B25C124}" destId="{060A844D-A4CE-4507-B5CE-76713509ECF1}" srcOrd="1" destOrd="0" presId="urn:microsoft.com/office/officeart/2005/8/layout/orgChart1"/>
     <dgm:cxn modelId="{DCFB9DD4-9761-401E-958D-A569BB74BB3B}" type="presOf" srcId="{17A40DDC-B02B-4549-8A5D-CEF74DB0A16A}" destId="{7B324E9E-19AE-4745-B5FE-6655EEBCBB23}" srcOrd="0" destOrd="0" presId="urn:microsoft.com/office/officeart/2005/8/layout/orgChart1"/>
     <dgm:cxn modelId="{4679CC9F-B0A4-4386-B770-CA4919421D05}" type="presOf" srcId="{CA8A18F0-6EA6-4F32-97D0-178027F0AE60}" destId="{E8F8129F-99B6-4DC7-AB87-90F5381FAC24}" srcOrd="0" destOrd="0" presId="urn:microsoft.com/office/officeart/2005/8/layout/orgChart1"/>
     <dgm:cxn modelId="{E23FE72C-A38A-4189-8507-D0A5CB50F600}" type="presOf" srcId="{EA50D969-FC74-4618-ADB0-7FDE6A720B4D}" destId="{BA0A7D05-0541-4BC2-9873-30F3322CC717}" srcOrd="0" destOrd="0" presId="urn:microsoft.com/office/officeart/2005/8/layout/orgChart1"/>
+    <dgm:cxn modelId="{6221569A-71A8-45C9-B2C8-5F05329E0139}" type="presOf" srcId="{8C95E773-ADDB-4697-A08B-36CFB96DB4F6}" destId="{A4406133-5932-4C61-8BFF-5E953008C15B}" srcOrd="1" destOrd="0" presId="urn:microsoft.com/office/officeart/2005/8/layout/orgChart1"/>
     <dgm:cxn modelId="{DA358079-2783-416A-B9C6-7121D5686928}" type="presOf" srcId="{83F871A1-DD72-4500-9746-50A999CC53B0}" destId="{DE45EE0E-2AF7-4C45-8EB0-A3AA432E19CF}" srcOrd="1" destOrd="0" presId="urn:microsoft.com/office/officeart/2005/8/layout/orgChart1"/>
     <dgm:cxn modelId="{FC4B1E6B-E0D6-4BD3-ACF5-02AAF3584865}" type="presOf" srcId="{83F871A1-DD72-4500-9746-50A999CC53B0}" destId="{A78AD9CD-F89A-485E-8606-1DB54ACC7481}" srcOrd="0" destOrd="0" presId="urn:microsoft.com/office/officeart/2005/8/layout/orgChart1"/>
     <dgm:cxn modelId="{C9D87777-108A-465F-A3A5-29B6D3B5483E}" srcId="{83F871A1-DD72-4500-9746-50A999CC53B0}" destId="{96E49C71-D31B-4F25-9618-3DBD6B25C124}" srcOrd="0" destOrd="0" parTransId="{CEDF3C43-DE04-4804-8672-98266BBD01D3}" sibTransId="{81B71C30-77C0-4F7D-86A3-371700FD516B}"/>
@@ -2778,9 +3705,11 @@
     <dgm:cxn modelId="{AF50F518-8305-4441-A8CE-52F526D91D7A}" type="presOf" srcId="{CEDF3C43-DE04-4804-8672-98266BBD01D3}" destId="{E0C32808-77DA-454E-B1A8-8717E65C5825}" srcOrd="0" destOrd="0" presId="urn:microsoft.com/office/officeart/2005/8/layout/orgChart1"/>
     <dgm:cxn modelId="{07BB9D37-BC12-458E-AF75-BD314E310A39}" type="presOf" srcId="{88F6435B-CD99-4F93-843D-4D63F14D1E11}" destId="{C6A56CC8-0C26-4835-8C49-7D23F98AE608}" srcOrd="0" destOrd="0" presId="urn:microsoft.com/office/officeart/2005/8/layout/orgChart1"/>
     <dgm:cxn modelId="{E7BD2A4E-C302-470F-96FD-3A284CF61EAB}" srcId="{80530DC7-8402-4724-83B5-CE2A52A1B0A7}" destId="{FC888789-C114-4406-B581-29C9CA39B2C3}" srcOrd="4" destOrd="0" parTransId="{8D1EC034-29EB-4064-8C44-728F783B104E}" sibTransId="{224C721B-6FE6-4915-B412-CA4651E134BF}"/>
+    <dgm:cxn modelId="{45FCF63D-6C0F-43A5-B4D4-66FDFB27BF57}" srcId="{83F871A1-DD72-4500-9746-50A999CC53B0}" destId="{D3AAFF67-B031-4816-80FB-CDDE91F992FB}" srcOrd="3" destOrd="0" parTransId="{8640C4EC-09C0-4F73-8AB8-2CBCBACCFECE}" sibTransId="{7A0DE618-44B4-41C8-94A0-6A6FC2FAEBB6}"/>
     <dgm:cxn modelId="{634B5B01-CE3D-4E0E-BA42-682778E907A9}" type="presOf" srcId="{5A6089FA-A242-4A73-9FAC-8FEC7A94F029}" destId="{B5C85C71-F5C5-4567-AF30-C8233FA48814}" srcOrd="0" destOrd="0" presId="urn:microsoft.com/office/officeart/2005/8/layout/orgChart1"/>
     <dgm:cxn modelId="{B5A340AA-ED88-4254-876E-71B02688A983}" type="presOf" srcId="{1363DEC4-95C3-49E1-A529-E2C51856F00A}" destId="{C6043F57-B0EA-4694-B123-9CF23A03EB2A}" srcOrd="1" destOrd="0" presId="urn:microsoft.com/office/officeart/2005/8/layout/orgChart1"/>
     <dgm:cxn modelId="{39130C83-A37C-4899-8719-87CAA6AD0453}" type="presOf" srcId="{96E49C71-D31B-4F25-9618-3DBD6B25C124}" destId="{7A0270A8-14A4-4A14-81F8-A4DF44BB32E6}" srcOrd="0" destOrd="0" presId="urn:microsoft.com/office/officeart/2005/8/layout/orgChart1"/>
+    <dgm:cxn modelId="{2C0F49F2-8053-44D3-9609-155726E8A2CE}" type="presOf" srcId="{D3AAFF67-B031-4816-80FB-CDDE91F992FB}" destId="{34800E7E-A395-4FA7-A31C-4827D321AD5B}" srcOrd="1" destOrd="0" presId="urn:microsoft.com/office/officeart/2005/8/layout/orgChart1"/>
     <dgm:cxn modelId="{DFB1B5A2-00E0-4C7E-B86B-A181D0D424F6}" srcId="{80530DC7-8402-4724-83B5-CE2A52A1B0A7}" destId="{A937C21D-C265-47BF-97ED-8019B12E8CFE}" srcOrd="2" destOrd="0" parTransId="{1813D539-FA20-4B6E-9299-4FC379E4EA03}" sibTransId="{5C1189C4-3564-4ED8-B219-B9AD27677061}"/>
     <dgm:cxn modelId="{E5747EBB-C8DF-4205-BD7E-F93873F787F9}" srcId="{80530DC7-8402-4724-83B5-CE2A52A1B0A7}" destId="{CF5596B6-28A8-48BF-B35B-F638586A578F}" srcOrd="3" destOrd="0" parTransId="{CA8A18F0-6EA6-4F32-97D0-178027F0AE60}" sibTransId="{3FB998FE-5AA0-4C70-80B8-A50D2BA2E812}"/>
     <dgm:cxn modelId="{38751169-E77E-41AA-A8E2-545725FD805E}" type="presOf" srcId="{6844CF9C-9E25-4227-A206-529AA33D270E}" destId="{3E39070D-ADD7-4C8F-B0FD-D6B5B2BDCAD8}" srcOrd="0" destOrd="0" presId="urn:microsoft.com/office/officeart/2005/8/layout/orgChart1"/>
@@ -2822,6 +3751,20 @@
     <dgm:cxn modelId="{80D009AB-9F21-4F82-B4EA-E839EA2B0081}" type="presParOf" srcId="{94D5A7DF-AD9E-4744-A400-9C916ECE7E9C}" destId="{C6043F57-B0EA-4694-B123-9CF23A03EB2A}" srcOrd="1" destOrd="0" presId="urn:microsoft.com/office/officeart/2005/8/layout/orgChart1"/>
     <dgm:cxn modelId="{10248C3F-E0BA-4124-B4D3-57C47A5CF54A}" type="presParOf" srcId="{7FE4C5FF-3321-421E-AF2E-0BA5329F58F3}" destId="{451978E2-77AE-472D-9120-3E07540AA8E8}" srcOrd="1" destOrd="0" presId="urn:microsoft.com/office/officeart/2005/8/layout/orgChart1"/>
     <dgm:cxn modelId="{89AA162C-74F8-46B1-B061-90747D8BEFC2}" type="presParOf" srcId="{7FE4C5FF-3321-421E-AF2E-0BA5329F58F3}" destId="{0C692B88-FFFB-4F4A-B7CB-93C3B573E162}" srcOrd="2" destOrd="0" presId="urn:microsoft.com/office/officeart/2005/8/layout/orgChart1"/>
+    <dgm:cxn modelId="{A6393C96-08E1-4A62-BFD1-EEDE04190E51}" type="presParOf" srcId="{63C1642C-E3EC-44EF-9701-36F0CC664ED9}" destId="{92D6A1F4-9FEB-4FEA-94B2-F8EDE48F71E7}" srcOrd="6" destOrd="0" presId="urn:microsoft.com/office/officeart/2005/8/layout/orgChart1"/>
+    <dgm:cxn modelId="{09BBD6D3-2016-42D4-99D8-E6950B5A85E5}" type="presParOf" srcId="{63C1642C-E3EC-44EF-9701-36F0CC664ED9}" destId="{FCD3013C-06AE-490B-B50D-0F52D5C82171}" srcOrd="7" destOrd="0" presId="urn:microsoft.com/office/officeart/2005/8/layout/orgChart1"/>
+    <dgm:cxn modelId="{868A0233-425A-46BA-B547-87C9E7B66BAE}" type="presParOf" srcId="{FCD3013C-06AE-490B-B50D-0F52D5C82171}" destId="{EF688740-35CF-468C-BA4B-DBF0E1C6E371}" srcOrd="0" destOrd="0" presId="urn:microsoft.com/office/officeart/2005/8/layout/orgChart1"/>
+    <dgm:cxn modelId="{9C05CF63-B845-4543-9F23-61BC2955C828}" type="presParOf" srcId="{EF688740-35CF-468C-BA4B-DBF0E1C6E371}" destId="{96486A5B-6314-438D-BFCE-AD04AED1658A}" srcOrd="0" destOrd="0" presId="urn:microsoft.com/office/officeart/2005/8/layout/orgChart1"/>
+    <dgm:cxn modelId="{905635CB-724D-4FB2-AFD2-68149E4AE66D}" type="presParOf" srcId="{EF688740-35CF-468C-BA4B-DBF0E1C6E371}" destId="{34800E7E-A395-4FA7-A31C-4827D321AD5B}" srcOrd="1" destOrd="0" presId="urn:microsoft.com/office/officeart/2005/8/layout/orgChart1"/>
+    <dgm:cxn modelId="{672CBB4F-E38C-4564-9809-9DE4A165D048}" type="presParOf" srcId="{FCD3013C-06AE-490B-B50D-0F52D5C82171}" destId="{58CBFBCB-EC4F-4337-9F2F-7AD8B77475E0}" srcOrd="1" destOrd="0" presId="urn:microsoft.com/office/officeart/2005/8/layout/orgChart1"/>
+    <dgm:cxn modelId="{DD64C553-8259-4701-81DD-80315D343588}" type="presParOf" srcId="{FCD3013C-06AE-490B-B50D-0F52D5C82171}" destId="{24D239AD-6C1F-4F42-A656-8FB130B150E9}" srcOrd="2" destOrd="0" presId="urn:microsoft.com/office/officeart/2005/8/layout/orgChart1"/>
+    <dgm:cxn modelId="{3F596317-8340-4662-959D-E94B70B0C52D}" type="presParOf" srcId="{63C1642C-E3EC-44EF-9701-36F0CC664ED9}" destId="{8403B391-B6DD-4261-8F9D-AF8B3A699A91}" srcOrd="8" destOrd="0" presId="urn:microsoft.com/office/officeart/2005/8/layout/orgChart1"/>
+    <dgm:cxn modelId="{4AC82AE6-C2E0-4F29-A11A-0C67EF5A4FB5}" type="presParOf" srcId="{63C1642C-E3EC-44EF-9701-36F0CC664ED9}" destId="{8525D270-0505-45F4-B393-B05EE49BD70F}" srcOrd="9" destOrd="0" presId="urn:microsoft.com/office/officeart/2005/8/layout/orgChart1"/>
+    <dgm:cxn modelId="{6F568D54-C276-44F3-A53D-1850243261C1}" type="presParOf" srcId="{8525D270-0505-45F4-B393-B05EE49BD70F}" destId="{CFD4B4D9-A3A1-4AC8-95A6-1617B7B04295}" srcOrd="0" destOrd="0" presId="urn:microsoft.com/office/officeart/2005/8/layout/orgChart1"/>
+    <dgm:cxn modelId="{C6CD6A16-F222-4F90-A2AE-BCDBF03C856B}" type="presParOf" srcId="{CFD4B4D9-A3A1-4AC8-95A6-1617B7B04295}" destId="{98C5423F-8024-456E-8F60-96111749CB62}" srcOrd="0" destOrd="0" presId="urn:microsoft.com/office/officeart/2005/8/layout/orgChart1"/>
+    <dgm:cxn modelId="{CCB9CF45-CE16-46F6-A506-2C46AE99B768}" type="presParOf" srcId="{CFD4B4D9-A3A1-4AC8-95A6-1617B7B04295}" destId="{A4406133-5932-4C61-8BFF-5E953008C15B}" srcOrd="1" destOrd="0" presId="urn:microsoft.com/office/officeart/2005/8/layout/orgChart1"/>
+    <dgm:cxn modelId="{247CFC4B-3AA2-43FA-8D7F-48D2666AF87C}" type="presParOf" srcId="{8525D270-0505-45F4-B393-B05EE49BD70F}" destId="{475BF7F2-0120-44D8-AB15-BD842A1E6A48}" srcOrd="1" destOrd="0" presId="urn:microsoft.com/office/officeart/2005/8/layout/orgChart1"/>
+    <dgm:cxn modelId="{CAFD6C10-412D-469D-92B5-F22AD3739960}" type="presParOf" srcId="{8525D270-0505-45F4-B393-B05EE49BD70F}" destId="{42439FEA-D82D-4EC2-842B-DB94ED87E465}" srcOrd="2" destOrd="0" presId="urn:microsoft.com/office/officeart/2005/8/layout/orgChart1"/>
     <dgm:cxn modelId="{445E3256-C249-449B-92F2-C087F21B1789}" type="presParOf" srcId="{2C91B0B2-E561-4584-AC80-216E95069937}" destId="{B8A244B1-F658-4EEB-82AB-56D142ACE71B}" srcOrd="2" destOrd="0" presId="urn:microsoft.com/office/officeart/2005/8/layout/orgChart1"/>
     <dgm:cxn modelId="{7AA1FFF6-F40D-4B2A-A11C-5A92DDD3B0B2}" type="presParOf" srcId="{0A202AB0-1D25-45D4-8662-1E511047D75F}" destId="{B3DF3E63-4B6B-4FF8-93E5-733E014025E9}" srcOrd="2" destOrd="0" presId="urn:microsoft.com/office/officeart/2005/8/layout/orgChart1"/>
     <dgm:cxn modelId="{3DA813E9-C40F-4343-82A6-560A7E8D4148}" type="presParOf" srcId="{0A202AB0-1D25-45D4-8662-1E511047D75F}" destId="{269464E6-97D0-4C3B-A3D9-F1D14DD2D3FA}" srcOrd="3" destOrd="0" presId="urn:microsoft.com/office/officeart/2005/8/layout/orgChart1"/>
@@ -2885,6 +3828,1373 @@
 </file>
 
 <file path=ppt/diagrams/data2.xml><?xml version="1.0" encoding="utf-8"?>
+<dgm:dataModel xmlns:dgm="http://schemas.openxmlformats.org/drawingml/2006/diagram" xmlns:a="http://schemas.openxmlformats.org/drawingml/2006/main">
+  <dgm:ptLst>
+    <dgm:pt modelId="{11976668-59BC-44A7-9F00-BF41627C811C}" type="doc">
+      <dgm:prSet loTypeId="urn:microsoft.com/office/officeart/2005/8/layout/orgChart1" loCatId="hierarchy" qsTypeId="urn:microsoft.com/office/officeart/2005/8/quickstyle/simple1" qsCatId="simple" csTypeId="urn:microsoft.com/office/officeart/2005/8/colors/accent1_2" csCatId="accent1" phldr="1"/>
+      <dgm:spPr/>
+      <dgm:t>
+        <a:bodyPr/>
+        <a:lstStyle/>
+        <a:p>
+          <a:endParaRPr lang="en-SG"/>
+        </a:p>
+      </dgm:t>
+    </dgm:pt>
+    <dgm:pt modelId="{80530DC7-8402-4724-83B5-CE2A52A1B0A7}">
+      <dgm:prSet phldrT="[Text]"/>
+      <dgm:spPr/>
+      <dgm:t>
+        <a:bodyPr/>
+        <a:lstStyle/>
+        <a:p>
+          <a:r>
+            <a:rPr lang="en-US" dirty="0"/>
+            <a:t>Home</a:t>
+          </a:r>
+          <a:endParaRPr lang="en-SG" dirty="0"/>
+        </a:p>
+      </dgm:t>
+    </dgm:pt>
+    <dgm:pt modelId="{56CE59B5-9BAE-462E-9689-AB15A1C04461}" type="parTrans" cxnId="{4B6CA068-413F-43D5-9CD0-E6CAE716249F}">
+      <dgm:prSet/>
+      <dgm:spPr/>
+      <dgm:t>
+        <a:bodyPr/>
+        <a:lstStyle/>
+        <a:p>
+          <a:endParaRPr lang="en-SG"/>
+        </a:p>
+      </dgm:t>
+    </dgm:pt>
+    <dgm:pt modelId="{6D443317-645C-448D-A3B8-59D1B4171B84}" type="sibTrans" cxnId="{4B6CA068-413F-43D5-9CD0-E6CAE716249F}">
+      <dgm:prSet/>
+      <dgm:spPr/>
+      <dgm:t>
+        <a:bodyPr/>
+        <a:lstStyle/>
+        <a:p>
+          <a:endParaRPr lang="en-SG"/>
+        </a:p>
+      </dgm:t>
+    </dgm:pt>
+    <dgm:pt modelId="{83F871A1-DD72-4500-9746-50A999CC53B0}">
+      <dgm:prSet phldrT="[Text]"/>
+      <dgm:spPr/>
+      <dgm:t>
+        <a:bodyPr/>
+        <a:lstStyle/>
+        <a:p>
+          <a:r>
+            <a:rPr lang="en-US" dirty="0"/>
+            <a:t>Movies</a:t>
+          </a:r>
+          <a:endParaRPr lang="en-SG" dirty="0"/>
+        </a:p>
+      </dgm:t>
+    </dgm:pt>
+    <dgm:pt modelId="{5A6089FA-A242-4A73-9FAC-8FEC7A94F029}" type="parTrans" cxnId="{7B598DDD-50BD-42BF-9624-4A8E88EA34C9}">
+      <dgm:prSet/>
+      <dgm:spPr/>
+      <dgm:t>
+        <a:bodyPr/>
+        <a:lstStyle/>
+        <a:p>
+          <a:endParaRPr lang="en-SG"/>
+        </a:p>
+      </dgm:t>
+    </dgm:pt>
+    <dgm:pt modelId="{0FCA9517-1F23-4883-A363-3FFBC29054D3}" type="sibTrans" cxnId="{7B598DDD-50BD-42BF-9624-4A8E88EA34C9}">
+      <dgm:prSet/>
+      <dgm:spPr/>
+      <dgm:t>
+        <a:bodyPr/>
+        <a:lstStyle/>
+        <a:p>
+          <a:endParaRPr lang="en-SG"/>
+        </a:p>
+      </dgm:t>
+    </dgm:pt>
+    <dgm:pt modelId="{FC888789-C114-4406-B581-29C9CA39B2C3}">
+      <dgm:prSet phldrT="[Text]"/>
+      <dgm:spPr/>
+      <dgm:t>
+        <a:bodyPr/>
+        <a:lstStyle/>
+        <a:p>
+          <a:r>
+            <a:rPr lang="en-US" dirty="0" smtClean="0"/>
+            <a:t>Contact	</a:t>
+          </a:r>
+        </a:p>
+      </dgm:t>
+    </dgm:pt>
+    <dgm:pt modelId="{8D1EC034-29EB-4064-8C44-728F783B104E}" type="parTrans" cxnId="{E7BD2A4E-C302-470F-96FD-3A284CF61EAB}">
+      <dgm:prSet/>
+      <dgm:spPr/>
+      <dgm:t>
+        <a:bodyPr/>
+        <a:lstStyle/>
+        <a:p>
+          <a:endParaRPr lang="en-SG"/>
+        </a:p>
+      </dgm:t>
+    </dgm:pt>
+    <dgm:pt modelId="{224C721B-6FE6-4915-B412-CA4651E134BF}" type="sibTrans" cxnId="{E7BD2A4E-C302-470F-96FD-3A284CF61EAB}">
+      <dgm:prSet/>
+      <dgm:spPr/>
+      <dgm:t>
+        <a:bodyPr/>
+        <a:lstStyle/>
+        <a:p>
+          <a:endParaRPr lang="en-SG"/>
+        </a:p>
+      </dgm:t>
+    </dgm:pt>
+    <dgm:pt modelId="{CF5596B6-28A8-48BF-B35B-F638586A578F}">
+      <dgm:prSet phldrT="[Text]"/>
+      <dgm:spPr/>
+      <dgm:t>
+        <a:bodyPr/>
+        <a:lstStyle/>
+        <a:p>
+          <a:r>
+            <a:rPr lang="en-US" dirty="0"/>
+            <a:t>Log in</a:t>
+          </a:r>
+        </a:p>
+      </dgm:t>
+    </dgm:pt>
+    <dgm:pt modelId="{CA8A18F0-6EA6-4F32-97D0-178027F0AE60}" type="parTrans" cxnId="{E5747EBB-C8DF-4205-BD7E-F93873F787F9}">
+      <dgm:prSet/>
+      <dgm:spPr/>
+      <dgm:t>
+        <a:bodyPr/>
+        <a:lstStyle/>
+        <a:p>
+          <a:endParaRPr lang="en-SG"/>
+        </a:p>
+      </dgm:t>
+    </dgm:pt>
+    <dgm:pt modelId="{3FB998FE-5AA0-4C70-80B8-A50D2BA2E812}" type="sibTrans" cxnId="{E5747EBB-C8DF-4205-BD7E-F93873F787F9}">
+      <dgm:prSet/>
+      <dgm:spPr/>
+      <dgm:t>
+        <a:bodyPr/>
+        <a:lstStyle/>
+        <a:p>
+          <a:endParaRPr lang="en-SG"/>
+        </a:p>
+      </dgm:t>
+    </dgm:pt>
+    <dgm:pt modelId="{A937C21D-C265-47BF-97ED-8019B12E8CFE}">
+      <dgm:prSet phldrT="[Text]"/>
+      <dgm:spPr/>
+      <dgm:t>
+        <a:bodyPr/>
+        <a:lstStyle/>
+        <a:p>
+          <a:r>
+            <a:rPr lang="en-SG" dirty="0"/>
+            <a:t>Promotions</a:t>
+          </a:r>
+        </a:p>
+      </dgm:t>
+    </dgm:pt>
+    <dgm:pt modelId="{1813D539-FA20-4B6E-9299-4FC379E4EA03}" type="parTrans" cxnId="{DFB1B5A2-00E0-4C7E-B86B-A181D0D424F6}">
+      <dgm:prSet/>
+      <dgm:spPr/>
+      <dgm:t>
+        <a:bodyPr/>
+        <a:lstStyle/>
+        <a:p>
+          <a:endParaRPr lang="en-SG"/>
+        </a:p>
+      </dgm:t>
+    </dgm:pt>
+    <dgm:pt modelId="{5C1189C4-3564-4ED8-B219-B9AD27677061}" type="sibTrans" cxnId="{DFB1B5A2-00E0-4C7E-B86B-A181D0D424F6}">
+      <dgm:prSet/>
+      <dgm:spPr/>
+      <dgm:t>
+        <a:bodyPr/>
+        <a:lstStyle/>
+        <a:p>
+          <a:endParaRPr lang="en-SG"/>
+        </a:p>
+      </dgm:t>
+    </dgm:pt>
+    <dgm:pt modelId="{17A40DDC-B02B-4549-8A5D-CEF74DB0A16A}">
+      <dgm:prSet phldrT="[Text]"/>
+      <dgm:spPr/>
+      <dgm:t>
+        <a:bodyPr/>
+        <a:lstStyle/>
+        <a:p>
+          <a:r>
+            <a:rPr lang="en-SG" dirty="0"/>
+            <a:t>Cinemas	</a:t>
+          </a:r>
+        </a:p>
+      </dgm:t>
+    </dgm:pt>
+    <dgm:pt modelId="{13AFBA50-27E9-4CA2-9BE5-2036748CECC4}" type="parTrans" cxnId="{4361A25A-6423-41BE-A69F-160CCC93B10C}">
+      <dgm:prSet/>
+      <dgm:spPr/>
+      <dgm:t>
+        <a:bodyPr/>
+        <a:lstStyle/>
+        <a:p>
+          <a:endParaRPr lang="en-SG"/>
+        </a:p>
+      </dgm:t>
+    </dgm:pt>
+    <dgm:pt modelId="{42DE379E-DDB0-40D3-A9C0-38044491BC8A}" type="sibTrans" cxnId="{4361A25A-6423-41BE-A69F-160CCC93B10C}">
+      <dgm:prSet/>
+      <dgm:spPr/>
+      <dgm:t>
+        <a:bodyPr/>
+        <a:lstStyle/>
+        <a:p>
+          <a:endParaRPr lang="en-SG"/>
+        </a:p>
+      </dgm:t>
+    </dgm:pt>
+    <dgm:pt modelId="{96E49C71-D31B-4F25-9618-3DBD6B25C124}">
+      <dgm:prSet phldrT="[Text]"/>
+      <dgm:spPr/>
+      <dgm:t>
+        <a:bodyPr/>
+        <a:lstStyle/>
+        <a:p>
+          <a:r>
+            <a:rPr lang="en-US" dirty="0"/>
+            <a:t>Movie Details</a:t>
+          </a:r>
+          <a:endParaRPr lang="en-SG" dirty="0"/>
+        </a:p>
+      </dgm:t>
+    </dgm:pt>
+    <dgm:pt modelId="{CEDF3C43-DE04-4804-8672-98266BBD01D3}" type="parTrans" cxnId="{C9D87777-108A-465F-A3A5-29B6D3B5483E}">
+      <dgm:prSet/>
+      <dgm:spPr/>
+      <dgm:t>
+        <a:bodyPr/>
+        <a:lstStyle/>
+        <a:p>
+          <a:endParaRPr lang="en-SG"/>
+        </a:p>
+      </dgm:t>
+    </dgm:pt>
+    <dgm:pt modelId="{81B71C30-77C0-4F7D-86A3-371700FD516B}" type="sibTrans" cxnId="{C9D87777-108A-465F-A3A5-29B6D3B5483E}">
+      <dgm:prSet/>
+      <dgm:spPr/>
+      <dgm:t>
+        <a:bodyPr/>
+        <a:lstStyle/>
+        <a:p>
+          <a:endParaRPr lang="en-SG"/>
+        </a:p>
+      </dgm:t>
+    </dgm:pt>
+    <dgm:pt modelId="{046688EC-A3D0-41A4-9487-898E356F0F2B}">
+      <dgm:prSet phldrT="[Text]"/>
+      <dgm:spPr/>
+      <dgm:t>
+        <a:bodyPr/>
+        <a:lstStyle/>
+        <a:p>
+          <a:r>
+            <a:rPr lang="en-SG" dirty="0"/>
+            <a:t>Buy Tickets </a:t>
+          </a:r>
+          <a:endParaRPr lang="en-SG" b="1" dirty="0"/>
+        </a:p>
+      </dgm:t>
+    </dgm:pt>
+    <dgm:pt modelId="{291B8BD3-E4F6-4AF2-8C0B-1017FB243EE4}" type="parTrans" cxnId="{1195AE5A-405C-4C57-A7D3-B672D864E356}">
+      <dgm:prSet/>
+      <dgm:spPr/>
+      <dgm:t>
+        <a:bodyPr/>
+        <a:lstStyle/>
+        <a:p>
+          <a:endParaRPr lang="en-SG"/>
+        </a:p>
+      </dgm:t>
+    </dgm:pt>
+    <dgm:pt modelId="{1C386BFB-C86C-491B-B108-EA3571F7FA84}" type="sibTrans" cxnId="{1195AE5A-405C-4C57-A7D3-B672D864E356}">
+      <dgm:prSet/>
+      <dgm:spPr/>
+      <dgm:t>
+        <a:bodyPr/>
+        <a:lstStyle/>
+        <a:p>
+          <a:endParaRPr lang="en-SG"/>
+        </a:p>
+      </dgm:t>
+    </dgm:pt>
+    <dgm:pt modelId="{1363DEC4-95C3-49E1-A529-E2C51856F00A}">
+      <dgm:prSet phldrT="[Text]"/>
+      <dgm:spPr/>
+      <dgm:t>
+        <a:bodyPr/>
+        <a:lstStyle/>
+        <a:p>
+          <a:r>
+            <a:rPr lang="en-US" b="1" dirty="0" smtClean="0"/>
+            <a:t>Payment</a:t>
+          </a:r>
+        </a:p>
+      </dgm:t>
+    </dgm:pt>
+    <dgm:pt modelId="{107A0334-3FBD-4EB8-83A9-D3DE4C29B2E7}" type="parTrans" cxnId="{23B86C39-941E-43AB-9C61-D65F0365D3C8}">
+      <dgm:prSet/>
+      <dgm:spPr/>
+      <dgm:t>
+        <a:bodyPr/>
+        <a:lstStyle/>
+        <a:p>
+          <a:endParaRPr lang="en-SG"/>
+        </a:p>
+      </dgm:t>
+    </dgm:pt>
+    <dgm:pt modelId="{7EB4A9A3-3F03-49B9-9F70-6D824FE4CC33}" type="sibTrans" cxnId="{23B86C39-941E-43AB-9C61-D65F0365D3C8}">
+      <dgm:prSet/>
+      <dgm:spPr/>
+      <dgm:t>
+        <a:bodyPr/>
+        <a:lstStyle/>
+        <a:p>
+          <a:endParaRPr lang="en-SG"/>
+        </a:p>
+      </dgm:t>
+    </dgm:pt>
+    <dgm:pt modelId="{5EA72678-B599-437F-842C-8664728EC093}">
+      <dgm:prSet/>
+      <dgm:spPr/>
+      <dgm:t>
+        <a:bodyPr/>
+        <a:lstStyle/>
+        <a:p>
+          <a:r>
+            <a:rPr lang="en-SG" dirty="0" smtClean="0"/>
+            <a:t>Location</a:t>
+          </a:r>
+          <a:endParaRPr lang="en-SG" dirty="0"/>
+        </a:p>
+      </dgm:t>
+    </dgm:pt>
+    <dgm:pt modelId="{EA50D969-FC74-4618-ADB0-7FDE6A720B4D}" type="parTrans" cxnId="{E268A100-E2DA-4528-9CD5-9FB13D923DA6}">
+      <dgm:prSet/>
+      <dgm:spPr/>
+      <dgm:t>
+        <a:bodyPr/>
+        <a:lstStyle/>
+        <a:p>
+          <a:endParaRPr lang="en-SG"/>
+        </a:p>
+      </dgm:t>
+    </dgm:pt>
+    <dgm:pt modelId="{E6935BDB-2B24-415C-92D4-EEFF2360610E}" type="sibTrans" cxnId="{E268A100-E2DA-4528-9CD5-9FB13D923DA6}">
+      <dgm:prSet/>
+      <dgm:spPr/>
+      <dgm:t>
+        <a:bodyPr/>
+        <a:lstStyle/>
+        <a:p>
+          <a:endParaRPr lang="en-SG"/>
+        </a:p>
+      </dgm:t>
+    </dgm:pt>
+    <dgm:pt modelId="{6844CF9C-9E25-4227-A206-529AA33D270E}">
+      <dgm:prSet/>
+      <dgm:spPr/>
+      <dgm:t>
+        <a:bodyPr/>
+        <a:lstStyle/>
+        <a:p>
+          <a:r>
+            <a:rPr lang="en-SG" dirty="0" smtClean="0"/>
+            <a:t>Register</a:t>
+          </a:r>
+          <a:endParaRPr lang="en-SG" dirty="0"/>
+        </a:p>
+      </dgm:t>
+    </dgm:pt>
+    <dgm:pt modelId="{CD7A3356-E66F-42A9-8C5B-990F9FD6E392}" type="parTrans" cxnId="{52F08A41-4CBC-4893-A1F3-CD55A383AF96}">
+      <dgm:prSet/>
+      <dgm:spPr/>
+      <dgm:t>
+        <a:bodyPr/>
+        <a:lstStyle/>
+        <a:p>
+          <a:endParaRPr lang="en-SG"/>
+        </a:p>
+      </dgm:t>
+    </dgm:pt>
+    <dgm:pt modelId="{C44A825F-C264-4532-AAFB-7D5F8BC34FEF}" type="sibTrans" cxnId="{52F08A41-4CBC-4893-A1F3-CD55A383AF96}">
+      <dgm:prSet/>
+      <dgm:spPr/>
+      <dgm:t>
+        <a:bodyPr/>
+        <a:lstStyle/>
+        <a:p>
+          <a:endParaRPr lang="en-SG"/>
+        </a:p>
+      </dgm:t>
+    </dgm:pt>
+    <dgm:pt modelId="{D3AAFF67-B031-4816-80FB-CDDE91F992FB}">
+      <dgm:prSet/>
+      <dgm:spPr/>
+      <dgm:t>
+        <a:bodyPr/>
+        <a:lstStyle/>
+        <a:p>
+          <a:r>
+            <a:rPr lang="en-SG" dirty="0" smtClean="0"/>
+            <a:t>Now showing</a:t>
+          </a:r>
+          <a:endParaRPr lang="en-SG" dirty="0"/>
+        </a:p>
+      </dgm:t>
+    </dgm:pt>
+    <dgm:pt modelId="{8640C4EC-09C0-4F73-8AB8-2CBCBACCFECE}" type="parTrans" cxnId="{45FCF63D-6C0F-43A5-B4D4-66FDFB27BF57}">
+      <dgm:prSet/>
+      <dgm:spPr/>
+      <dgm:t>
+        <a:bodyPr/>
+        <a:lstStyle/>
+        <a:p>
+          <a:endParaRPr lang="en-SG"/>
+        </a:p>
+      </dgm:t>
+    </dgm:pt>
+    <dgm:pt modelId="{7A0DE618-44B4-41C8-94A0-6A6FC2FAEBB6}" type="sibTrans" cxnId="{45FCF63D-6C0F-43A5-B4D4-66FDFB27BF57}">
+      <dgm:prSet/>
+      <dgm:spPr/>
+      <dgm:t>
+        <a:bodyPr/>
+        <a:lstStyle/>
+        <a:p>
+          <a:endParaRPr lang="en-SG"/>
+        </a:p>
+      </dgm:t>
+    </dgm:pt>
+    <dgm:pt modelId="{8C95E773-ADDB-4697-A08B-36CFB96DB4F6}">
+      <dgm:prSet/>
+      <dgm:spPr/>
+      <dgm:t>
+        <a:bodyPr/>
+        <a:lstStyle/>
+        <a:p>
+          <a:r>
+            <a:rPr lang="en-SG" dirty="0" smtClean="0"/>
+            <a:t>Coming soon</a:t>
+          </a:r>
+          <a:endParaRPr lang="en-SG" dirty="0"/>
+        </a:p>
+      </dgm:t>
+    </dgm:pt>
+    <dgm:pt modelId="{FA0CA49E-7B16-49CF-9A4D-5314676FEA96}" type="parTrans" cxnId="{D33C7E56-3206-4646-B22C-1FE9DBFE2A5B}">
+      <dgm:prSet/>
+      <dgm:spPr/>
+      <dgm:t>
+        <a:bodyPr/>
+        <a:lstStyle/>
+        <a:p>
+          <a:endParaRPr lang="en-SG"/>
+        </a:p>
+      </dgm:t>
+    </dgm:pt>
+    <dgm:pt modelId="{7188FA36-E6C2-400D-B5FE-2ABA824FDB82}" type="sibTrans" cxnId="{D33C7E56-3206-4646-B22C-1FE9DBFE2A5B}">
+      <dgm:prSet/>
+      <dgm:spPr/>
+      <dgm:t>
+        <a:bodyPr/>
+        <a:lstStyle/>
+        <a:p>
+          <a:endParaRPr lang="en-SG"/>
+        </a:p>
+      </dgm:t>
+    </dgm:pt>
+    <dgm:pt modelId="{1202B46F-C0E3-4245-A6E7-6DFB2D220720}" type="pres">
+      <dgm:prSet presAssocID="{11976668-59BC-44A7-9F00-BF41627C811C}" presName="hierChild1" presStyleCnt="0">
+        <dgm:presLayoutVars>
+          <dgm:orgChart val="1"/>
+          <dgm:chPref val="1"/>
+          <dgm:dir/>
+          <dgm:animOne val="branch"/>
+          <dgm:animLvl val="lvl"/>
+          <dgm:resizeHandles/>
+        </dgm:presLayoutVars>
+      </dgm:prSet>
+      <dgm:spPr/>
+      <dgm:t>
+        <a:bodyPr/>
+        <a:lstStyle/>
+        <a:p>
+          <a:endParaRPr lang="en-SG"/>
+        </a:p>
+      </dgm:t>
+    </dgm:pt>
+    <dgm:pt modelId="{4B7A95FB-E9DB-46B2-83E1-16B10E9CB622}" type="pres">
+      <dgm:prSet presAssocID="{80530DC7-8402-4724-83B5-CE2A52A1B0A7}" presName="hierRoot1" presStyleCnt="0">
+        <dgm:presLayoutVars>
+          <dgm:hierBranch val="init"/>
+        </dgm:presLayoutVars>
+      </dgm:prSet>
+      <dgm:spPr/>
+    </dgm:pt>
+    <dgm:pt modelId="{8A2FC444-4724-47D1-ABE9-2AC2AB01686B}" type="pres">
+      <dgm:prSet presAssocID="{80530DC7-8402-4724-83B5-CE2A52A1B0A7}" presName="rootComposite1" presStyleCnt="0"/>
+      <dgm:spPr/>
+    </dgm:pt>
+    <dgm:pt modelId="{CFB4CCA0-455C-42B4-82AB-19CE74A884B9}" type="pres">
+      <dgm:prSet presAssocID="{80530DC7-8402-4724-83B5-CE2A52A1B0A7}" presName="rootText1" presStyleLbl="node0" presStyleIdx="0" presStyleCnt="1">
+        <dgm:presLayoutVars>
+          <dgm:chPref val="3"/>
+        </dgm:presLayoutVars>
+      </dgm:prSet>
+      <dgm:spPr/>
+      <dgm:t>
+        <a:bodyPr/>
+        <a:lstStyle/>
+        <a:p>
+          <a:endParaRPr lang="en-SG"/>
+        </a:p>
+      </dgm:t>
+    </dgm:pt>
+    <dgm:pt modelId="{4C58C524-89EA-457C-99CA-D94EAD4F4D2F}" type="pres">
+      <dgm:prSet presAssocID="{80530DC7-8402-4724-83B5-CE2A52A1B0A7}" presName="rootConnector1" presStyleLbl="node1" presStyleIdx="0" presStyleCnt="0"/>
+      <dgm:spPr/>
+      <dgm:t>
+        <a:bodyPr/>
+        <a:lstStyle/>
+        <a:p>
+          <a:endParaRPr lang="en-SG"/>
+        </a:p>
+      </dgm:t>
+    </dgm:pt>
+    <dgm:pt modelId="{0A202AB0-1D25-45D4-8662-1E511047D75F}" type="pres">
+      <dgm:prSet presAssocID="{80530DC7-8402-4724-83B5-CE2A52A1B0A7}" presName="hierChild2" presStyleCnt="0"/>
+      <dgm:spPr/>
+    </dgm:pt>
+    <dgm:pt modelId="{B5C85C71-F5C5-4567-AF30-C8233FA48814}" type="pres">
+      <dgm:prSet presAssocID="{5A6089FA-A242-4A73-9FAC-8FEC7A94F029}" presName="Name37" presStyleLbl="parChTrans1D2" presStyleIdx="0" presStyleCnt="6"/>
+      <dgm:spPr/>
+      <dgm:t>
+        <a:bodyPr/>
+        <a:lstStyle/>
+        <a:p>
+          <a:endParaRPr lang="en-SG"/>
+        </a:p>
+      </dgm:t>
+    </dgm:pt>
+    <dgm:pt modelId="{2C91B0B2-E561-4584-AC80-216E95069937}" type="pres">
+      <dgm:prSet presAssocID="{83F871A1-DD72-4500-9746-50A999CC53B0}" presName="hierRoot2" presStyleCnt="0">
+        <dgm:presLayoutVars>
+          <dgm:hierBranch val="init"/>
+        </dgm:presLayoutVars>
+      </dgm:prSet>
+      <dgm:spPr/>
+    </dgm:pt>
+    <dgm:pt modelId="{8FFB33BD-6C30-4F4B-83EE-D2A3C94BDD30}" type="pres">
+      <dgm:prSet presAssocID="{83F871A1-DD72-4500-9746-50A999CC53B0}" presName="rootComposite" presStyleCnt="0"/>
+      <dgm:spPr/>
+    </dgm:pt>
+    <dgm:pt modelId="{A78AD9CD-F89A-485E-8606-1DB54ACC7481}" type="pres">
+      <dgm:prSet presAssocID="{83F871A1-DD72-4500-9746-50A999CC53B0}" presName="rootText" presStyleLbl="node2" presStyleIdx="0" presStyleCnt="6">
+        <dgm:presLayoutVars>
+          <dgm:chPref val="3"/>
+        </dgm:presLayoutVars>
+      </dgm:prSet>
+      <dgm:spPr/>
+      <dgm:t>
+        <a:bodyPr/>
+        <a:lstStyle/>
+        <a:p>
+          <a:endParaRPr lang="en-SG"/>
+        </a:p>
+      </dgm:t>
+    </dgm:pt>
+    <dgm:pt modelId="{DE45EE0E-2AF7-4C45-8EB0-A3AA432E19CF}" type="pres">
+      <dgm:prSet presAssocID="{83F871A1-DD72-4500-9746-50A999CC53B0}" presName="rootConnector" presStyleLbl="node2" presStyleIdx="0" presStyleCnt="6"/>
+      <dgm:spPr/>
+      <dgm:t>
+        <a:bodyPr/>
+        <a:lstStyle/>
+        <a:p>
+          <a:endParaRPr lang="en-SG"/>
+        </a:p>
+      </dgm:t>
+    </dgm:pt>
+    <dgm:pt modelId="{63C1642C-E3EC-44EF-9701-36F0CC664ED9}" type="pres">
+      <dgm:prSet presAssocID="{83F871A1-DD72-4500-9746-50A999CC53B0}" presName="hierChild4" presStyleCnt="0"/>
+      <dgm:spPr/>
+    </dgm:pt>
+    <dgm:pt modelId="{E0C32808-77DA-454E-B1A8-8717E65C5825}" type="pres">
+      <dgm:prSet presAssocID="{CEDF3C43-DE04-4804-8672-98266BBD01D3}" presName="Name37" presStyleLbl="parChTrans1D3" presStyleIdx="0" presStyleCnt="6"/>
+      <dgm:spPr/>
+      <dgm:t>
+        <a:bodyPr/>
+        <a:lstStyle/>
+        <a:p>
+          <a:endParaRPr lang="en-SG"/>
+        </a:p>
+      </dgm:t>
+    </dgm:pt>
+    <dgm:pt modelId="{F324270D-1C51-471E-912F-0A0B65F5FE3A}" type="pres">
+      <dgm:prSet presAssocID="{96E49C71-D31B-4F25-9618-3DBD6B25C124}" presName="hierRoot2" presStyleCnt="0">
+        <dgm:presLayoutVars>
+          <dgm:hierBranch val="init"/>
+        </dgm:presLayoutVars>
+      </dgm:prSet>
+      <dgm:spPr/>
+    </dgm:pt>
+    <dgm:pt modelId="{0786B897-309A-4346-8F41-D60FC9622038}" type="pres">
+      <dgm:prSet presAssocID="{96E49C71-D31B-4F25-9618-3DBD6B25C124}" presName="rootComposite" presStyleCnt="0"/>
+      <dgm:spPr/>
+    </dgm:pt>
+    <dgm:pt modelId="{7A0270A8-14A4-4A14-81F8-A4DF44BB32E6}" type="pres">
+      <dgm:prSet presAssocID="{96E49C71-D31B-4F25-9618-3DBD6B25C124}" presName="rootText" presStyleLbl="node3" presStyleIdx="0" presStyleCnt="6">
+        <dgm:presLayoutVars>
+          <dgm:chPref val="3"/>
+        </dgm:presLayoutVars>
+      </dgm:prSet>
+      <dgm:spPr/>
+      <dgm:t>
+        <a:bodyPr/>
+        <a:lstStyle/>
+        <a:p>
+          <a:endParaRPr lang="en-SG"/>
+        </a:p>
+      </dgm:t>
+    </dgm:pt>
+    <dgm:pt modelId="{060A844D-A4CE-4507-B5CE-76713509ECF1}" type="pres">
+      <dgm:prSet presAssocID="{96E49C71-D31B-4F25-9618-3DBD6B25C124}" presName="rootConnector" presStyleLbl="node3" presStyleIdx="0" presStyleCnt="6"/>
+      <dgm:spPr/>
+      <dgm:t>
+        <a:bodyPr/>
+        <a:lstStyle/>
+        <a:p>
+          <a:endParaRPr lang="en-SG"/>
+        </a:p>
+      </dgm:t>
+    </dgm:pt>
+    <dgm:pt modelId="{53021E58-41F8-4399-B0B9-E6053DD79CF6}" type="pres">
+      <dgm:prSet presAssocID="{96E49C71-D31B-4F25-9618-3DBD6B25C124}" presName="hierChild4" presStyleCnt="0"/>
+      <dgm:spPr/>
+    </dgm:pt>
+    <dgm:pt modelId="{3BE85288-C33A-49E2-9693-EBCE53144AEF}" type="pres">
+      <dgm:prSet presAssocID="{96E49C71-D31B-4F25-9618-3DBD6B25C124}" presName="hierChild5" presStyleCnt="0"/>
+      <dgm:spPr/>
+    </dgm:pt>
+    <dgm:pt modelId="{68ABE54A-16B1-443B-A78C-296A00941709}" type="pres">
+      <dgm:prSet presAssocID="{291B8BD3-E4F6-4AF2-8C0B-1017FB243EE4}" presName="Name37" presStyleLbl="parChTrans1D3" presStyleIdx="1" presStyleCnt="6"/>
+      <dgm:spPr/>
+      <dgm:t>
+        <a:bodyPr/>
+        <a:lstStyle/>
+        <a:p>
+          <a:endParaRPr lang="en-SG"/>
+        </a:p>
+      </dgm:t>
+    </dgm:pt>
+    <dgm:pt modelId="{45EFD3EA-729E-4A95-9DED-858C641150F8}" type="pres">
+      <dgm:prSet presAssocID="{046688EC-A3D0-41A4-9487-898E356F0F2B}" presName="hierRoot2" presStyleCnt="0">
+        <dgm:presLayoutVars>
+          <dgm:hierBranch val="init"/>
+        </dgm:presLayoutVars>
+      </dgm:prSet>
+      <dgm:spPr/>
+    </dgm:pt>
+    <dgm:pt modelId="{B07BAEBE-26E7-4A81-80FC-BA132E664B9A}" type="pres">
+      <dgm:prSet presAssocID="{046688EC-A3D0-41A4-9487-898E356F0F2B}" presName="rootComposite" presStyleCnt="0"/>
+      <dgm:spPr/>
+    </dgm:pt>
+    <dgm:pt modelId="{A83726C8-06FD-49AA-8216-DA0B3FB335F5}" type="pres">
+      <dgm:prSet presAssocID="{046688EC-A3D0-41A4-9487-898E356F0F2B}" presName="rootText" presStyleLbl="node3" presStyleIdx="1" presStyleCnt="6">
+        <dgm:presLayoutVars>
+          <dgm:chPref val="3"/>
+        </dgm:presLayoutVars>
+      </dgm:prSet>
+      <dgm:spPr/>
+      <dgm:t>
+        <a:bodyPr/>
+        <a:lstStyle/>
+        <a:p>
+          <a:endParaRPr lang="en-SG"/>
+        </a:p>
+      </dgm:t>
+    </dgm:pt>
+    <dgm:pt modelId="{7B4E31D4-6317-4F0B-A41C-F4B37DECB7A6}" type="pres">
+      <dgm:prSet presAssocID="{046688EC-A3D0-41A4-9487-898E356F0F2B}" presName="rootConnector" presStyleLbl="node3" presStyleIdx="1" presStyleCnt="6"/>
+      <dgm:spPr/>
+      <dgm:t>
+        <a:bodyPr/>
+        <a:lstStyle/>
+        <a:p>
+          <a:endParaRPr lang="en-SG"/>
+        </a:p>
+      </dgm:t>
+    </dgm:pt>
+    <dgm:pt modelId="{F33F43E6-584F-42CC-B530-A73D0DC95A6F}" type="pres">
+      <dgm:prSet presAssocID="{046688EC-A3D0-41A4-9487-898E356F0F2B}" presName="hierChild4" presStyleCnt="0"/>
+      <dgm:spPr/>
+    </dgm:pt>
+    <dgm:pt modelId="{D3BDC21D-2011-4C80-9DEE-52863E39D274}" type="pres">
+      <dgm:prSet presAssocID="{046688EC-A3D0-41A4-9487-898E356F0F2B}" presName="hierChild5" presStyleCnt="0"/>
+      <dgm:spPr/>
+    </dgm:pt>
+    <dgm:pt modelId="{B9852B8A-C120-4AF8-91B4-B7A141B0F9A8}" type="pres">
+      <dgm:prSet presAssocID="{107A0334-3FBD-4EB8-83A9-D3DE4C29B2E7}" presName="Name37" presStyleLbl="parChTrans1D3" presStyleIdx="2" presStyleCnt="6"/>
+      <dgm:spPr/>
+      <dgm:t>
+        <a:bodyPr/>
+        <a:lstStyle/>
+        <a:p>
+          <a:endParaRPr lang="en-SG"/>
+        </a:p>
+      </dgm:t>
+    </dgm:pt>
+    <dgm:pt modelId="{7FE4C5FF-3321-421E-AF2E-0BA5329F58F3}" type="pres">
+      <dgm:prSet presAssocID="{1363DEC4-95C3-49E1-A529-E2C51856F00A}" presName="hierRoot2" presStyleCnt="0">
+        <dgm:presLayoutVars>
+          <dgm:hierBranch val="init"/>
+        </dgm:presLayoutVars>
+      </dgm:prSet>
+      <dgm:spPr/>
+    </dgm:pt>
+    <dgm:pt modelId="{94D5A7DF-AD9E-4744-A400-9C916ECE7E9C}" type="pres">
+      <dgm:prSet presAssocID="{1363DEC4-95C3-49E1-A529-E2C51856F00A}" presName="rootComposite" presStyleCnt="0"/>
+      <dgm:spPr/>
+    </dgm:pt>
+    <dgm:pt modelId="{2CCC06DA-A2B2-4970-B265-23EC82D0D7BE}" type="pres">
+      <dgm:prSet presAssocID="{1363DEC4-95C3-49E1-A529-E2C51856F00A}" presName="rootText" presStyleLbl="node3" presStyleIdx="2" presStyleCnt="6">
+        <dgm:presLayoutVars>
+          <dgm:chPref val="3"/>
+        </dgm:presLayoutVars>
+      </dgm:prSet>
+      <dgm:spPr/>
+      <dgm:t>
+        <a:bodyPr/>
+        <a:lstStyle/>
+        <a:p>
+          <a:endParaRPr lang="en-SG"/>
+        </a:p>
+      </dgm:t>
+    </dgm:pt>
+    <dgm:pt modelId="{C6043F57-B0EA-4694-B123-9CF23A03EB2A}" type="pres">
+      <dgm:prSet presAssocID="{1363DEC4-95C3-49E1-A529-E2C51856F00A}" presName="rootConnector" presStyleLbl="node3" presStyleIdx="2" presStyleCnt="6"/>
+      <dgm:spPr/>
+      <dgm:t>
+        <a:bodyPr/>
+        <a:lstStyle/>
+        <a:p>
+          <a:endParaRPr lang="en-SG"/>
+        </a:p>
+      </dgm:t>
+    </dgm:pt>
+    <dgm:pt modelId="{451978E2-77AE-472D-9120-3E07540AA8E8}" type="pres">
+      <dgm:prSet presAssocID="{1363DEC4-95C3-49E1-A529-E2C51856F00A}" presName="hierChild4" presStyleCnt="0"/>
+      <dgm:spPr/>
+    </dgm:pt>
+    <dgm:pt modelId="{0C692B88-FFFB-4F4A-B7CB-93C3B573E162}" type="pres">
+      <dgm:prSet presAssocID="{1363DEC4-95C3-49E1-A529-E2C51856F00A}" presName="hierChild5" presStyleCnt="0"/>
+      <dgm:spPr/>
+    </dgm:pt>
+    <dgm:pt modelId="{92D6A1F4-9FEB-4FEA-94B2-F8EDE48F71E7}" type="pres">
+      <dgm:prSet presAssocID="{8640C4EC-09C0-4F73-8AB8-2CBCBACCFECE}" presName="Name37" presStyleLbl="parChTrans1D3" presStyleIdx="3" presStyleCnt="6"/>
+      <dgm:spPr/>
+    </dgm:pt>
+    <dgm:pt modelId="{FCD3013C-06AE-490B-B50D-0F52D5C82171}" type="pres">
+      <dgm:prSet presAssocID="{D3AAFF67-B031-4816-80FB-CDDE91F992FB}" presName="hierRoot2" presStyleCnt="0">
+        <dgm:presLayoutVars>
+          <dgm:hierBranch val="init"/>
+        </dgm:presLayoutVars>
+      </dgm:prSet>
+      <dgm:spPr/>
+    </dgm:pt>
+    <dgm:pt modelId="{EF688740-35CF-468C-BA4B-DBF0E1C6E371}" type="pres">
+      <dgm:prSet presAssocID="{D3AAFF67-B031-4816-80FB-CDDE91F992FB}" presName="rootComposite" presStyleCnt="0"/>
+      <dgm:spPr/>
+    </dgm:pt>
+    <dgm:pt modelId="{96486A5B-6314-438D-BFCE-AD04AED1658A}" type="pres">
+      <dgm:prSet presAssocID="{D3AAFF67-B031-4816-80FB-CDDE91F992FB}" presName="rootText" presStyleLbl="node3" presStyleIdx="3" presStyleCnt="6">
+        <dgm:presLayoutVars>
+          <dgm:chPref val="3"/>
+        </dgm:presLayoutVars>
+      </dgm:prSet>
+      <dgm:spPr/>
+      <dgm:t>
+        <a:bodyPr/>
+        <a:lstStyle/>
+        <a:p>
+          <a:endParaRPr lang="en-SG"/>
+        </a:p>
+      </dgm:t>
+    </dgm:pt>
+    <dgm:pt modelId="{34800E7E-A395-4FA7-A31C-4827D321AD5B}" type="pres">
+      <dgm:prSet presAssocID="{D3AAFF67-B031-4816-80FB-CDDE91F992FB}" presName="rootConnector" presStyleLbl="node3" presStyleIdx="3" presStyleCnt="6"/>
+      <dgm:spPr/>
+    </dgm:pt>
+    <dgm:pt modelId="{58CBFBCB-EC4F-4337-9F2F-7AD8B77475E0}" type="pres">
+      <dgm:prSet presAssocID="{D3AAFF67-B031-4816-80FB-CDDE91F992FB}" presName="hierChild4" presStyleCnt="0"/>
+      <dgm:spPr/>
+    </dgm:pt>
+    <dgm:pt modelId="{24D239AD-6C1F-4F42-A656-8FB130B150E9}" type="pres">
+      <dgm:prSet presAssocID="{D3AAFF67-B031-4816-80FB-CDDE91F992FB}" presName="hierChild5" presStyleCnt="0"/>
+      <dgm:spPr/>
+    </dgm:pt>
+    <dgm:pt modelId="{8403B391-B6DD-4261-8F9D-AF8B3A699A91}" type="pres">
+      <dgm:prSet presAssocID="{FA0CA49E-7B16-49CF-9A4D-5314676FEA96}" presName="Name37" presStyleLbl="parChTrans1D3" presStyleIdx="4" presStyleCnt="6"/>
+      <dgm:spPr/>
+    </dgm:pt>
+    <dgm:pt modelId="{8525D270-0505-45F4-B393-B05EE49BD70F}" type="pres">
+      <dgm:prSet presAssocID="{8C95E773-ADDB-4697-A08B-36CFB96DB4F6}" presName="hierRoot2" presStyleCnt="0">
+        <dgm:presLayoutVars>
+          <dgm:hierBranch val="init"/>
+        </dgm:presLayoutVars>
+      </dgm:prSet>
+      <dgm:spPr/>
+    </dgm:pt>
+    <dgm:pt modelId="{CFD4B4D9-A3A1-4AC8-95A6-1617B7B04295}" type="pres">
+      <dgm:prSet presAssocID="{8C95E773-ADDB-4697-A08B-36CFB96DB4F6}" presName="rootComposite" presStyleCnt="0"/>
+      <dgm:spPr/>
+    </dgm:pt>
+    <dgm:pt modelId="{98C5423F-8024-456E-8F60-96111749CB62}" type="pres">
+      <dgm:prSet presAssocID="{8C95E773-ADDB-4697-A08B-36CFB96DB4F6}" presName="rootText" presStyleLbl="node3" presStyleIdx="4" presStyleCnt="6">
+        <dgm:presLayoutVars>
+          <dgm:chPref val="3"/>
+        </dgm:presLayoutVars>
+      </dgm:prSet>
+      <dgm:spPr/>
+      <dgm:t>
+        <a:bodyPr/>
+        <a:lstStyle/>
+        <a:p>
+          <a:endParaRPr lang="en-SG"/>
+        </a:p>
+      </dgm:t>
+    </dgm:pt>
+    <dgm:pt modelId="{A4406133-5932-4C61-8BFF-5E953008C15B}" type="pres">
+      <dgm:prSet presAssocID="{8C95E773-ADDB-4697-A08B-36CFB96DB4F6}" presName="rootConnector" presStyleLbl="node3" presStyleIdx="4" presStyleCnt="6"/>
+      <dgm:spPr/>
+    </dgm:pt>
+    <dgm:pt modelId="{475BF7F2-0120-44D8-AB15-BD842A1E6A48}" type="pres">
+      <dgm:prSet presAssocID="{8C95E773-ADDB-4697-A08B-36CFB96DB4F6}" presName="hierChild4" presStyleCnt="0"/>
+      <dgm:spPr/>
+    </dgm:pt>
+    <dgm:pt modelId="{42439FEA-D82D-4EC2-842B-DB94ED87E465}" type="pres">
+      <dgm:prSet presAssocID="{8C95E773-ADDB-4697-A08B-36CFB96DB4F6}" presName="hierChild5" presStyleCnt="0"/>
+      <dgm:spPr/>
+    </dgm:pt>
+    <dgm:pt modelId="{B8A244B1-F658-4EEB-82AB-56D142ACE71B}" type="pres">
+      <dgm:prSet presAssocID="{83F871A1-DD72-4500-9746-50A999CC53B0}" presName="hierChild5" presStyleCnt="0"/>
+      <dgm:spPr/>
+    </dgm:pt>
+    <dgm:pt modelId="{B3DF3E63-4B6B-4FF8-93E5-733E014025E9}" type="pres">
+      <dgm:prSet presAssocID="{13AFBA50-27E9-4CA2-9BE5-2036748CECC4}" presName="Name37" presStyleLbl="parChTrans1D2" presStyleIdx="1" presStyleCnt="6"/>
+      <dgm:spPr/>
+      <dgm:t>
+        <a:bodyPr/>
+        <a:lstStyle/>
+        <a:p>
+          <a:endParaRPr lang="en-SG"/>
+        </a:p>
+      </dgm:t>
+    </dgm:pt>
+    <dgm:pt modelId="{269464E6-97D0-4C3B-A3D9-F1D14DD2D3FA}" type="pres">
+      <dgm:prSet presAssocID="{17A40DDC-B02B-4549-8A5D-CEF74DB0A16A}" presName="hierRoot2" presStyleCnt="0">
+        <dgm:presLayoutVars>
+          <dgm:hierBranch val="init"/>
+        </dgm:presLayoutVars>
+      </dgm:prSet>
+      <dgm:spPr/>
+    </dgm:pt>
+    <dgm:pt modelId="{2B8BC582-3F65-4FD5-A399-920682FFC764}" type="pres">
+      <dgm:prSet presAssocID="{17A40DDC-B02B-4549-8A5D-CEF74DB0A16A}" presName="rootComposite" presStyleCnt="0"/>
+      <dgm:spPr/>
+    </dgm:pt>
+    <dgm:pt modelId="{7B324E9E-19AE-4745-B5FE-6655EEBCBB23}" type="pres">
+      <dgm:prSet presAssocID="{17A40DDC-B02B-4549-8A5D-CEF74DB0A16A}" presName="rootText" presStyleLbl="node2" presStyleIdx="1" presStyleCnt="6">
+        <dgm:presLayoutVars>
+          <dgm:chPref val="3"/>
+        </dgm:presLayoutVars>
+      </dgm:prSet>
+      <dgm:spPr/>
+      <dgm:t>
+        <a:bodyPr/>
+        <a:lstStyle/>
+        <a:p>
+          <a:endParaRPr lang="en-SG"/>
+        </a:p>
+      </dgm:t>
+    </dgm:pt>
+    <dgm:pt modelId="{05DD138F-AE1A-4D2C-AB7A-BCAC2CCB3535}" type="pres">
+      <dgm:prSet presAssocID="{17A40DDC-B02B-4549-8A5D-CEF74DB0A16A}" presName="rootConnector" presStyleLbl="node2" presStyleIdx="1" presStyleCnt="6"/>
+      <dgm:spPr/>
+      <dgm:t>
+        <a:bodyPr/>
+        <a:lstStyle/>
+        <a:p>
+          <a:endParaRPr lang="en-SG"/>
+        </a:p>
+      </dgm:t>
+    </dgm:pt>
+    <dgm:pt modelId="{082CB240-CE1E-494B-9453-20B6EB89F383}" type="pres">
+      <dgm:prSet presAssocID="{17A40DDC-B02B-4549-8A5D-CEF74DB0A16A}" presName="hierChild4" presStyleCnt="0"/>
+      <dgm:spPr/>
+    </dgm:pt>
+    <dgm:pt modelId="{BA0A7D05-0541-4BC2-9873-30F3322CC717}" type="pres">
+      <dgm:prSet presAssocID="{EA50D969-FC74-4618-ADB0-7FDE6A720B4D}" presName="Name37" presStyleLbl="parChTrans1D3" presStyleIdx="5" presStyleCnt="6"/>
+      <dgm:spPr/>
+      <dgm:t>
+        <a:bodyPr/>
+        <a:lstStyle/>
+        <a:p>
+          <a:endParaRPr lang="en-SG"/>
+        </a:p>
+      </dgm:t>
+    </dgm:pt>
+    <dgm:pt modelId="{C9B3B9DA-E451-4885-A15F-AE52BC0FCC70}" type="pres">
+      <dgm:prSet presAssocID="{5EA72678-B599-437F-842C-8664728EC093}" presName="hierRoot2" presStyleCnt="0">
+        <dgm:presLayoutVars>
+          <dgm:hierBranch val="init"/>
+        </dgm:presLayoutVars>
+      </dgm:prSet>
+      <dgm:spPr/>
+    </dgm:pt>
+    <dgm:pt modelId="{CEDFF4CF-6518-47F8-A818-FA738F06532C}" type="pres">
+      <dgm:prSet presAssocID="{5EA72678-B599-437F-842C-8664728EC093}" presName="rootComposite" presStyleCnt="0"/>
+      <dgm:spPr/>
+    </dgm:pt>
+    <dgm:pt modelId="{6A71281E-ED24-400F-9B63-4F044276295B}" type="pres">
+      <dgm:prSet presAssocID="{5EA72678-B599-437F-842C-8664728EC093}" presName="rootText" presStyleLbl="node3" presStyleIdx="5" presStyleCnt="6">
+        <dgm:presLayoutVars>
+          <dgm:chPref val="3"/>
+        </dgm:presLayoutVars>
+      </dgm:prSet>
+      <dgm:spPr/>
+      <dgm:t>
+        <a:bodyPr/>
+        <a:lstStyle/>
+        <a:p>
+          <a:endParaRPr lang="en-SG"/>
+        </a:p>
+      </dgm:t>
+    </dgm:pt>
+    <dgm:pt modelId="{547EA92D-A7A9-48E4-89C4-2BA55222F96D}" type="pres">
+      <dgm:prSet presAssocID="{5EA72678-B599-437F-842C-8664728EC093}" presName="rootConnector" presStyleLbl="node3" presStyleIdx="5" presStyleCnt="6"/>
+      <dgm:spPr/>
+      <dgm:t>
+        <a:bodyPr/>
+        <a:lstStyle/>
+        <a:p>
+          <a:endParaRPr lang="en-SG"/>
+        </a:p>
+      </dgm:t>
+    </dgm:pt>
+    <dgm:pt modelId="{A52B9EE7-B415-4EE4-8E45-F0D1F375BF1A}" type="pres">
+      <dgm:prSet presAssocID="{5EA72678-B599-437F-842C-8664728EC093}" presName="hierChild4" presStyleCnt="0"/>
+      <dgm:spPr/>
+    </dgm:pt>
+    <dgm:pt modelId="{7DC78E7F-D593-48BF-9ABA-B9C1C1BC6E56}" type="pres">
+      <dgm:prSet presAssocID="{5EA72678-B599-437F-842C-8664728EC093}" presName="hierChild5" presStyleCnt="0"/>
+      <dgm:spPr/>
+    </dgm:pt>
+    <dgm:pt modelId="{56A42950-0FB3-49CA-B68A-756A01A60508}" type="pres">
+      <dgm:prSet presAssocID="{17A40DDC-B02B-4549-8A5D-CEF74DB0A16A}" presName="hierChild5" presStyleCnt="0"/>
+      <dgm:spPr/>
+    </dgm:pt>
+    <dgm:pt modelId="{99ABF011-C069-421D-9E34-6050D9B80110}" type="pres">
+      <dgm:prSet presAssocID="{1813D539-FA20-4B6E-9299-4FC379E4EA03}" presName="Name37" presStyleLbl="parChTrans1D2" presStyleIdx="2" presStyleCnt="6"/>
+      <dgm:spPr/>
+      <dgm:t>
+        <a:bodyPr/>
+        <a:lstStyle/>
+        <a:p>
+          <a:endParaRPr lang="en-SG"/>
+        </a:p>
+      </dgm:t>
+    </dgm:pt>
+    <dgm:pt modelId="{7AD6A70F-7CC7-4C0F-B30A-6A9DB2A43B47}" type="pres">
+      <dgm:prSet presAssocID="{A937C21D-C265-47BF-97ED-8019B12E8CFE}" presName="hierRoot2" presStyleCnt="0">
+        <dgm:presLayoutVars>
+          <dgm:hierBranch val="init"/>
+        </dgm:presLayoutVars>
+      </dgm:prSet>
+      <dgm:spPr/>
+    </dgm:pt>
+    <dgm:pt modelId="{7BA81301-178F-4882-BDA3-8A89DE24BC33}" type="pres">
+      <dgm:prSet presAssocID="{A937C21D-C265-47BF-97ED-8019B12E8CFE}" presName="rootComposite" presStyleCnt="0"/>
+      <dgm:spPr/>
+    </dgm:pt>
+    <dgm:pt modelId="{306BAEBD-84B5-432D-ADBC-5E67482DF93D}" type="pres">
+      <dgm:prSet presAssocID="{A937C21D-C265-47BF-97ED-8019B12E8CFE}" presName="rootText" presStyleLbl="node2" presStyleIdx="2" presStyleCnt="6">
+        <dgm:presLayoutVars>
+          <dgm:chPref val="3"/>
+        </dgm:presLayoutVars>
+      </dgm:prSet>
+      <dgm:spPr/>
+      <dgm:t>
+        <a:bodyPr/>
+        <a:lstStyle/>
+        <a:p>
+          <a:endParaRPr lang="en-SG"/>
+        </a:p>
+      </dgm:t>
+    </dgm:pt>
+    <dgm:pt modelId="{059B4CA5-D86C-4467-BE5B-C22AEB3166C2}" type="pres">
+      <dgm:prSet presAssocID="{A937C21D-C265-47BF-97ED-8019B12E8CFE}" presName="rootConnector" presStyleLbl="node2" presStyleIdx="2" presStyleCnt="6"/>
+      <dgm:spPr/>
+      <dgm:t>
+        <a:bodyPr/>
+        <a:lstStyle/>
+        <a:p>
+          <a:endParaRPr lang="en-SG"/>
+        </a:p>
+      </dgm:t>
+    </dgm:pt>
+    <dgm:pt modelId="{5CCDB004-1EBC-463D-922C-781CD76F1DE4}" type="pres">
+      <dgm:prSet presAssocID="{A937C21D-C265-47BF-97ED-8019B12E8CFE}" presName="hierChild4" presStyleCnt="0"/>
+      <dgm:spPr/>
+    </dgm:pt>
+    <dgm:pt modelId="{ABAD6D10-4016-4C79-94FA-4114ECE07863}" type="pres">
+      <dgm:prSet presAssocID="{A937C21D-C265-47BF-97ED-8019B12E8CFE}" presName="hierChild5" presStyleCnt="0"/>
+      <dgm:spPr/>
+    </dgm:pt>
+    <dgm:pt modelId="{E8F8129F-99B6-4DC7-AB87-90F5381FAC24}" type="pres">
+      <dgm:prSet presAssocID="{CA8A18F0-6EA6-4F32-97D0-178027F0AE60}" presName="Name37" presStyleLbl="parChTrans1D2" presStyleIdx="3" presStyleCnt="6"/>
+      <dgm:spPr/>
+      <dgm:t>
+        <a:bodyPr/>
+        <a:lstStyle/>
+        <a:p>
+          <a:endParaRPr lang="en-SG"/>
+        </a:p>
+      </dgm:t>
+    </dgm:pt>
+    <dgm:pt modelId="{474BE89E-0EDB-4A21-B5D9-F3AC7EB39E73}" type="pres">
+      <dgm:prSet presAssocID="{CF5596B6-28A8-48BF-B35B-F638586A578F}" presName="hierRoot2" presStyleCnt="0">
+        <dgm:presLayoutVars>
+          <dgm:hierBranch val="init"/>
+        </dgm:presLayoutVars>
+      </dgm:prSet>
+      <dgm:spPr/>
+    </dgm:pt>
+    <dgm:pt modelId="{1D8898A5-A885-401E-B5F2-B422B9DB41A9}" type="pres">
+      <dgm:prSet presAssocID="{CF5596B6-28A8-48BF-B35B-F638586A578F}" presName="rootComposite" presStyleCnt="0"/>
+      <dgm:spPr/>
+    </dgm:pt>
+    <dgm:pt modelId="{D69520B3-AEDB-41E4-BBEF-879458180013}" type="pres">
+      <dgm:prSet presAssocID="{CF5596B6-28A8-48BF-B35B-F638586A578F}" presName="rootText" presStyleLbl="node2" presStyleIdx="3" presStyleCnt="6">
+        <dgm:presLayoutVars>
+          <dgm:chPref val="3"/>
+        </dgm:presLayoutVars>
+      </dgm:prSet>
+      <dgm:spPr/>
+      <dgm:t>
+        <a:bodyPr/>
+        <a:lstStyle/>
+        <a:p>
+          <a:endParaRPr lang="en-SG"/>
+        </a:p>
+      </dgm:t>
+    </dgm:pt>
+    <dgm:pt modelId="{96E508F4-3E32-475B-B23C-565219A37E9B}" type="pres">
+      <dgm:prSet presAssocID="{CF5596B6-28A8-48BF-B35B-F638586A578F}" presName="rootConnector" presStyleLbl="node2" presStyleIdx="3" presStyleCnt="6"/>
+      <dgm:spPr/>
+      <dgm:t>
+        <a:bodyPr/>
+        <a:lstStyle/>
+        <a:p>
+          <a:endParaRPr lang="en-SG"/>
+        </a:p>
+      </dgm:t>
+    </dgm:pt>
+    <dgm:pt modelId="{7C9322F6-4CE8-4160-B9D5-5C5ED4D095B1}" type="pres">
+      <dgm:prSet presAssocID="{CF5596B6-28A8-48BF-B35B-F638586A578F}" presName="hierChild4" presStyleCnt="0"/>
+      <dgm:spPr/>
+    </dgm:pt>
+    <dgm:pt modelId="{12FE7D32-F11F-413A-A24B-10439E95D851}" type="pres">
+      <dgm:prSet presAssocID="{CF5596B6-28A8-48BF-B35B-F638586A578F}" presName="hierChild5" presStyleCnt="0"/>
+      <dgm:spPr/>
+    </dgm:pt>
+    <dgm:pt modelId="{4F5EEA8D-6982-40E5-A172-91CD8BC995DD}" type="pres">
+      <dgm:prSet presAssocID="{8D1EC034-29EB-4064-8C44-728F783B104E}" presName="Name37" presStyleLbl="parChTrans1D2" presStyleIdx="4" presStyleCnt="6"/>
+      <dgm:spPr/>
+      <dgm:t>
+        <a:bodyPr/>
+        <a:lstStyle/>
+        <a:p>
+          <a:endParaRPr lang="en-SG"/>
+        </a:p>
+      </dgm:t>
+    </dgm:pt>
+    <dgm:pt modelId="{6855ABCF-D082-409F-91BC-DC976A3FD392}" type="pres">
+      <dgm:prSet presAssocID="{FC888789-C114-4406-B581-29C9CA39B2C3}" presName="hierRoot2" presStyleCnt="0">
+        <dgm:presLayoutVars>
+          <dgm:hierBranch val="init"/>
+        </dgm:presLayoutVars>
+      </dgm:prSet>
+      <dgm:spPr/>
+    </dgm:pt>
+    <dgm:pt modelId="{B5F0A32A-52D9-47FF-B23F-82FCBEF9989D}" type="pres">
+      <dgm:prSet presAssocID="{FC888789-C114-4406-B581-29C9CA39B2C3}" presName="rootComposite" presStyleCnt="0"/>
+      <dgm:spPr/>
+    </dgm:pt>
+    <dgm:pt modelId="{9F46D217-647D-4A2A-A6CA-CF62456BABDC}" type="pres">
+      <dgm:prSet presAssocID="{FC888789-C114-4406-B581-29C9CA39B2C3}" presName="rootText" presStyleLbl="node2" presStyleIdx="4" presStyleCnt="6">
+        <dgm:presLayoutVars>
+          <dgm:chPref val="3"/>
+        </dgm:presLayoutVars>
+      </dgm:prSet>
+      <dgm:spPr/>
+      <dgm:t>
+        <a:bodyPr/>
+        <a:lstStyle/>
+        <a:p>
+          <a:endParaRPr lang="en-SG"/>
+        </a:p>
+      </dgm:t>
+    </dgm:pt>
+    <dgm:pt modelId="{4C1DF6D3-BDCF-4702-B9CA-1AF5CD98D174}" type="pres">
+      <dgm:prSet presAssocID="{FC888789-C114-4406-B581-29C9CA39B2C3}" presName="rootConnector" presStyleLbl="node2" presStyleIdx="4" presStyleCnt="6"/>
+      <dgm:spPr/>
+      <dgm:t>
+        <a:bodyPr/>
+        <a:lstStyle/>
+        <a:p>
+          <a:endParaRPr lang="en-SG"/>
+        </a:p>
+      </dgm:t>
+    </dgm:pt>
+    <dgm:pt modelId="{5E717597-A892-4D91-A7EE-C13F03A329A6}" type="pres">
+      <dgm:prSet presAssocID="{FC888789-C114-4406-B581-29C9CA39B2C3}" presName="hierChild4" presStyleCnt="0"/>
+      <dgm:spPr/>
+    </dgm:pt>
+    <dgm:pt modelId="{A6D45EC5-6372-47F5-BFF6-D53C5F763F6A}" type="pres">
+      <dgm:prSet presAssocID="{FC888789-C114-4406-B581-29C9CA39B2C3}" presName="hierChild5" presStyleCnt="0"/>
+      <dgm:spPr/>
+    </dgm:pt>
+    <dgm:pt modelId="{0EA2C113-4833-4CA8-A329-EF04C8AF07EA}" type="pres">
+      <dgm:prSet presAssocID="{CD7A3356-E66F-42A9-8C5B-990F9FD6E392}" presName="Name37" presStyleLbl="parChTrans1D2" presStyleIdx="5" presStyleCnt="6"/>
+      <dgm:spPr/>
+      <dgm:t>
+        <a:bodyPr/>
+        <a:lstStyle/>
+        <a:p>
+          <a:endParaRPr lang="en-SG"/>
+        </a:p>
+      </dgm:t>
+    </dgm:pt>
+    <dgm:pt modelId="{D5DCC19D-7FC7-4994-8257-914FD8D965D9}" type="pres">
+      <dgm:prSet presAssocID="{6844CF9C-9E25-4227-A206-529AA33D270E}" presName="hierRoot2" presStyleCnt="0">
+        <dgm:presLayoutVars>
+          <dgm:hierBranch val="init"/>
+        </dgm:presLayoutVars>
+      </dgm:prSet>
+      <dgm:spPr/>
+    </dgm:pt>
+    <dgm:pt modelId="{38019545-0336-44CE-A028-01C885DF9E6C}" type="pres">
+      <dgm:prSet presAssocID="{6844CF9C-9E25-4227-A206-529AA33D270E}" presName="rootComposite" presStyleCnt="0"/>
+      <dgm:spPr/>
+    </dgm:pt>
+    <dgm:pt modelId="{3E39070D-ADD7-4C8F-B0FD-D6B5B2BDCAD8}" type="pres">
+      <dgm:prSet presAssocID="{6844CF9C-9E25-4227-A206-529AA33D270E}" presName="rootText" presStyleLbl="node2" presStyleIdx="5" presStyleCnt="6">
+        <dgm:presLayoutVars>
+          <dgm:chPref val="3"/>
+        </dgm:presLayoutVars>
+      </dgm:prSet>
+      <dgm:spPr/>
+      <dgm:t>
+        <a:bodyPr/>
+        <a:lstStyle/>
+        <a:p>
+          <a:endParaRPr lang="en-SG"/>
+        </a:p>
+      </dgm:t>
+    </dgm:pt>
+    <dgm:pt modelId="{FBB049A9-29B1-4802-9EDA-79C8577C9984}" type="pres">
+      <dgm:prSet presAssocID="{6844CF9C-9E25-4227-A206-529AA33D270E}" presName="rootConnector" presStyleLbl="node2" presStyleIdx="5" presStyleCnt="6"/>
+      <dgm:spPr/>
+      <dgm:t>
+        <a:bodyPr/>
+        <a:lstStyle/>
+        <a:p>
+          <a:endParaRPr lang="en-SG"/>
+        </a:p>
+      </dgm:t>
+    </dgm:pt>
+    <dgm:pt modelId="{37F25788-F9C0-4488-B277-65B425F9CCE7}" type="pres">
+      <dgm:prSet presAssocID="{6844CF9C-9E25-4227-A206-529AA33D270E}" presName="hierChild4" presStyleCnt="0"/>
+      <dgm:spPr/>
+    </dgm:pt>
+    <dgm:pt modelId="{EF3DBFB9-362C-4B8C-9FBF-F8F41B6A039F}" type="pres">
+      <dgm:prSet presAssocID="{6844CF9C-9E25-4227-A206-529AA33D270E}" presName="hierChild5" presStyleCnt="0"/>
+      <dgm:spPr/>
+    </dgm:pt>
+    <dgm:pt modelId="{07271AF2-8622-45E3-8C50-EB0BF61D7587}" type="pres">
+      <dgm:prSet presAssocID="{80530DC7-8402-4724-83B5-CE2A52A1B0A7}" presName="hierChild3" presStyleCnt="0"/>
+      <dgm:spPr/>
+    </dgm:pt>
+  </dgm:ptLst>
+  <dgm:cxnLst>
+    <dgm:cxn modelId="{47993981-9CA3-41AB-B707-9BC3CF818E19}" type="presOf" srcId="{EA50D969-FC74-4618-ADB0-7FDE6A720B4D}" destId="{BA0A7D05-0541-4BC2-9873-30F3322CC717}" srcOrd="0" destOrd="0" presId="urn:microsoft.com/office/officeart/2005/8/layout/orgChart1"/>
+    <dgm:cxn modelId="{CC6556D8-50F1-47BD-8346-8838D8084D50}" type="presOf" srcId="{6844CF9C-9E25-4227-A206-529AA33D270E}" destId="{3E39070D-ADD7-4C8F-B0FD-D6B5B2BDCAD8}" srcOrd="0" destOrd="0" presId="urn:microsoft.com/office/officeart/2005/8/layout/orgChart1"/>
+    <dgm:cxn modelId="{DEB4520E-13EB-4D07-B053-11C4941E901F}" type="presOf" srcId="{8D1EC034-29EB-4064-8C44-728F783B104E}" destId="{4F5EEA8D-6982-40E5-A172-91CD8BC995DD}" srcOrd="0" destOrd="0" presId="urn:microsoft.com/office/officeart/2005/8/layout/orgChart1"/>
+    <dgm:cxn modelId="{8A145CAB-5D69-4605-BB33-623125C56B98}" type="presOf" srcId="{CEDF3C43-DE04-4804-8672-98266BBD01D3}" destId="{E0C32808-77DA-454E-B1A8-8717E65C5825}" srcOrd="0" destOrd="0" presId="urn:microsoft.com/office/officeart/2005/8/layout/orgChart1"/>
+    <dgm:cxn modelId="{770AB0EE-09DA-48C1-9CC5-53E1BE48C277}" type="presOf" srcId="{96E49C71-D31B-4F25-9618-3DBD6B25C124}" destId="{060A844D-A4CE-4507-B5CE-76713509ECF1}" srcOrd="1" destOrd="0" presId="urn:microsoft.com/office/officeart/2005/8/layout/orgChart1"/>
+    <dgm:cxn modelId="{C26D3715-2CAF-470B-9636-1ECCC7E2BB94}" type="presOf" srcId="{D3AAFF67-B031-4816-80FB-CDDE91F992FB}" destId="{96486A5B-6314-438D-BFCE-AD04AED1658A}" srcOrd="0" destOrd="0" presId="urn:microsoft.com/office/officeart/2005/8/layout/orgChart1"/>
+    <dgm:cxn modelId="{23B86C39-941E-43AB-9C61-D65F0365D3C8}" srcId="{83F871A1-DD72-4500-9746-50A999CC53B0}" destId="{1363DEC4-95C3-49E1-A529-E2C51856F00A}" srcOrd="2" destOrd="0" parTransId="{107A0334-3FBD-4EB8-83A9-D3DE4C29B2E7}" sibTransId="{7EB4A9A3-3F03-49B9-9F70-6D824FE4CC33}"/>
+    <dgm:cxn modelId="{E268A100-E2DA-4528-9CD5-9FB13D923DA6}" srcId="{17A40DDC-B02B-4549-8A5D-CEF74DB0A16A}" destId="{5EA72678-B599-437F-842C-8664728EC093}" srcOrd="0" destOrd="0" parTransId="{EA50D969-FC74-4618-ADB0-7FDE6A720B4D}" sibTransId="{E6935BDB-2B24-415C-92D4-EEFF2360610E}"/>
+    <dgm:cxn modelId="{E2960B84-8C5F-4294-A95C-ABCD392472EE}" type="presOf" srcId="{8C95E773-ADDB-4697-A08B-36CFB96DB4F6}" destId="{98C5423F-8024-456E-8F60-96111749CB62}" srcOrd="0" destOrd="0" presId="urn:microsoft.com/office/officeart/2005/8/layout/orgChart1"/>
+    <dgm:cxn modelId="{A9E7A871-076D-43BD-8929-0BAFA313FF5F}" type="presOf" srcId="{80530DC7-8402-4724-83B5-CE2A52A1B0A7}" destId="{4C58C524-89EA-457C-99CA-D94EAD4F4D2F}" srcOrd="1" destOrd="0" presId="urn:microsoft.com/office/officeart/2005/8/layout/orgChart1"/>
+    <dgm:cxn modelId="{D33C7E56-3206-4646-B22C-1FE9DBFE2A5B}" srcId="{83F871A1-DD72-4500-9746-50A999CC53B0}" destId="{8C95E773-ADDB-4697-A08B-36CFB96DB4F6}" srcOrd="4" destOrd="0" parTransId="{FA0CA49E-7B16-49CF-9A4D-5314676FEA96}" sibTransId="{7188FA36-E6C2-400D-B5FE-2ABA824FDB82}"/>
+    <dgm:cxn modelId="{5F8A4D5E-8012-453E-9E83-DFA39128F9E1}" type="presOf" srcId="{6844CF9C-9E25-4227-A206-529AA33D270E}" destId="{FBB049A9-29B1-4802-9EDA-79C8577C9984}" srcOrd="1" destOrd="0" presId="urn:microsoft.com/office/officeart/2005/8/layout/orgChart1"/>
+    <dgm:cxn modelId="{D1DD95F1-3BE1-4F1D-B2A9-14E020895A25}" type="presOf" srcId="{80530DC7-8402-4724-83B5-CE2A52A1B0A7}" destId="{CFB4CCA0-455C-42B4-82AB-19CE74A884B9}" srcOrd="0" destOrd="0" presId="urn:microsoft.com/office/officeart/2005/8/layout/orgChart1"/>
+    <dgm:cxn modelId="{7B598DDD-50BD-42BF-9624-4A8E88EA34C9}" srcId="{80530DC7-8402-4724-83B5-CE2A52A1B0A7}" destId="{83F871A1-DD72-4500-9746-50A999CC53B0}" srcOrd="0" destOrd="0" parTransId="{5A6089FA-A242-4A73-9FAC-8FEC7A94F029}" sibTransId="{0FCA9517-1F23-4883-A363-3FFBC29054D3}"/>
+    <dgm:cxn modelId="{52F08A41-4CBC-4893-A1F3-CD55A383AF96}" srcId="{80530DC7-8402-4724-83B5-CE2A52A1B0A7}" destId="{6844CF9C-9E25-4227-A206-529AA33D270E}" srcOrd="5" destOrd="0" parTransId="{CD7A3356-E66F-42A9-8C5B-990F9FD6E392}" sibTransId="{C44A825F-C264-4532-AAFB-7D5F8BC34FEF}"/>
+    <dgm:cxn modelId="{5B865A9B-691B-4DCC-AEC6-904BC5AEF2E8}" type="presOf" srcId="{CF5596B6-28A8-48BF-B35B-F638586A578F}" destId="{D69520B3-AEDB-41E4-BBEF-879458180013}" srcOrd="0" destOrd="0" presId="urn:microsoft.com/office/officeart/2005/8/layout/orgChart1"/>
+    <dgm:cxn modelId="{1D5681B0-7DB4-42BB-BE26-6C0239098973}" type="presOf" srcId="{83F871A1-DD72-4500-9746-50A999CC53B0}" destId="{A78AD9CD-F89A-485E-8606-1DB54ACC7481}" srcOrd="0" destOrd="0" presId="urn:microsoft.com/office/officeart/2005/8/layout/orgChart1"/>
+    <dgm:cxn modelId="{4361A25A-6423-41BE-A69F-160CCC93B10C}" srcId="{80530DC7-8402-4724-83B5-CE2A52A1B0A7}" destId="{17A40DDC-B02B-4549-8A5D-CEF74DB0A16A}" srcOrd="1" destOrd="0" parTransId="{13AFBA50-27E9-4CA2-9BE5-2036748CECC4}" sibTransId="{42DE379E-DDB0-40D3-A9C0-38044491BC8A}"/>
+    <dgm:cxn modelId="{C959A824-99ED-4604-A8D7-87EB26983197}" type="presOf" srcId="{5EA72678-B599-437F-842C-8664728EC093}" destId="{6A71281E-ED24-400F-9B63-4F044276295B}" srcOrd="0" destOrd="0" presId="urn:microsoft.com/office/officeart/2005/8/layout/orgChart1"/>
+    <dgm:cxn modelId="{FE29AB0A-8C86-4514-9EAE-37AC9CA1FF9A}" type="presOf" srcId="{8640C4EC-09C0-4F73-8AB8-2CBCBACCFECE}" destId="{92D6A1F4-9FEB-4FEA-94B2-F8EDE48F71E7}" srcOrd="0" destOrd="0" presId="urn:microsoft.com/office/officeart/2005/8/layout/orgChart1"/>
+    <dgm:cxn modelId="{0B15B7E7-E84E-4B9D-86E4-A2012E8BC51B}" type="presOf" srcId="{1813D539-FA20-4B6E-9299-4FC379E4EA03}" destId="{99ABF011-C069-421D-9E34-6050D9B80110}" srcOrd="0" destOrd="0" presId="urn:microsoft.com/office/officeart/2005/8/layout/orgChart1"/>
+    <dgm:cxn modelId="{BFB345C9-2AED-4ED3-8D3E-77A72C283FFA}" type="presOf" srcId="{107A0334-3FBD-4EB8-83A9-D3DE4C29B2E7}" destId="{B9852B8A-C120-4AF8-91B4-B7A141B0F9A8}" srcOrd="0" destOrd="0" presId="urn:microsoft.com/office/officeart/2005/8/layout/orgChart1"/>
+    <dgm:cxn modelId="{1195AE5A-405C-4C57-A7D3-B672D864E356}" srcId="{83F871A1-DD72-4500-9746-50A999CC53B0}" destId="{046688EC-A3D0-41A4-9487-898E356F0F2B}" srcOrd="1" destOrd="0" parTransId="{291B8BD3-E4F6-4AF2-8C0B-1017FB243EE4}" sibTransId="{1C386BFB-C86C-491B-B108-EA3571F7FA84}"/>
+    <dgm:cxn modelId="{DD5F85F6-1AE6-4101-A8B0-84048A77301C}" type="presOf" srcId="{046688EC-A3D0-41A4-9487-898E356F0F2B}" destId="{7B4E31D4-6317-4F0B-A41C-F4B37DECB7A6}" srcOrd="1" destOrd="0" presId="urn:microsoft.com/office/officeart/2005/8/layout/orgChart1"/>
+    <dgm:cxn modelId="{ACB4505A-734C-419E-B772-557C92688415}" type="presOf" srcId="{11976668-59BC-44A7-9F00-BF41627C811C}" destId="{1202B46F-C0E3-4245-A6E7-6DFB2D220720}" srcOrd="0" destOrd="0" presId="urn:microsoft.com/office/officeart/2005/8/layout/orgChart1"/>
+    <dgm:cxn modelId="{E02CF60D-1DB2-48AD-BE9C-E389186EC97B}" type="presOf" srcId="{FC888789-C114-4406-B581-29C9CA39B2C3}" destId="{4C1DF6D3-BDCF-4702-B9CA-1AF5CD98D174}" srcOrd="1" destOrd="0" presId="urn:microsoft.com/office/officeart/2005/8/layout/orgChart1"/>
+    <dgm:cxn modelId="{91C14AD1-D87A-413D-9C1D-E3AC2C01565A}" type="presOf" srcId="{291B8BD3-E4F6-4AF2-8C0B-1017FB243EE4}" destId="{68ABE54A-16B1-443B-A78C-296A00941709}" srcOrd="0" destOrd="0" presId="urn:microsoft.com/office/officeart/2005/8/layout/orgChart1"/>
+    <dgm:cxn modelId="{A6B7D184-3396-440F-9CC4-25D0B7449C3B}" type="presOf" srcId="{96E49C71-D31B-4F25-9618-3DBD6B25C124}" destId="{7A0270A8-14A4-4A14-81F8-A4DF44BB32E6}" srcOrd="0" destOrd="0" presId="urn:microsoft.com/office/officeart/2005/8/layout/orgChart1"/>
+    <dgm:cxn modelId="{B9FE5011-3137-4E9F-B5AE-85F8A1859095}" type="presOf" srcId="{FA0CA49E-7B16-49CF-9A4D-5314676FEA96}" destId="{8403B391-B6DD-4261-8F9D-AF8B3A699A91}" srcOrd="0" destOrd="0" presId="urn:microsoft.com/office/officeart/2005/8/layout/orgChart1"/>
+    <dgm:cxn modelId="{50449990-65C8-40D5-B8FA-34A49C21EBD0}" type="presOf" srcId="{FC888789-C114-4406-B581-29C9CA39B2C3}" destId="{9F46D217-647D-4A2A-A6CA-CF62456BABDC}" srcOrd="0" destOrd="0" presId="urn:microsoft.com/office/officeart/2005/8/layout/orgChart1"/>
+    <dgm:cxn modelId="{C9D87777-108A-465F-A3A5-29B6D3B5483E}" srcId="{83F871A1-DD72-4500-9746-50A999CC53B0}" destId="{96E49C71-D31B-4F25-9618-3DBD6B25C124}" srcOrd="0" destOrd="0" parTransId="{CEDF3C43-DE04-4804-8672-98266BBD01D3}" sibTransId="{81B71C30-77C0-4F7D-86A3-371700FD516B}"/>
+    <dgm:cxn modelId="{BC75C56D-A868-4B0E-B2F9-BADD19C982C7}" type="presOf" srcId="{17A40DDC-B02B-4549-8A5D-CEF74DB0A16A}" destId="{05DD138F-AE1A-4D2C-AB7A-BCAC2CCB3535}" srcOrd="1" destOrd="0" presId="urn:microsoft.com/office/officeart/2005/8/layout/orgChart1"/>
+    <dgm:cxn modelId="{0FB47275-4E72-40A4-A284-03C936C66CF1}" type="presOf" srcId="{D3AAFF67-B031-4816-80FB-CDDE91F992FB}" destId="{34800E7E-A395-4FA7-A31C-4827D321AD5B}" srcOrd="1" destOrd="0" presId="urn:microsoft.com/office/officeart/2005/8/layout/orgChart1"/>
+    <dgm:cxn modelId="{5CFD8E27-CECB-4E2A-8C4D-24FBDC0DF2DA}" type="presOf" srcId="{046688EC-A3D0-41A4-9487-898E356F0F2B}" destId="{A83726C8-06FD-49AA-8216-DA0B3FB335F5}" srcOrd="0" destOrd="0" presId="urn:microsoft.com/office/officeart/2005/8/layout/orgChart1"/>
+    <dgm:cxn modelId="{E7BD2A4E-C302-470F-96FD-3A284CF61EAB}" srcId="{80530DC7-8402-4724-83B5-CE2A52A1B0A7}" destId="{FC888789-C114-4406-B581-29C9CA39B2C3}" srcOrd="4" destOrd="0" parTransId="{8D1EC034-29EB-4064-8C44-728F783B104E}" sibTransId="{224C721B-6FE6-4915-B412-CA4651E134BF}"/>
+    <dgm:cxn modelId="{88B9B319-BE9E-4783-9750-4AE3D5B636E4}" type="presOf" srcId="{17A40DDC-B02B-4549-8A5D-CEF74DB0A16A}" destId="{7B324E9E-19AE-4745-B5FE-6655EEBCBB23}" srcOrd="0" destOrd="0" presId="urn:microsoft.com/office/officeart/2005/8/layout/orgChart1"/>
+    <dgm:cxn modelId="{580FDB9A-E6ED-47B5-A098-CF6FDBD1839F}" type="presOf" srcId="{5EA72678-B599-437F-842C-8664728EC093}" destId="{547EA92D-A7A9-48E4-89C4-2BA55222F96D}" srcOrd="1" destOrd="0" presId="urn:microsoft.com/office/officeart/2005/8/layout/orgChart1"/>
+    <dgm:cxn modelId="{BA5AE42B-971A-4F6D-8E55-47019D9619E8}" type="presOf" srcId="{83F871A1-DD72-4500-9746-50A999CC53B0}" destId="{DE45EE0E-2AF7-4C45-8EB0-A3AA432E19CF}" srcOrd="1" destOrd="0" presId="urn:microsoft.com/office/officeart/2005/8/layout/orgChart1"/>
+    <dgm:cxn modelId="{2272993E-3750-42E9-AAB7-802266525E1F}" type="presOf" srcId="{CD7A3356-E66F-42A9-8C5B-990F9FD6E392}" destId="{0EA2C113-4833-4CA8-A329-EF04C8AF07EA}" srcOrd="0" destOrd="0" presId="urn:microsoft.com/office/officeart/2005/8/layout/orgChart1"/>
+    <dgm:cxn modelId="{45FCF63D-6C0F-43A5-B4D4-66FDFB27BF57}" srcId="{83F871A1-DD72-4500-9746-50A999CC53B0}" destId="{D3AAFF67-B031-4816-80FB-CDDE91F992FB}" srcOrd="3" destOrd="0" parTransId="{8640C4EC-09C0-4F73-8AB8-2CBCBACCFECE}" sibTransId="{7A0DE618-44B4-41C8-94A0-6A6FC2FAEBB6}"/>
+    <dgm:cxn modelId="{D528C4E2-2EDD-4B97-BE79-FEA3770FAC8A}" type="presOf" srcId="{5A6089FA-A242-4A73-9FAC-8FEC7A94F029}" destId="{B5C85C71-F5C5-4567-AF30-C8233FA48814}" srcOrd="0" destOrd="0" presId="urn:microsoft.com/office/officeart/2005/8/layout/orgChart1"/>
+    <dgm:cxn modelId="{DFB1B5A2-00E0-4C7E-B86B-A181D0D424F6}" srcId="{80530DC7-8402-4724-83B5-CE2A52A1B0A7}" destId="{A937C21D-C265-47BF-97ED-8019B12E8CFE}" srcOrd="2" destOrd="0" parTransId="{1813D539-FA20-4B6E-9299-4FC379E4EA03}" sibTransId="{5C1189C4-3564-4ED8-B219-B9AD27677061}"/>
+    <dgm:cxn modelId="{E5747EBB-C8DF-4205-BD7E-F93873F787F9}" srcId="{80530DC7-8402-4724-83B5-CE2A52A1B0A7}" destId="{CF5596B6-28A8-48BF-B35B-F638586A578F}" srcOrd="3" destOrd="0" parTransId="{CA8A18F0-6EA6-4F32-97D0-178027F0AE60}" sibTransId="{3FB998FE-5AA0-4C70-80B8-A50D2BA2E812}"/>
+    <dgm:cxn modelId="{E029EBA3-7949-44CB-AC2B-6878AF9E5286}" type="presOf" srcId="{CF5596B6-28A8-48BF-B35B-F638586A578F}" destId="{96E508F4-3E32-475B-B23C-565219A37E9B}" srcOrd="1" destOrd="0" presId="urn:microsoft.com/office/officeart/2005/8/layout/orgChart1"/>
+    <dgm:cxn modelId="{F5B00A80-2C18-411E-937A-6687173748A5}" type="presOf" srcId="{8C95E773-ADDB-4697-A08B-36CFB96DB4F6}" destId="{A4406133-5932-4C61-8BFF-5E953008C15B}" srcOrd="1" destOrd="0" presId="urn:microsoft.com/office/officeart/2005/8/layout/orgChart1"/>
+    <dgm:cxn modelId="{32899B44-87AC-4961-8F3F-A7BABB9C53DD}" type="presOf" srcId="{1363DEC4-95C3-49E1-A529-E2C51856F00A}" destId="{C6043F57-B0EA-4694-B123-9CF23A03EB2A}" srcOrd="1" destOrd="0" presId="urn:microsoft.com/office/officeart/2005/8/layout/orgChart1"/>
+    <dgm:cxn modelId="{397BBBCA-B2E6-4DFA-B16D-8C4C689FBA22}" type="presOf" srcId="{A937C21D-C265-47BF-97ED-8019B12E8CFE}" destId="{306BAEBD-84B5-432D-ADBC-5E67482DF93D}" srcOrd="0" destOrd="0" presId="urn:microsoft.com/office/officeart/2005/8/layout/orgChart1"/>
+    <dgm:cxn modelId="{B7F4E20A-0F7D-47CC-B307-F06026C25652}" type="presOf" srcId="{13AFBA50-27E9-4CA2-9BE5-2036748CECC4}" destId="{B3DF3E63-4B6B-4FF8-93E5-733E014025E9}" srcOrd="0" destOrd="0" presId="urn:microsoft.com/office/officeart/2005/8/layout/orgChart1"/>
+    <dgm:cxn modelId="{25E35B45-39EB-42F2-A8F2-2E1804284541}" type="presOf" srcId="{1363DEC4-95C3-49E1-A529-E2C51856F00A}" destId="{2CCC06DA-A2B2-4970-B265-23EC82D0D7BE}" srcOrd="0" destOrd="0" presId="urn:microsoft.com/office/officeart/2005/8/layout/orgChart1"/>
+    <dgm:cxn modelId="{60A34B34-7DE3-458B-BD2B-BB2064CFE3D3}" type="presOf" srcId="{A937C21D-C265-47BF-97ED-8019B12E8CFE}" destId="{059B4CA5-D86C-4467-BE5B-C22AEB3166C2}" srcOrd="1" destOrd="0" presId="urn:microsoft.com/office/officeart/2005/8/layout/orgChart1"/>
+    <dgm:cxn modelId="{60AC4983-B828-465D-ADA7-DA1007E8D8B6}" type="presOf" srcId="{CA8A18F0-6EA6-4F32-97D0-178027F0AE60}" destId="{E8F8129F-99B6-4DC7-AB87-90F5381FAC24}" srcOrd="0" destOrd="0" presId="urn:microsoft.com/office/officeart/2005/8/layout/orgChart1"/>
+    <dgm:cxn modelId="{4B6CA068-413F-43D5-9CD0-E6CAE716249F}" srcId="{11976668-59BC-44A7-9F00-BF41627C811C}" destId="{80530DC7-8402-4724-83B5-CE2A52A1B0A7}" srcOrd="0" destOrd="0" parTransId="{56CE59B5-9BAE-462E-9689-AB15A1C04461}" sibTransId="{6D443317-645C-448D-A3B8-59D1B4171B84}"/>
+    <dgm:cxn modelId="{1893E840-EB52-48C3-8CF4-63F682796B9D}" type="presParOf" srcId="{1202B46F-C0E3-4245-A6E7-6DFB2D220720}" destId="{4B7A95FB-E9DB-46B2-83E1-16B10E9CB622}" srcOrd="0" destOrd="0" presId="urn:microsoft.com/office/officeart/2005/8/layout/orgChart1"/>
+    <dgm:cxn modelId="{5AD87AC2-CF3D-4EA5-A2BB-12B7749B26F5}" type="presParOf" srcId="{4B7A95FB-E9DB-46B2-83E1-16B10E9CB622}" destId="{8A2FC444-4724-47D1-ABE9-2AC2AB01686B}" srcOrd="0" destOrd="0" presId="urn:microsoft.com/office/officeart/2005/8/layout/orgChart1"/>
+    <dgm:cxn modelId="{782E9AAD-14F6-46D6-BFDA-5D429E8C1F50}" type="presParOf" srcId="{8A2FC444-4724-47D1-ABE9-2AC2AB01686B}" destId="{CFB4CCA0-455C-42B4-82AB-19CE74A884B9}" srcOrd="0" destOrd="0" presId="urn:microsoft.com/office/officeart/2005/8/layout/orgChart1"/>
+    <dgm:cxn modelId="{A7CDED2B-A88B-4E12-9F3B-5BB0FCC5C088}" type="presParOf" srcId="{8A2FC444-4724-47D1-ABE9-2AC2AB01686B}" destId="{4C58C524-89EA-457C-99CA-D94EAD4F4D2F}" srcOrd="1" destOrd="0" presId="urn:microsoft.com/office/officeart/2005/8/layout/orgChart1"/>
+    <dgm:cxn modelId="{2103EC4E-C747-46C3-8830-576506B02FE9}" type="presParOf" srcId="{4B7A95FB-E9DB-46B2-83E1-16B10E9CB622}" destId="{0A202AB0-1D25-45D4-8662-1E511047D75F}" srcOrd="1" destOrd="0" presId="urn:microsoft.com/office/officeart/2005/8/layout/orgChart1"/>
+    <dgm:cxn modelId="{C453B684-79E1-4277-A4CB-CC226D0DCF35}" type="presParOf" srcId="{0A202AB0-1D25-45D4-8662-1E511047D75F}" destId="{B5C85C71-F5C5-4567-AF30-C8233FA48814}" srcOrd="0" destOrd="0" presId="urn:microsoft.com/office/officeart/2005/8/layout/orgChart1"/>
+    <dgm:cxn modelId="{49B4A668-7A70-4129-B247-905AA1323659}" type="presParOf" srcId="{0A202AB0-1D25-45D4-8662-1E511047D75F}" destId="{2C91B0B2-E561-4584-AC80-216E95069937}" srcOrd="1" destOrd="0" presId="urn:microsoft.com/office/officeart/2005/8/layout/orgChart1"/>
+    <dgm:cxn modelId="{6DF8C7DB-A163-47FE-8F57-BEB9B9DDC104}" type="presParOf" srcId="{2C91B0B2-E561-4584-AC80-216E95069937}" destId="{8FFB33BD-6C30-4F4B-83EE-D2A3C94BDD30}" srcOrd="0" destOrd="0" presId="urn:microsoft.com/office/officeart/2005/8/layout/orgChart1"/>
+    <dgm:cxn modelId="{6CD2C1EC-C6BE-4908-8A2A-5BB7A31697C0}" type="presParOf" srcId="{8FFB33BD-6C30-4F4B-83EE-D2A3C94BDD30}" destId="{A78AD9CD-F89A-485E-8606-1DB54ACC7481}" srcOrd="0" destOrd="0" presId="urn:microsoft.com/office/officeart/2005/8/layout/orgChart1"/>
+    <dgm:cxn modelId="{39AF5753-8D10-4BAE-A85C-C8D7341B1977}" type="presParOf" srcId="{8FFB33BD-6C30-4F4B-83EE-D2A3C94BDD30}" destId="{DE45EE0E-2AF7-4C45-8EB0-A3AA432E19CF}" srcOrd="1" destOrd="0" presId="urn:microsoft.com/office/officeart/2005/8/layout/orgChart1"/>
+    <dgm:cxn modelId="{92D98BCE-9F6B-49C0-A1EB-84FBE9FF46F9}" type="presParOf" srcId="{2C91B0B2-E561-4584-AC80-216E95069937}" destId="{63C1642C-E3EC-44EF-9701-36F0CC664ED9}" srcOrd="1" destOrd="0" presId="urn:microsoft.com/office/officeart/2005/8/layout/orgChart1"/>
+    <dgm:cxn modelId="{5C5B86A1-9FC6-4085-A74A-B80034D8411D}" type="presParOf" srcId="{63C1642C-E3EC-44EF-9701-36F0CC664ED9}" destId="{E0C32808-77DA-454E-B1A8-8717E65C5825}" srcOrd="0" destOrd="0" presId="urn:microsoft.com/office/officeart/2005/8/layout/orgChart1"/>
+    <dgm:cxn modelId="{4E9BB17C-4FE1-4569-9AFF-AA0BACD5DFA5}" type="presParOf" srcId="{63C1642C-E3EC-44EF-9701-36F0CC664ED9}" destId="{F324270D-1C51-471E-912F-0A0B65F5FE3A}" srcOrd="1" destOrd="0" presId="urn:microsoft.com/office/officeart/2005/8/layout/orgChart1"/>
+    <dgm:cxn modelId="{4CCC8911-1BFD-4858-8EFB-DAE0FC8C94E1}" type="presParOf" srcId="{F324270D-1C51-471E-912F-0A0B65F5FE3A}" destId="{0786B897-309A-4346-8F41-D60FC9622038}" srcOrd="0" destOrd="0" presId="urn:microsoft.com/office/officeart/2005/8/layout/orgChart1"/>
+    <dgm:cxn modelId="{D94C6420-CC01-4EEC-88A7-D0CBFEF6C828}" type="presParOf" srcId="{0786B897-309A-4346-8F41-D60FC9622038}" destId="{7A0270A8-14A4-4A14-81F8-A4DF44BB32E6}" srcOrd="0" destOrd="0" presId="urn:microsoft.com/office/officeart/2005/8/layout/orgChart1"/>
+    <dgm:cxn modelId="{8E0F896D-A792-4EB0-903A-F5AF32C9FFB4}" type="presParOf" srcId="{0786B897-309A-4346-8F41-D60FC9622038}" destId="{060A844D-A4CE-4507-B5CE-76713509ECF1}" srcOrd="1" destOrd="0" presId="urn:microsoft.com/office/officeart/2005/8/layout/orgChart1"/>
+    <dgm:cxn modelId="{DFFA9E2B-94A2-4437-84D6-06721C428433}" type="presParOf" srcId="{F324270D-1C51-471E-912F-0A0B65F5FE3A}" destId="{53021E58-41F8-4399-B0B9-E6053DD79CF6}" srcOrd="1" destOrd="0" presId="urn:microsoft.com/office/officeart/2005/8/layout/orgChart1"/>
+    <dgm:cxn modelId="{7DFE2E7F-14CE-4117-9D42-AC633E8FEABB}" type="presParOf" srcId="{F324270D-1C51-471E-912F-0A0B65F5FE3A}" destId="{3BE85288-C33A-49E2-9693-EBCE53144AEF}" srcOrd="2" destOrd="0" presId="urn:microsoft.com/office/officeart/2005/8/layout/orgChart1"/>
+    <dgm:cxn modelId="{9498169C-D1A1-4ECB-91FE-04D1E4DCB18A}" type="presParOf" srcId="{63C1642C-E3EC-44EF-9701-36F0CC664ED9}" destId="{68ABE54A-16B1-443B-A78C-296A00941709}" srcOrd="2" destOrd="0" presId="urn:microsoft.com/office/officeart/2005/8/layout/orgChart1"/>
+    <dgm:cxn modelId="{F914F87F-CE8F-47DB-87E5-FE1530C34A1E}" type="presParOf" srcId="{63C1642C-E3EC-44EF-9701-36F0CC664ED9}" destId="{45EFD3EA-729E-4A95-9DED-858C641150F8}" srcOrd="3" destOrd="0" presId="urn:microsoft.com/office/officeart/2005/8/layout/orgChart1"/>
+    <dgm:cxn modelId="{04BAD0AE-3FFE-43D3-A0FA-F396ADAAB148}" type="presParOf" srcId="{45EFD3EA-729E-4A95-9DED-858C641150F8}" destId="{B07BAEBE-26E7-4A81-80FC-BA132E664B9A}" srcOrd="0" destOrd="0" presId="urn:microsoft.com/office/officeart/2005/8/layout/orgChart1"/>
+    <dgm:cxn modelId="{4C6ADE1C-7566-4B94-A918-4DCD752E6D20}" type="presParOf" srcId="{B07BAEBE-26E7-4A81-80FC-BA132E664B9A}" destId="{A83726C8-06FD-49AA-8216-DA0B3FB335F5}" srcOrd="0" destOrd="0" presId="urn:microsoft.com/office/officeart/2005/8/layout/orgChart1"/>
+    <dgm:cxn modelId="{9DF603D7-DAAC-4946-B900-8F98A4AA214E}" type="presParOf" srcId="{B07BAEBE-26E7-4A81-80FC-BA132E664B9A}" destId="{7B4E31D4-6317-4F0B-A41C-F4B37DECB7A6}" srcOrd="1" destOrd="0" presId="urn:microsoft.com/office/officeart/2005/8/layout/orgChart1"/>
+    <dgm:cxn modelId="{5ACF4F0C-58E5-43EE-B24B-61D0610E4C3B}" type="presParOf" srcId="{45EFD3EA-729E-4A95-9DED-858C641150F8}" destId="{F33F43E6-584F-42CC-B530-A73D0DC95A6F}" srcOrd="1" destOrd="0" presId="urn:microsoft.com/office/officeart/2005/8/layout/orgChart1"/>
+    <dgm:cxn modelId="{1413F0C0-3681-4EB4-9C92-6550FD863CE1}" type="presParOf" srcId="{45EFD3EA-729E-4A95-9DED-858C641150F8}" destId="{D3BDC21D-2011-4C80-9DEE-52863E39D274}" srcOrd="2" destOrd="0" presId="urn:microsoft.com/office/officeart/2005/8/layout/orgChart1"/>
+    <dgm:cxn modelId="{E3D8A3F5-F9C1-4903-ADE9-69FA626636A9}" type="presParOf" srcId="{63C1642C-E3EC-44EF-9701-36F0CC664ED9}" destId="{B9852B8A-C120-4AF8-91B4-B7A141B0F9A8}" srcOrd="4" destOrd="0" presId="urn:microsoft.com/office/officeart/2005/8/layout/orgChart1"/>
+    <dgm:cxn modelId="{F4FD6102-3346-4CD4-AD1B-B9DFFE88930C}" type="presParOf" srcId="{63C1642C-E3EC-44EF-9701-36F0CC664ED9}" destId="{7FE4C5FF-3321-421E-AF2E-0BA5329F58F3}" srcOrd="5" destOrd="0" presId="urn:microsoft.com/office/officeart/2005/8/layout/orgChart1"/>
+    <dgm:cxn modelId="{122430A1-6610-4FC7-A2AE-0A67225D8CE2}" type="presParOf" srcId="{7FE4C5FF-3321-421E-AF2E-0BA5329F58F3}" destId="{94D5A7DF-AD9E-4744-A400-9C916ECE7E9C}" srcOrd="0" destOrd="0" presId="urn:microsoft.com/office/officeart/2005/8/layout/orgChart1"/>
+    <dgm:cxn modelId="{1F26575C-3D72-44F3-A150-3B2AA91AE549}" type="presParOf" srcId="{94D5A7DF-AD9E-4744-A400-9C916ECE7E9C}" destId="{2CCC06DA-A2B2-4970-B265-23EC82D0D7BE}" srcOrd="0" destOrd="0" presId="urn:microsoft.com/office/officeart/2005/8/layout/orgChart1"/>
+    <dgm:cxn modelId="{9C42FC33-CA1D-4EF9-A79E-EA52CA891542}" type="presParOf" srcId="{94D5A7DF-AD9E-4744-A400-9C916ECE7E9C}" destId="{C6043F57-B0EA-4694-B123-9CF23A03EB2A}" srcOrd="1" destOrd="0" presId="urn:microsoft.com/office/officeart/2005/8/layout/orgChart1"/>
+    <dgm:cxn modelId="{77407559-5D5C-4664-944D-18E00FFDB70B}" type="presParOf" srcId="{7FE4C5FF-3321-421E-AF2E-0BA5329F58F3}" destId="{451978E2-77AE-472D-9120-3E07540AA8E8}" srcOrd="1" destOrd="0" presId="urn:microsoft.com/office/officeart/2005/8/layout/orgChart1"/>
+    <dgm:cxn modelId="{10277C35-5B5A-4B8A-86FA-7A415D5EF2D9}" type="presParOf" srcId="{7FE4C5FF-3321-421E-AF2E-0BA5329F58F3}" destId="{0C692B88-FFFB-4F4A-B7CB-93C3B573E162}" srcOrd="2" destOrd="0" presId="urn:microsoft.com/office/officeart/2005/8/layout/orgChart1"/>
+    <dgm:cxn modelId="{78B38201-397D-47D9-B104-9194B6FD2B25}" type="presParOf" srcId="{63C1642C-E3EC-44EF-9701-36F0CC664ED9}" destId="{92D6A1F4-9FEB-4FEA-94B2-F8EDE48F71E7}" srcOrd="6" destOrd="0" presId="urn:microsoft.com/office/officeart/2005/8/layout/orgChart1"/>
+    <dgm:cxn modelId="{FEF1B980-8F58-4999-BCE3-CC09D328B7C1}" type="presParOf" srcId="{63C1642C-E3EC-44EF-9701-36F0CC664ED9}" destId="{FCD3013C-06AE-490B-B50D-0F52D5C82171}" srcOrd="7" destOrd="0" presId="urn:microsoft.com/office/officeart/2005/8/layout/orgChart1"/>
+    <dgm:cxn modelId="{755EC4D9-B032-4486-A24D-006ED79CD52B}" type="presParOf" srcId="{FCD3013C-06AE-490B-B50D-0F52D5C82171}" destId="{EF688740-35CF-468C-BA4B-DBF0E1C6E371}" srcOrd="0" destOrd="0" presId="urn:microsoft.com/office/officeart/2005/8/layout/orgChart1"/>
+    <dgm:cxn modelId="{9B3A7500-197A-4704-BF82-F50DC4557AA2}" type="presParOf" srcId="{EF688740-35CF-468C-BA4B-DBF0E1C6E371}" destId="{96486A5B-6314-438D-BFCE-AD04AED1658A}" srcOrd="0" destOrd="0" presId="urn:microsoft.com/office/officeart/2005/8/layout/orgChart1"/>
+    <dgm:cxn modelId="{B81B7F09-2C30-4D3F-A389-E64623935DB9}" type="presParOf" srcId="{EF688740-35CF-468C-BA4B-DBF0E1C6E371}" destId="{34800E7E-A395-4FA7-A31C-4827D321AD5B}" srcOrd="1" destOrd="0" presId="urn:microsoft.com/office/officeart/2005/8/layout/orgChart1"/>
+    <dgm:cxn modelId="{F18A9A96-B352-4EBF-8FFD-6F2A98C60E8F}" type="presParOf" srcId="{FCD3013C-06AE-490B-B50D-0F52D5C82171}" destId="{58CBFBCB-EC4F-4337-9F2F-7AD8B77475E0}" srcOrd="1" destOrd="0" presId="urn:microsoft.com/office/officeart/2005/8/layout/orgChart1"/>
+    <dgm:cxn modelId="{31E0C624-5B11-4F25-B658-0BA549E1F276}" type="presParOf" srcId="{FCD3013C-06AE-490B-B50D-0F52D5C82171}" destId="{24D239AD-6C1F-4F42-A656-8FB130B150E9}" srcOrd="2" destOrd="0" presId="urn:microsoft.com/office/officeart/2005/8/layout/orgChart1"/>
+    <dgm:cxn modelId="{9C0E607F-70C6-42D5-A916-3CDEF69F14A4}" type="presParOf" srcId="{63C1642C-E3EC-44EF-9701-36F0CC664ED9}" destId="{8403B391-B6DD-4261-8F9D-AF8B3A699A91}" srcOrd="8" destOrd="0" presId="urn:microsoft.com/office/officeart/2005/8/layout/orgChart1"/>
+    <dgm:cxn modelId="{DF8CF609-8B8A-4B9B-BFBD-1EE8F4CAADD7}" type="presParOf" srcId="{63C1642C-E3EC-44EF-9701-36F0CC664ED9}" destId="{8525D270-0505-45F4-B393-B05EE49BD70F}" srcOrd="9" destOrd="0" presId="urn:microsoft.com/office/officeart/2005/8/layout/orgChart1"/>
+    <dgm:cxn modelId="{F5614A5C-4F4C-414C-93B3-D6CFB4BF290F}" type="presParOf" srcId="{8525D270-0505-45F4-B393-B05EE49BD70F}" destId="{CFD4B4D9-A3A1-4AC8-95A6-1617B7B04295}" srcOrd="0" destOrd="0" presId="urn:microsoft.com/office/officeart/2005/8/layout/orgChart1"/>
+    <dgm:cxn modelId="{3CC0C729-F285-4CA9-870D-23EBD9EFC347}" type="presParOf" srcId="{CFD4B4D9-A3A1-4AC8-95A6-1617B7B04295}" destId="{98C5423F-8024-456E-8F60-96111749CB62}" srcOrd="0" destOrd="0" presId="urn:microsoft.com/office/officeart/2005/8/layout/orgChart1"/>
+    <dgm:cxn modelId="{D2899D3A-89B0-4943-A90D-8AB480E4A9E3}" type="presParOf" srcId="{CFD4B4D9-A3A1-4AC8-95A6-1617B7B04295}" destId="{A4406133-5932-4C61-8BFF-5E953008C15B}" srcOrd="1" destOrd="0" presId="urn:microsoft.com/office/officeart/2005/8/layout/orgChart1"/>
+    <dgm:cxn modelId="{C3E960A0-6BCF-4AF7-96ED-90B6C32802FC}" type="presParOf" srcId="{8525D270-0505-45F4-B393-B05EE49BD70F}" destId="{475BF7F2-0120-44D8-AB15-BD842A1E6A48}" srcOrd="1" destOrd="0" presId="urn:microsoft.com/office/officeart/2005/8/layout/orgChart1"/>
+    <dgm:cxn modelId="{FB185FE3-75EB-4901-A183-BD5AA0FCAB4E}" type="presParOf" srcId="{8525D270-0505-45F4-B393-B05EE49BD70F}" destId="{42439FEA-D82D-4EC2-842B-DB94ED87E465}" srcOrd="2" destOrd="0" presId="urn:microsoft.com/office/officeart/2005/8/layout/orgChart1"/>
+    <dgm:cxn modelId="{E82F0C87-5A42-4944-8399-B0244DF49C33}" type="presParOf" srcId="{2C91B0B2-E561-4584-AC80-216E95069937}" destId="{B8A244B1-F658-4EEB-82AB-56D142ACE71B}" srcOrd="2" destOrd="0" presId="urn:microsoft.com/office/officeart/2005/8/layout/orgChart1"/>
+    <dgm:cxn modelId="{AD8DEF08-34C6-4B5D-A0B6-CD79CC31FD0C}" type="presParOf" srcId="{0A202AB0-1D25-45D4-8662-1E511047D75F}" destId="{B3DF3E63-4B6B-4FF8-93E5-733E014025E9}" srcOrd="2" destOrd="0" presId="urn:microsoft.com/office/officeart/2005/8/layout/orgChart1"/>
+    <dgm:cxn modelId="{812DCD6C-5518-420F-A47B-E9590FFA9F19}" type="presParOf" srcId="{0A202AB0-1D25-45D4-8662-1E511047D75F}" destId="{269464E6-97D0-4C3B-A3D9-F1D14DD2D3FA}" srcOrd="3" destOrd="0" presId="urn:microsoft.com/office/officeart/2005/8/layout/orgChart1"/>
+    <dgm:cxn modelId="{5BDC602E-8ED7-4DE3-894E-47A6977E6B84}" type="presParOf" srcId="{269464E6-97D0-4C3B-A3D9-F1D14DD2D3FA}" destId="{2B8BC582-3F65-4FD5-A399-920682FFC764}" srcOrd="0" destOrd="0" presId="urn:microsoft.com/office/officeart/2005/8/layout/orgChart1"/>
+    <dgm:cxn modelId="{B94A051E-8159-4348-9EE8-0F68B53C1B53}" type="presParOf" srcId="{2B8BC582-3F65-4FD5-A399-920682FFC764}" destId="{7B324E9E-19AE-4745-B5FE-6655EEBCBB23}" srcOrd="0" destOrd="0" presId="urn:microsoft.com/office/officeart/2005/8/layout/orgChart1"/>
+    <dgm:cxn modelId="{EE82215D-A3F4-4DF0-9C80-9ADD2D9F024E}" type="presParOf" srcId="{2B8BC582-3F65-4FD5-A399-920682FFC764}" destId="{05DD138F-AE1A-4D2C-AB7A-BCAC2CCB3535}" srcOrd="1" destOrd="0" presId="urn:microsoft.com/office/officeart/2005/8/layout/orgChart1"/>
+    <dgm:cxn modelId="{E0AD490A-EC59-4B1C-859D-B7D0B8C3E143}" type="presParOf" srcId="{269464E6-97D0-4C3B-A3D9-F1D14DD2D3FA}" destId="{082CB240-CE1E-494B-9453-20B6EB89F383}" srcOrd="1" destOrd="0" presId="urn:microsoft.com/office/officeart/2005/8/layout/orgChart1"/>
+    <dgm:cxn modelId="{8D2BBBFA-B309-4F07-9C25-ADD74D9EE9ED}" type="presParOf" srcId="{082CB240-CE1E-494B-9453-20B6EB89F383}" destId="{BA0A7D05-0541-4BC2-9873-30F3322CC717}" srcOrd="0" destOrd="0" presId="urn:microsoft.com/office/officeart/2005/8/layout/orgChart1"/>
+    <dgm:cxn modelId="{D7C9AA46-AB4C-4608-A7E9-882EBBB88C14}" type="presParOf" srcId="{082CB240-CE1E-494B-9453-20B6EB89F383}" destId="{C9B3B9DA-E451-4885-A15F-AE52BC0FCC70}" srcOrd="1" destOrd="0" presId="urn:microsoft.com/office/officeart/2005/8/layout/orgChart1"/>
+    <dgm:cxn modelId="{3FC41DB2-8594-4A29-861B-9C426E48DB89}" type="presParOf" srcId="{C9B3B9DA-E451-4885-A15F-AE52BC0FCC70}" destId="{CEDFF4CF-6518-47F8-A818-FA738F06532C}" srcOrd="0" destOrd="0" presId="urn:microsoft.com/office/officeart/2005/8/layout/orgChart1"/>
+    <dgm:cxn modelId="{602BE0FC-E531-4117-B59D-42F7BF820C90}" type="presParOf" srcId="{CEDFF4CF-6518-47F8-A818-FA738F06532C}" destId="{6A71281E-ED24-400F-9B63-4F044276295B}" srcOrd="0" destOrd="0" presId="urn:microsoft.com/office/officeart/2005/8/layout/orgChart1"/>
+    <dgm:cxn modelId="{AA7F8EB9-7A66-4741-B5A3-8A0560C4F110}" type="presParOf" srcId="{CEDFF4CF-6518-47F8-A818-FA738F06532C}" destId="{547EA92D-A7A9-48E4-89C4-2BA55222F96D}" srcOrd="1" destOrd="0" presId="urn:microsoft.com/office/officeart/2005/8/layout/orgChart1"/>
+    <dgm:cxn modelId="{EA5D1B4E-68E6-460C-93F1-68C19BD9D035}" type="presParOf" srcId="{C9B3B9DA-E451-4885-A15F-AE52BC0FCC70}" destId="{A52B9EE7-B415-4EE4-8E45-F0D1F375BF1A}" srcOrd="1" destOrd="0" presId="urn:microsoft.com/office/officeart/2005/8/layout/orgChart1"/>
+    <dgm:cxn modelId="{DDD1CA57-E7E4-430B-ACF1-8B7589311264}" type="presParOf" srcId="{C9B3B9DA-E451-4885-A15F-AE52BC0FCC70}" destId="{7DC78E7F-D593-48BF-9ABA-B9C1C1BC6E56}" srcOrd="2" destOrd="0" presId="urn:microsoft.com/office/officeart/2005/8/layout/orgChart1"/>
+    <dgm:cxn modelId="{5FFCDACC-0C8F-427A-8D12-EFF5CD6A4DE2}" type="presParOf" srcId="{269464E6-97D0-4C3B-A3D9-F1D14DD2D3FA}" destId="{56A42950-0FB3-49CA-B68A-756A01A60508}" srcOrd="2" destOrd="0" presId="urn:microsoft.com/office/officeart/2005/8/layout/orgChart1"/>
+    <dgm:cxn modelId="{C8DDA36F-3B9C-4B08-BB1C-D119D9FEBF08}" type="presParOf" srcId="{0A202AB0-1D25-45D4-8662-1E511047D75F}" destId="{99ABF011-C069-421D-9E34-6050D9B80110}" srcOrd="4" destOrd="0" presId="urn:microsoft.com/office/officeart/2005/8/layout/orgChart1"/>
+    <dgm:cxn modelId="{27915933-6203-47BD-82D3-C36FC2AA6FC5}" type="presParOf" srcId="{0A202AB0-1D25-45D4-8662-1E511047D75F}" destId="{7AD6A70F-7CC7-4C0F-B30A-6A9DB2A43B47}" srcOrd="5" destOrd="0" presId="urn:microsoft.com/office/officeart/2005/8/layout/orgChart1"/>
+    <dgm:cxn modelId="{839A600D-062C-4B51-B6EA-8AE600520A5F}" type="presParOf" srcId="{7AD6A70F-7CC7-4C0F-B30A-6A9DB2A43B47}" destId="{7BA81301-178F-4882-BDA3-8A89DE24BC33}" srcOrd="0" destOrd="0" presId="urn:microsoft.com/office/officeart/2005/8/layout/orgChart1"/>
+    <dgm:cxn modelId="{2D617B87-8EA7-4943-A93D-9502AEF1723B}" type="presParOf" srcId="{7BA81301-178F-4882-BDA3-8A89DE24BC33}" destId="{306BAEBD-84B5-432D-ADBC-5E67482DF93D}" srcOrd="0" destOrd="0" presId="urn:microsoft.com/office/officeart/2005/8/layout/orgChart1"/>
+    <dgm:cxn modelId="{B86E6FAC-83A1-4BD9-BF20-9A29ADCC7EC4}" type="presParOf" srcId="{7BA81301-178F-4882-BDA3-8A89DE24BC33}" destId="{059B4CA5-D86C-4467-BE5B-C22AEB3166C2}" srcOrd="1" destOrd="0" presId="urn:microsoft.com/office/officeart/2005/8/layout/orgChart1"/>
+    <dgm:cxn modelId="{F2F0FE67-9B74-4FFD-8A82-51E9C4A33FEF}" type="presParOf" srcId="{7AD6A70F-7CC7-4C0F-B30A-6A9DB2A43B47}" destId="{5CCDB004-1EBC-463D-922C-781CD76F1DE4}" srcOrd="1" destOrd="0" presId="urn:microsoft.com/office/officeart/2005/8/layout/orgChart1"/>
+    <dgm:cxn modelId="{B1F67FFD-F6DC-4EF1-B6BF-81D8176D050E}" type="presParOf" srcId="{7AD6A70F-7CC7-4C0F-B30A-6A9DB2A43B47}" destId="{ABAD6D10-4016-4C79-94FA-4114ECE07863}" srcOrd="2" destOrd="0" presId="urn:microsoft.com/office/officeart/2005/8/layout/orgChart1"/>
+    <dgm:cxn modelId="{A1B0A34E-0A83-4C93-B486-AEAFA50B2B2F}" type="presParOf" srcId="{0A202AB0-1D25-45D4-8662-1E511047D75F}" destId="{E8F8129F-99B6-4DC7-AB87-90F5381FAC24}" srcOrd="6" destOrd="0" presId="urn:microsoft.com/office/officeart/2005/8/layout/orgChart1"/>
+    <dgm:cxn modelId="{978D1E08-50F9-4CD6-9EB4-041B9403E2A6}" type="presParOf" srcId="{0A202AB0-1D25-45D4-8662-1E511047D75F}" destId="{474BE89E-0EDB-4A21-B5D9-F3AC7EB39E73}" srcOrd="7" destOrd="0" presId="urn:microsoft.com/office/officeart/2005/8/layout/orgChart1"/>
+    <dgm:cxn modelId="{A0EE415F-DE28-4369-B4F7-0D6F8FBB2AD2}" type="presParOf" srcId="{474BE89E-0EDB-4A21-B5D9-F3AC7EB39E73}" destId="{1D8898A5-A885-401E-B5F2-B422B9DB41A9}" srcOrd="0" destOrd="0" presId="urn:microsoft.com/office/officeart/2005/8/layout/orgChart1"/>
+    <dgm:cxn modelId="{C46EFBEC-7EC9-485F-AADC-A7DA8F6BDAED}" type="presParOf" srcId="{1D8898A5-A885-401E-B5F2-B422B9DB41A9}" destId="{D69520B3-AEDB-41E4-BBEF-879458180013}" srcOrd="0" destOrd="0" presId="urn:microsoft.com/office/officeart/2005/8/layout/orgChart1"/>
+    <dgm:cxn modelId="{776D4C50-0F75-4F4E-A262-8745711D1A0B}" type="presParOf" srcId="{1D8898A5-A885-401E-B5F2-B422B9DB41A9}" destId="{96E508F4-3E32-475B-B23C-565219A37E9B}" srcOrd="1" destOrd="0" presId="urn:microsoft.com/office/officeart/2005/8/layout/orgChart1"/>
+    <dgm:cxn modelId="{ECECBCE5-F171-40F7-96FD-42AE5350E6F4}" type="presParOf" srcId="{474BE89E-0EDB-4A21-B5D9-F3AC7EB39E73}" destId="{7C9322F6-4CE8-4160-B9D5-5C5ED4D095B1}" srcOrd="1" destOrd="0" presId="urn:microsoft.com/office/officeart/2005/8/layout/orgChart1"/>
+    <dgm:cxn modelId="{58F7427B-8307-47CB-AA4B-7B1FFBC09D5B}" type="presParOf" srcId="{474BE89E-0EDB-4A21-B5D9-F3AC7EB39E73}" destId="{12FE7D32-F11F-413A-A24B-10439E95D851}" srcOrd="2" destOrd="0" presId="urn:microsoft.com/office/officeart/2005/8/layout/orgChart1"/>
+    <dgm:cxn modelId="{27055F08-CB19-44A8-A07B-25FE2A6BFA29}" type="presParOf" srcId="{0A202AB0-1D25-45D4-8662-1E511047D75F}" destId="{4F5EEA8D-6982-40E5-A172-91CD8BC995DD}" srcOrd="8" destOrd="0" presId="urn:microsoft.com/office/officeart/2005/8/layout/orgChart1"/>
+    <dgm:cxn modelId="{D989B78A-15B2-462F-9A64-74D62C108C59}" type="presParOf" srcId="{0A202AB0-1D25-45D4-8662-1E511047D75F}" destId="{6855ABCF-D082-409F-91BC-DC976A3FD392}" srcOrd="9" destOrd="0" presId="urn:microsoft.com/office/officeart/2005/8/layout/orgChart1"/>
+    <dgm:cxn modelId="{B48A0184-EB4D-462B-8855-F02C90FF4B31}" type="presParOf" srcId="{6855ABCF-D082-409F-91BC-DC976A3FD392}" destId="{B5F0A32A-52D9-47FF-B23F-82FCBEF9989D}" srcOrd="0" destOrd="0" presId="urn:microsoft.com/office/officeart/2005/8/layout/orgChart1"/>
+    <dgm:cxn modelId="{3C3DC968-024F-4066-9206-CBB38A18F789}" type="presParOf" srcId="{B5F0A32A-52D9-47FF-B23F-82FCBEF9989D}" destId="{9F46D217-647D-4A2A-A6CA-CF62456BABDC}" srcOrd="0" destOrd="0" presId="urn:microsoft.com/office/officeart/2005/8/layout/orgChart1"/>
+    <dgm:cxn modelId="{72B4D223-695A-4B79-9D3D-7429DC7C2D43}" type="presParOf" srcId="{B5F0A32A-52D9-47FF-B23F-82FCBEF9989D}" destId="{4C1DF6D3-BDCF-4702-B9CA-1AF5CD98D174}" srcOrd="1" destOrd="0" presId="urn:microsoft.com/office/officeart/2005/8/layout/orgChart1"/>
+    <dgm:cxn modelId="{46C34BF9-14DF-421C-823D-8E46DF24F7EC}" type="presParOf" srcId="{6855ABCF-D082-409F-91BC-DC976A3FD392}" destId="{5E717597-A892-4D91-A7EE-C13F03A329A6}" srcOrd="1" destOrd="0" presId="urn:microsoft.com/office/officeart/2005/8/layout/orgChart1"/>
+    <dgm:cxn modelId="{7B9ABE1C-1F1E-417D-99C5-B4741C9880B4}" type="presParOf" srcId="{6855ABCF-D082-409F-91BC-DC976A3FD392}" destId="{A6D45EC5-6372-47F5-BFF6-D53C5F763F6A}" srcOrd="2" destOrd="0" presId="urn:microsoft.com/office/officeart/2005/8/layout/orgChart1"/>
+    <dgm:cxn modelId="{BC7F6694-565D-4052-8640-45D7F083F287}" type="presParOf" srcId="{0A202AB0-1D25-45D4-8662-1E511047D75F}" destId="{0EA2C113-4833-4CA8-A329-EF04C8AF07EA}" srcOrd="10" destOrd="0" presId="urn:microsoft.com/office/officeart/2005/8/layout/orgChart1"/>
+    <dgm:cxn modelId="{2CF2459F-993E-4F55-8755-71AA5FD06C18}" type="presParOf" srcId="{0A202AB0-1D25-45D4-8662-1E511047D75F}" destId="{D5DCC19D-7FC7-4994-8257-914FD8D965D9}" srcOrd="11" destOrd="0" presId="urn:microsoft.com/office/officeart/2005/8/layout/orgChart1"/>
+    <dgm:cxn modelId="{736CE817-D969-4B1F-B983-429662AE46C7}" type="presParOf" srcId="{D5DCC19D-7FC7-4994-8257-914FD8D965D9}" destId="{38019545-0336-44CE-A028-01C885DF9E6C}" srcOrd="0" destOrd="0" presId="urn:microsoft.com/office/officeart/2005/8/layout/orgChart1"/>
+    <dgm:cxn modelId="{6031D1D5-AC54-4337-ABD9-E7061E0CA832}" type="presParOf" srcId="{38019545-0336-44CE-A028-01C885DF9E6C}" destId="{3E39070D-ADD7-4C8F-B0FD-D6B5B2BDCAD8}" srcOrd="0" destOrd="0" presId="urn:microsoft.com/office/officeart/2005/8/layout/orgChart1"/>
+    <dgm:cxn modelId="{7DA9D393-0CCC-4CC7-890E-13A22A7F282D}" type="presParOf" srcId="{38019545-0336-44CE-A028-01C885DF9E6C}" destId="{FBB049A9-29B1-4802-9EDA-79C8577C9984}" srcOrd="1" destOrd="0" presId="urn:microsoft.com/office/officeart/2005/8/layout/orgChart1"/>
+    <dgm:cxn modelId="{D89C745B-1EF2-4CDA-9E47-724A26C7E5CD}" type="presParOf" srcId="{D5DCC19D-7FC7-4994-8257-914FD8D965D9}" destId="{37F25788-F9C0-4488-B277-65B425F9CCE7}" srcOrd="1" destOrd="0" presId="urn:microsoft.com/office/officeart/2005/8/layout/orgChart1"/>
+    <dgm:cxn modelId="{989F2B87-21BA-4CC7-B3CA-619F26D41900}" type="presParOf" srcId="{D5DCC19D-7FC7-4994-8257-914FD8D965D9}" destId="{EF3DBFB9-362C-4B8C-9FBF-F8F41B6A039F}" srcOrd="2" destOrd="0" presId="urn:microsoft.com/office/officeart/2005/8/layout/orgChart1"/>
+    <dgm:cxn modelId="{D41D4A02-A2F9-4470-BD1D-49AA6D1C1B4C}" type="presParOf" srcId="{4B7A95FB-E9DB-46B2-83E1-16B10E9CB622}" destId="{07271AF2-8622-45E3-8C50-EB0BF61D7587}" srcOrd="2" destOrd="0" presId="urn:microsoft.com/office/officeart/2005/8/layout/orgChart1"/>
+  </dgm:cxnLst>
+  <dgm:bg/>
+  <dgm:whole/>
+  <dgm:extLst>
+    <a:ext uri="http://schemas.microsoft.com/office/drawing/2008/diagram">
+      <dsp:dataModelExt xmlns:dsp="http://schemas.microsoft.com/office/drawing/2008/diagram" relId="rId6" minVer="http://schemas.openxmlformats.org/drawingml/2006/diagram"/>
+    </a:ext>
+  </dgm:extLst>
+</dgm:dataModel>
+</file>
+
+<file path=ppt/diagrams/data3.xml><?xml version="1.0" encoding="utf-8"?>
 <dgm:dataModel xmlns:dgm="http://schemas.openxmlformats.org/drawingml/2006/diagram" xmlns:a="http://schemas.openxmlformats.org/drawingml/2006/main">
   <dgm:ptLst>
     <dgm:pt modelId="{11976668-59BC-44A7-9F00-BF41627C811C}" type="doc">
@@ -3876,8 +6186,8 @@
       </dsp:nvSpPr>
       <dsp:spPr>
         <a:xfrm>
-          <a:off x="4064000" y="1361285"/>
-          <a:ext cx="3485337" cy="241957"/>
+          <a:off x="4064000" y="571219"/>
+          <a:ext cx="3440317" cy="238831"/>
         </a:xfrm>
         <a:custGeom>
           <a:avLst/>
@@ -3891,13 +6201,13 @@
                 <a:pt x="0" y="0"/>
               </a:moveTo>
               <a:lnTo>
-                <a:pt x="0" y="120978"/>
+                <a:pt x="0" y="119415"/>
               </a:lnTo>
               <a:lnTo>
-                <a:pt x="3485337" y="120978"/>
+                <a:pt x="3440317" y="119415"/>
               </a:lnTo>
               <a:lnTo>
-                <a:pt x="3485337" y="241957"/>
+                <a:pt x="3440317" y="238831"/>
               </a:lnTo>
             </a:path>
           </a:pathLst>
@@ -3938,8 +6248,8 @@
       </dsp:nvSpPr>
       <dsp:spPr>
         <a:xfrm>
-          <a:off x="4064000" y="1361285"/>
-          <a:ext cx="2091202" cy="241957"/>
+          <a:off x="4064000" y="571219"/>
+          <a:ext cx="2064190" cy="238831"/>
         </a:xfrm>
         <a:custGeom>
           <a:avLst/>
@@ -3953,13 +6263,13 @@
                 <a:pt x="0" y="0"/>
               </a:moveTo>
               <a:lnTo>
-                <a:pt x="0" y="120978"/>
+                <a:pt x="0" y="119415"/>
               </a:lnTo>
               <a:lnTo>
-                <a:pt x="2091202" y="120978"/>
+                <a:pt x="2064190" y="119415"/>
               </a:lnTo>
               <a:lnTo>
-                <a:pt x="2091202" y="241957"/>
+                <a:pt x="2064190" y="238831"/>
               </a:lnTo>
             </a:path>
           </a:pathLst>
@@ -4000,8 +6310,8 @@
       </dsp:nvSpPr>
       <dsp:spPr>
         <a:xfrm>
-          <a:off x="4300196" y="2179331"/>
-          <a:ext cx="172826" cy="530001"/>
+          <a:off x="4297145" y="1378698"/>
+          <a:ext cx="170594" cy="523155"/>
         </a:xfrm>
         <a:custGeom>
           <a:avLst/>
@@ -4015,10 +6325,10 @@
                 <a:pt x="0" y="0"/>
               </a:moveTo>
               <a:lnTo>
-                <a:pt x="0" y="530001"/>
+                <a:pt x="0" y="523155"/>
               </a:lnTo>
               <a:lnTo>
-                <a:pt x="172826" y="530001"/>
+                <a:pt x="170594" y="523155"/>
               </a:lnTo>
             </a:path>
           </a:pathLst>
@@ -4059,8 +6369,8 @@
       </dsp:nvSpPr>
       <dsp:spPr>
         <a:xfrm>
-          <a:off x="4064000" y="1361285"/>
-          <a:ext cx="697067" cy="241957"/>
+          <a:off x="4064000" y="571219"/>
+          <a:ext cx="688063" cy="238831"/>
         </a:xfrm>
         <a:custGeom>
           <a:avLst/>
@@ -4074,13 +6384,13 @@
                 <a:pt x="0" y="0"/>
               </a:moveTo>
               <a:lnTo>
-                <a:pt x="0" y="120978"/>
+                <a:pt x="0" y="119415"/>
               </a:lnTo>
               <a:lnTo>
-                <a:pt x="697067" y="120978"/>
+                <a:pt x="688063" y="119415"/>
               </a:lnTo>
               <a:lnTo>
-                <a:pt x="697067" y="241957"/>
+                <a:pt x="688063" y="238831"/>
               </a:lnTo>
             </a:path>
           </a:pathLst>
@@ -4121,8 +6431,8 @@
       </dsp:nvSpPr>
       <dsp:spPr>
         <a:xfrm>
-          <a:off x="3366932" y="1361285"/>
-          <a:ext cx="697067" cy="241957"/>
+          <a:off x="3375936" y="571219"/>
+          <a:ext cx="688063" cy="238831"/>
         </a:xfrm>
         <a:custGeom>
           <a:avLst/>
@@ -4133,16 +6443,16 @@
           <a:pathLst>
             <a:path>
               <a:moveTo>
-                <a:pt x="697067" y="0"/>
+                <a:pt x="688063" y="0"/>
               </a:moveTo>
               <a:lnTo>
-                <a:pt x="697067" y="120978"/>
+                <a:pt x="688063" y="119415"/>
               </a:lnTo>
               <a:lnTo>
-                <a:pt x="0" y="120978"/>
+                <a:pt x="0" y="119415"/>
               </a:lnTo>
               <a:lnTo>
-                <a:pt x="0" y="241957"/>
+                <a:pt x="0" y="238831"/>
               </a:lnTo>
             </a:path>
           </a:pathLst>
@@ -4183,8 +6493,8 @@
       </dsp:nvSpPr>
       <dsp:spPr>
         <a:xfrm>
-          <a:off x="1511926" y="2179331"/>
-          <a:ext cx="172826" cy="530001"/>
+          <a:off x="1544891" y="1378698"/>
+          <a:ext cx="170594" cy="523155"/>
         </a:xfrm>
         <a:custGeom>
           <a:avLst/>
@@ -4198,10 +6508,10 @@
                 <a:pt x="0" y="0"/>
               </a:moveTo>
               <a:lnTo>
-                <a:pt x="0" y="530001"/>
+                <a:pt x="0" y="523155"/>
               </a:lnTo>
               <a:lnTo>
-                <a:pt x="172826" y="530001"/>
+                <a:pt x="170594" y="523155"/>
               </a:lnTo>
             </a:path>
           </a:pathLst>
@@ -4242,8 +6552,8 @@
       </dsp:nvSpPr>
       <dsp:spPr>
         <a:xfrm>
-          <a:off x="1972797" y="1361285"/>
-          <a:ext cx="2091202" cy="241957"/>
+          <a:off x="1999809" y="571219"/>
+          <a:ext cx="2064190" cy="238831"/>
         </a:xfrm>
         <a:custGeom>
           <a:avLst/>
@@ -4254,16 +6564,16 @@
           <a:pathLst>
             <a:path>
               <a:moveTo>
-                <a:pt x="2091202" y="0"/>
+                <a:pt x="2064190" y="0"/>
               </a:moveTo>
               <a:lnTo>
-                <a:pt x="2091202" y="120978"/>
+                <a:pt x="2064190" y="119415"/>
               </a:lnTo>
               <a:lnTo>
-                <a:pt x="0" y="120978"/>
+                <a:pt x="0" y="119415"/>
               </a:lnTo>
               <a:lnTo>
-                <a:pt x="0" y="241957"/>
+                <a:pt x="0" y="238831"/>
               </a:lnTo>
             </a:path>
           </a:pathLst>
@@ -4297,15 +6607,15 @@
         <a:fontRef idx="minor"/>
       </dsp:style>
     </dsp:sp>
-    <dsp:sp modelId="{B9852B8A-C120-4AF8-91B4-B7A141B0F9A8}">
+    <dsp:sp modelId="{8403B391-B6DD-4261-8F9D-AF8B3A699A91}">
       <dsp:nvSpPr>
         <dsp:cNvPr id="0" name=""/>
         <dsp:cNvSpPr/>
       </dsp:nvSpPr>
       <dsp:spPr>
         <a:xfrm>
-          <a:off x="117791" y="2179331"/>
-          <a:ext cx="172826" cy="2166094"/>
+          <a:off x="168764" y="1378698"/>
+          <a:ext cx="170594" cy="3753073"/>
         </a:xfrm>
         <a:custGeom>
           <a:avLst/>
@@ -4319,10 +6629,128 @@
                 <a:pt x="0" y="0"/>
               </a:moveTo>
               <a:lnTo>
-                <a:pt x="0" y="2166094"/>
+                <a:pt x="0" y="3753073"/>
               </a:lnTo>
               <a:lnTo>
-                <a:pt x="172826" y="2166094"/>
+                <a:pt x="170594" y="3753073"/>
+              </a:lnTo>
+            </a:path>
+          </a:pathLst>
+        </a:custGeom>
+        <a:noFill/>
+        <a:ln w="12700" cap="flat" cmpd="sng" algn="ctr">
+          <a:solidFill>
+            <a:schemeClr val="accent1">
+              <a:shade val="80000"/>
+              <a:hueOff val="0"/>
+              <a:satOff val="0"/>
+              <a:lumOff val="0"/>
+              <a:alphaOff val="0"/>
+            </a:schemeClr>
+          </a:solidFill>
+          <a:prstDash val="solid"/>
+          <a:miter lim="800000"/>
+        </a:ln>
+        <a:effectLst/>
+      </dsp:spPr>
+      <dsp:style>
+        <a:lnRef idx="2">
+          <a:scrgbClr r="0" g="0" b="0"/>
+        </a:lnRef>
+        <a:fillRef idx="0">
+          <a:scrgbClr r="0" g="0" b="0"/>
+        </a:fillRef>
+        <a:effectRef idx="0">
+          <a:scrgbClr r="0" g="0" b="0"/>
+        </a:effectRef>
+        <a:fontRef idx="minor"/>
+      </dsp:style>
+    </dsp:sp>
+    <dsp:sp modelId="{92D6A1F4-9FEB-4FEA-94B2-F8EDE48F71E7}">
+      <dsp:nvSpPr>
+        <dsp:cNvPr id="0" name=""/>
+        <dsp:cNvSpPr/>
+      </dsp:nvSpPr>
+      <dsp:spPr>
+        <a:xfrm>
+          <a:off x="168764" y="1378698"/>
+          <a:ext cx="170594" cy="2945593"/>
+        </a:xfrm>
+        <a:custGeom>
+          <a:avLst/>
+          <a:gdLst/>
+          <a:ahLst/>
+          <a:cxnLst/>
+          <a:rect l="0" t="0" r="0" b="0"/>
+          <a:pathLst>
+            <a:path>
+              <a:moveTo>
+                <a:pt x="0" y="0"/>
+              </a:moveTo>
+              <a:lnTo>
+                <a:pt x="0" y="2945593"/>
+              </a:lnTo>
+              <a:lnTo>
+                <a:pt x="170594" y="2945593"/>
+              </a:lnTo>
+            </a:path>
+          </a:pathLst>
+        </a:custGeom>
+        <a:noFill/>
+        <a:ln w="12700" cap="flat" cmpd="sng" algn="ctr">
+          <a:solidFill>
+            <a:schemeClr val="accent1">
+              <a:shade val="80000"/>
+              <a:hueOff val="0"/>
+              <a:satOff val="0"/>
+              <a:lumOff val="0"/>
+              <a:alphaOff val="0"/>
+            </a:schemeClr>
+          </a:solidFill>
+          <a:prstDash val="solid"/>
+          <a:miter lim="800000"/>
+        </a:ln>
+        <a:effectLst/>
+      </dsp:spPr>
+      <dsp:style>
+        <a:lnRef idx="2">
+          <a:scrgbClr r="0" g="0" b="0"/>
+        </a:lnRef>
+        <a:fillRef idx="0">
+          <a:scrgbClr r="0" g="0" b="0"/>
+        </a:fillRef>
+        <a:effectRef idx="0">
+          <a:scrgbClr r="0" g="0" b="0"/>
+        </a:effectRef>
+        <a:fontRef idx="minor"/>
+      </dsp:style>
+    </dsp:sp>
+    <dsp:sp modelId="{B9852B8A-C120-4AF8-91B4-B7A141B0F9A8}">
+      <dsp:nvSpPr>
+        <dsp:cNvPr id="0" name=""/>
+        <dsp:cNvSpPr/>
+      </dsp:nvSpPr>
+      <dsp:spPr>
+        <a:xfrm>
+          <a:off x="168764" y="1378698"/>
+          <a:ext cx="170594" cy="2138114"/>
+        </a:xfrm>
+        <a:custGeom>
+          <a:avLst/>
+          <a:gdLst/>
+          <a:ahLst/>
+          <a:cxnLst/>
+          <a:rect l="0" t="0" r="0" b="0"/>
+          <a:pathLst>
+            <a:path>
+              <a:moveTo>
+                <a:pt x="0" y="0"/>
+              </a:moveTo>
+              <a:lnTo>
+                <a:pt x="0" y="2138114"/>
+              </a:lnTo>
+              <a:lnTo>
+                <a:pt x="170594" y="2138114"/>
               </a:lnTo>
             </a:path>
           </a:pathLst>
@@ -4363,8 +6791,8 @@
       </dsp:nvSpPr>
       <dsp:spPr>
         <a:xfrm>
-          <a:off x="117791" y="2179331"/>
-          <a:ext cx="172826" cy="1348047"/>
+          <a:off x="168764" y="1378698"/>
+          <a:ext cx="170594" cy="1330635"/>
         </a:xfrm>
         <a:custGeom>
           <a:avLst/>
@@ -4378,10 +6806,10 @@
                 <a:pt x="0" y="0"/>
               </a:moveTo>
               <a:lnTo>
-                <a:pt x="0" y="1348047"/>
+                <a:pt x="0" y="1330635"/>
               </a:lnTo>
               <a:lnTo>
-                <a:pt x="172826" y="1348047"/>
+                <a:pt x="170594" y="1330635"/>
               </a:lnTo>
             </a:path>
           </a:pathLst>
@@ -4422,8 +6850,8 @@
       </dsp:nvSpPr>
       <dsp:spPr>
         <a:xfrm>
-          <a:off x="117791" y="2179331"/>
-          <a:ext cx="172826" cy="530001"/>
+          <a:off x="168764" y="1378698"/>
+          <a:ext cx="170594" cy="523155"/>
         </a:xfrm>
         <a:custGeom>
           <a:avLst/>
@@ -4437,10 +6865,10 @@
                 <a:pt x="0" y="0"/>
               </a:moveTo>
               <a:lnTo>
-                <a:pt x="0" y="530001"/>
+                <a:pt x="0" y="523155"/>
               </a:lnTo>
               <a:lnTo>
-                <a:pt x="172826" y="530001"/>
+                <a:pt x="170594" y="523155"/>
               </a:lnTo>
             </a:path>
           </a:pathLst>
@@ -4481,8 +6909,8 @@
       </dsp:nvSpPr>
       <dsp:spPr>
         <a:xfrm>
-          <a:off x="578662" y="1361285"/>
-          <a:ext cx="3485337" cy="241957"/>
+          <a:off x="623682" y="571219"/>
+          <a:ext cx="3440317" cy="238831"/>
         </a:xfrm>
         <a:custGeom>
           <a:avLst/>
@@ -4493,16 +6921,16 @@
           <a:pathLst>
             <a:path>
               <a:moveTo>
-                <a:pt x="3485337" y="0"/>
+                <a:pt x="3440317" y="0"/>
               </a:moveTo>
               <a:lnTo>
-                <a:pt x="3485337" y="120978"/>
+                <a:pt x="3440317" y="119415"/>
               </a:lnTo>
               <a:lnTo>
-                <a:pt x="0" y="120978"/>
+                <a:pt x="0" y="119415"/>
               </a:lnTo>
               <a:lnTo>
-                <a:pt x="0" y="241957"/>
+                <a:pt x="0" y="238831"/>
               </a:lnTo>
             </a:path>
           </a:pathLst>
@@ -4543,8 +6971,8 @@
       </dsp:nvSpPr>
       <dsp:spPr>
         <a:xfrm>
-          <a:off x="3487911" y="785196"/>
-          <a:ext cx="1152177" cy="576088"/>
+          <a:off x="3495352" y="2571"/>
+          <a:ext cx="1137294" cy="568647"/>
         </a:xfrm>
         <a:prstGeom prst="rect">
           <a:avLst/>
@@ -4610,8 +7038,8 @@
         </a:p>
       </dsp:txBody>
       <dsp:txXfrm>
-        <a:off x="3487911" y="785196"/>
-        <a:ext cx="1152177" cy="576088"/>
+        <a:off x="3495352" y="2571"/>
+        <a:ext cx="1137294" cy="568647"/>
       </dsp:txXfrm>
     </dsp:sp>
     <dsp:sp modelId="{A78AD9CD-F89A-485E-8606-1DB54ACC7481}">
@@ -4621,8 +7049,8 @@
       </dsp:nvSpPr>
       <dsp:spPr>
         <a:xfrm>
-          <a:off x="2573" y="1603242"/>
-          <a:ext cx="1152177" cy="576088"/>
+          <a:off x="55035" y="810050"/>
+          <a:ext cx="1137294" cy="568647"/>
         </a:xfrm>
         <a:prstGeom prst="rect">
           <a:avLst/>
@@ -4688,8 +7116,8 @@
         </a:p>
       </dsp:txBody>
       <dsp:txXfrm>
-        <a:off x="2573" y="1603242"/>
-        <a:ext cx="1152177" cy="576088"/>
+        <a:off x="55035" y="810050"/>
+        <a:ext cx="1137294" cy="568647"/>
       </dsp:txXfrm>
     </dsp:sp>
     <dsp:sp modelId="{7A0270A8-14A4-4A14-81F8-A4DF44BB32E6}">
@@ -4699,8 +7127,8 @@
       </dsp:nvSpPr>
       <dsp:spPr>
         <a:xfrm>
-          <a:off x="290617" y="2421289"/>
-          <a:ext cx="1152177" cy="576088"/>
+          <a:off x="339359" y="1617530"/>
+          <a:ext cx="1137294" cy="568647"/>
         </a:xfrm>
         <a:prstGeom prst="rect">
           <a:avLst/>
@@ -4766,8 +7194,8 @@
         </a:p>
       </dsp:txBody>
       <dsp:txXfrm>
-        <a:off x="290617" y="2421289"/>
-        <a:ext cx="1152177" cy="576088"/>
+        <a:off x="339359" y="1617530"/>
+        <a:ext cx="1137294" cy="568647"/>
       </dsp:txXfrm>
     </dsp:sp>
     <dsp:sp modelId="{A83726C8-06FD-49AA-8216-DA0B3FB335F5}">
@@ -4777,8 +7205,8 @@
       </dsp:nvSpPr>
       <dsp:spPr>
         <a:xfrm>
-          <a:off x="290617" y="3239335"/>
-          <a:ext cx="1152177" cy="576088"/>
+          <a:off x="339359" y="2425009"/>
+          <a:ext cx="1137294" cy="568647"/>
         </a:xfrm>
         <a:prstGeom prst="rect">
           <a:avLst/>
@@ -4844,8 +7272,8 @@
         </a:p>
       </dsp:txBody>
       <dsp:txXfrm>
-        <a:off x="290617" y="3239335"/>
-        <a:ext cx="1152177" cy="576088"/>
+        <a:off x="339359" y="2425009"/>
+        <a:ext cx="1137294" cy="568647"/>
       </dsp:txXfrm>
     </dsp:sp>
     <dsp:sp modelId="{2CCC06DA-A2B2-4970-B265-23EC82D0D7BE}">
@@ -4855,8 +7283,8 @@
       </dsp:nvSpPr>
       <dsp:spPr>
         <a:xfrm>
-          <a:off x="290617" y="4057381"/>
-          <a:ext cx="1152177" cy="576088"/>
+          <a:off x="339359" y="3232489"/>
+          <a:ext cx="1137294" cy="568647"/>
         </a:xfrm>
         <a:prstGeom prst="rect">
           <a:avLst/>
@@ -4915,26 +7343,25 @@
             </a:spcAft>
           </a:pPr>
           <a:r>
-            <a:rPr lang="en-US" sz="1800" b="1" kern="1200" dirty="0"/>
+            <a:rPr lang="en-US" sz="1800" b="1" kern="1200" dirty="0" smtClean="0"/>
             <a:t>Payment</a:t>
           </a:r>
-          <a:endParaRPr lang="en-SG" sz="1800" b="1" kern="1200" dirty="0"/>
         </a:p>
       </dsp:txBody>
       <dsp:txXfrm>
-        <a:off x="290617" y="4057381"/>
-        <a:ext cx="1152177" cy="576088"/>
+        <a:off x="339359" y="3232489"/>
+        <a:ext cx="1137294" cy="568647"/>
       </dsp:txXfrm>
     </dsp:sp>
-    <dsp:sp modelId="{7B324E9E-19AE-4745-B5FE-6655EEBCBB23}">
+    <dsp:sp modelId="{96486A5B-6314-438D-BFCE-AD04AED1658A}">
       <dsp:nvSpPr>
         <dsp:cNvPr id="0" name=""/>
         <dsp:cNvSpPr/>
       </dsp:nvSpPr>
       <dsp:spPr>
         <a:xfrm>
-          <a:off x="1396708" y="1603242"/>
-          <a:ext cx="1152177" cy="576088"/>
+          <a:off x="339359" y="4039968"/>
+          <a:ext cx="1137294" cy="568647"/>
         </a:xfrm>
         <a:prstGeom prst="rect">
           <a:avLst/>
@@ -4993,25 +7420,26 @@
             </a:spcAft>
           </a:pPr>
           <a:r>
-            <a:rPr lang="en-SG" sz="1800" kern="1200" dirty="0"/>
-            <a:t>Cinemas	</a:t>
+            <a:rPr lang="en-SG" sz="1800" kern="1200" dirty="0" smtClean="0"/>
+            <a:t>Now showing</a:t>
           </a:r>
+          <a:endParaRPr lang="en-SG" sz="1800" kern="1200" dirty="0"/>
         </a:p>
       </dsp:txBody>
       <dsp:txXfrm>
-        <a:off x="1396708" y="1603242"/>
-        <a:ext cx="1152177" cy="576088"/>
+        <a:off x="339359" y="4039968"/>
+        <a:ext cx="1137294" cy="568647"/>
       </dsp:txXfrm>
     </dsp:sp>
-    <dsp:sp modelId="{6A71281E-ED24-400F-9B63-4F044276295B}">
+    <dsp:sp modelId="{98C5423F-8024-456E-8F60-96111749CB62}">
       <dsp:nvSpPr>
         <dsp:cNvPr id="0" name=""/>
         <dsp:cNvSpPr/>
       </dsp:nvSpPr>
       <dsp:spPr>
         <a:xfrm>
-          <a:off x="1684752" y="2421289"/>
-          <a:ext cx="1152177" cy="576088"/>
+          <a:off x="339359" y="4847447"/>
+          <a:ext cx="1137294" cy="568647"/>
         </a:xfrm>
         <a:prstGeom prst="rect">
           <a:avLst/>
@@ -5071,25 +7499,25 @@
           </a:pPr>
           <a:r>
             <a:rPr lang="en-SG" sz="1800" kern="1200" dirty="0" smtClean="0"/>
-            <a:t>Location</a:t>
+            <a:t>Coming soon</a:t>
           </a:r>
           <a:endParaRPr lang="en-SG" sz="1800" kern="1200" dirty="0"/>
         </a:p>
       </dsp:txBody>
       <dsp:txXfrm>
-        <a:off x="1684752" y="2421289"/>
-        <a:ext cx="1152177" cy="576088"/>
+        <a:off x="339359" y="4847447"/>
+        <a:ext cx="1137294" cy="568647"/>
       </dsp:txXfrm>
     </dsp:sp>
-    <dsp:sp modelId="{306BAEBD-84B5-432D-ADBC-5E67482DF93D}">
+    <dsp:sp modelId="{7B324E9E-19AE-4745-B5FE-6655EEBCBB23}">
       <dsp:nvSpPr>
         <dsp:cNvPr id="0" name=""/>
         <dsp:cNvSpPr/>
       </dsp:nvSpPr>
       <dsp:spPr>
         <a:xfrm>
-          <a:off x="2790843" y="1603242"/>
-          <a:ext cx="1152177" cy="576088"/>
+          <a:off x="1431162" y="810050"/>
+          <a:ext cx="1137294" cy="568647"/>
         </a:xfrm>
         <a:prstGeom prst="rect">
           <a:avLst/>
@@ -5149,24 +7577,24 @@
           </a:pPr>
           <a:r>
             <a:rPr lang="en-SG" sz="1800" kern="1200" dirty="0"/>
-            <a:t>Promotions</a:t>
+            <a:t>Cinemas	</a:t>
           </a:r>
         </a:p>
       </dsp:txBody>
       <dsp:txXfrm>
-        <a:off x="2790843" y="1603242"/>
-        <a:ext cx="1152177" cy="576088"/>
+        <a:off x="1431162" y="810050"/>
+        <a:ext cx="1137294" cy="568647"/>
       </dsp:txXfrm>
     </dsp:sp>
-    <dsp:sp modelId="{D69520B3-AEDB-41E4-BBEF-879458180013}">
+    <dsp:sp modelId="{6A71281E-ED24-400F-9B63-4F044276295B}">
       <dsp:nvSpPr>
         <dsp:cNvPr id="0" name=""/>
         <dsp:cNvSpPr/>
       </dsp:nvSpPr>
       <dsp:spPr>
         <a:xfrm>
-          <a:off x="4184978" y="1603242"/>
-          <a:ext cx="1152177" cy="576088"/>
+          <a:off x="1715485" y="1617530"/>
+          <a:ext cx="1137294" cy="568647"/>
         </a:xfrm>
         <a:prstGeom prst="rect">
           <a:avLst/>
@@ -5225,25 +7653,26 @@
             </a:spcAft>
           </a:pPr>
           <a:r>
-            <a:rPr lang="en-US" sz="1800" kern="1200" dirty="0"/>
-            <a:t>Log in</a:t>
+            <a:rPr lang="en-SG" sz="1800" kern="1200" dirty="0" smtClean="0"/>
+            <a:t>Location</a:t>
           </a:r>
+          <a:endParaRPr lang="en-SG" sz="1800" kern="1200" dirty="0"/>
         </a:p>
       </dsp:txBody>
       <dsp:txXfrm>
-        <a:off x="4184978" y="1603242"/>
-        <a:ext cx="1152177" cy="576088"/>
+        <a:off x="1715485" y="1617530"/>
+        <a:ext cx="1137294" cy="568647"/>
       </dsp:txXfrm>
     </dsp:sp>
-    <dsp:sp modelId="{C6A56CC8-0C26-4835-8C49-7D23F98AE608}">
+    <dsp:sp modelId="{306BAEBD-84B5-432D-ADBC-5E67482DF93D}">
       <dsp:nvSpPr>
         <dsp:cNvPr id="0" name=""/>
         <dsp:cNvSpPr/>
       </dsp:nvSpPr>
       <dsp:spPr>
         <a:xfrm>
-          <a:off x="4473023" y="2421289"/>
-          <a:ext cx="1152177" cy="576088"/>
+          <a:off x="2807289" y="810050"/>
+          <a:ext cx="1137294" cy="568647"/>
         </a:xfrm>
         <a:prstGeom prst="rect">
           <a:avLst/>
@@ -5302,25 +7731,25 @@
             </a:spcAft>
           </a:pPr>
           <a:r>
-            <a:rPr lang="en-US" sz="1800" kern="1200" dirty="0"/>
-            <a:t>Members</a:t>
+            <a:rPr lang="en-SG" sz="1800" kern="1200" dirty="0"/>
+            <a:t>Promotions</a:t>
           </a:r>
         </a:p>
       </dsp:txBody>
       <dsp:txXfrm>
-        <a:off x="4473023" y="2421289"/>
-        <a:ext cx="1152177" cy="576088"/>
+        <a:off x="2807289" y="810050"/>
+        <a:ext cx="1137294" cy="568647"/>
       </dsp:txXfrm>
     </dsp:sp>
-    <dsp:sp modelId="{9F46D217-647D-4A2A-A6CA-CF62456BABDC}">
+    <dsp:sp modelId="{D69520B3-AEDB-41E4-BBEF-879458180013}">
       <dsp:nvSpPr>
         <dsp:cNvPr id="0" name=""/>
         <dsp:cNvSpPr/>
       </dsp:nvSpPr>
       <dsp:spPr>
         <a:xfrm>
-          <a:off x="5579113" y="1603242"/>
-          <a:ext cx="1152177" cy="576088"/>
+          <a:off x="4183415" y="810050"/>
+          <a:ext cx="1137294" cy="568647"/>
         </a:xfrm>
         <a:prstGeom prst="rect">
           <a:avLst/>
@@ -5379,25 +7808,25 @@
             </a:spcAft>
           </a:pPr>
           <a:r>
-            <a:rPr lang="en-US" sz="1800" kern="1200" dirty="0" smtClean="0"/>
-            <a:t>Contact	</a:t>
+            <a:rPr lang="en-US" sz="1800" kern="1200" dirty="0"/>
+            <a:t>Log in</a:t>
           </a:r>
         </a:p>
       </dsp:txBody>
       <dsp:txXfrm>
-        <a:off x="5579113" y="1603242"/>
-        <a:ext cx="1152177" cy="576088"/>
+        <a:off x="4183415" y="810050"/>
+        <a:ext cx="1137294" cy="568647"/>
       </dsp:txXfrm>
     </dsp:sp>
-    <dsp:sp modelId="{3E39070D-ADD7-4C8F-B0FD-D6B5B2BDCAD8}">
+    <dsp:sp modelId="{C6A56CC8-0C26-4835-8C49-7D23F98AE608}">
       <dsp:nvSpPr>
         <dsp:cNvPr id="0" name=""/>
         <dsp:cNvSpPr/>
       </dsp:nvSpPr>
       <dsp:spPr>
         <a:xfrm>
-          <a:off x="6973248" y="1603242"/>
-          <a:ext cx="1152177" cy="576088"/>
+          <a:off x="4467739" y="1617530"/>
+          <a:ext cx="1137294" cy="568647"/>
         </a:xfrm>
         <a:prstGeom prst="rect">
           <a:avLst/>
@@ -5456,6 +7885,160 @@
             </a:spcAft>
           </a:pPr>
           <a:r>
+            <a:rPr lang="en-US" sz="1800" kern="1200" dirty="0"/>
+            <a:t>Members</a:t>
+          </a:r>
+        </a:p>
+      </dsp:txBody>
+      <dsp:txXfrm>
+        <a:off x="4467739" y="1617530"/>
+        <a:ext cx="1137294" cy="568647"/>
+      </dsp:txXfrm>
+    </dsp:sp>
+    <dsp:sp modelId="{9F46D217-647D-4A2A-A6CA-CF62456BABDC}">
+      <dsp:nvSpPr>
+        <dsp:cNvPr id="0" name=""/>
+        <dsp:cNvSpPr/>
+      </dsp:nvSpPr>
+      <dsp:spPr>
+        <a:xfrm>
+          <a:off x="5559542" y="810050"/>
+          <a:ext cx="1137294" cy="568647"/>
+        </a:xfrm>
+        <a:prstGeom prst="rect">
+          <a:avLst/>
+        </a:prstGeom>
+        <a:solidFill>
+          <a:schemeClr val="accent1">
+            <a:hueOff val="0"/>
+            <a:satOff val="0"/>
+            <a:lumOff val="0"/>
+            <a:alphaOff val="0"/>
+          </a:schemeClr>
+        </a:solidFill>
+        <a:ln w="12700" cap="flat" cmpd="sng" algn="ctr">
+          <a:solidFill>
+            <a:schemeClr val="lt1">
+              <a:hueOff val="0"/>
+              <a:satOff val="0"/>
+              <a:lumOff val="0"/>
+              <a:alphaOff val="0"/>
+            </a:schemeClr>
+          </a:solidFill>
+          <a:prstDash val="solid"/>
+          <a:miter lim="800000"/>
+        </a:ln>
+        <a:effectLst/>
+      </dsp:spPr>
+      <dsp:style>
+        <a:lnRef idx="2">
+          <a:scrgbClr r="0" g="0" b="0"/>
+        </a:lnRef>
+        <a:fillRef idx="1">
+          <a:scrgbClr r="0" g="0" b="0"/>
+        </a:fillRef>
+        <a:effectRef idx="0">
+          <a:scrgbClr r="0" g="0" b="0"/>
+        </a:effectRef>
+        <a:fontRef idx="minor">
+          <a:schemeClr val="lt1"/>
+        </a:fontRef>
+      </dsp:style>
+      <dsp:txBody>
+        <a:bodyPr spcFirstLastPara="0" vert="horz" wrap="square" lIns="11430" tIns="11430" rIns="11430" bIns="11430" numCol="1" spcCol="1270" anchor="ctr" anchorCtr="0">
+          <a:noAutofit/>
+        </a:bodyPr>
+        <a:lstStyle/>
+        <a:p>
+          <a:pPr lvl="0" algn="ctr" defTabSz="800100">
+            <a:lnSpc>
+              <a:spcPct val="90000"/>
+            </a:lnSpc>
+            <a:spcBef>
+              <a:spcPct val="0"/>
+            </a:spcBef>
+            <a:spcAft>
+              <a:spcPct val="35000"/>
+            </a:spcAft>
+          </a:pPr>
+          <a:r>
+            <a:rPr lang="en-US" sz="1800" kern="1200" dirty="0" smtClean="0"/>
+            <a:t>Contact	</a:t>
+          </a:r>
+        </a:p>
+      </dsp:txBody>
+      <dsp:txXfrm>
+        <a:off x="5559542" y="810050"/>
+        <a:ext cx="1137294" cy="568647"/>
+      </dsp:txXfrm>
+    </dsp:sp>
+    <dsp:sp modelId="{3E39070D-ADD7-4C8F-B0FD-D6B5B2BDCAD8}">
+      <dsp:nvSpPr>
+        <dsp:cNvPr id="0" name=""/>
+        <dsp:cNvSpPr/>
+      </dsp:nvSpPr>
+      <dsp:spPr>
+        <a:xfrm>
+          <a:off x="6935669" y="810050"/>
+          <a:ext cx="1137294" cy="568647"/>
+        </a:xfrm>
+        <a:prstGeom prst="rect">
+          <a:avLst/>
+        </a:prstGeom>
+        <a:solidFill>
+          <a:schemeClr val="accent1">
+            <a:hueOff val="0"/>
+            <a:satOff val="0"/>
+            <a:lumOff val="0"/>
+            <a:alphaOff val="0"/>
+          </a:schemeClr>
+        </a:solidFill>
+        <a:ln w="12700" cap="flat" cmpd="sng" algn="ctr">
+          <a:solidFill>
+            <a:schemeClr val="lt1">
+              <a:hueOff val="0"/>
+              <a:satOff val="0"/>
+              <a:lumOff val="0"/>
+              <a:alphaOff val="0"/>
+            </a:schemeClr>
+          </a:solidFill>
+          <a:prstDash val="solid"/>
+          <a:miter lim="800000"/>
+        </a:ln>
+        <a:effectLst/>
+      </dsp:spPr>
+      <dsp:style>
+        <a:lnRef idx="2">
+          <a:scrgbClr r="0" g="0" b="0"/>
+        </a:lnRef>
+        <a:fillRef idx="1">
+          <a:scrgbClr r="0" g="0" b="0"/>
+        </a:fillRef>
+        <a:effectRef idx="0">
+          <a:scrgbClr r="0" g="0" b="0"/>
+        </a:effectRef>
+        <a:fontRef idx="minor">
+          <a:schemeClr val="lt1"/>
+        </a:fontRef>
+      </dsp:style>
+      <dsp:txBody>
+        <a:bodyPr spcFirstLastPara="0" vert="horz" wrap="square" lIns="11430" tIns="11430" rIns="11430" bIns="11430" numCol="1" spcCol="1270" anchor="ctr" anchorCtr="0">
+          <a:noAutofit/>
+        </a:bodyPr>
+        <a:lstStyle/>
+        <a:p>
+          <a:pPr lvl="0" algn="ctr" defTabSz="800100">
+            <a:lnSpc>
+              <a:spcPct val="90000"/>
+            </a:lnSpc>
+            <a:spcBef>
+              <a:spcPct val="0"/>
+            </a:spcBef>
+            <a:spcAft>
+              <a:spcPct val="35000"/>
+            </a:spcAft>
+          </a:pPr>
+          <a:r>
             <a:rPr lang="en-SG" sz="1800" kern="1200" dirty="0" smtClean="0"/>
             <a:t>Register</a:t>
           </a:r>
@@ -5463,8 +8046,8 @@
         </a:p>
       </dsp:txBody>
       <dsp:txXfrm>
-        <a:off x="6973248" y="1603242"/>
-        <a:ext cx="1152177" cy="576088"/>
+        <a:off x="6935669" y="810050"/>
+        <a:ext cx="1137294" cy="568647"/>
       </dsp:txXfrm>
     </dsp:sp>
   </dsp:spTree>
@@ -5472,6 +8055,1753 @@
 </file>
 
 <file path=ppt/diagrams/drawing2.xml><?xml version="1.0" encoding="utf-8"?>
+<dsp:drawing xmlns:dgm="http://schemas.openxmlformats.org/drawingml/2006/diagram" xmlns:dsp="http://schemas.microsoft.com/office/drawing/2008/diagram" xmlns:a="http://schemas.openxmlformats.org/drawingml/2006/main">
+  <dsp:spTree>
+    <dsp:nvGrpSpPr>
+      <dsp:cNvPr id="0" name=""/>
+      <dsp:cNvGrpSpPr/>
+    </dsp:nvGrpSpPr>
+    <dsp:grpSpPr/>
+    <dsp:sp modelId="{0EA2C113-4833-4CA8-A329-EF04C8AF07EA}">
+      <dsp:nvSpPr>
+        <dsp:cNvPr id="0" name=""/>
+        <dsp:cNvSpPr/>
+      </dsp:nvSpPr>
+      <dsp:spPr>
+        <a:xfrm>
+          <a:off x="4064000" y="571219"/>
+          <a:ext cx="3440317" cy="238831"/>
+        </a:xfrm>
+        <a:custGeom>
+          <a:avLst/>
+          <a:gdLst/>
+          <a:ahLst/>
+          <a:cxnLst/>
+          <a:rect l="0" t="0" r="0" b="0"/>
+          <a:pathLst>
+            <a:path>
+              <a:moveTo>
+                <a:pt x="0" y="0"/>
+              </a:moveTo>
+              <a:lnTo>
+                <a:pt x="0" y="119415"/>
+              </a:lnTo>
+              <a:lnTo>
+                <a:pt x="3440317" y="119415"/>
+              </a:lnTo>
+              <a:lnTo>
+                <a:pt x="3440317" y="238831"/>
+              </a:lnTo>
+            </a:path>
+          </a:pathLst>
+        </a:custGeom>
+        <a:noFill/>
+        <a:ln w="12700" cap="flat" cmpd="sng" algn="ctr">
+          <a:solidFill>
+            <a:schemeClr val="accent1">
+              <a:shade val="60000"/>
+              <a:hueOff val="0"/>
+              <a:satOff val="0"/>
+              <a:lumOff val="0"/>
+              <a:alphaOff val="0"/>
+            </a:schemeClr>
+          </a:solidFill>
+          <a:prstDash val="solid"/>
+          <a:miter lim="800000"/>
+        </a:ln>
+        <a:effectLst/>
+      </dsp:spPr>
+      <dsp:style>
+        <a:lnRef idx="2">
+          <a:scrgbClr r="0" g="0" b="0"/>
+        </a:lnRef>
+        <a:fillRef idx="0">
+          <a:scrgbClr r="0" g="0" b="0"/>
+        </a:fillRef>
+        <a:effectRef idx="0">
+          <a:scrgbClr r="0" g="0" b="0"/>
+        </a:effectRef>
+        <a:fontRef idx="minor"/>
+      </dsp:style>
+    </dsp:sp>
+    <dsp:sp modelId="{4F5EEA8D-6982-40E5-A172-91CD8BC995DD}">
+      <dsp:nvSpPr>
+        <dsp:cNvPr id="0" name=""/>
+        <dsp:cNvSpPr/>
+      </dsp:nvSpPr>
+      <dsp:spPr>
+        <a:xfrm>
+          <a:off x="4064000" y="571219"/>
+          <a:ext cx="2064190" cy="238831"/>
+        </a:xfrm>
+        <a:custGeom>
+          <a:avLst/>
+          <a:gdLst/>
+          <a:ahLst/>
+          <a:cxnLst/>
+          <a:rect l="0" t="0" r="0" b="0"/>
+          <a:pathLst>
+            <a:path>
+              <a:moveTo>
+                <a:pt x="0" y="0"/>
+              </a:moveTo>
+              <a:lnTo>
+                <a:pt x="0" y="119415"/>
+              </a:lnTo>
+              <a:lnTo>
+                <a:pt x="2064190" y="119415"/>
+              </a:lnTo>
+              <a:lnTo>
+                <a:pt x="2064190" y="238831"/>
+              </a:lnTo>
+            </a:path>
+          </a:pathLst>
+        </a:custGeom>
+        <a:noFill/>
+        <a:ln w="12700" cap="flat" cmpd="sng" algn="ctr">
+          <a:solidFill>
+            <a:schemeClr val="accent1">
+              <a:shade val="60000"/>
+              <a:hueOff val="0"/>
+              <a:satOff val="0"/>
+              <a:lumOff val="0"/>
+              <a:alphaOff val="0"/>
+            </a:schemeClr>
+          </a:solidFill>
+          <a:prstDash val="solid"/>
+          <a:miter lim="800000"/>
+        </a:ln>
+        <a:effectLst/>
+      </dsp:spPr>
+      <dsp:style>
+        <a:lnRef idx="2">
+          <a:scrgbClr r="0" g="0" b="0"/>
+        </a:lnRef>
+        <a:fillRef idx="0">
+          <a:scrgbClr r="0" g="0" b="0"/>
+        </a:fillRef>
+        <a:effectRef idx="0">
+          <a:scrgbClr r="0" g="0" b="0"/>
+        </a:effectRef>
+        <a:fontRef idx="minor"/>
+      </dsp:style>
+    </dsp:sp>
+    <dsp:sp modelId="{E8F8129F-99B6-4DC7-AB87-90F5381FAC24}">
+      <dsp:nvSpPr>
+        <dsp:cNvPr id="0" name=""/>
+        <dsp:cNvSpPr/>
+      </dsp:nvSpPr>
+      <dsp:spPr>
+        <a:xfrm>
+          <a:off x="4064000" y="571219"/>
+          <a:ext cx="688063" cy="238831"/>
+        </a:xfrm>
+        <a:custGeom>
+          <a:avLst/>
+          <a:gdLst/>
+          <a:ahLst/>
+          <a:cxnLst/>
+          <a:rect l="0" t="0" r="0" b="0"/>
+          <a:pathLst>
+            <a:path>
+              <a:moveTo>
+                <a:pt x="0" y="0"/>
+              </a:moveTo>
+              <a:lnTo>
+                <a:pt x="0" y="119415"/>
+              </a:lnTo>
+              <a:lnTo>
+                <a:pt x="688063" y="119415"/>
+              </a:lnTo>
+              <a:lnTo>
+                <a:pt x="688063" y="238831"/>
+              </a:lnTo>
+            </a:path>
+          </a:pathLst>
+        </a:custGeom>
+        <a:noFill/>
+        <a:ln w="12700" cap="flat" cmpd="sng" algn="ctr">
+          <a:solidFill>
+            <a:schemeClr val="accent1">
+              <a:shade val="60000"/>
+              <a:hueOff val="0"/>
+              <a:satOff val="0"/>
+              <a:lumOff val="0"/>
+              <a:alphaOff val="0"/>
+            </a:schemeClr>
+          </a:solidFill>
+          <a:prstDash val="solid"/>
+          <a:miter lim="800000"/>
+        </a:ln>
+        <a:effectLst/>
+      </dsp:spPr>
+      <dsp:style>
+        <a:lnRef idx="2">
+          <a:scrgbClr r="0" g="0" b="0"/>
+        </a:lnRef>
+        <a:fillRef idx="0">
+          <a:scrgbClr r="0" g="0" b="0"/>
+        </a:fillRef>
+        <a:effectRef idx="0">
+          <a:scrgbClr r="0" g="0" b="0"/>
+        </a:effectRef>
+        <a:fontRef idx="minor"/>
+      </dsp:style>
+    </dsp:sp>
+    <dsp:sp modelId="{99ABF011-C069-421D-9E34-6050D9B80110}">
+      <dsp:nvSpPr>
+        <dsp:cNvPr id="0" name=""/>
+        <dsp:cNvSpPr/>
+      </dsp:nvSpPr>
+      <dsp:spPr>
+        <a:xfrm>
+          <a:off x="3375936" y="571219"/>
+          <a:ext cx="688063" cy="238831"/>
+        </a:xfrm>
+        <a:custGeom>
+          <a:avLst/>
+          <a:gdLst/>
+          <a:ahLst/>
+          <a:cxnLst/>
+          <a:rect l="0" t="0" r="0" b="0"/>
+          <a:pathLst>
+            <a:path>
+              <a:moveTo>
+                <a:pt x="688063" y="0"/>
+              </a:moveTo>
+              <a:lnTo>
+                <a:pt x="688063" y="119415"/>
+              </a:lnTo>
+              <a:lnTo>
+                <a:pt x="0" y="119415"/>
+              </a:lnTo>
+              <a:lnTo>
+                <a:pt x="0" y="238831"/>
+              </a:lnTo>
+            </a:path>
+          </a:pathLst>
+        </a:custGeom>
+        <a:noFill/>
+        <a:ln w="12700" cap="flat" cmpd="sng" algn="ctr">
+          <a:solidFill>
+            <a:schemeClr val="accent1">
+              <a:shade val="60000"/>
+              <a:hueOff val="0"/>
+              <a:satOff val="0"/>
+              <a:lumOff val="0"/>
+              <a:alphaOff val="0"/>
+            </a:schemeClr>
+          </a:solidFill>
+          <a:prstDash val="solid"/>
+          <a:miter lim="800000"/>
+        </a:ln>
+        <a:effectLst/>
+      </dsp:spPr>
+      <dsp:style>
+        <a:lnRef idx="2">
+          <a:scrgbClr r="0" g="0" b="0"/>
+        </a:lnRef>
+        <a:fillRef idx="0">
+          <a:scrgbClr r="0" g="0" b="0"/>
+        </a:fillRef>
+        <a:effectRef idx="0">
+          <a:scrgbClr r="0" g="0" b="0"/>
+        </a:effectRef>
+        <a:fontRef idx="minor"/>
+      </dsp:style>
+    </dsp:sp>
+    <dsp:sp modelId="{BA0A7D05-0541-4BC2-9873-30F3322CC717}">
+      <dsp:nvSpPr>
+        <dsp:cNvPr id="0" name=""/>
+        <dsp:cNvSpPr/>
+      </dsp:nvSpPr>
+      <dsp:spPr>
+        <a:xfrm>
+          <a:off x="1544891" y="1378698"/>
+          <a:ext cx="170594" cy="523155"/>
+        </a:xfrm>
+        <a:custGeom>
+          <a:avLst/>
+          <a:gdLst/>
+          <a:ahLst/>
+          <a:cxnLst/>
+          <a:rect l="0" t="0" r="0" b="0"/>
+          <a:pathLst>
+            <a:path>
+              <a:moveTo>
+                <a:pt x="0" y="0"/>
+              </a:moveTo>
+              <a:lnTo>
+                <a:pt x="0" y="523155"/>
+              </a:lnTo>
+              <a:lnTo>
+                <a:pt x="170594" y="523155"/>
+              </a:lnTo>
+            </a:path>
+          </a:pathLst>
+        </a:custGeom>
+        <a:noFill/>
+        <a:ln w="12700" cap="flat" cmpd="sng" algn="ctr">
+          <a:solidFill>
+            <a:schemeClr val="accent1">
+              <a:shade val="80000"/>
+              <a:hueOff val="0"/>
+              <a:satOff val="0"/>
+              <a:lumOff val="0"/>
+              <a:alphaOff val="0"/>
+            </a:schemeClr>
+          </a:solidFill>
+          <a:prstDash val="solid"/>
+          <a:miter lim="800000"/>
+        </a:ln>
+        <a:effectLst/>
+      </dsp:spPr>
+      <dsp:style>
+        <a:lnRef idx="2">
+          <a:scrgbClr r="0" g="0" b="0"/>
+        </a:lnRef>
+        <a:fillRef idx="0">
+          <a:scrgbClr r="0" g="0" b="0"/>
+        </a:fillRef>
+        <a:effectRef idx="0">
+          <a:scrgbClr r="0" g="0" b="0"/>
+        </a:effectRef>
+        <a:fontRef idx="minor"/>
+      </dsp:style>
+    </dsp:sp>
+    <dsp:sp modelId="{B3DF3E63-4B6B-4FF8-93E5-733E014025E9}">
+      <dsp:nvSpPr>
+        <dsp:cNvPr id="0" name=""/>
+        <dsp:cNvSpPr/>
+      </dsp:nvSpPr>
+      <dsp:spPr>
+        <a:xfrm>
+          <a:off x="1999809" y="571219"/>
+          <a:ext cx="2064190" cy="238831"/>
+        </a:xfrm>
+        <a:custGeom>
+          <a:avLst/>
+          <a:gdLst/>
+          <a:ahLst/>
+          <a:cxnLst/>
+          <a:rect l="0" t="0" r="0" b="0"/>
+          <a:pathLst>
+            <a:path>
+              <a:moveTo>
+                <a:pt x="2064190" y="0"/>
+              </a:moveTo>
+              <a:lnTo>
+                <a:pt x="2064190" y="119415"/>
+              </a:lnTo>
+              <a:lnTo>
+                <a:pt x="0" y="119415"/>
+              </a:lnTo>
+              <a:lnTo>
+                <a:pt x="0" y="238831"/>
+              </a:lnTo>
+            </a:path>
+          </a:pathLst>
+        </a:custGeom>
+        <a:noFill/>
+        <a:ln w="12700" cap="flat" cmpd="sng" algn="ctr">
+          <a:solidFill>
+            <a:schemeClr val="accent1">
+              <a:shade val="60000"/>
+              <a:hueOff val="0"/>
+              <a:satOff val="0"/>
+              <a:lumOff val="0"/>
+              <a:alphaOff val="0"/>
+            </a:schemeClr>
+          </a:solidFill>
+          <a:prstDash val="solid"/>
+          <a:miter lim="800000"/>
+        </a:ln>
+        <a:effectLst/>
+      </dsp:spPr>
+      <dsp:style>
+        <a:lnRef idx="2">
+          <a:scrgbClr r="0" g="0" b="0"/>
+        </a:lnRef>
+        <a:fillRef idx="0">
+          <a:scrgbClr r="0" g="0" b="0"/>
+        </a:fillRef>
+        <a:effectRef idx="0">
+          <a:scrgbClr r="0" g="0" b="0"/>
+        </a:effectRef>
+        <a:fontRef idx="minor"/>
+      </dsp:style>
+    </dsp:sp>
+    <dsp:sp modelId="{8403B391-B6DD-4261-8F9D-AF8B3A699A91}">
+      <dsp:nvSpPr>
+        <dsp:cNvPr id="0" name=""/>
+        <dsp:cNvSpPr/>
+      </dsp:nvSpPr>
+      <dsp:spPr>
+        <a:xfrm>
+          <a:off x="168764" y="1378698"/>
+          <a:ext cx="170594" cy="3753073"/>
+        </a:xfrm>
+        <a:custGeom>
+          <a:avLst/>
+          <a:gdLst/>
+          <a:ahLst/>
+          <a:cxnLst/>
+          <a:rect l="0" t="0" r="0" b="0"/>
+          <a:pathLst>
+            <a:path>
+              <a:moveTo>
+                <a:pt x="0" y="0"/>
+              </a:moveTo>
+              <a:lnTo>
+                <a:pt x="0" y="3753073"/>
+              </a:lnTo>
+              <a:lnTo>
+                <a:pt x="170594" y="3753073"/>
+              </a:lnTo>
+            </a:path>
+          </a:pathLst>
+        </a:custGeom>
+        <a:noFill/>
+        <a:ln w="12700" cap="flat" cmpd="sng" algn="ctr">
+          <a:solidFill>
+            <a:schemeClr val="accent1">
+              <a:shade val="80000"/>
+              <a:hueOff val="0"/>
+              <a:satOff val="0"/>
+              <a:lumOff val="0"/>
+              <a:alphaOff val="0"/>
+            </a:schemeClr>
+          </a:solidFill>
+          <a:prstDash val="solid"/>
+          <a:miter lim="800000"/>
+        </a:ln>
+        <a:effectLst/>
+      </dsp:spPr>
+      <dsp:style>
+        <a:lnRef idx="2">
+          <a:scrgbClr r="0" g="0" b="0"/>
+        </a:lnRef>
+        <a:fillRef idx="0">
+          <a:scrgbClr r="0" g="0" b="0"/>
+        </a:fillRef>
+        <a:effectRef idx="0">
+          <a:scrgbClr r="0" g="0" b="0"/>
+        </a:effectRef>
+        <a:fontRef idx="minor"/>
+      </dsp:style>
+    </dsp:sp>
+    <dsp:sp modelId="{92D6A1F4-9FEB-4FEA-94B2-F8EDE48F71E7}">
+      <dsp:nvSpPr>
+        <dsp:cNvPr id="0" name=""/>
+        <dsp:cNvSpPr/>
+      </dsp:nvSpPr>
+      <dsp:spPr>
+        <a:xfrm>
+          <a:off x="168764" y="1378698"/>
+          <a:ext cx="170594" cy="2945593"/>
+        </a:xfrm>
+        <a:custGeom>
+          <a:avLst/>
+          <a:gdLst/>
+          <a:ahLst/>
+          <a:cxnLst/>
+          <a:rect l="0" t="0" r="0" b="0"/>
+          <a:pathLst>
+            <a:path>
+              <a:moveTo>
+                <a:pt x="0" y="0"/>
+              </a:moveTo>
+              <a:lnTo>
+                <a:pt x="0" y="2945593"/>
+              </a:lnTo>
+              <a:lnTo>
+                <a:pt x="170594" y="2945593"/>
+              </a:lnTo>
+            </a:path>
+          </a:pathLst>
+        </a:custGeom>
+        <a:noFill/>
+        <a:ln w="12700" cap="flat" cmpd="sng" algn="ctr">
+          <a:solidFill>
+            <a:schemeClr val="accent1">
+              <a:shade val="80000"/>
+              <a:hueOff val="0"/>
+              <a:satOff val="0"/>
+              <a:lumOff val="0"/>
+              <a:alphaOff val="0"/>
+            </a:schemeClr>
+          </a:solidFill>
+          <a:prstDash val="solid"/>
+          <a:miter lim="800000"/>
+        </a:ln>
+        <a:effectLst/>
+      </dsp:spPr>
+      <dsp:style>
+        <a:lnRef idx="2">
+          <a:scrgbClr r="0" g="0" b="0"/>
+        </a:lnRef>
+        <a:fillRef idx="0">
+          <a:scrgbClr r="0" g="0" b="0"/>
+        </a:fillRef>
+        <a:effectRef idx="0">
+          <a:scrgbClr r="0" g="0" b="0"/>
+        </a:effectRef>
+        <a:fontRef idx="minor"/>
+      </dsp:style>
+    </dsp:sp>
+    <dsp:sp modelId="{B9852B8A-C120-4AF8-91B4-B7A141B0F9A8}">
+      <dsp:nvSpPr>
+        <dsp:cNvPr id="0" name=""/>
+        <dsp:cNvSpPr/>
+      </dsp:nvSpPr>
+      <dsp:spPr>
+        <a:xfrm>
+          <a:off x="168764" y="1378698"/>
+          <a:ext cx="170594" cy="2138114"/>
+        </a:xfrm>
+        <a:custGeom>
+          <a:avLst/>
+          <a:gdLst/>
+          <a:ahLst/>
+          <a:cxnLst/>
+          <a:rect l="0" t="0" r="0" b="0"/>
+          <a:pathLst>
+            <a:path>
+              <a:moveTo>
+                <a:pt x="0" y="0"/>
+              </a:moveTo>
+              <a:lnTo>
+                <a:pt x="0" y="2138114"/>
+              </a:lnTo>
+              <a:lnTo>
+                <a:pt x="170594" y="2138114"/>
+              </a:lnTo>
+            </a:path>
+          </a:pathLst>
+        </a:custGeom>
+        <a:noFill/>
+        <a:ln w="12700" cap="flat" cmpd="sng" algn="ctr">
+          <a:solidFill>
+            <a:schemeClr val="accent1">
+              <a:shade val="80000"/>
+              <a:hueOff val="0"/>
+              <a:satOff val="0"/>
+              <a:lumOff val="0"/>
+              <a:alphaOff val="0"/>
+            </a:schemeClr>
+          </a:solidFill>
+          <a:prstDash val="solid"/>
+          <a:miter lim="800000"/>
+        </a:ln>
+        <a:effectLst/>
+      </dsp:spPr>
+      <dsp:style>
+        <a:lnRef idx="2">
+          <a:scrgbClr r="0" g="0" b="0"/>
+        </a:lnRef>
+        <a:fillRef idx="0">
+          <a:scrgbClr r="0" g="0" b="0"/>
+        </a:fillRef>
+        <a:effectRef idx="0">
+          <a:scrgbClr r="0" g="0" b="0"/>
+        </a:effectRef>
+        <a:fontRef idx="minor"/>
+      </dsp:style>
+    </dsp:sp>
+    <dsp:sp modelId="{68ABE54A-16B1-443B-A78C-296A00941709}">
+      <dsp:nvSpPr>
+        <dsp:cNvPr id="0" name=""/>
+        <dsp:cNvSpPr/>
+      </dsp:nvSpPr>
+      <dsp:spPr>
+        <a:xfrm>
+          <a:off x="168764" y="1378698"/>
+          <a:ext cx="170594" cy="1330635"/>
+        </a:xfrm>
+        <a:custGeom>
+          <a:avLst/>
+          <a:gdLst/>
+          <a:ahLst/>
+          <a:cxnLst/>
+          <a:rect l="0" t="0" r="0" b="0"/>
+          <a:pathLst>
+            <a:path>
+              <a:moveTo>
+                <a:pt x="0" y="0"/>
+              </a:moveTo>
+              <a:lnTo>
+                <a:pt x="0" y="1330635"/>
+              </a:lnTo>
+              <a:lnTo>
+                <a:pt x="170594" y="1330635"/>
+              </a:lnTo>
+            </a:path>
+          </a:pathLst>
+        </a:custGeom>
+        <a:noFill/>
+        <a:ln w="12700" cap="flat" cmpd="sng" algn="ctr">
+          <a:solidFill>
+            <a:schemeClr val="accent1">
+              <a:shade val="80000"/>
+              <a:hueOff val="0"/>
+              <a:satOff val="0"/>
+              <a:lumOff val="0"/>
+              <a:alphaOff val="0"/>
+            </a:schemeClr>
+          </a:solidFill>
+          <a:prstDash val="solid"/>
+          <a:miter lim="800000"/>
+        </a:ln>
+        <a:effectLst/>
+      </dsp:spPr>
+      <dsp:style>
+        <a:lnRef idx="2">
+          <a:scrgbClr r="0" g="0" b="0"/>
+        </a:lnRef>
+        <a:fillRef idx="0">
+          <a:scrgbClr r="0" g="0" b="0"/>
+        </a:fillRef>
+        <a:effectRef idx="0">
+          <a:scrgbClr r="0" g="0" b="0"/>
+        </a:effectRef>
+        <a:fontRef idx="minor"/>
+      </dsp:style>
+    </dsp:sp>
+    <dsp:sp modelId="{E0C32808-77DA-454E-B1A8-8717E65C5825}">
+      <dsp:nvSpPr>
+        <dsp:cNvPr id="0" name=""/>
+        <dsp:cNvSpPr/>
+      </dsp:nvSpPr>
+      <dsp:spPr>
+        <a:xfrm>
+          <a:off x="168764" y="1378698"/>
+          <a:ext cx="170594" cy="523155"/>
+        </a:xfrm>
+        <a:custGeom>
+          <a:avLst/>
+          <a:gdLst/>
+          <a:ahLst/>
+          <a:cxnLst/>
+          <a:rect l="0" t="0" r="0" b="0"/>
+          <a:pathLst>
+            <a:path>
+              <a:moveTo>
+                <a:pt x="0" y="0"/>
+              </a:moveTo>
+              <a:lnTo>
+                <a:pt x="0" y="523155"/>
+              </a:lnTo>
+              <a:lnTo>
+                <a:pt x="170594" y="523155"/>
+              </a:lnTo>
+            </a:path>
+          </a:pathLst>
+        </a:custGeom>
+        <a:noFill/>
+        <a:ln w="12700" cap="flat" cmpd="sng" algn="ctr">
+          <a:solidFill>
+            <a:schemeClr val="accent1">
+              <a:shade val="80000"/>
+              <a:hueOff val="0"/>
+              <a:satOff val="0"/>
+              <a:lumOff val="0"/>
+              <a:alphaOff val="0"/>
+            </a:schemeClr>
+          </a:solidFill>
+          <a:prstDash val="solid"/>
+          <a:miter lim="800000"/>
+        </a:ln>
+        <a:effectLst/>
+      </dsp:spPr>
+      <dsp:style>
+        <a:lnRef idx="2">
+          <a:scrgbClr r="0" g="0" b="0"/>
+        </a:lnRef>
+        <a:fillRef idx="0">
+          <a:scrgbClr r="0" g="0" b="0"/>
+        </a:fillRef>
+        <a:effectRef idx="0">
+          <a:scrgbClr r="0" g="0" b="0"/>
+        </a:effectRef>
+        <a:fontRef idx="minor"/>
+      </dsp:style>
+    </dsp:sp>
+    <dsp:sp modelId="{B5C85C71-F5C5-4567-AF30-C8233FA48814}">
+      <dsp:nvSpPr>
+        <dsp:cNvPr id="0" name=""/>
+        <dsp:cNvSpPr/>
+      </dsp:nvSpPr>
+      <dsp:spPr>
+        <a:xfrm>
+          <a:off x="623682" y="571219"/>
+          <a:ext cx="3440317" cy="238831"/>
+        </a:xfrm>
+        <a:custGeom>
+          <a:avLst/>
+          <a:gdLst/>
+          <a:ahLst/>
+          <a:cxnLst/>
+          <a:rect l="0" t="0" r="0" b="0"/>
+          <a:pathLst>
+            <a:path>
+              <a:moveTo>
+                <a:pt x="3440317" y="0"/>
+              </a:moveTo>
+              <a:lnTo>
+                <a:pt x="3440317" y="119415"/>
+              </a:lnTo>
+              <a:lnTo>
+                <a:pt x="0" y="119415"/>
+              </a:lnTo>
+              <a:lnTo>
+                <a:pt x="0" y="238831"/>
+              </a:lnTo>
+            </a:path>
+          </a:pathLst>
+        </a:custGeom>
+        <a:noFill/>
+        <a:ln w="12700" cap="flat" cmpd="sng" algn="ctr">
+          <a:solidFill>
+            <a:schemeClr val="accent1">
+              <a:shade val="60000"/>
+              <a:hueOff val="0"/>
+              <a:satOff val="0"/>
+              <a:lumOff val="0"/>
+              <a:alphaOff val="0"/>
+            </a:schemeClr>
+          </a:solidFill>
+          <a:prstDash val="solid"/>
+          <a:miter lim="800000"/>
+        </a:ln>
+        <a:effectLst/>
+      </dsp:spPr>
+      <dsp:style>
+        <a:lnRef idx="2">
+          <a:scrgbClr r="0" g="0" b="0"/>
+        </a:lnRef>
+        <a:fillRef idx="0">
+          <a:scrgbClr r="0" g="0" b="0"/>
+        </a:fillRef>
+        <a:effectRef idx="0">
+          <a:scrgbClr r="0" g="0" b="0"/>
+        </a:effectRef>
+        <a:fontRef idx="minor"/>
+      </dsp:style>
+    </dsp:sp>
+    <dsp:sp modelId="{CFB4CCA0-455C-42B4-82AB-19CE74A884B9}">
+      <dsp:nvSpPr>
+        <dsp:cNvPr id="0" name=""/>
+        <dsp:cNvSpPr/>
+      </dsp:nvSpPr>
+      <dsp:spPr>
+        <a:xfrm>
+          <a:off x="3495352" y="2571"/>
+          <a:ext cx="1137294" cy="568647"/>
+        </a:xfrm>
+        <a:prstGeom prst="rect">
+          <a:avLst/>
+        </a:prstGeom>
+        <a:solidFill>
+          <a:schemeClr val="accent1">
+            <a:hueOff val="0"/>
+            <a:satOff val="0"/>
+            <a:lumOff val="0"/>
+            <a:alphaOff val="0"/>
+          </a:schemeClr>
+        </a:solidFill>
+        <a:ln w="12700" cap="flat" cmpd="sng" algn="ctr">
+          <a:solidFill>
+            <a:schemeClr val="lt1">
+              <a:hueOff val="0"/>
+              <a:satOff val="0"/>
+              <a:lumOff val="0"/>
+              <a:alphaOff val="0"/>
+            </a:schemeClr>
+          </a:solidFill>
+          <a:prstDash val="solid"/>
+          <a:miter lim="800000"/>
+        </a:ln>
+        <a:effectLst/>
+      </dsp:spPr>
+      <dsp:style>
+        <a:lnRef idx="2">
+          <a:scrgbClr r="0" g="0" b="0"/>
+        </a:lnRef>
+        <a:fillRef idx="1">
+          <a:scrgbClr r="0" g="0" b="0"/>
+        </a:fillRef>
+        <a:effectRef idx="0">
+          <a:scrgbClr r="0" g="0" b="0"/>
+        </a:effectRef>
+        <a:fontRef idx="minor">
+          <a:schemeClr val="lt1"/>
+        </a:fontRef>
+      </dsp:style>
+      <dsp:txBody>
+        <a:bodyPr spcFirstLastPara="0" vert="horz" wrap="square" lIns="11430" tIns="11430" rIns="11430" bIns="11430" numCol="1" spcCol="1270" anchor="ctr" anchorCtr="0">
+          <a:noAutofit/>
+        </a:bodyPr>
+        <a:lstStyle/>
+        <a:p>
+          <a:pPr lvl="0" algn="ctr" defTabSz="800100">
+            <a:lnSpc>
+              <a:spcPct val="90000"/>
+            </a:lnSpc>
+            <a:spcBef>
+              <a:spcPct val="0"/>
+            </a:spcBef>
+            <a:spcAft>
+              <a:spcPct val="35000"/>
+            </a:spcAft>
+          </a:pPr>
+          <a:r>
+            <a:rPr lang="en-US" sz="1800" kern="1200" dirty="0"/>
+            <a:t>Home</a:t>
+          </a:r>
+          <a:endParaRPr lang="en-SG" sz="1800" kern="1200" dirty="0"/>
+        </a:p>
+      </dsp:txBody>
+      <dsp:txXfrm>
+        <a:off x="3495352" y="2571"/>
+        <a:ext cx="1137294" cy="568647"/>
+      </dsp:txXfrm>
+    </dsp:sp>
+    <dsp:sp modelId="{A78AD9CD-F89A-485E-8606-1DB54ACC7481}">
+      <dsp:nvSpPr>
+        <dsp:cNvPr id="0" name=""/>
+        <dsp:cNvSpPr/>
+      </dsp:nvSpPr>
+      <dsp:spPr>
+        <a:xfrm>
+          <a:off x="55035" y="810050"/>
+          <a:ext cx="1137294" cy="568647"/>
+        </a:xfrm>
+        <a:prstGeom prst="rect">
+          <a:avLst/>
+        </a:prstGeom>
+        <a:solidFill>
+          <a:schemeClr val="accent1">
+            <a:hueOff val="0"/>
+            <a:satOff val="0"/>
+            <a:lumOff val="0"/>
+            <a:alphaOff val="0"/>
+          </a:schemeClr>
+        </a:solidFill>
+        <a:ln w="12700" cap="flat" cmpd="sng" algn="ctr">
+          <a:solidFill>
+            <a:schemeClr val="lt1">
+              <a:hueOff val="0"/>
+              <a:satOff val="0"/>
+              <a:lumOff val="0"/>
+              <a:alphaOff val="0"/>
+            </a:schemeClr>
+          </a:solidFill>
+          <a:prstDash val="solid"/>
+          <a:miter lim="800000"/>
+        </a:ln>
+        <a:effectLst/>
+      </dsp:spPr>
+      <dsp:style>
+        <a:lnRef idx="2">
+          <a:scrgbClr r="0" g="0" b="0"/>
+        </a:lnRef>
+        <a:fillRef idx="1">
+          <a:scrgbClr r="0" g="0" b="0"/>
+        </a:fillRef>
+        <a:effectRef idx="0">
+          <a:scrgbClr r="0" g="0" b="0"/>
+        </a:effectRef>
+        <a:fontRef idx="minor">
+          <a:schemeClr val="lt1"/>
+        </a:fontRef>
+      </dsp:style>
+      <dsp:txBody>
+        <a:bodyPr spcFirstLastPara="0" vert="horz" wrap="square" lIns="11430" tIns="11430" rIns="11430" bIns="11430" numCol="1" spcCol="1270" anchor="ctr" anchorCtr="0">
+          <a:noAutofit/>
+        </a:bodyPr>
+        <a:lstStyle/>
+        <a:p>
+          <a:pPr lvl="0" algn="ctr" defTabSz="800100">
+            <a:lnSpc>
+              <a:spcPct val="90000"/>
+            </a:lnSpc>
+            <a:spcBef>
+              <a:spcPct val="0"/>
+            </a:spcBef>
+            <a:spcAft>
+              <a:spcPct val="35000"/>
+            </a:spcAft>
+          </a:pPr>
+          <a:r>
+            <a:rPr lang="en-US" sz="1800" kern="1200" dirty="0"/>
+            <a:t>Movies</a:t>
+          </a:r>
+          <a:endParaRPr lang="en-SG" sz="1800" kern="1200" dirty="0"/>
+        </a:p>
+      </dsp:txBody>
+      <dsp:txXfrm>
+        <a:off x="55035" y="810050"/>
+        <a:ext cx="1137294" cy="568647"/>
+      </dsp:txXfrm>
+    </dsp:sp>
+    <dsp:sp modelId="{7A0270A8-14A4-4A14-81F8-A4DF44BB32E6}">
+      <dsp:nvSpPr>
+        <dsp:cNvPr id="0" name=""/>
+        <dsp:cNvSpPr/>
+      </dsp:nvSpPr>
+      <dsp:spPr>
+        <a:xfrm>
+          <a:off x="339359" y="1617530"/>
+          <a:ext cx="1137294" cy="568647"/>
+        </a:xfrm>
+        <a:prstGeom prst="rect">
+          <a:avLst/>
+        </a:prstGeom>
+        <a:solidFill>
+          <a:schemeClr val="accent1">
+            <a:hueOff val="0"/>
+            <a:satOff val="0"/>
+            <a:lumOff val="0"/>
+            <a:alphaOff val="0"/>
+          </a:schemeClr>
+        </a:solidFill>
+        <a:ln w="12700" cap="flat" cmpd="sng" algn="ctr">
+          <a:solidFill>
+            <a:schemeClr val="lt1">
+              <a:hueOff val="0"/>
+              <a:satOff val="0"/>
+              <a:lumOff val="0"/>
+              <a:alphaOff val="0"/>
+            </a:schemeClr>
+          </a:solidFill>
+          <a:prstDash val="solid"/>
+          <a:miter lim="800000"/>
+        </a:ln>
+        <a:effectLst/>
+      </dsp:spPr>
+      <dsp:style>
+        <a:lnRef idx="2">
+          <a:scrgbClr r="0" g="0" b="0"/>
+        </a:lnRef>
+        <a:fillRef idx="1">
+          <a:scrgbClr r="0" g="0" b="0"/>
+        </a:fillRef>
+        <a:effectRef idx="0">
+          <a:scrgbClr r="0" g="0" b="0"/>
+        </a:effectRef>
+        <a:fontRef idx="minor">
+          <a:schemeClr val="lt1"/>
+        </a:fontRef>
+      </dsp:style>
+      <dsp:txBody>
+        <a:bodyPr spcFirstLastPara="0" vert="horz" wrap="square" lIns="11430" tIns="11430" rIns="11430" bIns="11430" numCol="1" spcCol="1270" anchor="ctr" anchorCtr="0">
+          <a:noAutofit/>
+        </a:bodyPr>
+        <a:lstStyle/>
+        <a:p>
+          <a:pPr lvl="0" algn="ctr" defTabSz="800100">
+            <a:lnSpc>
+              <a:spcPct val="90000"/>
+            </a:lnSpc>
+            <a:spcBef>
+              <a:spcPct val="0"/>
+            </a:spcBef>
+            <a:spcAft>
+              <a:spcPct val="35000"/>
+            </a:spcAft>
+          </a:pPr>
+          <a:r>
+            <a:rPr lang="en-US" sz="1800" kern="1200" dirty="0"/>
+            <a:t>Movie Details</a:t>
+          </a:r>
+          <a:endParaRPr lang="en-SG" sz="1800" kern="1200" dirty="0"/>
+        </a:p>
+      </dsp:txBody>
+      <dsp:txXfrm>
+        <a:off x="339359" y="1617530"/>
+        <a:ext cx="1137294" cy="568647"/>
+      </dsp:txXfrm>
+    </dsp:sp>
+    <dsp:sp modelId="{A83726C8-06FD-49AA-8216-DA0B3FB335F5}">
+      <dsp:nvSpPr>
+        <dsp:cNvPr id="0" name=""/>
+        <dsp:cNvSpPr/>
+      </dsp:nvSpPr>
+      <dsp:spPr>
+        <a:xfrm>
+          <a:off x="339359" y="2425009"/>
+          <a:ext cx="1137294" cy="568647"/>
+        </a:xfrm>
+        <a:prstGeom prst="rect">
+          <a:avLst/>
+        </a:prstGeom>
+        <a:solidFill>
+          <a:schemeClr val="accent1">
+            <a:hueOff val="0"/>
+            <a:satOff val="0"/>
+            <a:lumOff val="0"/>
+            <a:alphaOff val="0"/>
+          </a:schemeClr>
+        </a:solidFill>
+        <a:ln w="12700" cap="flat" cmpd="sng" algn="ctr">
+          <a:solidFill>
+            <a:schemeClr val="lt1">
+              <a:hueOff val="0"/>
+              <a:satOff val="0"/>
+              <a:lumOff val="0"/>
+              <a:alphaOff val="0"/>
+            </a:schemeClr>
+          </a:solidFill>
+          <a:prstDash val="solid"/>
+          <a:miter lim="800000"/>
+        </a:ln>
+        <a:effectLst/>
+      </dsp:spPr>
+      <dsp:style>
+        <a:lnRef idx="2">
+          <a:scrgbClr r="0" g="0" b="0"/>
+        </a:lnRef>
+        <a:fillRef idx="1">
+          <a:scrgbClr r="0" g="0" b="0"/>
+        </a:fillRef>
+        <a:effectRef idx="0">
+          <a:scrgbClr r="0" g="0" b="0"/>
+        </a:effectRef>
+        <a:fontRef idx="minor">
+          <a:schemeClr val="lt1"/>
+        </a:fontRef>
+      </dsp:style>
+      <dsp:txBody>
+        <a:bodyPr spcFirstLastPara="0" vert="horz" wrap="square" lIns="11430" tIns="11430" rIns="11430" bIns="11430" numCol="1" spcCol="1270" anchor="ctr" anchorCtr="0">
+          <a:noAutofit/>
+        </a:bodyPr>
+        <a:lstStyle/>
+        <a:p>
+          <a:pPr lvl="0" algn="ctr" defTabSz="800100">
+            <a:lnSpc>
+              <a:spcPct val="90000"/>
+            </a:lnSpc>
+            <a:spcBef>
+              <a:spcPct val="0"/>
+            </a:spcBef>
+            <a:spcAft>
+              <a:spcPct val="35000"/>
+            </a:spcAft>
+          </a:pPr>
+          <a:r>
+            <a:rPr lang="en-SG" sz="1800" kern="1200" dirty="0"/>
+            <a:t>Buy Tickets </a:t>
+          </a:r>
+          <a:endParaRPr lang="en-SG" sz="1800" b="1" kern="1200" dirty="0"/>
+        </a:p>
+      </dsp:txBody>
+      <dsp:txXfrm>
+        <a:off x="339359" y="2425009"/>
+        <a:ext cx="1137294" cy="568647"/>
+      </dsp:txXfrm>
+    </dsp:sp>
+    <dsp:sp modelId="{2CCC06DA-A2B2-4970-B265-23EC82D0D7BE}">
+      <dsp:nvSpPr>
+        <dsp:cNvPr id="0" name=""/>
+        <dsp:cNvSpPr/>
+      </dsp:nvSpPr>
+      <dsp:spPr>
+        <a:xfrm>
+          <a:off x="339359" y="3232489"/>
+          <a:ext cx="1137294" cy="568647"/>
+        </a:xfrm>
+        <a:prstGeom prst="rect">
+          <a:avLst/>
+        </a:prstGeom>
+        <a:solidFill>
+          <a:schemeClr val="accent1">
+            <a:hueOff val="0"/>
+            <a:satOff val="0"/>
+            <a:lumOff val="0"/>
+            <a:alphaOff val="0"/>
+          </a:schemeClr>
+        </a:solidFill>
+        <a:ln w="12700" cap="flat" cmpd="sng" algn="ctr">
+          <a:solidFill>
+            <a:schemeClr val="lt1">
+              <a:hueOff val="0"/>
+              <a:satOff val="0"/>
+              <a:lumOff val="0"/>
+              <a:alphaOff val="0"/>
+            </a:schemeClr>
+          </a:solidFill>
+          <a:prstDash val="solid"/>
+          <a:miter lim="800000"/>
+        </a:ln>
+        <a:effectLst/>
+      </dsp:spPr>
+      <dsp:style>
+        <a:lnRef idx="2">
+          <a:scrgbClr r="0" g="0" b="0"/>
+        </a:lnRef>
+        <a:fillRef idx="1">
+          <a:scrgbClr r="0" g="0" b="0"/>
+        </a:fillRef>
+        <a:effectRef idx="0">
+          <a:scrgbClr r="0" g="0" b="0"/>
+        </a:effectRef>
+        <a:fontRef idx="minor">
+          <a:schemeClr val="lt1"/>
+        </a:fontRef>
+      </dsp:style>
+      <dsp:txBody>
+        <a:bodyPr spcFirstLastPara="0" vert="horz" wrap="square" lIns="11430" tIns="11430" rIns="11430" bIns="11430" numCol="1" spcCol="1270" anchor="ctr" anchorCtr="0">
+          <a:noAutofit/>
+        </a:bodyPr>
+        <a:lstStyle/>
+        <a:p>
+          <a:pPr lvl="0" algn="ctr" defTabSz="800100">
+            <a:lnSpc>
+              <a:spcPct val="90000"/>
+            </a:lnSpc>
+            <a:spcBef>
+              <a:spcPct val="0"/>
+            </a:spcBef>
+            <a:spcAft>
+              <a:spcPct val="35000"/>
+            </a:spcAft>
+          </a:pPr>
+          <a:r>
+            <a:rPr lang="en-US" sz="1800" b="1" kern="1200" dirty="0" smtClean="0"/>
+            <a:t>Payment</a:t>
+          </a:r>
+        </a:p>
+      </dsp:txBody>
+      <dsp:txXfrm>
+        <a:off x="339359" y="3232489"/>
+        <a:ext cx="1137294" cy="568647"/>
+      </dsp:txXfrm>
+    </dsp:sp>
+    <dsp:sp modelId="{96486A5B-6314-438D-BFCE-AD04AED1658A}">
+      <dsp:nvSpPr>
+        <dsp:cNvPr id="0" name=""/>
+        <dsp:cNvSpPr/>
+      </dsp:nvSpPr>
+      <dsp:spPr>
+        <a:xfrm>
+          <a:off x="339359" y="4039968"/>
+          <a:ext cx="1137294" cy="568647"/>
+        </a:xfrm>
+        <a:prstGeom prst="rect">
+          <a:avLst/>
+        </a:prstGeom>
+        <a:solidFill>
+          <a:schemeClr val="accent1">
+            <a:hueOff val="0"/>
+            <a:satOff val="0"/>
+            <a:lumOff val="0"/>
+            <a:alphaOff val="0"/>
+          </a:schemeClr>
+        </a:solidFill>
+        <a:ln w="12700" cap="flat" cmpd="sng" algn="ctr">
+          <a:solidFill>
+            <a:schemeClr val="lt1">
+              <a:hueOff val="0"/>
+              <a:satOff val="0"/>
+              <a:lumOff val="0"/>
+              <a:alphaOff val="0"/>
+            </a:schemeClr>
+          </a:solidFill>
+          <a:prstDash val="solid"/>
+          <a:miter lim="800000"/>
+        </a:ln>
+        <a:effectLst/>
+      </dsp:spPr>
+      <dsp:style>
+        <a:lnRef idx="2">
+          <a:scrgbClr r="0" g="0" b="0"/>
+        </a:lnRef>
+        <a:fillRef idx="1">
+          <a:scrgbClr r="0" g="0" b="0"/>
+        </a:fillRef>
+        <a:effectRef idx="0">
+          <a:scrgbClr r="0" g="0" b="0"/>
+        </a:effectRef>
+        <a:fontRef idx="minor">
+          <a:schemeClr val="lt1"/>
+        </a:fontRef>
+      </dsp:style>
+      <dsp:txBody>
+        <a:bodyPr spcFirstLastPara="0" vert="horz" wrap="square" lIns="11430" tIns="11430" rIns="11430" bIns="11430" numCol="1" spcCol="1270" anchor="ctr" anchorCtr="0">
+          <a:noAutofit/>
+        </a:bodyPr>
+        <a:lstStyle/>
+        <a:p>
+          <a:pPr lvl="0" algn="ctr" defTabSz="800100">
+            <a:lnSpc>
+              <a:spcPct val="90000"/>
+            </a:lnSpc>
+            <a:spcBef>
+              <a:spcPct val="0"/>
+            </a:spcBef>
+            <a:spcAft>
+              <a:spcPct val="35000"/>
+            </a:spcAft>
+          </a:pPr>
+          <a:r>
+            <a:rPr lang="en-SG" sz="1800" kern="1200" dirty="0" smtClean="0"/>
+            <a:t>Now showing</a:t>
+          </a:r>
+          <a:endParaRPr lang="en-SG" sz="1800" kern="1200" dirty="0"/>
+        </a:p>
+      </dsp:txBody>
+      <dsp:txXfrm>
+        <a:off x="339359" y="4039968"/>
+        <a:ext cx="1137294" cy="568647"/>
+      </dsp:txXfrm>
+    </dsp:sp>
+    <dsp:sp modelId="{98C5423F-8024-456E-8F60-96111749CB62}">
+      <dsp:nvSpPr>
+        <dsp:cNvPr id="0" name=""/>
+        <dsp:cNvSpPr/>
+      </dsp:nvSpPr>
+      <dsp:spPr>
+        <a:xfrm>
+          <a:off x="339359" y="4847447"/>
+          <a:ext cx="1137294" cy="568647"/>
+        </a:xfrm>
+        <a:prstGeom prst="rect">
+          <a:avLst/>
+        </a:prstGeom>
+        <a:solidFill>
+          <a:schemeClr val="accent1">
+            <a:hueOff val="0"/>
+            <a:satOff val="0"/>
+            <a:lumOff val="0"/>
+            <a:alphaOff val="0"/>
+          </a:schemeClr>
+        </a:solidFill>
+        <a:ln w="12700" cap="flat" cmpd="sng" algn="ctr">
+          <a:solidFill>
+            <a:schemeClr val="lt1">
+              <a:hueOff val="0"/>
+              <a:satOff val="0"/>
+              <a:lumOff val="0"/>
+              <a:alphaOff val="0"/>
+            </a:schemeClr>
+          </a:solidFill>
+          <a:prstDash val="solid"/>
+          <a:miter lim="800000"/>
+        </a:ln>
+        <a:effectLst/>
+      </dsp:spPr>
+      <dsp:style>
+        <a:lnRef idx="2">
+          <a:scrgbClr r="0" g="0" b="0"/>
+        </a:lnRef>
+        <a:fillRef idx="1">
+          <a:scrgbClr r="0" g="0" b="0"/>
+        </a:fillRef>
+        <a:effectRef idx="0">
+          <a:scrgbClr r="0" g="0" b="0"/>
+        </a:effectRef>
+        <a:fontRef idx="minor">
+          <a:schemeClr val="lt1"/>
+        </a:fontRef>
+      </dsp:style>
+      <dsp:txBody>
+        <a:bodyPr spcFirstLastPara="0" vert="horz" wrap="square" lIns="11430" tIns="11430" rIns="11430" bIns="11430" numCol="1" spcCol="1270" anchor="ctr" anchorCtr="0">
+          <a:noAutofit/>
+        </a:bodyPr>
+        <a:lstStyle/>
+        <a:p>
+          <a:pPr lvl="0" algn="ctr" defTabSz="800100">
+            <a:lnSpc>
+              <a:spcPct val="90000"/>
+            </a:lnSpc>
+            <a:spcBef>
+              <a:spcPct val="0"/>
+            </a:spcBef>
+            <a:spcAft>
+              <a:spcPct val="35000"/>
+            </a:spcAft>
+          </a:pPr>
+          <a:r>
+            <a:rPr lang="en-SG" sz="1800" kern="1200" dirty="0" smtClean="0"/>
+            <a:t>Coming soon</a:t>
+          </a:r>
+          <a:endParaRPr lang="en-SG" sz="1800" kern="1200" dirty="0"/>
+        </a:p>
+      </dsp:txBody>
+      <dsp:txXfrm>
+        <a:off x="339359" y="4847447"/>
+        <a:ext cx="1137294" cy="568647"/>
+      </dsp:txXfrm>
+    </dsp:sp>
+    <dsp:sp modelId="{7B324E9E-19AE-4745-B5FE-6655EEBCBB23}">
+      <dsp:nvSpPr>
+        <dsp:cNvPr id="0" name=""/>
+        <dsp:cNvSpPr/>
+      </dsp:nvSpPr>
+      <dsp:spPr>
+        <a:xfrm>
+          <a:off x="1431162" y="810050"/>
+          <a:ext cx="1137294" cy="568647"/>
+        </a:xfrm>
+        <a:prstGeom prst="rect">
+          <a:avLst/>
+        </a:prstGeom>
+        <a:solidFill>
+          <a:schemeClr val="accent1">
+            <a:hueOff val="0"/>
+            <a:satOff val="0"/>
+            <a:lumOff val="0"/>
+            <a:alphaOff val="0"/>
+          </a:schemeClr>
+        </a:solidFill>
+        <a:ln w="12700" cap="flat" cmpd="sng" algn="ctr">
+          <a:solidFill>
+            <a:schemeClr val="lt1">
+              <a:hueOff val="0"/>
+              <a:satOff val="0"/>
+              <a:lumOff val="0"/>
+              <a:alphaOff val="0"/>
+            </a:schemeClr>
+          </a:solidFill>
+          <a:prstDash val="solid"/>
+          <a:miter lim="800000"/>
+        </a:ln>
+        <a:effectLst/>
+      </dsp:spPr>
+      <dsp:style>
+        <a:lnRef idx="2">
+          <a:scrgbClr r="0" g="0" b="0"/>
+        </a:lnRef>
+        <a:fillRef idx="1">
+          <a:scrgbClr r="0" g="0" b="0"/>
+        </a:fillRef>
+        <a:effectRef idx="0">
+          <a:scrgbClr r="0" g="0" b="0"/>
+        </a:effectRef>
+        <a:fontRef idx="minor">
+          <a:schemeClr val="lt1"/>
+        </a:fontRef>
+      </dsp:style>
+      <dsp:txBody>
+        <a:bodyPr spcFirstLastPara="0" vert="horz" wrap="square" lIns="11430" tIns="11430" rIns="11430" bIns="11430" numCol="1" spcCol="1270" anchor="ctr" anchorCtr="0">
+          <a:noAutofit/>
+        </a:bodyPr>
+        <a:lstStyle/>
+        <a:p>
+          <a:pPr lvl="0" algn="ctr" defTabSz="800100">
+            <a:lnSpc>
+              <a:spcPct val="90000"/>
+            </a:lnSpc>
+            <a:spcBef>
+              <a:spcPct val="0"/>
+            </a:spcBef>
+            <a:spcAft>
+              <a:spcPct val="35000"/>
+            </a:spcAft>
+          </a:pPr>
+          <a:r>
+            <a:rPr lang="en-SG" sz="1800" kern="1200" dirty="0"/>
+            <a:t>Cinemas	</a:t>
+          </a:r>
+        </a:p>
+      </dsp:txBody>
+      <dsp:txXfrm>
+        <a:off x="1431162" y="810050"/>
+        <a:ext cx="1137294" cy="568647"/>
+      </dsp:txXfrm>
+    </dsp:sp>
+    <dsp:sp modelId="{6A71281E-ED24-400F-9B63-4F044276295B}">
+      <dsp:nvSpPr>
+        <dsp:cNvPr id="0" name=""/>
+        <dsp:cNvSpPr/>
+      </dsp:nvSpPr>
+      <dsp:spPr>
+        <a:xfrm>
+          <a:off x="1715485" y="1617530"/>
+          <a:ext cx="1137294" cy="568647"/>
+        </a:xfrm>
+        <a:prstGeom prst="rect">
+          <a:avLst/>
+        </a:prstGeom>
+        <a:solidFill>
+          <a:schemeClr val="accent1">
+            <a:hueOff val="0"/>
+            <a:satOff val="0"/>
+            <a:lumOff val="0"/>
+            <a:alphaOff val="0"/>
+          </a:schemeClr>
+        </a:solidFill>
+        <a:ln w="12700" cap="flat" cmpd="sng" algn="ctr">
+          <a:solidFill>
+            <a:schemeClr val="lt1">
+              <a:hueOff val="0"/>
+              <a:satOff val="0"/>
+              <a:lumOff val="0"/>
+              <a:alphaOff val="0"/>
+            </a:schemeClr>
+          </a:solidFill>
+          <a:prstDash val="solid"/>
+          <a:miter lim="800000"/>
+        </a:ln>
+        <a:effectLst/>
+      </dsp:spPr>
+      <dsp:style>
+        <a:lnRef idx="2">
+          <a:scrgbClr r="0" g="0" b="0"/>
+        </a:lnRef>
+        <a:fillRef idx="1">
+          <a:scrgbClr r="0" g="0" b="0"/>
+        </a:fillRef>
+        <a:effectRef idx="0">
+          <a:scrgbClr r="0" g="0" b="0"/>
+        </a:effectRef>
+        <a:fontRef idx="minor">
+          <a:schemeClr val="lt1"/>
+        </a:fontRef>
+      </dsp:style>
+      <dsp:txBody>
+        <a:bodyPr spcFirstLastPara="0" vert="horz" wrap="square" lIns="11430" tIns="11430" rIns="11430" bIns="11430" numCol="1" spcCol="1270" anchor="ctr" anchorCtr="0">
+          <a:noAutofit/>
+        </a:bodyPr>
+        <a:lstStyle/>
+        <a:p>
+          <a:pPr lvl="0" algn="ctr" defTabSz="800100">
+            <a:lnSpc>
+              <a:spcPct val="90000"/>
+            </a:lnSpc>
+            <a:spcBef>
+              <a:spcPct val="0"/>
+            </a:spcBef>
+            <a:spcAft>
+              <a:spcPct val="35000"/>
+            </a:spcAft>
+          </a:pPr>
+          <a:r>
+            <a:rPr lang="en-SG" sz="1800" kern="1200" dirty="0" smtClean="0"/>
+            <a:t>Location</a:t>
+          </a:r>
+          <a:endParaRPr lang="en-SG" sz="1800" kern="1200" dirty="0"/>
+        </a:p>
+      </dsp:txBody>
+      <dsp:txXfrm>
+        <a:off x="1715485" y="1617530"/>
+        <a:ext cx="1137294" cy="568647"/>
+      </dsp:txXfrm>
+    </dsp:sp>
+    <dsp:sp modelId="{306BAEBD-84B5-432D-ADBC-5E67482DF93D}">
+      <dsp:nvSpPr>
+        <dsp:cNvPr id="0" name=""/>
+        <dsp:cNvSpPr/>
+      </dsp:nvSpPr>
+      <dsp:spPr>
+        <a:xfrm>
+          <a:off x="2807289" y="810050"/>
+          <a:ext cx="1137294" cy="568647"/>
+        </a:xfrm>
+        <a:prstGeom prst="rect">
+          <a:avLst/>
+        </a:prstGeom>
+        <a:solidFill>
+          <a:schemeClr val="accent1">
+            <a:hueOff val="0"/>
+            <a:satOff val="0"/>
+            <a:lumOff val="0"/>
+            <a:alphaOff val="0"/>
+          </a:schemeClr>
+        </a:solidFill>
+        <a:ln w="12700" cap="flat" cmpd="sng" algn="ctr">
+          <a:solidFill>
+            <a:schemeClr val="lt1">
+              <a:hueOff val="0"/>
+              <a:satOff val="0"/>
+              <a:lumOff val="0"/>
+              <a:alphaOff val="0"/>
+            </a:schemeClr>
+          </a:solidFill>
+          <a:prstDash val="solid"/>
+          <a:miter lim="800000"/>
+        </a:ln>
+        <a:effectLst/>
+      </dsp:spPr>
+      <dsp:style>
+        <a:lnRef idx="2">
+          <a:scrgbClr r="0" g="0" b="0"/>
+        </a:lnRef>
+        <a:fillRef idx="1">
+          <a:scrgbClr r="0" g="0" b="0"/>
+        </a:fillRef>
+        <a:effectRef idx="0">
+          <a:scrgbClr r="0" g="0" b="0"/>
+        </a:effectRef>
+        <a:fontRef idx="minor">
+          <a:schemeClr val="lt1"/>
+        </a:fontRef>
+      </dsp:style>
+      <dsp:txBody>
+        <a:bodyPr spcFirstLastPara="0" vert="horz" wrap="square" lIns="11430" tIns="11430" rIns="11430" bIns="11430" numCol="1" spcCol="1270" anchor="ctr" anchorCtr="0">
+          <a:noAutofit/>
+        </a:bodyPr>
+        <a:lstStyle/>
+        <a:p>
+          <a:pPr lvl="0" algn="ctr" defTabSz="800100">
+            <a:lnSpc>
+              <a:spcPct val="90000"/>
+            </a:lnSpc>
+            <a:spcBef>
+              <a:spcPct val="0"/>
+            </a:spcBef>
+            <a:spcAft>
+              <a:spcPct val="35000"/>
+            </a:spcAft>
+          </a:pPr>
+          <a:r>
+            <a:rPr lang="en-SG" sz="1800" kern="1200" dirty="0"/>
+            <a:t>Promotions</a:t>
+          </a:r>
+        </a:p>
+      </dsp:txBody>
+      <dsp:txXfrm>
+        <a:off x="2807289" y="810050"/>
+        <a:ext cx="1137294" cy="568647"/>
+      </dsp:txXfrm>
+    </dsp:sp>
+    <dsp:sp modelId="{D69520B3-AEDB-41E4-BBEF-879458180013}">
+      <dsp:nvSpPr>
+        <dsp:cNvPr id="0" name=""/>
+        <dsp:cNvSpPr/>
+      </dsp:nvSpPr>
+      <dsp:spPr>
+        <a:xfrm>
+          <a:off x="4183415" y="810050"/>
+          <a:ext cx="1137294" cy="568647"/>
+        </a:xfrm>
+        <a:prstGeom prst="rect">
+          <a:avLst/>
+        </a:prstGeom>
+        <a:solidFill>
+          <a:schemeClr val="accent1">
+            <a:hueOff val="0"/>
+            <a:satOff val="0"/>
+            <a:lumOff val="0"/>
+            <a:alphaOff val="0"/>
+          </a:schemeClr>
+        </a:solidFill>
+        <a:ln w="12700" cap="flat" cmpd="sng" algn="ctr">
+          <a:solidFill>
+            <a:schemeClr val="lt1">
+              <a:hueOff val="0"/>
+              <a:satOff val="0"/>
+              <a:lumOff val="0"/>
+              <a:alphaOff val="0"/>
+            </a:schemeClr>
+          </a:solidFill>
+          <a:prstDash val="solid"/>
+          <a:miter lim="800000"/>
+        </a:ln>
+        <a:effectLst/>
+      </dsp:spPr>
+      <dsp:style>
+        <a:lnRef idx="2">
+          <a:scrgbClr r="0" g="0" b="0"/>
+        </a:lnRef>
+        <a:fillRef idx="1">
+          <a:scrgbClr r="0" g="0" b="0"/>
+        </a:fillRef>
+        <a:effectRef idx="0">
+          <a:scrgbClr r="0" g="0" b="0"/>
+        </a:effectRef>
+        <a:fontRef idx="minor">
+          <a:schemeClr val="lt1"/>
+        </a:fontRef>
+      </dsp:style>
+      <dsp:txBody>
+        <a:bodyPr spcFirstLastPara="0" vert="horz" wrap="square" lIns="11430" tIns="11430" rIns="11430" bIns="11430" numCol="1" spcCol="1270" anchor="ctr" anchorCtr="0">
+          <a:noAutofit/>
+        </a:bodyPr>
+        <a:lstStyle/>
+        <a:p>
+          <a:pPr lvl="0" algn="ctr" defTabSz="800100">
+            <a:lnSpc>
+              <a:spcPct val="90000"/>
+            </a:lnSpc>
+            <a:spcBef>
+              <a:spcPct val="0"/>
+            </a:spcBef>
+            <a:spcAft>
+              <a:spcPct val="35000"/>
+            </a:spcAft>
+          </a:pPr>
+          <a:r>
+            <a:rPr lang="en-US" sz="1800" kern="1200" dirty="0"/>
+            <a:t>Log in</a:t>
+          </a:r>
+        </a:p>
+      </dsp:txBody>
+      <dsp:txXfrm>
+        <a:off x="4183415" y="810050"/>
+        <a:ext cx="1137294" cy="568647"/>
+      </dsp:txXfrm>
+    </dsp:sp>
+    <dsp:sp modelId="{9F46D217-647D-4A2A-A6CA-CF62456BABDC}">
+      <dsp:nvSpPr>
+        <dsp:cNvPr id="0" name=""/>
+        <dsp:cNvSpPr/>
+      </dsp:nvSpPr>
+      <dsp:spPr>
+        <a:xfrm>
+          <a:off x="5559542" y="810050"/>
+          <a:ext cx="1137294" cy="568647"/>
+        </a:xfrm>
+        <a:prstGeom prst="rect">
+          <a:avLst/>
+        </a:prstGeom>
+        <a:solidFill>
+          <a:schemeClr val="accent1">
+            <a:hueOff val="0"/>
+            <a:satOff val="0"/>
+            <a:lumOff val="0"/>
+            <a:alphaOff val="0"/>
+          </a:schemeClr>
+        </a:solidFill>
+        <a:ln w="12700" cap="flat" cmpd="sng" algn="ctr">
+          <a:solidFill>
+            <a:schemeClr val="lt1">
+              <a:hueOff val="0"/>
+              <a:satOff val="0"/>
+              <a:lumOff val="0"/>
+              <a:alphaOff val="0"/>
+            </a:schemeClr>
+          </a:solidFill>
+          <a:prstDash val="solid"/>
+          <a:miter lim="800000"/>
+        </a:ln>
+        <a:effectLst/>
+      </dsp:spPr>
+      <dsp:style>
+        <a:lnRef idx="2">
+          <a:scrgbClr r="0" g="0" b="0"/>
+        </a:lnRef>
+        <a:fillRef idx="1">
+          <a:scrgbClr r="0" g="0" b="0"/>
+        </a:fillRef>
+        <a:effectRef idx="0">
+          <a:scrgbClr r="0" g="0" b="0"/>
+        </a:effectRef>
+        <a:fontRef idx="minor">
+          <a:schemeClr val="lt1"/>
+        </a:fontRef>
+      </dsp:style>
+      <dsp:txBody>
+        <a:bodyPr spcFirstLastPara="0" vert="horz" wrap="square" lIns="11430" tIns="11430" rIns="11430" bIns="11430" numCol="1" spcCol="1270" anchor="ctr" anchorCtr="0">
+          <a:noAutofit/>
+        </a:bodyPr>
+        <a:lstStyle/>
+        <a:p>
+          <a:pPr lvl="0" algn="ctr" defTabSz="800100">
+            <a:lnSpc>
+              <a:spcPct val="90000"/>
+            </a:lnSpc>
+            <a:spcBef>
+              <a:spcPct val="0"/>
+            </a:spcBef>
+            <a:spcAft>
+              <a:spcPct val="35000"/>
+            </a:spcAft>
+          </a:pPr>
+          <a:r>
+            <a:rPr lang="en-US" sz="1800" kern="1200" dirty="0" smtClean="0"/>
+            <a:t>Contact	</a:t>
+          </a:r>
+        </a:p>
+      </dsp:txBody>
+      <dsp:txXfrm>
+        <a:off x="5559542" y="810050"/>
+        <a:ext cx="1137294" cy="568647"/>
+      </dsp:txXfrm>
+    </dsp:sp>
+    <dsp:sp modelId="{3E39070D-ADD7-4C8F-B0FD-D6B5B2BDCAD8}">
+      <dsp:nvSpPr>
+        <dsp:cNvPr id="0" name=""/>
+        <dsp:cNvSpPr/>
+      </dsp:nvSpPr>
+      <dsp:spPr>
+        <a:xfrm>
+          <a:off x="6935669" y="810050"/>
+          <a:ext cx="1137294" cy="568647"/>
+        </a:xfrm>
+        <a:prstGeom prst="rect">
+          <a:avLst/>
+        </a:prstGeom>
+        <a:solidFill>
+          <a:schemeClr val="accent1">
+            <a:hueOff val="0"/>
+            <a:satOff val="0"/>
+            <a:lumOff val="0"/>
+            <a:alphaOff val="0"/>
+          </a:schemeClr>
+        </a:solidFill>
+        <a:ln w="12700" cap="flat" cmpd="sng" algn="ctr">
+          <a:solidFill>
+            <a:schemeClr val="lt1">
+              <a:hueOff val="0"/>
+              <a:satOff val="0"/>
+              <a:lumOff val="0"/>
+              <a:alphaOff val="0"/>
+            </a:schemeClr>
+          </a:solidFill>
+          <a:prstDash val="solid"/>
+          <a:miter lim="800000"/>
+        </a:ln>
+        <a:effectLst/>
+      </dsp:spPr>
+      <dsp:style>
+        <a:lnRef idx="2">
+          <a:scrgbClr r="0" g="0" b="0"/>
+        </a:lnRef>
+        <a:fillRef idx="1">
+          <a:scrgbClr r="0" g="0" b="0"/>
+        </a:fillRef>
+        <a:effectRef idx="0">
+          <a:scrgbClr r="0" g="0" b="0"/>
+        </a:effectRef>
+        <a:fontRef idx="minor">
+          <a:schemeClr val="lt1"/>
+        </a:fontRef>
+      </dsp:style>
+      <dsp:txBody>
+        <a:bodyPr spcFirstLastPara="0" vert="horz" wrap="square" lIns="11430" tIns="11430" rIns="11430" bIns="11430" numCol="1" spcCol="1270" anchor="ctr" anchorCtr="0">
+          <a:noAutofit/>
+        </a:bodyPr>
+        <a:lstStyle/>
+        <a:p>
+          <a:pPr lvl="0" algn="ctr" defTabSz="800100">
+            <a:lnSpc>
+              <a:spcPct val="90000"/>
+            </a:lnSpc>
+            <a:spcBef>
+              <a:spcPct val="0"/>
+            </a:spcBef>
+            <a:spcAft>
+              <a:spcPct val="35000"/>
+            </a:spcAft>
+          </a:pPr>
+          <a:r>
+            <a:rPr lang="en-SG" sz="1800" kern="1200" dirty="0" smtClean="0"/>
+            <a:t>Register</a:t>
+          </a:r>
+          <a:endParaRPr lang="en-SG" sz="1800" kern="1200" dirty="0"/>
+        </a:p>
+      </dsp:txBody>
+      <dsp:txXfrm>
+        <a:off x="6935669" y="810050"/>
+        <a:ext cx="1137294" cy="568647"/>
+      </dsp:txXfrm>
+    </dsp:sp>
+  </dsp:spTree>
+</dsp:drawing>
+</file>
+
+<file path=ppt/diagrams/drawing3.xml><?xml version="1.0" encoding="utf-8"?>
 <dsp:drawing xmlns:dgm="http://schemas.openxmlformats.org/drawingml/2006/diagram" xmlns:dsp="http://schemas.microsoft.com/office/drawing/2008/diagram" xmlns:a="http://schemas.openxmlformats.org/drawingml/2006/main">
   <dsp:spTree>
     <dsp:nvGrpSpPr>
@@ -8958,6 +13288,1152 @@
 </dgm:layoutDef>
 </file>
 
+<file path=ppt/diagrams/layout3.xml><?xml version="1.0" encoding="utf-8"?>
+<dgm:layoutDef xmlns:dgm="http://schemas.openxmlformats.org/drawingml/2006/diagram" xmlns:a="http://schemas.openxmlformats.org/drawingml/2006/main" uniqueId="urn:microsoft.com/office/officeart/2005/8/layout/orgChart1">
+  <dgm:title val=""/>
+  <dgm:desc val=""/>
+  <dgm:catLst>
+    <dgm:cat type="hierarchy" pri="1000"/>
+    <dgm:cat type="convert" pri="6000"/>
+  </dgm:catLst>
+  <dgm:sampData>
+    <dgm:dataModel>
+      <dgm:ptLst>
+        <dgm:pt modelId="0" type="doc"/>
+        <dgm:pt modelId="1">
+          <dgm:prSet phldr="1"/>
+        </dgm:pt>
+        <dgm:pt modelId="2" type="asst">
+          <dgm:prSet phldr="1"/>
+        </dgm:pt>
+        <dgm:pt modelId="3">
+          <dgm:prSet phldr="1"/>
+        </dgm:pt>
+        <dgm:pt modelId="4">
+          <dgm:prSet phldr="1"/>
+        </dgm:pt>
+        <dgm:pt modelId="5">
+          <dgm:prSet phldr="1"/>
+        </dgm:pt>
+      </dgm:ptLst>
+      <dgm:cxnLst>
+        <dgm:cxn modelId="5" srcId="0" destId="1" srcOrd="0" destOrd="0"/>
+        <dgm:cxn modelId="6" srcId="1" destId="2" srcOrd="0" destOrd="0"/>
+        <dgm:cxn modelId="7" srcId="1" destId="3" srcOrd="1" destOrd="0"/>
+        <dgm:cxn modelId="8" srcId="1" destId="4" srcOrd="2" destOrd="0"/>
+        <dgm:cxn modelId="9" srcId="1" destId="5" srcOrd="3" destOrd="0"/>
+      </dgm:cxnLst>
+      <dgm:bg/>
+      <dgm:whole/>
+    </dgm:dataModel>
+  </dgm:sampData>
+  <dgm:styleData>
+    <dgm:dataModel>
+      <dgm:ptLst>
+        <dgm:pt modelId="0" type="doc"/>
+        <dgm:pt modelId="1"/>
+        <dgm:pt modelId="12"/>
+        <dgm:pt modelId="13"/>
+      </dgm:ptLst>
+      <dgm:cxnLst>
+        <dgm:cxn modelId="2" srcId="0" destId="1" srcOrd="0" destOrd="0"/>
+        <dgm:cxn modelId="16" srcId="1" destId="12" srcOrd="1" destOrd="0"/>
+        <dgm:cxn modelId="17" srcId="1" destId="13" srcOrd="2" destOrd="0"/>
+      </dgm:cxnLst>
+      <dgm:bg/>
+      <dgm:whole/>
+    </dgm:dataModel>
+  </dgm:styleData>
+  <dgm:clrData>
+    <dgm:dataModel>
+      <dgm:ptLst>
+        <dgm:pt modelId="0" type="doc"/>
+        <dgm:pt modelId="1"/>
+        <dgm:pt modelId="11" type="asst"/>
+        <dgm:pt modelId="12"/>
+        <dgm:pt modelId="13"/>
+        <dgm:pt modelId="14"/>
+      </dgm:ptLst>
+      <dgm:cxnLst>
+        <dgm:cxn modelId="2" srcId="0" destId="1" srcOrd="0" destOrd="0"/>
+        <dgm:cxn modelId="15" srcId="1" destId="11" srcOrd="0" destOrd="0"/>
+        <dgm:cxn modelId="16" srcId="1" destId="12" srcOrd="1" destOrd="0"/>
+        <dgm:cxn modelId="17" srcId="1" destId="13" srcOrd="2" destOrd="0"/>
+        <dgm:cxn modelId="18" srcId="1" destId="14" srcOrd="2" destOrd="0"/>
+      </dgm:cxnLst>
+      <dgm:bg/>
+      <dgm:whole/>
+    </dgm:dataModel>
+  </dgm:clrData>
+  <dgm:layoutNode name="hierChild1">
+    <dgm:varLst>
+      <dgm:orgChart val="1"/>
+      <dgm:chPref val="1"/>
+      <dgm:dir/>
+      <dgm:animOne val="branch"/>
+      <dgm:animLvl val="lvl"/>
+      <dgm:resizeHandles/>
+    </dgm:varLst>
+    <dgm:choose name="Name0">
+      <dgm:if name="Name1" func="var" arg="dir" op="equ" val="norm">
+        <dgm:alg type="hierChild">
+          <dgm:param type="linDir" val="fromL"/>
+        </dgm:alg>
+      </dgm:if>
+      <dgm:else name="Name2">
+        <dgm:alg type="hierChild">
+          <dgm:param type="linDir" val="fromR"/>
+        </dgm:alg>
+      </dgm:else>
+    </dgm:choose>
+    <dgm:shape xmlns:r="http://schemas.openxmlformats.org/officeDocument/2006/relationships" r:blip="">
+      <dgm:adjLst/>
+    </dgm:shape>
+    <dgm:presOf/>
+    <dgm:constrLst>
+      <dgm:constr type="w" for="des" forName="rootComposite1" refType="w" fact="10"/>
+      <dgm:constr type="h" for="des" forName="rootComposite1" refType="w" refFor="des" refForName="rootComposite1" fact="0.5"/>
+      <dgm:constr type="w" for="des" forName="rootComposite" refType="w" fact="10"/>
+      <dgm:constr type="h" for="des" forName="rootComposite" refType="w" refFor="des" refForName="rootComposite1" fact="0.5"/>
+      <dgm:constr type="w" for="des" forName="rootComposite3" refType="w" fact="10"/>
+      <dgm:constr type="h" for="des" forName="rootComposite3" refType="w" refFor="des" refForName="rootComposite1" fact="0.5"/>
+      <dgm:constr type="primFontSz" for="des" ptType="node" op="equ"/>
+      <dgm:constr type="sp" for="des" op="equ"/>
+      <dgm:constr type="sp" for="des" forName="hierRoot1" refType="w" refFor="des" refForName="rootComposite1" fact="0.21"/>
+      <dgm:constr type="sp" for="des" forName="hierRoot2" refType="sp" refFor="des" refForName="hierRoot1"/>
+      <dgm:constr type="sp" for="des" forName="hierRoot3" refType="sp" refFor="des" refForName="hierRoot1"/>
+      <dgm:constr type="sibSp" refType="w" refFor="des" refForName="rootComposite1" fact="0.21"/>
+      <dgm:constr type="sibSp" for="des" forName="hierChild2" refType="sibSp"/>
+      <dgm:constr type="sibSp" for="des" forName="hierChild3" refType="sibSp"/>
+      <dgm:constr type="sibSp" for="des" forName="hierChild4" refType="sibSp"/>
+      <dgm:constr type="sibSp" for="des" forName="hierChild5" refType="sibSp"/>
+      <dgm:constr type="sibSp" for="des" forName="hierChild6" refType="sibSp"/>
+      <dgm:constr type="sibSp" for="des" forName="hierChild7" refType="sibSp"/>
+      <dgm:constr type="secSibSp" refType="w" refFor="des" refForName="rootComposite1" fact="0.21"/>
+      <dgm:constr type="secSibSp" for="des" forName="hierChild2" refType="secSibSp"/>
+      <dgm:constr type="secSibSp" for="des" forName="hierChild3" refType="secSibSp"/>
+      <dgm:constr type="secSibSp" for="des" forName="hierChild4" refType="secSibSp"/>
+      <dgm:constr type="secSibSp" for="des" forName="hierChild5" refType="secSibSp"/>
+      <dgm:constr type="secSibSp" for="des" forName="hierChild6" refType="secSibSp"/>
+      <dgm:constr type="secSibSp" for="des" forName="hierChild7" refType="secSibSp"/>
+    </dgm:constrLst>
+    <dgm:ruleLst/>
+    <dgm:forEach name="Name3" axis="ch">
+      <dgm:forEach name="Name4" axis="self" ptType="node">
+        <dgm:layoutNode name="hierRoot1">
+          <dgm:varLst>
+            <dgm:hierBranch val="init"/>
+          </dgm:varLst>
+          <dgm:choose name="Name5">
+            <dgm:if name="Name6" func="var" arg="hierBranch" op="equ" val="l">
+              <dgm:choose name="Name7">
+                <dgm:if name="Name8" axis="ch" ptType="asst" func="cnt" op="gte" val="1">
+                  <dgm:alg type="hierRoot">
+                    <dgm:param type="hierAlign" val="tR"/>
+                  </dgm:alg>
+                  <dgm:constrLst>
+                    <dgm:constr type="alignOff" val="0.65"/>
+                  </dgm:constrLst>
+                </dgm:if>
+                <dgm:else name="Name9">
+                  <dgm:alg type="hierRoot">
+                    <dgm:param type="hierAlign" val="tR"/>
+                  </dgm:alg>
+                  <dgm:constrLst>
+                    <dgm:constr type="alignOff" val="0.25"/>
+                  </dgm:constrLst>
+                </dgm:else>
+              </dgm:choose>
+            </dgm:if>
+            <dgm:if name="Name10" func="var" arg="hierBranch" op="equ" val="r">
+              <dgm:choose name="Name11">
+                <dgm:if name="Name12" axis="ch" ptType="asst" func="cnt" op="gte" val="1">
+                  <dgm:alg type="hierRoot">
+                    <dgm:param type="hierAlign" val="tL"/>
+                  </dgm:alg>
+                  <dgm:constrLst>
+                    <dgm:constr type="alignOff" val="0.65"/>
+                  </dgm:constrLst>
+                </dgm:if>
+                <dgm:else name="Name13">
+                  <dgm:alg type="hierRoot">
+                    <dgm:param type="hierAlign" val="tL"/>
+                  </dgm:alg>
+                  <dgm:constrLst>
+                    <dgm:constr type="alignOff" val="0.25"/>
+                  </dgm:constrLst>
+                </dgm:else>
+              </dgm:choose>
+            </dgm:if>
+            <dgm:if name="Name14" func="var" arg="hierBranch" op="equ" val="hang">
+              <dgm:alg type="hierRoot"/>
+              <dgm:constrLst>
+                <dgm:constr type="alignOff" val="0.65"/>
+              </dgm:constrLst>
+            </dgm:if>
+            <dgm:else name="Name15">
+              <dgm:alg type="hierRoot"/>
+              <dgm:constrLst>
+                <dgm:constr type="alignOff"/>
+                <dgm:constr type="bendDist" for="des" ptType="parTrans" refType="sp" fact="0.5"/>
+              </dgm:constrLst>
+            </dgm:else>
+          </dgm:choose>
+          <dgm:shape xmlns:r="http://schemas.openxmlformats.org/officeDocument/2006/relationships" r:blip="">
+            <dgm:adjLst/>
+          </dgm:shape>
+          <dgm:presOf/>
+          <dgm:ruleLst/>
+          <dgm:layoutNode name="rootComposite1">
+            <dgm:alg type="composite"/>
+            <dgm:shape xmlns:r="http://schemas.openxmlformats.org/officeDocument/2006/relationships" r:blip="">
+              <dgm:adjLst/>
+            </dgm:shape>
+            <dgm:presOf axis="self" ptType="node" cnt="1"/>
+            <dgm:choose name="Name16">
+              <dgm:if name="Name17" func="var" arg="hierBranch" op="equ" val="init">
+                <dgm:constrLst>
+                  <dgm:constr type="l" for="ch" forName="rootText1"/>
+                  <dgm:constr type="t" for="ch" forName="rootText1"/>
+                  <dgm:constr type="w" for="ch" forName="rootText1" refType="w"/>
+                  <dgm:constr type="h" for="ch" forName="rootText1" refType="h"/>
+                  <dgm:constr type="l" for="ch" forName="rootConnector1"/>
+                  <dgm:constr type="t" for="ch" forName="rootConnector1"/>
+                  <dgm:constr type="w" for="ch" forName="rootConnector1" refType="w" refFor="ch" refForName="rootText1" fact="0.2"/>
+                  <dgm:constr type="h" for="ch" forName="rootConnector1" refType="h" refFor="ch" refForName="rootText1"/>
+                </dgm:constrLst>
+              </dgm:if>
+              <dgm:if name="Name18" func="var" arg="hierBranch" op="equ" val="l">
+                <dgm:constrLst>
+                  <dgm:constr type="l" for="ch" forName="rootText1"/>
+                  <dgm:constr type="t" for="ch" forName="rootText1"/>
+                  <dgm:constr type="w" for="ch" forName="rootText1" refType="w"/>
+                  <dgm:constr type="h" for="ch" forName="rootText1" refType="h"/>
+                  <dgm:constr type="r" for="ch" forName="rootConnector1" refType="w"/>
+                  <dgm:constr type="t" for="ch" forName="rootConnector1"/>
+                  <dgm:constr type="w" for="ch" forName="rootConnector1" refType="w" refFor="ch" refForName="rootText1" fact="0.2"/>
+                  <dgm:constr type="h" for="ch" forName="rootConnector1" refType="h" refFor="ch" refForName="rootText1"/>
+                </dgm:constrLst>
+              </dgm:if>
+              <dgm:if name="Name19" func="var" arg="hierBranch" op="equ" val="r">
+                <dgm:constrLst>
+                  <dgm:constr type="l" for="ch" forName="rootText1"/>
+                  <dgm:constr type="t" for="ch" forName="rootText1"/>
+                  <dgm:constr type="w" for="ch" forName="rootText1" refType="w"/>
+                  <dgm:constr type="h" for="ch" forName="rootText1" refType="h"/>
+                  <dgm:constr type="l" for="ch" forName="rootConnector1"/>
+                  <dgm:constr type="t" for="ch" forName="rootConnector1"/>
+                  <dgm:constr type="w" for="ch" forName="rootConnector1" refType="w" refFor="ch" refForName="rootText1" fact="0.2"/>
+                  <dgm:constr type="h" for="ch" forName="rootConnector1" refType="h" refFor="ch" refForName="rootText1"/>
+                </dgm:constrLst>
+              </dgm:if>
+              <dgm:else name="Name20">
+                <dgm:constrLst>
+                  <dgm:constr type="l" for="ch" forName="rootText1"/>
+                  <dgm:constr type="t" for="ch" forName="rootText1"/>
+                  <dgm:constr type="w" for="ch" forName="rootText1" refType="w"/>
+                  <dgm:constr type="h" for="ch" forName="rootText1" refType="h"/>
+                  <dgm:constr type="r" for="ch" forName="rootConnector1" refType="w"/>
+                  <dgm:constr type="t" for="ch" forName="rootConnector1"/>
+                  <dgm:constr type="w" for="ch" forName="rootConnector1" refType="w" refFor="ch" refForName="rootText1" fact="0.2"/>
+                  <dgm:constr type="h" for="ch" forName="rootConnector1" refType="h" refFor="ch" refForName="rootText1"/>
+                </dgm:constrLst>
+              </dgm:else>
+            </dgm:choose>
+            <dgm:ruleLst/>
+            <dgm:layoutNode name="rootText1" styleLbl="node0">
+              <dgm:varLst>
+                <dgm:chPref val="3"/>
+              </dgm:varLst>
+              <dgm:alg type="tx"/>
+              <dgm:shape xmlns:r="http://schemas.openxmlformats.org/officeDocument/2006/relationships" type="rect" r:blip="">
+                <dgm:adjLst/>
+              </dgm:shape>
+              <dgm:presOf axis="self" ptType="node" cnt="1"/>
+              <dgm:constrLst>
+                <dgm:constr type="primFontSz" val="65"/>
+                <dgm:constr type="lMarg" refType="primFontSz" fact="0.05"/>
+                <dgm:constr type="rMarg" refType="primFontSz" fact="0.05"/>
+                <dgm:constr type="tMarg" refType="primFontSz" fact="0.05"/>
+                <dgm:constr type="bMarg" refType="primFontSz" fact="0.05"/>
+              </dgm:constrLst>
+              <dgm:ruleLst>
+                <dgm:rule type="primFontSz" val="5" fact="NaN" max="NaN"/>
+              </dgm:ruleLst>
+            </dgm:layoutNode>
+            <dgm:layoutNode name="rootConnector1" moveWith="rootText1">
+              <dgm:alg type="sp"/>
+              <dgm:shape xmlns:r="http://schemas.openxmlformats.org/officeDocument/2006/relationships" type="rect" r:blip="" hideGeom="1">
+                <dgm:adjLst/>
+              </dgm:shape>
+              <dgm:presOf axis="self" ptType="node" cnt="1"/>
+              <dgm:constrLst/>
+              <dgm:ruleLst/>
+            </dgm:layoutNode>
+          </dgm:layoutNode>
+          <dgm:layoutNode name="hierChild2">
+            <dgm:choose name="Name21">
+              <dgm:if name="Name22" func="var" arg="hierBranch" op="equ" val="l">
+                <dgm:alg type="hierChild">
+                  <dgm:param type="chAlign" val="r"/>
+                  <dgm:param type="linDir" val="fromT"/>
+                </dgm:alg>
+              </dgm:if>
+              <dgm:if name="Name23" func="var" arg="hierBranch" op="equ" val="r">
+                <dgm:alg type="hierChild">
+                  <dgm:param type="chAlign" val="l"/>
+                  <dgm:param type="linDir" val="fromT"/>
+                </dgm:alg>
+              </dgm:if>
+              <dgm:if name="Name24" func="var" arg="hierBranch" op="equ" val="hang">
+                <dgm:choose name="Name25">
+                  <dgm:if name="Name26" func="var" arg="dir" op="equ" val="norm">
+                    <dgm:alg type="hierChild">
+                      <dgm:param type="chAlign" val="l"/>
+                      <dgm:param type="linDir" val="fromL"/>
+                      <dgm:param type="secChAlign" val="t"/>
+                      <dgm:param type="secLinDir" val="fromT"/>
+                    </dgm:alg>
+                  </dgm:if>
+                  <dgm:else name="Name27">
+                    <dgm:alg type="hierChild">
+                      <dgm:param type="chAlign" val="l"/>
+                      <dgm:param type="linDir" val="fromR"/>
+                      <dgm:param type="secChAlign" val="t"/>
+                      <dgm:param type="secLinDir" val="fromT"/>
+                    </dgm:alg>
+                  </dgm:else>
+                </dgm:choose>
+              </dgm:if>
+              <dgm:else name="Name28">
+                <dgm:choose name="Name29">
+                  <dgm:if name="Name30" func="var" arg="dir" op="equ" val="norm">
+                    <dgm:alg type="hierChild"/>
+                  </dgm:if>
+                  <dgm:else name="Name31">
+                    <dgm:alg type="hierChild">
+                      <dgm:param type="linDir" val="fromR"/>
+                    </dgm:alg>
+                  </dgm:else>
+                </dgm:choose>
+              </dgm:else>
+            </dgm:choose>
+            <dgm:shape xmlns:r="http://schemas.openxmlformats.org/officeDocument/2006/relationships" r:blip="">
+              <dgm:adjLst/>
+            </dgm:shape>
+            <dgm:presOf/>
+            <dgm:constrLst/>
+            <dgm:ruleLst/>
+            <dgm:forEach name="rep2a" axis="ch" ptType="nonAsst">
+              <dgm:forEach name="Name32" axis="precedSib" ptType="parTrans" st="-1" cnt="1">
+                <dgm:choose name="Name33">
+                  <dgm:if name="Name34" func="var" arg="hierBranch" op="equ" val="std">
+                    <dgm:layoutNode name="Name35">
+                      <dgm:alg type="conn">
+                        <dgm:param type="connRout" val="bend"/>
+                        <dgm:param type="dim" val="1D"/>
+                        <dgm:param type="endSty" val="noArr"/>
+                        <dgm:param type="begPts" val="bCtr"/>
+                        <dgm:param type="endPts" val="tCtr"/>
+                        <dgm:param type="bendPt" val="end"/>
+                      </dgm:alg>
+                      <dgm:shape xmlns:r="http://schemas.openxmlformats.org/officeDocument/2006/relationships" type="conn" r:blip="" zOrderOff="-99999">
+                        <dgm:adjLst/>
+                      </dgm:shape>
+                      <dgm:presOf axis="self"/>
+                      <dgm:constrLst>
+                        <dgm:constr type="begPad"/>
+                        <dgm:constr type="endPad"/>
+                      </dgm:constrLst>
+                      <dgm:ruleLst/>
+                    </dgm:layoutNode>
+                  </dgm:if>
+                  <dgm:if name="Name36" func="var" arg="hierBranch" op="equ" val="init">
+                    <dgm:layoutNode name="Name37">
+                      <dgm:choose name="Name38">
+                        <dgm:if name="Name39" axis="self" func="depth" op="lte" val="2">
+                          <dgm:alg type="conn">
+                            <dgm:param type="connRout" val="bend"/>
+                            <dgm:param type="dim" val="1D"/>
+                            <dgm:param type="endSty" val="noArr"/>
+                            <dgm:param type="begPts" val="bCtr"/>
+                            <dgm:param type="endPts" val="tCtr"/>
+                            <dgm:param type="bendPt" val="end"/>
+                          </dgm:alg>
+                        </dgm:if>
+                        <dgm:else name="Name40">
+                          <dgm:choose name="Name41">
+                            <dgm:if name="Name42" axis="par des" func="maxDepth" op="lte" val="1">
+                              <dgm:choose name="Name43">
+                                <dgm:if name="Name44" axis="par ch" ptType="node asst" func="cnt" op="gte" val="1">
+                                  <dgm:alg type="conn">
+                                    <dgm:param type="connRout" val="bend"/>
+                                    <dgm:param type="dim" val="1D"/>
+                                    <dgm:param type="endSty" val="noArr"/>
+                                    <dgm:param type="begPts" val="bCtr"/>
+                                    <dgm:param type="endPts" val="midL midR"/>
+                                  </dgm:alg>
+                                </dgm:if>
+                                <dgm:else name="Name45">
+                                  <dgm:alg type="conn">
+                                    <dgm:param type="connRout" val="bend"/>
+                                    <dgm:param type="dim" val="1D"/>
+                                    <dgm:param type="endSty" val="noArr"/>
+                                    <dgm:param type="begPts" val="bCtr"/>
+                                    <dgm:param type="endPts" val="midL midR"/>
+                                    <dgm:param type="srcNode" val="rootConnector"/>
+                                  </dgm:alg>
+                                </dgm:else>
+                              </dgm:choose>
+                            </dgm:if>
+                            <dgm:else name="Name46">
+                              <dgm:alg type="conn">
+                                <dgm:param type="connRout" val="bend"/>
+                                <dgm:param type="dim" val="1D"/>
+                                <dgm:param type="endSty" val="noArr"/>
+                                <dgm:param type="begPts" val="bCtr"/>
+                                <dgm:param type="endPts" val="tCtr"/>
+                                <dgm:param type="bendPt" val="end"/>
+                              </dgm:alg>
+                            </dgm:else>
+                          </dgm:choose>
+                        </dgm:else>
+                      </dgm:choose>
+                      <dgm:shape xmlns:r="http://schemas.openxmlformats.org/officeDocument/2006/relationships" type="conn" r:blip="" zOrderOff="-99999">
+                        <dgm:adjLst/>
+                      </dgm:shape>
+                      <dgm:presOf axis="self"/>
+                      <dgm:constrLst>
+                        <dgm:constr type="begPad"/>
+                        <dgm:constr type="endPad"/>
+                      </dgm:constrLst>
+                      <dgm:ruleLst/>
+                    </dgm:layoutNode>
+                  </dgm:if>
+                  <dgm:if name="Name47" func="var" arg="hierBranch" op="equ" val="hang">
+                    <dgm:layoutNode name="Name48">
+                      <dgm:alg type="conn">
+                        <dgm:param type="connRout" val="bend"/>
+                        <dgm:param type="dim" val="1D"/>
+                        <dgm:param type="endSty" val="noArr"/>
+                        <dgm:param type="begPts" val="bCtr"/>
+                        <dgm:param type="endPts" val="midL midR"/>
+                      </dgm:alg>
+                      <dgm:shape xmlns:r="http://schemas.openxmlformats.org/officeDocument/2006/relationships" type="conn" r:blip="" zOrderOff="-99999">
+                        <dgm:adjLst/>
+                      </dgm:shape>
+                      <dgm:presOf axis="self"/>
+                      <dgm:constrLst>
+                        <dgm:constr type="begPad"/>
+                        <dgm:constr type="endPad"/>
+                      </dgm:constrLst>
+                      <dgm:ruleLst/>
+                    </dgm:layoutNode>
+                  </dgm:if>
+                  <dgm:else name="Name49">
+                    <dgm:layoutNode name="Name50">
+                      <dgm:choose name="Name51">
+                        <dgm:if name="Name52" axis="self" func="depth" op="lte" val="2">
+                          <dgm:choose name="Name53">
+                            <dgm:if name="Name54" axis="par ch" ptType="node asst" func="cnt" op="gte" val="1">
+                              <dgm:alg type="conn">
+                                <dgm:param type="connRout" val="bend"/>
+                                <dgm:param type="dim" val="1D"/>
+                                <dgm:param type="endSty" val="noArr"/>
+                                <dgm:param type="begPts" val="bCtr"/>
+                                <dgm:param type="endPts" val="midL midR"/>
+                              </dgm:alg>
+                            </dgm:if>
+                            <dgm:else name="Name55">
+                              <dgm:alg type="conn">
+                                <dgm:param type="connRout" val="bend"/>
+                                <dgm:param type="dim" val="1D"/>
+                                <dgm:param type="endSty" val="noArr"/>
+                                <dgm:param type="begPts" val="bCtr"/>
+                                <dgm:param type="endPts" val="midL midR"/>
+                                <dgm:param type="srcNode" val="rootConnector1"/>
+                              </dgm:alg>
+                            </dgm:else>
+                          </dgm:choose>
+                        </dgm:if>
+                        <dgm:else name="Name56">
+                          <dgm:choose name="Name57">
+                            <dgm:if name="Name58" axis="par ch" ptType="node asst" func="cnt" op="gte" val="1">
+                              <dgm:alg type="conn">
+                                <dgm:param type="connRout" val="bend"/>
+                                <dgm:param type="dim" val="1D"/>
+                                <dgm:param type="endSty" val="noArr"/>
+                                <dgm:param type="begPts" val="bCtr"/>
+                                <dgm:param type="endPts" val="midL midR"/>
+                              </dgm:alg>
+                            </dgm:if>
+                            <dgm:else name="Name59">
+                              <dgm:alg type="conn">
+                                <dgm:param type="connRout" val="bend"/>
+                                <dgm:param type="dim" val="1D"/>
+                                <dgm:param type="endSty" val="noArr"/>
+                                <dgm:param type="begPts" val="bCtr"/>
+                                <dgm:param type="endPts" val="midL midR"/>
+                                <dgm:param type="srcNode" val="rootConnector"/>
+                              </dgm:alg>
+                            </dgm:else>
+                          </dgm:choose>
+                        </dgm:else>
+                      </dgm:choose>
+                      <dgm:shape xmlns:r="http://schemas.openxmlformats.org/officeDocument/2006/relationships" type="conn" r:blip="" zOrderOff="-99999">
+                        <dgm:adjLst/>
+                      </dgm:shape>
+                      <dgm:presOf axis="self"/>
+                      <dgm:constrLst>
+                        <dgm:constr type="begPad"/>
+                        <dgm:constr type="endPad"/>
+                      </dgm:constrLst>
+                      <dgm:ruleLst/>
+                    </dgm:layoutNode>
+                  </dgm:else>
+                </dgm:choose>
+              </dgm:forEach>
+              <dgm:layoutNode name="hierRoot2">
+                <dgm:varLst>
+                  <dgm:hierBranch val="init"/>
+                </dgm:varLst>
+                <dgm:choose name="Name60">
+                  <dgm:if name="Name61" func="var" arg="hierBranch" op="equ" val="l">
+                    <dgm:choose name="Name62">
+                      <dgm:if name="Name63" axis="ch" ptType="asst" func="cnt" op="gte" val="1">
+                        <dgm:alg type="hierRoot">
+                          <dgm:param type="hierAlign" val="tR"/>
+                        </dgm:alg>
+                        <dgm:shape xmlns:r="http://schemas.openxmlformats.org/officeDocument/2006/relationships" r:blip="">
+                          <dgm:adjLst/>
+                        </dgm:shape>
+                        <dgm:presOf/>
+                        <dgm:constrLst>
+                          <dgm:constr type="alignOff" val="0.65"/>
+                        </dgm:constrLst>
+                      </dgm:if>
+                      <dgm:else name="Name64">
+                        <dgm:alg type="hierRoot">
+                          <dgm:param type="hierAlign" val="tR"/>
+                        </dgm:alg>
+                        <dgm:shape xmlns:r="http://schemas.openxmlformats.org/officeDocument/2006/relationships" r:blip="">
+                          <dgm:adjLst/>
+                        </dgm:shape>
+                        <dgm:presOf/>
+                        <dgm:constrLst>
+                          <dgm:constr type="alignOff" val="0.25"/>
+                        </dgm:constrLst>
+                      </dgm:else>
+                    </dgm:choose>
+                  </dgm:if>
+                  <dgm:if name="Name65" func="var" arg="hierBranch" op="equ" val="r">
+                    <dgm:choose name="Name66">
+                      <dgm:if name="Name67" axis="ch" ptType="asst" func="cnt" op="gte" val="1">
+                        <dgm:alg type="hierRoot">
+                          <dgm:param type="hierAlign" val="tL"/>
+                        </dgm:alg>
+                        <dgm:shape xmlns:r="http://schemas.openxmlformats.org/officeDocument/2006/relationships" r:blip="">
+                          <dgm:adjLst/>
+                        </dgm:shape>
+                        <dgm:presOf/>
+                        <dgm:constrLst>
+                          <dgm:constr type="alignOff" val="0.65"/>
+                        </dgm:constrLst>
+                      </dgm:if>
+                      <dgm:else name="Name68">
+                        <dgm:alg type="hierRoot">
+                          <dgm:param type="hierAlign" val="tL"/>
+                        </dgm:alg>
+                        <dgm:shape xmlns:r="http://schemas.openxmlformats.org/officeDocument/2006/relationships" r:blip="">
+                          <dgm:adjLst/>
+                        </dgm:shape>
+                        <dgm:presOf/>
+                        <dgm:constrLst>
+                          <dgm:constr type="alignOff" val="0.25"/>
+                        </dgm:constrLst>
+                      </dgm:else>
+                    </dgm:choose>
+                  </dgm:if>
+                  <dgm:if name="Name69" func="var" arg="hierBranch" op="equ" val="std">
+                    <dgm:alg type="hierRoot"/>
+                    <dgm:shape xmlns:r="http://schemas.openxmlformats.org/officeDocument/2006/relationships" r:blip="">
+                      <dgm:adjLst/>
+                    </dgm:shape>
+                    <dgm:presOf/>
+                    <dgm:constrLst>
+                      <dgm:constr type="alignOff"/>
+                      <dgm:constr type="bendDist" for="des" ptType="parTrans" refType="sp" fact="0.5"/>
+                    </dgm:constrLst>
+                  </dgm:if>
+                  <dgm:if name="Name70" func="var" arg="hierBranch" op="equ" val="init">
+                    <dgm:choose name="Name71">
+                      <dgm:if name="Name72" axis="des" func="maxDepth" op="lte" val="1">
+                        <dgm:choose name="Name73">
+                          <dgm:if name="Name74" axis="ch" ptType="asst" func="cnt" op="gte" val="1">
+                            <dgm:alg type="hierRoot">
+                              <dgm:param type="hierAlign" val="tL"/>
+                            </dgm:alg>
+                            <dgm:shape xmlns:r="http://schemas.openxmlformats.org/officeDocument/2006/relationships" r:blip="">
+                              <dgm:adjLst/>
+                            </dgm:shape>
+                            <dgm:presOf/>
+                            <dgm:constrLst>
+                              <dgm:constr type="alignOff" val="0.65"/>
+                            </dgm:constrLst>
+                          </dgm:if>
+                          <dgm:else name="Name75">
+                            <dgm:alg type="hierRoot">
+                              <dgm:param type="hierAlign" val="tL"/>
+                            </dgm:alg>
+                            <dgm:shape xmlns:r="http://schemas.openxmlformats.org/officeDocument/2006/relationships" r:blip="">
+                              <dgm:adjLst/>
+                            </dgm:shape>
+                            <dgm:presOf/>
+                            <dgm:constrLst>
+                              <dgm:constr type="alignOff" val="0.25"/>
+                            </dgm:constrLst>
+                          </dgm:else>
+                        </dgm:choose>
+                      </dgm:if>
+                      <dgm:else name="Name76">
+                        <dgm:alg type="hierRoot"/>
+                        <dgm:shape xmlns:r="http://schemas.openxmlformats.org/officeDocument/2006/relationships" r:blip="">
+                          <dgm:adjLst/>
+                        </dgm:shape>
+                        <dgm:presOf/>
+                        <dgm:constrLst>
+                          <dgm:constr type="alignOff"/>
+                          <dgm:constr type="bendDist" for="des" ptType="parTrans" refType="sp" fact="0.5"/>
+                        </dgm:constrLst>
+                      </dgm:else>
+                    </dgm:choose>
+                  </dgm:if>
+                  <dgm:else name="Name77">
+                    <dgm:alg type="hierRoot"/>
+                    <dgm:shape xmlns:r="http://schemas.openxmlformats.org/officeDocument/2006/relationships" r:blip="">
+                      <dgm:adjLst/>
+                    </dgm:shape>
+                    <dgm:presOf/>
+                    <dgm:constrLst>
+                      <dgm:constr type="alignOff" val="0.65"/>
+                    </dgm:constrLst>
+                  </dgm:else>
+                </dgm:choose>
+                <dgm:ruleLst/>
+                <dgm:layoutNode name="rootComposite">
+                  <dgm:alg type="composite"/>
+                  <dgm:shape xmlns:r="http://schemas.openxmlformats.org/officeDocument/2006/relationships" r:blip="">
+                    <dgm:adjLst/>
+                  </dgm:shape>
+                  <dgm:presOf axis="self" ptType="node" cnt="1"/>
+                  <dgm:choose name="Name78">
+                    <dgm:if name="Name79" func="var" arg="hierBranch" op="equ" val="init">
+                      <dgm:constrLst>
+                        <dgm:constr type="l" for="ch" forName="rootText"/>
+                        <dgm:constr type="t" for="ch" forName="rootText"/>
+                        <dgm:constr type="w" for="ch" forName="rootText" refType="w"/>
+                        <dgm:constr type="h" for="ch" forName="rootText" refType="h"/>
+                        <dgm:constr type="l" for="ch" forName="rootConnector"/>
+                        <dgm:constr type="t" for="ch" forName="rootConnector"/>
+                        <dgm:constr type="w" for="ch" forName="rootConnector" refType="w" refFor="ch" refForName="rootText" fact="0.2"/>
+                        <dgm:constr type="h" for="ch" forName="rootConnector" refType="h" refFor="ch" refForName="rootText"/>
+                      </dgm:constrLst>
+                    </dgm:if>
+                    <dgm:if name="Name80" func="var" arg="hierBranch" op="equ" val="l">
+                      <dgm:constrLst>
+                        <dgm:constr type="l" for="ch" forName="rootText"/>
+                        <dgm:constr type="t" for="ch" forName="rootText"/>
+                        <dgm:constr type="w" for="ch" forName="rootText" refType="w"/>
+                        <dgm:constr type="h" for="ch" forName="rootText" refType="h"/>
+                        <dgm:constr type="r" for="ch" forName="rootConnector" refType="w"/>
+                        <dgm:constr type="t" for="ch" forName="rootConnector"/>
+                        <dgm:constr type="w" for="ch" forName="rootConnector" refType="w" refFor="ch" refForName="rootText" fact="0.2"/>
+                        <dgm:constr type="h" for="ch" forName="rootConnector" refType="h" refFor="ch" refForName="rootText"/>
+                      </dgm:constrLst>
+                    </dgm:if>
+                    <dgm:if name="Name81" func="var" arg="hierBranch" op="equ" val="r">
+                      <dgm:constrLst>
+                        <dgm:constr type="l" for="ch" forName="rootText"/>
+                        <dgm:constr type="t" for="ch" forName="rootText"/>
+                        <dgm:constr type="w" for="ch" forName="rootText" refType="w"/>
+                        <dgm:constr type="h" for="ch" forName="rootText" refType="h"/>
+                        <dgm:constr type="l" for="ch" forName="rootConnector"/>
+                        <dgm:constr type="t" for="ch" forName="rootConnector"/>
+                        <dgm:constr type="w" for="ch" forName="rootConnector" refType="w" refFor="ch" refForName="rootText" fact="0.2"/>
+                        <dgm:constr type="h" for="ch" forName="rootConnector" refType="h" refFor="ch" refForName="rootText"/>
+                      </dgm:constrLst>
+                    </dgm:if>
+                    <dgm:else name="Name82">
+                      <dgm:constrLst>
+                        <dgm:constr type="l" for="ch" forName="rootText"/>
+                        <dgm:constr type="t" for="ch" forName="rootText"/>
+                        <dgm:constr type="w" for="ch" forName="rootText" refType="w"/>
+                        <dgm:constr type="h" for="ch" forName="rootText" refType="h"/>
+                        <dgm:constr type="r" for="ch" forName="rootConnector" refType="w"/>
+                        <dgm:constr type="t" for="ch" forName="rootConnector"/>
+                        <dgm:constr type="w" for="ch" forName="rootConnector" refType="w" refFor="ch" refForName="rootText" fact="0.2"/>
+                        <dgm:constr type="h" for="ch" forName="rootConnector" refType="h" refFor="ch" refForName="rootText"/>
+                      </dgm:constrLst>
+                    </dgm:else>
+                  </dgm:choose>
+                  <dgm:ruleLst/>
+                  <dgm:layoutNode name="rootText">
+                    <dgm:varLst>
+                      <dgm:chPref val="3"/>
+                    </dgm:varLst>
+                    <dgm:alg type="tx"/>
+                    <dgm:shape xmlns:r="http://schemas.openxmlformats.org/officeDocument/2006/relationships" type="rect" r:blip="">
+                      <dgm:adjLst/>
+                    </dgm:shape>
+                    <dgm:presOf axis="self" ptType="node" cnt="1"/>
+                    <dgm:constrLst>
+                      <dgm:constr type="primFontSz" val="65"/>
+                      <dgm:constr type="lMarg" refType="primFontSz" fact="0.05"/>
+                      <dgm:constr type="rMarg" refType="primFontSz" fact="0.05"/>
+                      <dgm:constr type="tMarg" refType="primFontSz" fact="0.05"/>
+                      <dgm:constr type="bMarg" refType="primFontSz" fact="0.05"/>
+                    </dgm:constrLst>
+                    <dgm:ruleLst>
+                      <dgm:rule type="primFontSz" val="5" fact="NaN" max="NaN"/>
+                    </dgm:ruleLst>
+                  </dgm:layoutNode>
+                  <dgm:layoutNode name="rootConnector" moveWith="rootText">
+                    <dgm:alg type="sp"/>
+                    <dgm:shape xmlns:r="http://schemas.openxmlformats.org/officeDocument/2006/relationships" type="rect" r:blip="" hideGeom="1">
+                      <dgm:adjLst/>
+                    </dgm:shape>
+                    <dgm:presOf axis="self" ptType="node" cnt="1"/>
+                    <dgm:constrLst/>
+                    <dgm:ruleLst/>
+                  </dgm:layoutNode>
+                </dgm:layoutNode>
+                <dgm:layoutNode name="hierChild4">
+                  <dgm:choose name="Name83">
+                    <dgm:if name="Name84" func="var" arg="hierBranch" op="equ" val="l">
+                      <dgm:alg type="hierChild">
+                        <dgm:param type="chAlign" val="r"/>
+                        <dgm:param type="linDir" val="fromT"/>
+                      </dgm:alg>
+                    </dgm:if>
+                    <dgm:if name="Name85" func="var" arg="hierBranch" op="equ" val="r">
+                      <dgm:alg type="hierChild">
+                        <dgm:param type="chAlign" val="l"/>
+                        <dgm:param type="linDir" val="fromT"/>
+                      </dgm:alg>
+                    </dgm:if>
+                    <dgm:if name="Name86" func="var" arg="hierBranch" op="equ" val="hang">
+                      <dgm:choose name="Name87">
+                        <dgm:if name="Name88" func="var" arg="dir" op="equ" val="norm">
+                          <dgm:alg type="hierChild">
+                            <dgm:param type="chAlign" val="l"/>
+                            <dgm:param type="linDir" val="fromL"/>
+                            <dgm:param type="secChAlign" val="t"/>
+                            <dgm:param type="secLinDir" val="fromT"/>
+                          </dgm:alg>
+                        </dgm:if>
+                        <dgm:else name="Name89">
+                          <dgm:alg type="hierChild">
+                            <dgm:param type="chAlign" val="l"/>
+                            <dgm:param type="linDir" val="fromR"/>
+                            <dgm:param type="secChAlign" val="t"/>
+                            <dgm:param type="secLinDir" val="fromT"/>
+                          </dgm:alg>
+                        </dgm:else>
+                      </dgm:choose>
+                    </dgm:if>
+                    <dgm:if name="Name90" func="var" arg="hierBranch" op="equ" val="std">
+                      <dgm:choose name="Name91">
+                        <dgm:if name="Name92" func="var" arg="dir" op="equ" val="norm">
+                          <dgm:alg type="hierChild"/>
+                        </dgm:if>
+                        <dgm:else name="Name93">
+                          <dgm:alg type="hierChild">
+                            <dgm:param type="linDir" val="fromR"/>
+                          </dgm:alg>
+                        </dgm:else>
+                      </dgm:choose>
+                    </dgm:if>
+                    <dgm:if name="Name94" func="var" arg="hierBranch" op="equ" val="init">
+                      <dgm:choose name="Name95">
+                        <dgm:if name="Name96" axis="des" func="maxDepth" op="lte" val="1">
+                          <dgm:alg type="hierChild">
+                            <dgm:param type="chAlign" val="l"/>
+                            <dgm:param type="linDir" val="fromT"/>
+                          </dgm:alg>
+                        </dgm:if>
+                        <dgm:else name="Name97">
+                          <dgm:choose name="Name98">
+                            <dgm:if name="Name99" func="var" arg="dir" op="equ" val="norm">
+                              <dgm:alg type="hierChild"/>
+                            </dgm:if>
+                            <dgm:else name="Name100">
+                              <dgm:alg type="hierChild">
+                                <dgm:param type="linDir" val="fromR"/>
+                              </dgm:alg>
+                            </dgm:else>
+                          </dgm:choose>
+                        </dgm:else>
+                      </dgm:choose>
+                    </dgm:if>
+                    <dgm:else name="Name101"/>
+                  </dgm:choose>
+                  <dgm:shape xmlns:r="http://schemas.openxmlformats.org/officeDocument/2006/relationships" r:blip="">
+                    <dgm:adjLst/>
+                  </dgm:shape>
+                  <dgm:presOf/>
+                  <dgm:constrLst/>
+                  <dgm:ruleLst/>
+                  <dgm:forEach name="Name102" ref="rep2a"/>
+                </dgm:layoutNode>
+                <dgm:layoutNode name="hierChild5">
+                  <dgm:choose name="Name103">
+                    <dgm:if name="Name104" func="var" arg="dir" op="equ" val="norm">
+                      <dgm:alg type="hierChild">
+                        <dgm:param type="chAlign" val="l"/>
+                        <dgm:param type="linDir" val="fromL"/>
+                        <dgm:param type="secChAlign" val="t"/>
+                        <dgm:param type="secLinDir" val="fromT"/>
+                      </dgm:alg>
+                    </dgm:if>
+                    <dgm:else name="Name105">
+                      <dgm:alg type="hierChild">
+                        <dgm:param type="chAlign" val="l"/>
+                        <dgm:param type="linDir" val="fromR"/>
+                        <dgm:param type="secChAlign" val="t"/>
+                        <dgm:param type="secLinDir" val="fromT"/>
+                      </dgm:alg>
+                    </dgm:else>
+                  </dgm:choose>
+                  <dgm:shape xmlns:r="http://schemas.openxmlformats.org/officeDocument/2006/relationships" r:blip="">
+                    <dgm:adjLst/>
+                  </dgm:shape>
+                  <dgm:presOf/>
+                  <dgm:constrLst/>
+                  <dgm:ruleLst/>
+                  <dgm:forEach name="Name106" ref="rep2b"/>
+                </dgm:layoutNode>
+              </dgm:layoutNode>
+            </dgm:forEach>
+          </dgm:layoutNode>
+          <dgm:layoutNode name="hierChild3">
+            <dgm:choose name="Name107">
+              <dgm:if name="Name108" func="var" arg="dir" op="equ" val="norm">
+                <dgm:alg type="hierChild">
+                  <dgm:param type="chAlign" val="l"/>
+                  <dgm:param type="linDir" val="fromL"/>
+                  <dgm:param type="secChAlign" val="t"/>
+                  <dgm:param type="secLinDir" val="fromT"/>
+                </dgm:alg>
+              </dgm:if>
+              <dgm:else name="Name109">
+                <dgm:alg type="hierChild">
+                  <dgm:param type="chAlign" val="l"/>
+                  <dgm:param type="linDir" val="fromR"/>
+                  <dgm:param type="secChAlign" val="t"/>
+                  <dgm:param type="secLinDir" val="fromT"/>
+                </dgm:alg>
+              </dgm:else>
+            </dgm:choose>
+            <dgm:shape xmlns:r="http://schemas.openxmlformats.org/officeDocument/2006/relationships" r:blip="">
+              <dgm:adjLst/>
+            </dgm:shape>
+            <dgm:presOf/>
+            <dgm:constrLst/>
+            <dgm:ruleLst/>
+            <dgm:forEach name="rep2b" axis="ch" ptType="asst">
+              <dgm:forEach name="Name110" axis="precedSib" ptType="parTrans" st="-1" cnt="1">
+                <dgm:layoutNode name="Name111">
+                  <dgm:alg type="conn">
+                    <dgm:param type="connRout" val="bend"/>
+                    <dgm:param type="dim" val="1D"/>
+                    <dgm:param type="endSty" val="noArr"/>
+                    <dgm:param type="begPts" val="bCtr"/>
+                    <dgm:param type="endPts" val="midL midR"/>
+                  </dgm:alg>
+                  <dgm:shape xmlns:r="http://schemas.openxmlformats.org/officeDocument/2006/relationships" type="conn" r:blip="" zOrderOff="-99999">
+                    <dgm:adjLst/>
+                  </dgm:shape>
+                  <dgm:presOf axis="self"/>
+                  <dgm:constrLst>
+                    <dgm:constr type="begPad"/>
+                    <dgm:constr type="endPad"/>
+                  </dgm:constrLst>
+                  <dgm:ruleLst/>
+                </dgm:layoutNode>
+              </dgm:forEach>
+              <dgm:layoutNode name="hierRoot3">
+                <dgm:varLst>
+                  <dgm:hierBranch val="init"/>
+                </dgm:varLst>
+                <dgm:choose name="Name112">
+                  <dgm:if name="Name113" func="var" arg="hierBranch" op="equ" val="l">
+                    <dgm:alg type="hierRoot">
+                      <dgm:param type="hierAlign" val="tR"/>
+                    </dgm:alg>
+                    <dgm:shape xmlns:r="http://schemas.openxmlformats.org/officeDocument/2006/relationships" r:blip="">
+                      <dgm:adjLst/>
+                    </dgm:shape>
+                    <dgm:presOf/>
+                    <dgm:constrLst>
+                      <dgm:constr type="alignOff" val="0.65"/>
+                    </dgm:constrLst>
+                  </dgm:if>
+                  <dgm:if name="Name114" func="var" arg="hierBranch" op="equ" val="r">
+                    <dgm:alg type="hierRoot">
+                      <dgm:param type="hierAlign" val="tL"/>
+                    </dgm:alg>
+                    <dgm:shape xmlns:r="http://schemas.openxmlformats.org/officeDocument/2006/relationships" r:blip="">
+                      <dgm:adjLst/>
+                    </dgm:shape>
+                    <dgm:presOf/>
+                    <dgm:constrLst>
+                      <dgm:constr type="alignOff" val="0.65"/>
+                    </dgm:constrLst>
+                  </dgm:if>
+                  <dgm:if name="Name115" func="var" arg="hierBranch" op="equ" val="hang">
+                    <dgm:alg type="hierRoot"/>
+                    <dgm:shape xmlns:r="http://schemas.openxmlformats.org/officeDocument/2006/relationships" r:blip="">
+                      <dgm:adjLst/>
+                    </dgm:shape>
+                    <dgm:presOf/>
+                    <dgm:constrLst>
+                      <dgm:constr type="alignOff" val="0.65"/>
+                    </dgm:constrLst>
+                  </dgm:if>
+                  <dgm:if name="Name116" func="var" arg="hierBranch" op="equ" val="std">
+                    <dgm:alg type="hierRoot"/>
+                    <dgm:shape xmlns:r="http://schemas.openxmlformats.org/officeDocument/2006/relationships" r:blip="">
+                      <dgm:adjLst/>
+                    </dgm:shape>
+                    <dgm:presOf/>
+                    <dgm:constrLst>
+                      <dgm:constr type="alignOff"/>
+                      <dgm:constr type="bendDist" for="des" ptType="parTrans" refType="sp" fact="0.5"/>
+                    </dgm:constrLst>
+                  </dgm:if>
+                  <dgm:if name="Name117" func="var" arg="hierBranch" op="equ" val="init">
+                    <dgm:choose name="Name118">
+                      <dgm:if name="Name119" axis="des" func="maxDepth" op="lte" val="1">
+                        <dgm:alg type="hierRoot">
+                          <dgm:param type="hierAlign" val="tL"/>
+                        </dgm:alg>
+                        <dgm:shape xmlns:r="http://schemas.openxmlformats.org/officeDocument/2006/relationships" r:blip="">
+                          <dgm:adjLst/>
+                        </dgm:shape>
+                        <dgm:presOf/>
+                        <dgm:constrLst>
+                          <dgm:constr type="alignOff" val="0.65"/>
+                        </dgm:constrLst>
+                      </dgm:if>
+                      <dgm:else name="Name120">
+                        <dgm:alg type="hierRoot"/>
+                        <dgm:shape xmlns:r="http://schemas.openxmlformats.org/officeDocument/2006/relationships" r:blip="">
+                          <dgm:adjLst/>
+                        </dgm:shape>
+                        <dgm:presOf/>
+                        <dgm:constrLst>
+                          <dgm:constr type="alignOff"/>
+                          <dgm:constr type="bendDist" for="des" ptType="parTrans" refType="sp" fact="0.5"/>
+                        </dgm:constrLst>
+                      </dgm:else>
+                    </dgm:choose>
+                  </dgm:if>
+                  <dgm:else name="Name121"/>
+                </dgm:choose>
+                <dgm:ruleLst/>
+                <dgm:layoutNode name="rootComposite3">
+                  <dgm:alg type="composite"/>
+                  <dgm:shape xmlns:r="http://schemas.openxmlformats.org/officeDocument/2006/relationships" r:blip="">
+                    <dgm:adjLst/>
+                  </dgm:shape>
+                  <dgm:presOf axis="self" ptType="node" cnt="1"/>
+                  <dgm:choose name="Name122">
+                    <dgm:if name="Name123" func="var" arg="hierBranch" op="equ" val="init">
+                      <dgm:constrLst>
+                        <dgm:constr type="l" for="ch" forName="rootText3"/>
+                        <dgm:constr type="t" for="ch" forName="rootText3"/>
+                        <dgm:constr type="w" for="ch" forName="rootText3" refType="w"/>
+                        <dgm:constr type="h" for="ch" forName="rootText3" refType="h"/>
+                        <dgm:constr type="l" for="ch" forName="rootConnector3"/>
+                        <dgm:constr type="t" for="ch" forName="rootConnector3"/>
+                        <dgm:constr type="w" for="ch" forName="rootConnector3" refType="w" refFor="ch" refForName="rootText3" fact="0.2"/>
+                        <dgm:constr type="h" for="ch" forName="rootConnector3" refType="h" refFor="ch" refForName="rootText3"/>
+                      </dgm:constrLst>
+                    </dgm:if>
+                    <dgm:if name="Name124" func="var" arg="hierBranch" op="equ" val="l">
+                      <dgm:constrLst>
+                        <dgm:constr type="l" for="ch" forName="rootText3"/>
+                        <dgm:constr type="t" for="ch" forName="rootText3"/>
+                        <dgm:constr type="w" for="ch" forName="rootText3" refType="w"/>
+                        <dgm:constr type="h" for="ch" forName="rootText3" refType="h"/>
+                        <dgm:constr type="r" for="ch" forName="rootConnector3" refType="w"/>
+                        <dgm:constr type="t" for="ch" forName="rootConnector3"/>
+                        <dgm:constr type="w" for="ch" forName="rootConnector3" refType="w" refFor="ch" refForName="rootText3" fact="0.2"/>
+                        <dgm:constr type="h" for="ch" forName="rootConnector3" refType="h" refFor="ch" refForName="rootText3"/>
+                      </dgm:constrLst>
+                    </dgm:if>
+                    <dgm:if name="Name125" func="var" arg="hierBranch" op="equ" val="r">
+                      <dgm:constrLst>
+                        <dgm:constr type="l" for="ch" forName="rootText3"/>
+                        <dgm:constr type="t" for="ch" forName="rootText3"/>
+                        <dgm:constr type="w" for="ch" forName="rootText3" refType="w"/>
+                        <dgm:constr type="h" for="ch" forName="rootText3" refType="h"/>
+                        <dgm:constr type="l" for="ch" forName="rootConnector3"/>
+                        <dgm:constr type="t" for="ch" forName="rootConnector3"/>
+                        <dgm:constr type="w" for="ch" forName="rootConnector3" refType="w" refFor="ch" refForName="rootText3" fact="0.2"/>
+                        <dgm:constr type="h" for="ch" forName="rootConnector3" refType="h" refFor="ch" refForName="rootText3"/>
+                      </dgm:constrLst>
+                    </dgm:if>
+                    <dgm:else name="Name126">
+                      <dgm:constrLst>
+                        <dgm:constr type="l" for="ch" forName="rootText3"/>
+                        <dgm:constr type="t" for="ch" forName="rootText3"/>
+                        <dgm:constr type="w" for="ch" forName="rootText3" refType="w"/>
+                        <dgm:constr type="h" for="ch" forName="rootText3" refType="h"/>
+                        <dgm:constr type="r" for="ch" forName="rootConnector3" refType="w"/>
+                        <dgm:constr type="t" for="ch" forName="rootConnector3"/>
+                        <dgm:constr type="w" for="ch" forName="rootConnector3" refType="w" refFor="ch" refForName="rootText3" fact="0.2"/>
+                        <dgm:constr type="h" for="ch" forName="rootConnector3" refType="h" refFor="ch" refForName="rootText3"/>
+                      </dgm:constrLst>
+                    </dgm:else>
+                  </dgm:choose>
+                  <dgm:ruleLst/>
+                  <dgm:layoutNode name="rootText3">
+                    <dgm:varLst>
+                      <dgm:chPref val="3"/>
+                    </dgm:varLst>
+                    <dgm:alg type="tx"/>
+                    <dgm:shape xmlns:r="http://schemas.openxmlformats.org/officeDocument/2006/relationships" type="rect" r:blip="">
+                      <dgm:adjLst/>
+                    </dgm:shape>
+                    <dgm:presOf axis="self" ptType="node" cnt="1"/>
+                    <dgm:constrLst>
+                      <dgm:constr type="primFontSz" val="65"/>
+                      <dgm:constr type="lMarg" refType="primFontSz" fact="0.05"/>
+                      <dgm:constr type="rMarg" refType="primFontSz" fact="0.05"/>
+                      <dgm:constr type="tMarg" refType="primFontSz" fact="0.05"/>
+                      <dgm:constr type="bMarg" refType="primFontSz" fact="0.05"/>
+                    </dgm:constrLst>
+                    <dgm:ruleLst>
+                      <dgm:rule type="primFontSz" val="5" fact="NaN" max="NaN"/>
+                    </dgm:ruleLst>
+                  </dgm:layoutNode>
+                  <dgm:layoutNode name="rootConnector3" moveWith="rootText1">
+                    <dgm:alg type="sp"/>
+                    <dgm:shape xmlns:r="http://schemas.openxmlformats.org/officeDocument/2006/relationships" type="rect" r:blip="" hideGeom="1">
+                      <dgm:adjLst/>
+                    </dgm:shape>
+                    <dgm:presOf axis="self" ptType="node" cnt="1"/>
+                    <dgm:constrLst/>
+                    <dgm:ruleLst/>
+                  </dgm:layoutNode>
+                </dgm:layoutNode>
+                <dgm:layoutNode name="hierChild6">
+                  <dgm:choose name="Name127">
+                    <dgm:if name="Name128" func="var" arg="hierBranch" op="equ" val="l">
+                      <dgm:alg type="hierChild">
+                        <dgm:param type="chAlign" val="r"/>
+                        <dgm:param type="linDir" val="fromT"/>
+                      </dgm:alg>
+                    </dgm:if>
+                    <dgm:if name="Name129" func="var" arg="hierBranch" op="equ" val="r">
+                      <dgm:alg type="hierChild">
+                        <dgm:param type="chAlign" val="l"/>
+                        <dgm:param type="linDir" val="fromT"/>
+                      </dgm:alg>
+                    </dgm:if>
+                    <dgm:if name="Name130" func="var" arg="hierBranch" op="equ" val="hang">
+                      <dgm:choose name="Name131">
+                        <dgm:if name="Name132" func="var" arg="dir" op="equ" val="norm">
+                          <dgm:alg type="hierChild">
+                            <dgm:param type="chAlign" val="l"/>
+                            <dgm:param type="linDir" val="fromL"/>
+                            <dgm:param type="secChAlign" val="t"/>
+                            <dgm:param type="secLinDir" val="fromT"/>
+                          </dgm:alg>
+                        </dgm:if>
+                        <dgm:else name="Name133">
+                          <dgm:alg type="hierChild">
+                            <dgm:param type="chAlign" val="l"/>
+                            <dgm:param type="linDir" val="fromR"/>
+                            <dgm:param type="secChAlign" val="t"/>
+                            <dgm:param type="secLinDir" val="fromT"/>
+                          </dgm:alg>
+                        </dgm:else>
+                      </dgm:choose>
+                    </dgm:if>
+                    <dgm:if name="Name134" func="var" arg="hierBranch" op="equ" val="std">
+                      <dgm:choose name="Name135">
+                        <dgm:if name="Name136" func="var" arg="dir" op="equ" val="norm">
+                          <dgm:alg type="hierChild"/>
+                        </dgm:if>
+                        <dgm:else name="Name137">
+                          <dgm:alg type="hierChild">
+                            <dgm:param type="linDir" val="fromR"/>
+                          </dgm:alg>
+                        </dgm:else>
+                      </dgm:choose>
+                    </dgm:if>
+                    <dgm:if name="Name138" func="var" arg="hierBranch" op="equ" val="init">
+                      <dgm:choose name="Name139">
+                        <dgm:if name="Name140" axis="des" func="maxDepth" op="lte" val="1">
+                          <dgm:alg type="hierChild">
+                            <dgm:param type="chAlign" val="l"/>
+                            <dgm:param type="linDir" val="fromT"/>
+                          </dgm:alg>
+                        </dgm:if>
+                        <dgm:else name="Name141">
+                          <dgm:alg type="hierChild"/>
+                        </dgm:else>
+                      </dgm:choose>
+                    </dgm:if>
+                    <dgm:else name="Name142"/>
+                  </dgm:choose>
+                  <dgm:shape xmlns:r="http://schemas.openxmlformats.org/officeDocument/2006/relationships" r:blip="">
+                    <dgm:adjLst/>
+                  </dgm:shape>
+                  <dgm:presOf/>
+                  <dgm:constrLst/>
+                  <dgm:ruleLst/>
+                  <dgm:forEach name="Name143" ref="rep2a"/>
+                </dgm:layoutNode>
+                <dgm:layoutNode name="hierChild7">
+                  <dgm:choose name="Name144">
+                    <dgm:if name="Name145" func="var" arg="dir" op="equ" val="norm">
+                      <dgm:alg type="hierChild">
+                        <dgm:param type="chAlign" val="l"/>
+                        <dgm:param type="linDir" val="fromL"/>
+                        <dgm:param type="secChAlign" val="t"/>
+                        <dgm:param type="secLinDir" val="fromT"/>
+                      </dgm:alg>
+                    </dgm:if>
+                    <dgm:else name="Name146">
+                      <dgm:alg type="hierChild">
+                        <dgm:param type="chAlign" val="l"/>
+                        <dgm:param type="linDir" val="fromR"/>
+                        <dgm:param type="secChAlign" val="t"/>
+                        <dgm:param type="secLinDir" val="fromT"/>
+                      </dgm:alg>
+                    </dgm:else>
+                  </dgm:choose>
+                  <dgm:shape xmlns:r="http://schemas.openxmlformats.org/officeDocument/2006/relationships" r:blip="">
+                    <dgm:adjLst/>
+                  </dgm:shape>
+                  <dgm:presOf/>
+                  <dgm:constrLst/>
+                  <dgm:ruleLst/>
+                  <dgm:forEach name="Name147" ref="rep2b"/>
+                </dgm:layoutNode>
+              </dgm:layoutNode>
+            </dgm:forEach>
+          </dgm:layoutNode>
+        </dgm:layoutNode>
+      </dgm:forEach>
+    </dgm:forEach>
+  </dgm:layoutNode>
+</dgm:layoutDef>
+</file>
+
 <file path=ppt/diagrams/quickStyle1.xml><?xml version="1.0" encoding="utf-8"?>
 <dgm:styleDef xmlns:dgm="http://schemas.openxmlformats.org/drawingml/2006/diagram" xmlns:a="http://schemas.openxmlformats.org/drawingml/2006/main" uniqueId="urn:microsoft.com/office/officeart/2005/8/quickstyle/simple1">
   <dgm:title val=""/>
@@ -9993,6 +15469,1040 @@
 </file>
 
 <file path=ppt/diagrams/quickStyle2.xml><?xml version="1.0" encoding="utf-8"?>
+<dgm:styleDef xmlns:dgm="http://schemas.openxmlformats.org/drawingml/2006/diagram" xmlns:a="http://schemas.openxmlformats.org/drawingml/2006/main" uniqueId="urn:microsoft.com/office/officeart/2005/8/quickstyle/simple1">
+  <dgm:title val=""/>
+  <dgm:desc val=""/>
+  <dgm:catLst>
+    <dgm:cat type="simple" pri="10100"/>
+  </dgm:catLst>
+  <dgm:scene3d>
+    <a:camera prst="orthographicFront"/>
+    <a:lightRig rig="threePt" dir="t"/>
+  </dgm:scene3d>
+  <dgm:styleLbl name="node0">
+    <dgm:scene3d>
+      <a:camera prst="orthographicFront"/>
+      <a:lightRig rig="threePt" dir="t"/>
+    </dgm:scene3d>
+    <dgm:sp3d/>
+    <dgm:txPr/>
+    <dgm:style>
+      <a:lnRef idx="2">
+        <a:scrgbClr r="0" g="0" b="0"/>
+      </a:lnRef>
+      <a:fillRef idx="1">
+        <a:scrgbClr r="0" g="0" b="0"/>
+      </a:fillRef>
+      <a:effectRef idx="0">
+        <a:scrgbClr r="0" g="0" b="0"/>
+      </a:effectRef>
+      <a:fontRef idx="minor">
+        <a:schemeClr val="lt1"/>
+      </a:fontRef>
+    </dgm:style>
+  </dgm:styleLbl>
+  <dgm:styleLbl name="lnNode1">
+    <dgm:scene3d>
+      <a:camera prst="orthographicFront"/>
+      <a:lightRig rig="threePt" dir="t"/>
+    </dgm:scene3d>
+    <dgm:sp3d/>
+    <dgm:txPr/>
+    <dgm:style>
+      <a:lnRef idx="2">
+        <a:scrgbClr r="0" g="0" b="0"/>
+      </a:lnRef>
+      <a:fillRef idx="1">
+        <a:scrgbClr r="0" g="0" b="0"/>
+      </a:fillRef>
+      <a:effectRef idx="0">
+        <a:scrgbClr r="0" g="0" b="0"/>
+      </a:effectRef>
+      <a:fontRef idx="minor">
+        <a:schemeClr val="lt1"/>
+      </a:fontRef>
+    </dgm:style>
+  </dgm:styleLbl>
+  <dgm:styleLbl name="vennNode1">
+    <dgm:scene3d>
+      <a:camera prst="orthographicFront"/>
+      <a:lightRig rig="threePt" dir="t"/>
+    </dgm:scene3d>
+    <dgm:sp3d/>
+    <dgm:txPr/>
+    <dgm:style>
+      <a:lnRef idx="2">
+        <a:scrgbClr r="0" g="0" b="0"/>
+      </a:lnRef>
+      <a:fillRef idx="1">
+        <a:scrgbClr r="0" g="0" b="0"/>
+      </a:fillRef>
+      <a:effectRef idx="0">
+        <a:scrgbClr r="0" g="0" b="0"/>
+      </a:effectRef>
+      <a:fontRef idx="minor">
+        <a:schemeClr val="tx1"/>
+      </a:fontRef>
+    </dgm:style>
+  </dgm:styleLbl>
+  <dgm:styleLbl name="alignNode1">
+    <dgm:scene3d>
+      <a:camera prst="orthographicFront"/>
+      <a:lightRig rig="threePt" dir="t"/>
+    </dgm:scene3d>
+    <dgm:sp3d/>
+    <dgm:txPr/>
+    <dgm:style>
+      <a:lnRef idx="2">
+        <a:scrgbClr r="0" g="0" b="0"/>
+      </a:lnRef>
+      <a:fillRef idx="1">
+        <a:scrgbClr r="0" g="0" b="0"/>
+      </a:fillRef>
+      <a:effectRef idx="0">
+        <a:scrgbClr r="0" g="0" b="0"/>
+      </a:effectRef>
+      <a:fontRef idx="minor">
+        <a:schemeClr val="lt1"/>
+      </a:fontRef>
+    </dgm:style>
+  </dgm:styleLbl>
+  <dgm:styleLbl name="node1">
+    <dgm:scene3d>
+      <a:camera prst="orthographicFront"/>
+      <a:lightRig rig="threePt" dir="t"/>
+    </dgm:scene3d>
+    <dgm:sp3d/>
+    <dgm:txPr/>
+    <dgm:style>
+      <a:lnRef idx="2">
+        <a:scrgbClr r="0" g="0" b="0"/>
+      </a:lnRef>
+      <a:fillRef idx="1">
+        <a:scrgbClr r="0" g="0" b="0"/>
+      </a:fillRef>
+      <a:effectRef idx="0">
+        <a:scrgbClr r="0" g="0" b="0"/>
+      </a:effectRef>
+      <a:fontRef idx="minor">
+        <a:schemeClr val="lt1"/>
+      </a:fontRef>
+    </dgm:style>
+  </dgm:styleLbl>
+  <dgm:styleLbl name="node2">
+    <dgm:scene3d>
+      <a:camera prst="orthographicFront"/>
+      <a:lightRig rig="threePt" dir="t"/>
+    </dgm:scene3d>
+    <dgm:sp3d/>
+    <dgm:txPr/>
+    <dgm:style>
+      <a:lnRef idx="2">
+        <a:scrgbClr r="0" g="0" b="0"/>
+      </a:lnRef>
+      <a:fillRef idx="1">
+        <a:scrgbClr r="0" g="0" b="0"/>
+      </a:fillRef>
+      <a:effectRef idx="0">
+        <a:scrgbClr r="0" g="0" b="0"/>
+      </a:effectRef>
+      <a:fontRef idx="minor">
+        <a:schemeClr val="lt1"/>
+      </a:fontRef>
+    </dgm:style>
+  </dgm:styleLbl>
+  <dgm:styleLbl name="node3">
+    <dgm:scene3d>
+      <a:camera prst="orthographicFront"/>
+      <a:lightRig rig="threePt" dir="t"/>
+    </dgm:scene3d>
+    <dgm:sp3d/>
+    <dgm:txPr/>
+    <dgm:style>
+      <a:lnRef idx="2">
+        <a:scrgbClr r="0" g="0" b="0"/>
+      </a:lnRef>
+      <a:fillRef idx="1">
+        <a:scrgbClr r="0" g="0" b="0"/>
+      </a:fillRef>
+      <a:effectRef idx="0">
+        <a:scrgbClr r="0" g="0" b="0"/>
+      </a:effectRef>
+      <a:fontRef idx="minor">
+        <a:schemeClr val="lt1"/>
+      </a:fontRef>
+    </dgm:style>
+  </dgm:styleLbl>
+  <dgm:styleLbl name="node4">
+    <dgm:scene3d>
+      <a:camera prst="orthographicFront"/>
+      <a:lightRig rig="threePt" dir="t"/>
+    </dgm:scene3d>
+    <dgm:sp3d/>
+    <dgm:txPr/>
+    <dgm:style>
+      <a:lnRef idx="2">
+        <a:scrgbClr r="0" g="0" b="0"/>
+      </a:lnRef>
+      <a:fillRef idx="1">
+        <a:scrgbClr r="0" g="0" b="0"/>
+      </a:fillRef>
+      <a:effectRef idx="0">
+        <a:scrgbClr r="0" g="0" b="0"/>
+      </a:effectRef>
+      <a:fontRef idx="minor">
+        <a:schemeClr val="lt1"/>
+      </a:fontRef>
+    </dgm:style>
+  </dgm:styleLbl>
+  <dgm:styleLbl name="fgImgPlace1">
+    <dgm:scene3d>
+      <a:camera prst="orthographicFront"/>
+      <a:lightRig rig="threePt" dir="t"/>
+    </dgm:scene3d>
+    <dgm:sp3d/>
+    <dgm:txPr/>
+    <dgm:style>
+      <a:lnRef idx="2">
+        <a:scrgbClr r="0" g="0" b="0"/>
+      </a:lnRef>
+      <a:fillRef idx="1">
+        <a:scrgbClr r="0" g="0" b="0"/>
+      </a:fillRef>
+      <a:effectRef idx="0">
+        <a:scrgbClr r="0" g="0" b="0"/>
+      </a:effectRef>
+      <a:fontRef idx="minor"/>
+    </dgm:style>
+  </dgm:styleLbl>
+  <dgm:styleLbl name="alignImgPlace1">
+    <dgm:scene3d>
+      <a:camera prst="orthographicFront"/>
+      <a:lightRig rig="threePt" dir="t"/>
+    </dgm:scene3d>
+    <dgm:sp3d/>
+    <dgm:txPr/>
+    <dgm:style>
+      <a:lnRef idx="2">
+        <a:scrgbClr r="0" g="0" b="0"/>
+      </a:lnRef>
+      <a:fillRef idx="1">
+        <a:scrgbClr r="0" g="0" b="0"/>
+      </a:fillRef>
+      <a:effectRef idx="0">
+        <a:scrgbClr r="0" g="0" b="0"/>
+      </a:effectRef>
+      <a:fontRef idx="minor"/>
+    </dgm:style>
+  </dgm:styleLbl>
+  <dgm:styleLbl name="bgImgPlace1">
+    <dgm:scene3d>
+      <a:camera prst="orthographicFront"/>
+      <a:lightRig rig="threePt" dir="t"/>
+    </dgm:scene3d>
+    <dgm:sp3d/>
+    <dgm:txPr/>
+    <dgm:style>
+      <a:lnRef idx="2">
+        <a:scrgbClr r="0" g="0" b="0"/>
+      </a:lnRef>
+      <a:fillRef idx="1">
+        <a:scrgbClr r="0" g="0" b="0"/>
+      </a:fillRef>
+      <a:effectRef idx="0">
+        <a:scrgbClr r="0" g="0" b="0"/>
+      </a:effectRef>
+      <a:fontRef idx="minor"/>
+    </dgm:style>
+  </dgm:styleLbl>
+  <dgm:styleLbl name="sibTrans2D1">
+    <dgm:scene3d>
+      <a:camera prst="orthographicFront"/>
+      <a:lightRig rig="threePt" dir="t"/>
+    </dgm:scene3d>
+    <dgm:sp3d/>
+    <dgm:txPr/>
+    <dgm:style>
+      <a:lnRef idx="0">
+        <a:scrgbClr r="0" g="0" b="0"/>
+      </a:lnRef>
+      <a:fillRef idx="1">
+        <a:scrgbClr r="0" g="0" b="0"/>
+      </a:fillRef>
+      <a:effectRef idx="0">
+        <a:scrgbClr r="0" g="0" b="0"/>
+      </a:effectRef>
+      <a:fontRef idx="minor">
+        <a:schemeClr val="lt1"/>
+      </a:fontRef>
+    </dgm:style>
+  </dgm:styleLbl>
+  <dgm:styleLbl name="fgSibTrans2D1">
+    <dgm:scene3d>
+      <a:camera prst="orthographicFront"/>
+      <a:lightRig rig="threePt" dir="t"/>
+    </dgm:scene3d>
+    <dgm:sp3d/>
+    <dgm:txPr/>
+    <dgm:style>
+      <a:lnRef idx="0">
+        <a:scrgbClr r="0" g="0" b="0"/>
+      </a:lnRef>
+      <a:fillRef idx="1">
+        <a:scrgbClr r="0" g="0" b="0"/>
+      </a:fillRef>
+      <a:effectRef idx="0">
+        <a:scrgbClr r="0" g="0" b="0"/>
+      </a:effectRef>
+      <a:fontRef idx="minor">
+        <a:schemeClr val="lt1"/>
+      </a:fontRef>
+    </dgm:style>
+  </dgm:styleLbl>
+  <dgm:styleLbl name="bgSibTrans2D1">
+    <dgm:scene3d>
+      <a:camera prst="orthographicFront"/>
+      <a:lightRig rig="threePt" dir="t"/>
+    </dgm:scene3d>
+    <dgm:sp3d/>
+    <dgm:txPr/>
+    <dgm:style>
+      <a:lnRef idx="0">
+        <a:scrgbClr r="0" g="0" b="0"/>
+      </a:lnRef>
+      <a:fillRef idx="1">
+        <a:scrgbClr r="0" g="0" b="0"/>
+      </a:fillRef>
+      <a:effectRef idx="0">
+        <a:scrgbClr r="0" g="0" b="0"/>
+      </a:effectRef>
+      <a:fontRef idx="minor">
+        <a:schemeClr val="lt1"/>
+      </a:fontRef>
+    </dgm:style>
+  </dgm:styleLbl>
+  <dgm:styleLbl name="sibTrans1D1">
+    <dgm:scene3d>
+      <a:camera prst="orthographicFront"/>
+      <a:lightRig rig="threePt" dir="t"/>
+    </dgm:scene3d>
+    <dgm:sp3d/>
+    <dgm:txPr/>
+    <dgm:style>
+      <a:lnRef idx="1">
+        <a:scrgbClr r="0" g="0" b="0"/>
+      </a:lnRef>
+      <a:fillRef idx="0">
+        <a:scrgbClr r="0" g="0" b="0"/>
+      </a:fillRef>
+      <a:effectRef idx="0">
+        <a:scrgbClr r="0" g="0" b="0"/>
+      </a:effectRef>
+      <a:fontRef idx="minor"/>
+    </dgm:style>
+  </dgm:styleLbl>
+  <dgm:styleLbl name="callout">
+    <dgm:scene3d>
+      <a:camera prst="orthographicFront"/>
+      <a:lightRig rig="threePt" dir="t"/>
+    </dgm:scene3d>
+    <dgm:sp3d/>
+    <dgm:txPr/>
+    <dgm:style>
+      <a:lnRef idx="2">
+        <a:scrgbClr r="0" g="0" b="0"/>
+      </a:lnRef>
+      <a:fillRef idx="1">
+        <a:scrgbClr r="0" g="0" b="0"/>
+      </a:fillRef>
+      <a:effectRef idx="0">
+        <a:scrgbClr r="0" g="0" b="0"/>
+      </a:effectRef>
+      <a:fontRef idx="minor"/>
+    </dgm:style>
+  </dgm:styleLbl>
+  <dgm:styleLbl name="asst0">
+    <dgm:scene3d>
+      <a:camera prst="orthographicFront"/>
+      <a:lightRig rig="threePt" dir="t"/>
+    </dgm:scene3d>
+    <dgm:sp3d/>
+    <dgm:txPr/>
+    <dgm:style>
+      <a:lnRef idx="2">
+        <a:scrgbClr r="0" g="0" b="0"/>
+      </a:lnRef>
+      <a:fillRef idx="1">
+        <a:scrgbClr r="0" g="0" b="0"/>
+      </a:fillRef>
+      <a:effectRef idx="0">
+        <a:scrgbClr r="0" g="0" b="0"/>
+      </a:effectRef>
+      <a:fontRef idx="minor">
+        <a:schemeClr val="lt1"/>
+      </a:fontRef>
+    </dgm:style>
+  </dgm:styleLbl>
+  <dgm:styleLbl name="asst1">
+    <dgm:scene3d>
+      <a:camera prst="orthographicFront"/>
+      <a:lightRig rig="threePt" dir="t"/>
+    </dgm:scene3d>
+    <dgm:sp3d/>
+    <dgm:txPr/>
+    <dgm:style>
+      <a:lnRef idx="2">
+        <a:scrgbClr r="0" g="0" b="0"/>
+      </a:lnRef>
+      <a:fillRef idx="1">
+        <a:scrgbClr r="0" g="0" b="0"/>
+      </a:fillRef>
+      <a:effectRef idx="0">
+        <a:scrgbClr r="0" g="0" b="0"/>
+      </a:effectRef>
+      <a:fontRef idx="minor">
+        <a:schemeClr val="lt1"/>
+      </a:fontRef>
+    </dgm:style>
+  </dgm:styleLbl>
+  <dgm:styleLbl name="asst2">
+    <dgm:scene3d>
+      <a:camera prst="orthographicFront"/>
+      <a:lightRig rig="threePt" dir="t"/>
+    </dgm:scene3d>
+    <dgm:sp3d/>
+    <dgm:txPr/>
+    <dgm:style>
+      <a:lnRef idx="2">
+        <a:scrgbClr r="0" g="0" b="0"/>
+      </a:lnRef>
+      <a:fillRef idx="1">
+        <a:scrgbClr r="0" g="0" b="0"/>
+      </a:fillRef>
+      <a:effectRef idx="0">
+        <a:scrgbClr r="0" g="0" b="0"/>
+      </a:effectRef>
+      <a:fontRef idx="minor">
+        <a:schemeClr val="lt1"/>
+      </a:fontRef>
+    </dgm:style>
+  </dgm:styleLbl>
+  <dgm:styleLbl name="asst3">
+    <dgm:scene3d>
+      <a:camera prst="orthographicFront"/>
+      <a:lightRig rig="threePt" dir="t"/>
+    </dgm:scene3d>
+    <dgm:sp3d/>
+    <dgm:txPr/>
+    <dgm:style>
+      <a:lnRef idx="2">
+        <a:scrgbClr r="0" g="0" b="0"/>
+      </a:lnRef>
+      <a:fillRef idx="1">
+        <a:scrgbClr r="0" g="0" b="0"/>
+      </a:fillRef>
+      <a:effectRef idx="0">
+        <a:scrgbClr r="0" g="0" b="0"/>
+      </a:effectRef>
+      <a:fontRef idx="minor">
+        <a:schemeClr val="lt1"/>
+      </a:fontRef>
+    </dgm:style>
+  </dgm:styleLbl>
+  <dgm:styleLbl name="asst4">
+    <dgm:scene3d>
+      <a:camera prst="orthographicFront"/>
+      <a:lightRig rig="threePt" dir="t"/>
+    </dgm:scene3d>
+    <dgm:sp3d/>
+    <dgm:txPr/>
+    <dgm:style>
+      <a:lnRef idx="2">
+        <a:scrgbClr r="0" g="0" b="0"/>
+      </a:lnRef>
+      <a:fillRef idx="1">
+        <a:scrgbClr r="0" g="0" b="0"/>
+      </a:fillRef>
+      <a:effectRef idx="0">
+        <a:scrgbClr r="0" g="0" b="0"/>
+      </a:effectRef>
+      <a:fontRef idx="minor">
+        <a:schemeClr val="lt1"/>
+      </a:fontRef>
+    </dgm:style>
+  </dgm:styleLbl>
+  <dgm:styleLbl name="parChTrans2D1">
+    <dgm:scene3d>
+      <a:camera prst="orthographicFront"/>
+      <a:lightRig rig="threePt" dir="t"/>
+    </dgm:scene3d>
+    <dgm:sp3d/>
+    <dgm:txPr/>
+    <dgm:style>
+      <a:lnRef idx="2">
+        <a:scrgbClr r="0" g="0" b="0"/>
+      </a:lnRef>
+      <a:fillRef idx="1">
+        <a:scrgbClr r="0" g="0" b="0"/>
+      </a:fillRef>
+      <a:effectRef idx="0">
+        <a:scrgbClr r="0" g="0" b="0"/>
+      </a:effectRef>
+      <a:fontRef idx="minor">
+        <a:schemeClr val="lt1"/>
+      </a:fontRef>
+    </dgm:style>
+  </dgm:styleLbl>
+  <dgm:styleLbl name="parChTrans2D2">
+    <dgm:scene3d>
+      <a:camera prst="orthographicFront"/>
+      <a:lightRig rig="threePt" dir="t"/>
+    </dgm:scene3d>
+    <dgm:sp3d/>
+    <dgm:txPr/>
+    <dgm:style>
+      <a:lnRef idx="2">
+        <a:scrgbClr r="0" g="0" b="0"/>
+      </a:lnRef>
+      <a:fillRef idx="1">
+        <a:scrgbClr r="0" g="0" b="0"/>
+      </a:fillRef>
+      <a:effectRef idx="0">
+        <a:scrgbClr r="0" g="0" b="0"/>
+      </a:effectRef>
+      <a:fontRef idx="minor">
+        <a:schemeClr val="lt1"/>
+      </a:fontRef>
+    </dgm:style>
+  </dgm:styleLbl>
+  <dgm:styleLbl name="parChTrans2D3">
+    <dgm:scene3d>
+      <a:camera prst="orthographicFront"/>
+      <a:lightRig rig="threePt" dir="t"/>
+    </dgm:scene3d>
+    <dgm:sp3d/>
+    <dgm:txPr/>
+    <dgm:style>
+      <a:lnRef idx="2">
+        <a:scrgbClr r="0" g="0" b="0"/>
+      </a:lnRef>
+      <a:fillRef idx="1">
+        <a:scrgbClr r="0" g="0" b="0"/>
+      </a:fillRef>
+      <a:effectRef idx="0">
+        <a:scrgbClr r="0" g="0" b="0"/>
+      </a:effectRef>
+      <a:fontRef idx="minor">
+        <a:schemeClr val="lt1"/>
+      </a:fontRef>
+    </dgm:style>
+  </dgm:styleLbl>
+  <dgm:styleLbl name="parChTrans2D4">
+    <dgm:scene3d>
+      <a:camera prst="orthographicFront"/>
+      <a:lightRig rig="threePt" dir="t"/>
+    </dgm:scene3d>
+    <dgm:sp3d/>
+    <dgm:txPr/>
+    <dgm:style>
+      <a:lnRef idx="2">
+        <a:scrgbClr r="0" g="0" b="0"/>
+      </a:lnRef>
+      <a:fillRef idx="1">
+        <a:scrgbClr r="0" g="0" b="0"/>
+      </a:fillRef>
+      <a:effectRef idx="0">
+        <a:scrgbClr r="0" g="0" b="0"/>
+      </a:effectRef>
+      <a:fontRef idx="minor">
+        <a:schemeClr val="lt1"/>
+      </a:fontRef>
+    </dgm:style>
+  </dgm:styleLbl>
+  <dgm:styleLbl name="parChTrans1D1">
+    <dgm:scene3d>
+      <a:camera prst="orthographicFront"/>
+      <a:lightRig rig="threePt" dir="t"/>
+    </dgm:scene3d>
+    <dgm:sp3d/>
+    <dgm:txPr/>
+    <dgm:style>
+      <a:lnRef idx="2">
+        <a:scrgbClr r="0" g="0" b="0"/>
+      </a:lnRef>
+      <a:fillRef idx="0">
+        <a:scrgbClr r="0" g="0" b="0"/>
+      </a:fillRef>
+      <a:effectRef idx="0">
+        <a:scrgbClr r="0" g="0" b="0"/>
+      </a:effectRef>
+      <a:fontRef idx="minor"/>
+    </dgm:style>
+  </dgm:styleLbl>
+  <dgm:styleLbl name="parChTrans1D2">
+    <dgm:scene3d>
+      <a:camera prst="orthographicFront"/>
+      <a:lightRig rig="threePt" dir="t"/>
+    </dgm:scene3d>
+    <dgm:sp3d/>
+    <dgm:txPr/>
+    <dgm:style>
+      <a:lnRef idx="2">
+        <a:scrgbClr r="0" g="0" b="0"/>
+      </a:lnRef>
+      <a:fillRef idx="0">
+        <a:scrgbClr r="0" g="0" b="0"/>
+      </a:fillRef>
+      <a:effectRef idx="0">
+        <a:scrgbClr r="0" g="0" b="0"/>
+      </a:effectRef>
+      <a:fontRef idx="minor"/>
+    </dgm:style>
+  </dgm:styleLbl>
+  <dgm:styleLbl name="parChTrans1D3">
+    <dgm:scene3d>
+      <a:camera prst="orthographicFront"/>
+      <a:lightRig rig="threePt" dir="t"/>
+    </dgm:scene3d>
+    <dgm:sp3d/>
+    <dgm:txPr/>
+    <dgm:style>
+      <a:lnRef idx="2">
+        <a:scrgbClr r="0" g="0" b="0"/>
+      </a:lnRef>
+      <a:fillRef idx="0">
+        <a:scrgbClr r="0" g="0" b="0"/>
+      </a:fillRef>
+      <a:effectRef idx="0">
+        <a:scrgbClr r="0" g="0" b="0"/>
+      </a:effectRef>
+      <a:fontRef idx="minor"/>
+    </dgm:style>
+  </dgm:styleLbl>
+  <dgm:styleLbl name="parChTrans1D4">
+    <dgm:scene3d>
+      <a:camera prst="orthographicFront"/>
+      <a:lightRig rig="threePt" dir="t"/>
+    </dgm:scene3d>
+    <dgm:sp3d/>
+    <dgm:txPr/>
+    <dgm:style>
+      <a:lnRef idx="2">
+        <a:scrgbClr r="0" g="0" b="0"/>
+      </a:lnRef>
+      <a:fillRef idx="0">
+        <a:scrgbClr r="0" g="0" b="0"/>
+      </a:fillRef>
+      <a:effectRef idx="0">
+        <a:scrgbClr r="0" g="0" b="0"/>
+      </a:effectRef>
+      <a:fontRef idx="minor"/>
+    </dgm:style>
+  </dgm:styleLbl>
+  <dgm:styleLbl name="fgAcc1">
+    <dgm:scene3d>
+      <a:camera prst="orthographicFront"/>
+      <a:lightRig rig="threePt" dir="t"/>
+    </dgm:scene3d>
+    <dgm:sp3d/>
+    <dgm:txPr/>
+    <dgm:style>
+      <a:lnRef idx="2">
+        <a:scrgbClr r="0" g="0" b="0"/>
+      </a:lnRef>
+      <a:fillRef idx="1">
+        <a:scrgbClr r="0" g="0" b="0"/>
+      </a:fillRef>
+      <a:effectRef idx="0">
+        <a:scrgbClr r="0" g="0" b="0"/>
+      </a:effectRef>
+      <a:fontRef idx="minor"/>
+    </dgm:style>
+  </dgm:styleLbl>
+  <dgm:styleLbl name="conFgAcc1">
+    <dgm:scene3d>
+      <a:camera prst="orthographicFront"/>
+      <a:lightRig rig="threePt" dir="t"/>
+    </dgm:scene3d>
+    <dgm:sp3d/>
+    <dgm:txPr/>
+    <dgm:style>
+      <a:lnRef idx="2">
+        <a:scrgbClr r="0" g="0" b="0"/>
+      </a:lnRef>
+      <a:fillRef idx="1">
+        <a:scrgbClr r="0" g="0" b="0"/>
+      </a:fillRef>
+      <a:effectRef idx="0">
+        <a:scrgbClr r="0" g="0" b="0"/>
+      </a:effectRef>
+      <a:fontRef idx="minor"/>
+    </dgm:style>
+  </dgm:styleLbl>
+  <dgm:styleLbl name="alignAcc1">
+    <dgm:scene3d>
+      <a:camera prst="orthographicFront"/>
+      <a:lightRig rig="threePt" dir="t"/>
+    </dgm:scene3d>
+    <dgm:sp3d/>
+    <dgm:txPr/>
+    <dgm:style>
+      <a:lnRef idx="2">
+        <a:scrgbClr r="0" g="0" b="0"/>
+      </a:lnRef>
+      <a:fillRef idx="1">
+        <a:scrgbClr r="0" g="0" b="0"/>
+      </a:fillRef>
+      <a:effectRef idx="0">
+        <a:scrgbClr r="0" g="0" b="0"/>
+      </a:effectRef>
+      <a:fontRef idx="minor"/>
+    </dgm:style>
+  </dgm:styleLbl>
+  <dgm:styleLbl name="trAlignAcc1">
+    <dgm:scene3d>
+      <a:camera prst="orthographicFront"/>
+      <a:lightRig rig="threePt" dir="t"/>
+    </dgm:scene3d>
+    <dgm:sp3d/>
+    <dgm:txPr/>
+    <dgm:style>
+      <a:lnRef idx="1">
+        <a:scrgbClr r="0" g="0" b="0"/>
+      </a:lnRef>
+      <a:fillRef idx="1">
+        <a:scrgbClr r="0" g="0" b="0"/>
+      </a:fillRef>
+      <a:effectRef idx="0">
+        <a:scrgbClr r="0" g="0" b="0"/>
+      </a:effectRef>
+      <a:fontRef idx="minor"/>
+    </dgm:style>
+  </dgm:styleLbl>
+  <dgm:styleLbl name="bgAcc1">
+    <dgm:scene3d>
+      <a:camera prst="orthographicFront"/>
+      <a:lightRig rig="threePt" dir="t"/>
+    </dgm:scene3d>
+    <dgm:sp3d/>
+    <dgm:txPr/>
+    <dgm:style>
+      <a:lnRef idx="2">
+        <a:scrgbClr r="0" g="0" b="0"/>
+      </a:lnRef>
+      <a:fillRef idx="1">
+        <a:scrgbClr r="0" g="0" b="0"/>
+      </a:fillRef>
+      <a:effectRef idx="0">
+        <a:scrgbClr r="0" g="0" b="0"/>
+      </a:effectRef>
+      <a:fontRef idx="minor"/>
+    </dgm:style>
+  </dgm:styleLbl>
+  <dgm:styleLbl name="solidFgAcc1">
+    <dgm:scene3d>
+      <a:camera prst="orthographicFront"/>
+      <a:lightRig rig="threePt" dir="t"/>
+    </dgm:scene3d>
+    <dgm:sp3d/>
+    <dgm:txPr/>
+    <dgm:style>
+      <a:lnRef idx="2">
+        <a:scrgbClr r="0" g="0" b="0"/>
+      </a:lnRef>
+      <a:fillRef idx="1">
+        <a:scrgbClr r="0" g="0" b="0"/>
+      </a:fillRef>
+      <a:effectRef idx="0">
+        <a:scrgbClr r="0" g="0" b="0"/>
+      </a:effectRef>
+      <a:fontRef idx="minor"/>
+    </dgm:style>
+  </dgm:styleLbl>
+  <dgm:styleLbl name="solidAlignAcc1">
+    <dgm:scene3d>
+      <a:camera prst="orthographicFront"/>
+      <a:lightRig rig="threePt" dir="t"/>
+    </dgm:scene3d>
+    <dgm:sp3d/>
+    <dgm:txPr/>
+    <dgm:style>
+      <a:lnRef idx="2">
+        <a:scrgbClr r="0" g="0" b="0"/>
+      </a:lnRef>
+      <a:fillRef idx="1">
+        <a:scrgbClr r="0" g="0" b="0"/>
+      </a:fillRef>
+      <a:effectRef idx="0">
+        <a:scrgbClr r="0" g="0" b="0"/>
+      </a:effectRef>
+      <a:fontRef idx="minor"/>
+    </dgm:style>
+  </dgm:styleLbl>
+  <dgm:styleLbl name="solidBgAcc1">
+    <dgm:scene3d>
+      <a:camera prst="orthographicFront"/>
+      <a:lightRig rig="threePt" dir="t"/>
+    </dgm:scene3d>
+    <dgm:sp3d/>
+    <dgm:txPr/>
+    <dgm:style>
+      <a:lnRef idx="2">
+        <a:scrgbClr r="0" g="0" b="0"/>
+      </a:lnRef>
+      <a:fillRef idx="1">
+        <a:scrgbClr r="0" g="0" b="0"/>
+      </a:fillRef>
+      <a:effectRef idx="0">
+        <a:scrgbClr r="0" g="0" b="0"/>
+      </a:effectRef>
+      <a:fontRef idx="minor"/>
+    </dgm:style>
+  </dgm:styleLbl>
+  <dgm:styleLbl name="fgAccFollowNode1">
+    <dgm:scene3d>
+      <a:camera prst="orthographicFront"/>
+      <a:lightRig rig="threePt" dir="t"/>
+    </dgm:scene3d>
+    <dgm:sp3d/>
+    <dgm:txPr/>
+    <dgm:style>
+      <a:lnRef idx="2">
+        <a:scrgbClr r="0" g="0" b="0"/>
+      </a:lnRef>
+      <a:fillRef idx="1">
+        <a:scrgbClr r="0" g="0" b="0"/>
+      </a:fillRef>
+      <a:effectRef idx="0">
+        <a:scrgbClr r="0" g="0" b="0"/>
+      </a:effectRef>
+      <a:fontRef idx="minor"/>
+    </dgm:style>
+  </dgm:styleLbl>
+  <dgm:styleLbl name="alignAccFollowNode1">
+    <dgm:scene3d>
+      <a:camera prst="orthographicFront"/>
+      <a:lightRig rig="threePt" dir="t"/>
+    </dgm:scene3d>
+    <dgm:sp3d/>
+    <dgm:txPr/>
+    <dgm:style>
+      <a:lnRef idx="2">
+        <a:scrgbClr r="0" g="0" b="0"/>
+      </a:lnRef>
+      <a:fillRef idx="1">
+        <a:scrgbClr r="0" g="0" b="0"/>
+      </a:fillRef>
+      <a:effectRef idx="0">
+        <a:scrgbClr r="0" g="0" b="0"/>
+      </a:effectRef>
+      <a:fontRef idx="minor"/>
+    </dgm:style>
+  </dgm:styleLbl>
+  <dgm:styleLbl name="bgAccFollowNode1">
+    <dgm:scene3d>
+      <a:camera prst="orthographicFront"/>
+      <a:lightRig rig="threePt" dir="t"/>
+    </dgm:scene3d>
+    <dgm:sp3d/>
+    <dgm:txPr/>
+    <dgm:style>
+      <a:lnRef idx="2">
+        <a:scrgbClr r="0" g="0" b="0"/>
+      </a:lnRef>
+      <a:fillRef idx="1">
+        <a:scrgbClr r="0" g="0" b="0"/>
+      </a:fillRef>
+      <a:effectRef idx="0">
+        <a:scrgbClr r="0" g="0" b="0"/>
+      </a:effectRef>
+      <a:fontRef idx="minor"/>
+    </dgm:style>
+  </dgm:styleLbl>
+  <dgm:styleLbl name="fgAcc0">
+    <dgm:scene3d>
+      <a:camera prst="orthographicFront"/>
+      <a:lightRig rig="threePt" dir="t"/>
+    </dgm:scene3d>
+    <dgm:sp3d/>
+    <dgm:txPr/>
+    <dgm:style>
+      <a:lnRef idx="2">
+        <a:scrgbClr r="0" g="0" b="0"/>
+      </a:lnRef>
+      <a:fillRef idx="1">
+        <a:scrgbClr r="0" g="0" b="0"/>
+      </a:fillRef>
+      <a:effectRef idx="0">
+        <a:scrgbClr r="0" g="0" b="0"/>
+      </a:effectRef>
+      <a:fontRef idx="minor"/>
+    </dgm:style>
+  </dgm:styleLbl>
+  <dgm:styleLbl name="fgAcc2">
+    <dgm:scene3d>
+      <a:camera prst="orthographicFront"/>
+      <a:lightRig rig="threePt" dir="t"/>
+    </dgm:scene3d>
+    <dgm:sp3d/>
+    <dgm:txPr/>
+    <dgm:style>
+      <a:lnRef idx="2">
+        <a:scrgbClr r="0" g="0" b="0"/>
+      </a:lnRef>
+      <a:fillRef idx="1">
+        <a:scrgbClr r="0" g="0" b="0"/>
+      </a:fillRef>
+      <a:effectRef idx="0">
+        <a:scrgbClr r="0" g="0" b="0"/>
+      </a:effectRef>
+      <a:fontRef idx="minor"/>
+    </dgm:style>
+  </dgm:styleLbl>
+  <dgm:styleLbl name="fgAcc3">
+    <dgm:scene3d>
+      <a:camera prst="orthographicFront"/>
+      <a:lightRig rig="threePt" dir="t"/>
+    </dgm:scene3d>
+    <dgm:sp3d/>
+    <dgm:txPr/>
+    <dgm:style>
+      <a:lnRef idx="2">
+        <a:scrgbClr r="0" g="0" b="0"/>
+      </a:lnRef>
+      <a:fillRef idx="1">
+        <a:scrgbClr r="0" g="0" b="0"/>
+      </a:fillRef>
+      <a:effectRef idx="0">
+        <a:scrgbClr r="0" g="0" b="0"/>
+      </a:effectRef>
+      <a:fontRef idx="minor"/>
+    </dgm:style>
+  </dgm:styleLbl>
+  <dgm:styleLbl name="fgAcc4">
+    <dgm:scene3d>
+      <a:camera prst="orthographicFront"/>
+      <a:lightRig rig="threePt" dir="t"/>
+    </dgm:scene3d>
+    <dgm:sp3d/>
+    <dgm:txPr/>
+    <dgm:style>
+      <a:lnRef idx="2">
+        <a:scrgbClr r="0" g="0" b="0"/>
+      </a:lnRef>
+      <a:fillRef idx="1">
+        <a:scrgbClr r="0" g="0" b="0"/>
+      </a:fillRef>
+      <a:effectRef idx="0">
+        <a:scrgbClr r="0" g="0" b="0"/>
+      </a:effectRef>
+      <a:fontRef idx="minor"/>
+    </dgm:style>
+  </dgm:styleLbl>
+  <dgm:styleLbl name="bgShp">
+    <dgm:scene3d>
+      <a:camera prst="orthographicFront"/>
+      <a:lightRig rig="threePt" dir="t"/>
+    </dgm:scene3d>
+    <dgm:sp3d/>
+    <dgm:txPr/>
+    <dgm:style>
+      <a:lnRef idx="0">
+        <a:scrgbClr r="0" g="0" b="0"/>
+      </a:lnRef>
+      <a:fillRef idx="1">
+        <a:scrgbClr r="0" g="0" b="0"/>
+      </a:fillRef>
+      <a:effectRef idx="0">
+        <a:scrgbClr r="0" g="0" b="0"/>
+      </a:effectRef>
+      <a:fontRef idx="minor"/>
+    </dgm:style>
+  </dgm:styleLbl>
+  <dgm:styleLbl name="dkBgShp">
+    <dgm:scene3d>
+      <a:camera prst="orthographicFront"/>
+      <a:lightRig rig="threePt" dir="t"/>
+    </dgm:scene3d>
+    <dgm:sp3d/>
+    <dgm:txPr/>
+    <dgm:style>
+      <a:lnRef idx="0">
+        <a:scrgbClr r="0" g="0" b="0"/>
+      </a:lnRef>
+      <a:fillRef idx="1">
+        <a:scrgbClr r="0" g="0" b="0"/>
+      </a:fillRef>
+      <a:effectRef idx="0">
+        <a:scrgbClr r="0" g="0" b="0"/>
+      </a:effectRef>
+      <a:fontRef idx="minor"/>
+    </dgm:style>
+  </dgm:styleLbl>
+  <dgm:styleLbl name="trBgShp">
+    <dgm:scene3d>
+      <a:camera prst="orthographicFront"/>
+      <a:lightRig rig="threePt" dir="t"/>
+    </dgm:scene3d>
+    <dgm:sp3d/>
+    <dgm:txPr/>
+    <dgm:style>
+      <a:lnRef idx="0">
+        <a:scrgbClr r="0" g="0" b="0"/>
+      </a:lnRef>
+      <a:fillRef idx="1">
+        <a:scrgbClr r="0" g="0" b="0"/>
+      </a:fillRef>
+      <a:effectRef idx="0">
+        <a:scrgbClr r="0" g="0" b="0"/>
+      </a:effectRef>
+      <a:fontRef idx="minor"/>
+    </dgm:style>
+  </dgm:styleLbl>
+  <dgm:styleLbl name="fgShp">
+    <dgm:scene3d>
+      <a:camera prst="orthographicFront"/>
+      <a:lightRig rig="threePt" dir="t"/>
+    </dgm:scene3d>
+    <dgm:sp3d/>
+    <dgm:txPr/>
+    <dgm:style>
+      <a:lnRef idx="2">
+        <a:scrgbClr r="0" g="0" b="0"/>
+      </a:lnRef>
+      <a:fillRef idx="1">
+        <a:scrgbClr r="0" g="0" b="0"/>
+      </a:fillRef>
+      <a:effectRef idx="0">
+        <a:scrgbClr r="0" g="0" b="0"/>
+      </a:effectRef>
+      <a:fontRef idx="minor"/>
+    </dgm:style>
+  </dgm:styleLbl>
+  <dgm:styleLbl name="revTx">
+    <dgm:scene3d>
+      <a:camera prst="orthographicFront"/>
+      <a:lightRig rig="threePt" dir="t"/>
+    </dgm:scene3d>
+    <dgm:sp3d/>
+    <dgm:txPr/>
+    <dgm:style>
+      <a:lnRef idx="0">
+        <a:scrgbClr r="0" g="0" b="0"/>
+      </a:lnRef>
+      <a:fillRef idx="0">
+        <a:scrgbClr r="0" g="0" b="0"/>
+      </a:fillRef>
+      <a:effectRef idx="0">
+        <a:scrgbClr r="0" g="0" b="0"/>
+      </a:effectRef>
+      <a:fontRef idx="minor"/>
+    </dgm:style>
+  </dgm:styleLbl>
+</dgm:styleDef>
+</file>
+
+<file path=ppt/diagrams/quickStyle3.xml><?xml version="1.0" encoding="utf-8"?>
 <dgm:styleDef xmlns:dgm="http://schemas.openxmlformats.org/drawingml/2006/diagram" xmlns:a="http://schemas.openxmlformats.org/drawingml/2006/main" uniqueId="urn:microsoft.com/office/officeart/2005/8/quickstyle/simple1">
   <dgm:title val=""/>
   <dgm:desc val=""/>
@@ -11157,7 +17667,7 @@
           <a:p>
             <a:fld id="{0D1FF706-9339-4DAC-99C4-2819D9C2C4A6}" type="datetimeFigureOut">
               <a:rPr lang="en-SG" smtClean="0"/>
-              <a:t>12/9/2022</a:t>
+              <a:t>13/9/2022</a:t>
             </a:fld>
             <a:endParaRPr lang="en-SG"/>
           </a:p>
@@ -11327,7 +17837,7 @@
           <a:p>
             <a:fld id="{0D1FF706-9339-4DAC-99C4-2819D9C2C4A6}" type="datetimeFigureOut">
               <a:rPr lang="en-SG" smtClean="0"/>
-              <a:t>12/9/2022</a:t>
+              <a:t>13/9/2022</a:t>
             </a:fld>
             <a:endParaRPr lang="en-SG"/>
           </a:p>
@@ -11507,7 +18017,7 @@
           <a:p>
             <a:fld id="{0D1FF706-9339-4DAC-99C4-2819D9C2C4A6}" type="datetimeFigureOut">
               <a:rPr lang="en-SG" smtClean="0"/>
-              <a:t>12/9/2022</a:t>
+              <a:t>13/9/2022</a:t>
             </a:fld>
             <a:endParaRPr lang="en-SG"/>
           </a:p>
@@ -11677,7 +18187,7 @@
           <a:p>
             <a:fld id="{0D1FF706-9339-4DAC-99C4-2819D9C2C4A6}" type="datetimeFigureOut">
               <a:rPr lang="en-SG" smtClean="0"/>
-              <a:t>12/9/2022</a:t>
+              <a:t>13/9/2022</a:t>
             </a:fld>
             <a:endParaRPr lang="en-SG"/>
           </a:p>
@@ -11923,7 +18433,7 @@
           <a:p>
             <a:fld id="{0D1FF706-9339-4DAC-99C4-2819D9C2C4A6}" type="datetimeFigureOut">
               <a:rPr lang="en-SG" smtClean="0"/>
-              <a:t>12/9/2022</a:t>
+              <a:t>13/9/2022</a:t>
             </a:fld>
             <a:endParaRPr lang="en-SG"/>
           </a:p>
@@ -12155,7 +18665,7 @@
           <a:p>
             <a:fld id="{0D1FF706-9339-4DAC-99C4-2819D9C2C4A6}" type="datetimeFigureOut">
               <a:rPr lang="en-SG" smtClean="0"/>
-              <a:t>12/9/2022</a:t>
+              <a:t>13/9/2022</a:t>
             </a:fld>
             <a:endParaRPr lang="en-SG"/>
           </a:p>
@@ -12522,7 +19032,7 @@
           <a:p>
             <a:fld id="{0D1FF706-9339-4DAC-99C4-2819D9C2C4A6}" type="datetimeFigureOut">
               <a:rPr lang="en-SG" smtClean="0"/>
-              <a:t>12/9/2022</a:t>
+              <a:t>13/9/2022</a:t>
             </a:fld>
             <a:endParaRPr lang="en-SG"/>
           </a:p>
@@ -12640,7 +19150,7 @@
           <a:p>
             <a:fld id="{0D1FF706-9339-4DAC-99C4-2819D9C2C4A6}" type="datetimeFigureOut">
               <a:rPr lang="en-SG" smtClean="0"/>
-              <a:t>12/9/2022</a:t>
+              <a:t>13/9/2022</a:t>
             </a:fld>
             <a:endParaRPr lang="en-SG"/>
           </a:p>
@@ -12735,7 +19245,7 @@
           <a:p>
             <a:fld id="{0D1FF706-9339-4DAC-99C4-2819D9C2C4A6}" type="datetimeFigureOut">
               <a:rPr lang="en-SG" smtClean="0"/>
-              <a:t>12/9/2022</a:t>
+              <a:t>13/9/2022</a:t>
             </a:fld>
             <a:endParaRPr lang="en-SG"/>
           </a:p>
@@ -13012,7 +19522,7 @@
           <a:p>
             <a:fld id="{0D1FF706-9339-4DAC-99C4-2819D9C2C4A6}" type="datetimeFigureOut">
               <a:rPr lang="en-SG" smtClean="0"/>
-              <a:t>12/9/2022</a:t>
+              <a:t>13/9/2022</a:t>
             </a:fld>
             <a:endParaRPr lang="en-SG"/>
           </a:p>
@@ -13265,7 +19775,7 @@
           <a:p>
             <a:fld id="{0D1FF706-9339-4DAC-99C4-2819D9C2C4A6}" type="datetimeFigureOut">
               <a:rPr lang="en-SG" smtClean="0"/>
-              <a:t>12/9/2022</a:t>
+              <a:t>13/9/2022</a:t>
             </a:fld>
             <a:endParaRPr lang="en-SG"/>
           </a:p>
@@ -13478,7 +19988,7 @@
           <a:p>
             <a:fld id="{0D1FF706-9339-4DAC-99C4-2819D9C2C4A6}" type="datetimeFigureOut">
               <a:rPr lang="en-SG" smtClean="0"/>
-              <a:t>12/9/2022</a:t>
+              <a:t>13/9/2022</a:t>
             </a:fld>
             <a:endParaRPr lang="en-SG"/>
           </a:p>
@@ -13956,7 +20466,7 @@
           <p:cNvPr id="4" name="Diagram 3">
             <a:extLst>
               <a:ext uri="{FF2B5EF4-FFF2-40B4-BE49-F238E27FC236}">
-                <a16:creationId xmlns="" xmlns:a16="http://schemas.microsoft.com/office/drawing/2014/main" id="{3EC9AD12-94FC-4A3F-863A-AF5B86B11CA9}"/>
+                <a16:creationId xmlns:a16="http://schemas.microsoft.com/office/drawing/2014/main" xmlns="" id="{3EC9AD12-94FC-4A3F-863A-AF5B86B11CA9}"/>
               </a:ext>
             </a:extLst>
           </p:cNvPr>
@@ -13964,7 +20474,7 @@
           <p:nvPr>
             <p:extLst>
               <p:ext uri="{D42A27DB-BD31-4B8C-83A1-F6EECF244321}">
-                <p14:modId xmlns:p14="http://schemas.microsoft.com/office/powerpoint/2010/main" val="460242065"/>
+                <p14:modId xmlns:p14="http://schemas.microsoft.com/office/powerpoint/2010/main" val="647670318"/>
               </p:ext>
             </p:extLst>
           </p:nvPr>
@@ -14015,7 +20525,15 @@
                   <a:srgbClr val="FF0000"/>
                 </a:solidFill>
               </a:rPr>
-              <a:t>Map v1</a:t>
+              <a:t>Map </a:t>
+            </a:r>
+            <a:r>
+              <a:rPr lang="en-SG" sz="3600" b="1" dirty="0" smtClean="0">
+                <a:solidFill>
+                  <a:srgbClr val="FF0000"/>
+                </a:solidFill>
+              </a:rPr>
+              <a:t>v1.0</a:t>
             </a:r>
             <a:endParaRPr lang="en-SG" sz="3600" b="1" dirty="0">
               <a:solidFill>
@@ -14060,7 +20578,119 @@
           <p:cNvPr id="4" name="Diagram 3">
             <a:extLst>
               <a:ext uri="{FF2B5EF4-FFF2-40B4-BE49-F238E27FC236}">
-                <a16:creationId xmlns="" xmlns:a16="http://schemas.microsoft.com/office/drawing/2014/main" id="{3EC9AD12-94FC-4A3F-863A-AF5B86B11CA9}"/>
+                <a16:creationId xmlns:a16="http://schemas.microsoft.com/office/drawing/2014/main" xmlns="" id="{3EC9AD12-94FC-4A3F-863A-AF5B86B11CA9}"/>
+              </a:ext>
+            </a:extLst>
+          </p:cNvPr>
+          <p:cNvGraphicFramePr/>
+          <p:nvPr>
+            <p:extLst>
+              <p:ext uri="{D42A27DB-BD31-4B8C-83A1-F6EECF244321}">
+                <p14:modId xmlns:p14="http://schemas.microsoft.com/office/powerpoint/2010/main" val="2738188391"/>
+              </p:ext>
+            </p:extLst>
+          </p:nvPr>
+        </p:nvGraphicFramePr>
+        <p:xfrm>
+          <a:off x="2032000" y="719666"/>
+          <a:ext cx="8128000" cy="5418667"/>
+        </p:xfrm>
+        <a:graphic>
+          <a:graphicData uri="http://schemas.openxmlformats.org/drawingml/2006/diagram">
+            <dgm:relIds xmlns:dgm="http://schemas.openxmlformats.org/drawingml/2006/diagram" xmlns:r="http://schemas.openxmlformats.org/officeDocument/2006/relationships" r:dm="rId2" r:lo="rId3" r:qs="rId4" r:cs="rId5"/>
+          </a:graphicData>
+        </a:graphic>
+      </p:graphicFrame>
+      <p:sp>
+        <p:nvSpPr>
+          <p:cNvPr id="2" name="TextBox 1"/>
+          <p:cNvSpPr txBox="1"/>
+          <p:nvPr/>
+        </p:nvSpPr>
+        <p:spPr>
+          <a:xfrm>
+            <a:off x="1649506" y="475129"/>
+            <a:ext cx="7512423" cy="646331"/>
+          </a:xfrm>
+          <a:prstGeom prst="rect">
+            <a:avLst/>
+          </a:prstGeom>
+          <a:noFill/>
+        </p:spPr>
+        <p:txBody>
+          <a:bodyPr wrap="square" rtlCol="0">
+            <a:spAutoFit/>
+          </a:bodyPr>
+          <a:lstStyle/>
+          <a:p>
+            <a:r>
+              <a:rPr lang="en-SG" sz="3600" b="1" dirty="0">
+                <a:solidFill>
+                  <a:srgbClr val="FF0000"/>
+                </a:solidFill>
+              </a:rPr>
+              <a:t>Site </a:t>
+            </a:r>
+            <a:r>
+              <a:rPr lang="en-SG" sz="3600" b="1" dirty="0" smtClean="0">
+                <a:solidFill>
+                  <a:srgbClr val="FF0000"/>
+                </a:solidFill>
+              </a:rPr>
+              <a:t>Map </a:t>
+            </a:r>
+            <a:r>
+              <a:rPr lang="en-SG" sz="3600" b="1" dirty="0" smtClean="0">
+                <a:solidFill>
+                  <a:srgbClr val="FF0000"/>
+                </a:solidFill>
+              </a:rPr>
+              <a:t>v1.1</a:t>
+            </a:r>
+            <a:endParaRPr lang="en-SG" sz="3600" b="1" dirty="0">
+              <a:solidFill>
+                <a:srgbClr val="FF0000"/>
+              </a:solidFill>
+            </a:endParaRPr>
+          </a:p>
+        </p:txBody>
+      </p:sp>
+    </p:spTree>
+    <p:extLst>
+      <p:ext uri="{BB962C8B-B14F-4D97-AF65-F5344CB8AC3E}">
+        <p14:creationId xmlns:p14="http://schemas.microsoft.com/office/powerpoint/2010/main" val="3102314277"/>
+      </p:ext>
+    </p:extLst>
+  </p:cSld>
+  <p:clrMapOvr>
+    <a:masterClrMapping/>
+  </p:clrMapOvr>
+</p:sld>
+</file>
+
+<file path=ppt/slides/slide4.xml><?xml version="1.0" encoding="utf-8"?>
+<p:sld xmlns:a="http://schemas.openxmlformats.org/drawingml/2006/main" xmlns:r="http://schemas.openxmlformats.org/officeDocument/2006/relationships" xmlns:p="http://schemas.openxmlformats.org/presentationml/2006/main">
+  <p:cSld>
+    <p:spTree>
+      <p:nvGrpSpPr>
+        <p:cNvPr id="1" name=""/>
+        <p:cNvGrpSpPr/>
+        <p:nvPr/>
+      </p:nvGrpSpPr>
+      <p:grpSpPr>
+        <a:xfrm>
+          <a:off x="0" y="0"/>
+          <a:ext cx="0" cy="0"/>
+          <a:chOff x="0" y="0"/>
+          <a:chExt cx="0" cy="0"/>
+        </a:xfrm>
+      </p:grpSpPr>
+      <p:graphicFrame>
+        <p:nvGraphicFramePr>
+          <p:cNvPr id="4" name="Diagram 3">
+            <a:extLst>
+              <a:ext uri="{FF2B5EF4-FFF2-40B4-BE49-F238E27FC236}">
+                <a16:creationId xmlns:a16="http://schemas.microsoft.com/office/drawing/2014/main" xmlns="" id="{3EC9AD12-94FC-4A3F-863A-AF5B86B11CA9}"/>
               </a:ext>
             </a:extLst>
           </p:cNvPr>
